--- a/images/icons.pptx
+++ b/images/icons.pptx
@@ -5,11 +5,12 @@
     <p:sldMasterId id="2147483648" r:id="rId1"/>
   </p:sldMasterIdLst>
   <p:notesMasterIdLst>
-    <p:notesMasterId r:id="rId4"/>
+    <p:notesMasterId r:id="rId5"/>
   </p:notesMasterIdLst>
   <p:sldIdLst>
     <p:sldId id="260" r:id="rId2"/>
     <p:sldId id="261" r:id="rId3"/>
+    <p:sldId id="262" r:id="rId4"/>
   </p:sldIdLst>
   <p:sldSz cx="9144000" cy="6858000" type="screen4x3"/>
   <p:notesSz cx="6858000" cy="9144000"/>
@@ -193,7 +194,7 @@
           <a:p>
             <a:fld id="{B07FD8AA-08B1-4E21-91DC-E5B90EA588FD}" type="datetimeFigureOut">
               <a:rPr lang="en-US" smtClean="0"/>
-              <a:t>4/29/2014</a:t>
+              <a:t>4/30/2014</a:t>
             </a:fld>
             <a:endParaRPr lang="en-US"/>
           </a:p>
@@ -642,7 +643,7 @@
           <a:p>
             <a:fld id="{A89232D8-0A1F-4BDD-A9E7-2D079E857A7E}" type="datetimeFigureOut">
               <a:rPr lang="en-US" smtClean="0"/>
-              <a:t>4/29/2014</a:t>
+              <a:t>4/30/2014</a:t>
             </a:fld>
             <a:endParaRPr lang="en-US"/>
           </a:p>
@@ -812,7 +813,7 @@
           <a:p>
             <a:fld id="{A89232D8-0A1F-4BDD-A9E7-2D079E857A7E}" type="datetimeFigureOut">
               <a:rPr lang="en-US" smtClean="0"/>
-              <a:t>4/29/2014</a:t>
+              <a:t>4/30/2014</a:t>
             </a:fld>
             <a:endParaRPr lang="en-US"/>
           </a:p>
@@ -992,7 +993,7 @@
           <a:p>
             <a:fld id="{A89232D8-0A1F-4BDD-A9E7-2D079E857A7E}" type="datetimeFigureOut">
               <a:rPr lang="en-US" smtClean="0"/>
-              <a:t>4/29/2014</a:t>
+              <a:t>4/30/2014</a:t>
             </a:fld>
             <a:endParaRPr lang="en-US"/>
           </a:p>
@@ -1162,7 +1163,7 @@
           <a:p>
             <a:fld id="{A89232D8-0A1F-4BDD-A9E7-2D079E857A7E}" type="datetimeFigureOut">
               <a:rPr lang="en-US" smtClean="0"/>
-              <a:t>4/29/2014</a:t>
+              <a:t>4/30/2014</a:t>
             </a:fld>
             <a:endParaRPr lang="en-US"/>
           </a:p>
@@ -1408,7 +1409,7 @@
           <a:p>
             <a:fld id="{A89232D8-0A1F-4BDD-A9E7-2D079E857A7E}" type="datetimeFigureOut">
               <a:rPr lang="en-US" smtClean="0"/>
-              <a:t>4/29/2014</a:t>
+              <a:t>4/30/2014</a:t>
             </a:fld>
             <a:endParaRPr lang="en-US"/>
           </a:p>
@@ -1696,7 +1697,7 @@
           <a:p>
             <a:fld id="{A89232D8-0A1F-4BDD-A9E7-2D079E857A7E}" type="datetimeFigureOut">
               <a:rPr lang="en-US" smtClean="0"/>
-              <a:t>4/29/2014</a:t>
+              <a:t>4/30/2014</a:t>
             </a:fld>
             <a:endParaRPr lang="en-US"/>
           </a:p>
@@ -2118,7 +2119,7 @@
           <a:p>
             <a:fld id="{A89232D8-0A1F-4BDD-A9E7-2D079E857A7E}" type="datetimeFigureOut">
               <a:rPr lang="en-US" smtClean="0"/>
-              <a:t>4/29/2014</a:t>
+              <a:t>4/30/2014</a:t>
             </a:fld>
             <a:endParaRPr lang="en-US"/>
           </a:p>
@@ -2236,7 +2237,7 @@
           <a:p>
             <a:fld id="{A89232D8-0A1F-4BDD-A9E7-2D079E857A7E}" type="datetimeFigureOut">
               <a:rPr lang="en-US" smtClean="0"/>
-              <a:t>4/29/2014</a:t>
+              <a:t>4/30/2014</a:t>
             </a:fld>
             <a:endParaRPr lang="en-US"/>
           </a:p>
@@ -2331,7 +2332,7 @@
           <a:p>
             <a:fld id="{A89232D8-0A1F-4BDD-A9E7-2D079E857A7E}" type="datetimeFigureOut">
               <a:rPr lang="en-US" smtClean="0"/>
-              <a:t>4/29/2014</a:t>
+              <a:t>4/30/2014</a:t>
             </a:fld>
             <a:endParaRPr lang="en-US"/>
           </a:p>
@@ -2608,7 +2609,7 @@
           <a:p>
             <a:fld id="{A89232D8-0A1F-4BDD-A9E7-2D079E857A7E}" type="datetimeFigureOut">
               <a:rPr lang="en-US" smtClean="0"/>
-              <a:t>4/29/2014</a:t>
+              <a:t>4/30/2014</a:t>
             </a:fld>
             <a:endParaRPr lang="en-US"/>
           </a:p>
@@ -2861,7 +2862,7 @@
           <a:p>
             <a:fld id="{A89232D8-0A1F-4BDD-A9E7-2D079E857A7E}" type="datetimeFigureOut">
               <a:rPr lang="en-US" smtClean="0"/>
-              <a:t>4/29/2014</a:t>
+              <a:t>4/30/2014</a:t>
             </a:fld>
             <a:endParaRPr lang="en-US"/>
           </a:p>
@@ -3074,7 +3075,7 @@
           <a:p>
             <a:fld id="{A89232D8-0A1F-4BDD-A9E7-2D079E857A7E}" type="datetimeFigureOut">
               <a:rPr lang="en-US" smtClean="0"/>
-              <a:t>4/29/2014</a:t>
+              <a:t>4/30/2014</a:t>
             </a:fld>
             <a:endParaRPr lang="en-US"/>
           </a:p>
@@ -7436,6 +7437,1697 @@
 </p:sld>
 </file>
 
+<file path=ppt/slides/slide3.xml><?xml version="1.0" encoding="utf-8"?>
+<p:sld xmlns:a="http://schemas.openxmlformats.org/drawingml/2006/main" xmlns:r="http://schemas.openxmlformats.org/officeDocument/2006/relationships" xmlns:p="http://schemas.openxmlformats.org/presentationml/2006/main">
+  <p:cSld>
+    <p:spTree>
+      <p:nvGrpSpPr>
+        <p:cNvPr id="1" name=""/>
+        <p:cNvGrpSpPr/>
+        <p:nvPr/>
+      </p:nvGrpSpPr>
+      <p:grpSpPr>
+        <a:xfrm>
+          <a:off x="0" y="0"/>
+          <a:ext cx="0" cy="0"/>
+          <a:chOff x="0" y="0"/>
+          <a:chExt cx="0" cy="0"/>
+        </a:xfrm>
+      </p:grpSpPr>
+      <p:grpSp>
+        <p:nvGrpSpPr>
+          <p:cNvPr id="43" name="Group 42"/>
+          <p:cNvGrpSpPr/>
+          <p:nvPr/>
+        </p:nvGrpSpPr>
+        <p:grpSpPr>
+          <a:xfrm>
+            <a:off x="243719" y="-2371187"/>
+            <a:ext cx="8713908" cy="8713908"/>
+            <a:chOff x="544392" y="1313999"/>
+            <a:chExt cx="4064401" cy="4064401"/>
+          </a:xfrm>
+        </p:grpSpPr>
+        <p:sp>
+          <p:nvSpPr>
+            <p:cNvPr id="4" name="Oval 3"/>
+            <p:cNvSpPr/>
+            <p:nvPr/>
+          </p:nvSpPr>
+          <p:spPr>
+            <a:xfrm>
+              <a:off x="544392" y="1313999"/>
+              <a:ext cx="4064401" cy="4064401"/>
+            </a:xfrm>
+            <a:prstGeom prst="ellipse">
+              <a:avLst/>
+            </a:prstGeom>
+            <a:solidFill>
+              <a:schemeClr val="accent1">
+                <a:lumMod val="75000"/>
+              </a:schemeClr>
+            </a:solidFill>
+            <a:ln>
+              <a:noFill/>
+            </a:ln>
+          </p:spPr>
+          <p:style>
+            <a:lnRef idx="2">
+              <a:schemeClr val="accent1">
+                <a:shade val="50000"/>
+              </a:schemeClr>
+            </a:lnRef>
+            <a:fillRef idx="1">
+              <a:schemeClr val="accent1"/>
+            </a:fillRef>
+            <a:effectRef idx="0">
+              <a:schemeClr val="accent1"/>
+            </a:effectRef>
+            <a:fontRef idx="minor">
+              <a:schemeClr val="lt1"/>
+            </a:fontRef>
+          </p:style>
+          <p:txBody>
+            <a:bodyPr rtlCol="0" anchor="ctr"/>
+            <a:lstStyle/>
+            <a:p>
+              <a:pPr algn="ctr"/>
+              <a:endParaRPr lang="en-US"/>
+            </a:p>
+          </p:txBody>
+        </p:sp>
+        <p:grpSp>
+          <p:nvGrpSpPr>
+            <p:cNvPr id="42" name="Group 41"/>
+            <p:cNvGrpSpPr/>
+            <p:nvPr/>
+          </p:nvGrpSpPr>
+          <p:grpSpPr>
+            <a:xfrm>
+              <a:off x="1480739" y="2052225"/>
+              <a:ext cx="2191706" cy="2587947"/>
+              <a:chOff x="1480739" y="2052225"/>
+              <a:chExt cx="2191706" cy="2587947"/>
+            </a:xfrm>
+          </p:grpSpPr>
+          <p:grpSp>
+            <p:nvGrpSpPr>
+              <p:cNvPr id="5" name="Group 4"/>
+              <p:cNvGrpSpPr/>
+              <p:nvPr/>
+            </p:nvGrpSpPr>
+            <p:grpSpPr>
+              <a:xfrm>
+                <a:off x="1480739" y="2052227"/>
+                <a:ext cx="2068501" cy="2587945"/>
+                <a:chOff x="3352800" y="2400926"/>
+                <a:chExt cx="2171712" cy="2717074"/>
+              </a:xfrm>
+            </p:grpSpPr>
+            <p:sp>
+              <p:nvSpPr>
+                <p:cNvPr id="6" name="Round Same Side Corner Rectangle 5"/>
+                <p:cNvSpPr/>
+                <p:nvPr/>
+              </p:nvSpPr>
+              <p:spPr>
+                <a:xfrm>
+                  <a:off x="3352801" y="2400926"/>
+                  <a:ext cx="2006585" cy="2717074"/>
+                </a:xfrm>
+                <a:prstGeom prst="round2SameRect">
+                  <a:avLst>
+                    <a:gd name="adj1" fmla="val 22832"/>
+                    <a:gd name="adj2" fmla="val 13118"/>
+                  </a:avLst>
+                </a:prstGeom>
+                <a:solidFill>
+                  <a:schemeClr val="bg1"/>
+                </a:solidFill>
+                <a:ln>
+                  <a:noFill/>
+                </a:ln>
+              </p:spPr>
+              <p:style>
+                <a:lnRef idx="2">
+                  <a:schemeClr val="accent1">
+                    <a:shade val="50000"/>
+                  </a:schemeClr>
+                </a:lnRef>
+                <a:fillRef idx="1">
+                  <a:schemeClr val="accent1"/>
+                </a:fillRef>
+                <a:effectRef idx="0">
+                  <a:schemeClr val="accent1"/>
+                </a:effectRef>
+                <a:fontRef idx="minor">
+                  <a:schemeClr val="lt1"/>
+                </a:fontRef>
+              </p:style>
+              <p:txBody>
+                <a:bodyPr rtlCol="0" anchor="ctr"/>
+                <a:lstStyle/>
+                <a:p>
+                  <a:pPr algn="ctr"/>
+                  <a:endParaRPr lang="en-US"/>
+                </a:p>
+              </p:txBody>
+            </p:sp>
+            <p:sp>
+              <p:nvSpPr>
+                <p:cNvPr id="7" name="Round Same Side Corner Rectangle 6"/>
+                <p:cNvSpPr/>
+                <p:nvPr/>
+              </p:nvSpPr>
+              <p:spPr>
+                <a:xfrm>
+                  <a:off x="3352800" y="2400926"/>
+                  <a:ext cx="1942170" cy="494674"/>
+                </a:xfrm>
+                <a:prstGeom prst="round2SameRect">
+                  <a:avLst>
+                    <a:gd name="adj1" fmla="val 50000"/>
+                    <a:gd name="adj2" fmla="val 0"/>
+                  </a:avLst>
+                </a:prstGeom>
+                <a:solidFill>
+                  <a:schemeClr val="bg1">
+                    <a:lumMod val="85000"/>
+                  </a:schemeClr>
+                </a:solidFill>
+                <a:ln>
+                  <a:noFill/>
+                </a:ln>
+              </p:spPr>
+              <p:style>
+                <a:lnRef idx="2">
+                  <a:schemeClr val="accent1">
+                    <a:shade val="50000"/>
+                  </a:schemeClr>
+                </a:lnRef>
+                <a:fillRef idx="1">
+                  <a:schemeClr val="accent1"/>
+                </a:fillRef>
+                <a:effectRef idx="0">
+                  <a:schemeClr val="accent1"/>
+                </a:effectRef>
+                <a:fontRef idx="minor">
+                  <a:schemeClr val="lt1"/>
+                </a:fontRef>
+              </p:style>
+              <p:txBody>
+                <a:bodyPr rtlCol="0" anchor="ctr"/>
+                <a:lstStyle/>
+                <a:p>
+                  <a:pPr algn="ctr"/>
+                  <a:endParaRPr lang="en-US"/>
+                </a:p>
+              </p:txBody>
+            </p:sp>
+            <p:grpSp>
+              <p:nvGrpSpPr>
+                <p:cNvPr id="8" name="Group 7"/>
+                <p:cNvGrpSpPr>
+                  <a:grpSpLocks noChangeAspect="1"/>
+                </p:cNvGrpSpPr>
+                <p:nvPr/>
+              </p:nvGrpSpPr>
+              <p:grpSpPr>
+                <a:xfrm>
+                  <a:off x="3581400" y="2560633"/>
+                  <a:ext cx="876300" cy="175260"/>
+                  <a:chOff x="2590800" y="5791200"/>
+                  <a:chExt cx="381000" cy="76200"/>
+                </a:xfrm>
+              </p:grpSpPr>
+              <p:sp>
+                <p:nvSpPr>
+                  <p:cNvPr id="24" name="Oval 23"/>
+                  <p:cNvSpPr/>
+                  <p:nvPr/>
+                </p:nvSpPr>
+                <p:spPr>
+                  <a:xfrm>
+                    <a:off x="2590800" y="5791200"/>
+                    <a:ext cx="76200" cy="76200"/>
+                  </a:xfrm>
+                  <a:prstGeom prst="ellipse">
+                    <a:avLst/>
+                  </a:prstGeom>
+                  <a:solidFill>
+                    <a:srgbClr val="EB5A5A"/>
+                  </a:solidFill>
+                  <a:ln>
+                    <a:noFill/>
+                  </a:ln>
+                </p:spPr>
+                <p:style>
+                  <a:lnRef idx="2">
+                    <a:schemeClr val="accent1">
+                      <a:shade val="50000"/>
+                    </a:schemeClr>
+                  </a:lnRef>
+                  <a:fillRef idx="1">
+                    <a:schemeClr val="accent1"/>
+                  </a:fillRef>
+                  <a:effectRef idx="0">
+                    <a:schemeClr val="accent1"/>
+                  </a:effectRef>
+                  <a:fontRef idx="minor">
+                    <a:schemeClr val="lt1"/>
+                  </a:fontRef>
+                </p:style>
+                <p:txBody>
+                  <a:bodyPr rtlCol="0" anchor="ctr"/>
+                  <a:lstStyle/>
+                  <a:p>
+                    <a:pPr algn="ctr"/>
+                    <a:endParaRPr lang="en-US"/>
+                  </a:p>
+                </p:txBody>
+              </p:sp>
+              <p:sp>
+                <p:nvSpPr>
+                  <p:cNvPr id="25" name="Oval 24"/>
+                  <p:cNvSpPr/>
+                  <p:nvPr/>
+                </p:nvSpPr>
+                <p:spPr>
+                  <a:xfrm>
+                    <a:off x="2743200" y="5791200"/>
+                    <a:ext cx="76200" cy="76200"/>
+                  </a:xfrm>
+                  <a:prstGeom prst="ellipse">
+                    <a:avLst/>
+                  </a:prstGeom>
+                  <a:solidFill>
+                    <a:srgbClr val="E6B450"/>
+                  </a:solidFill>
+                  <a:ln>
+                    <a:noFill/>
+                  </a:ln>
+                </p:spPr>
+                <p:style>
+                  <a:lnRef idx="2">
+                    <a:schemeClr val="accent1">
+                      <a:shade val="50000"/>
+                    </a:schemeClr>
+                  </a:lnRef>
+                  <a:fillRef idx="1">
+                    <a:schemeClr val="accent1"/>
+                  </a:fillRef>
+                  <a:effectRef idx="0">
+                    <a:schemeClr val="accent1"/>
+                  </a:effectRef>
+                  <a:fontRef idx="minor">
+                    <a:schemeClr val="lt1"/>
+                  </a:fontRef>
+                </p:style>
+                <p:txBody>
+                  <a:bodyPr rtlCol="0" anchor="ctr"/>
+                  <a:lstStyle/>
+                  <a:p>
+                    <a:pPr algn="ctr"/>
+                    <a:endParaRPr lang="en-US"/>
+                  </a:p>
+                </p:txBody>
+              </p:sp>
+              <p:sp>
+                <p:nvSpPr>
+                  <p:cNvPr id="26" name="Oval 25"/>
+                  <p:cNvSpPr/>
+                  <p:nvPr/>
+                </p:nvSpPr>
+                <p:spPr>
+                  <a:xfrm>
+                    <a:off x="2895600" y="5791200"/>
+                    <a:ext cx="76200" cy="76200"/>
+                  </a:xfrm>
+                  <a:prstGeom prst="ellipse">
+                    <a:avLst/>
+                  </a:prstGeom>
+                  <a:solidFill>
+                    <a:srgbClr val="78B946"/>
+                  </a:solidFill>
+                  <a:ln>
+                    <a:noFill/>
+                  </a:ln>
+                </p:spPr>
+                <p:style>
+                  <a:lnRef idx="2">
+                    <a:schemeClr val="accent1">
+                      <a:shade val="50000"/>
+                    </a:schemeClr>
+                  </a:lnRef>
+                  <a:fillRef idx="1">
+                    <a:schemeClr val="accent1"/>
+                  </a:fillRef>
+                  <a:effectRef idx="0">
+                    <a:schemeClr val="accent1"/>
+                  </a:effectRef>
+                  <a:fontRef idx="minor">
+                    <a:schemeClr val="lt1"/>
+                  </a:fontRef>
+                </p:style>
+                <p:txBody>
+                  <a:bodyPr rtlCol="0" anchor="ctr"/>
+                  <a:lstStyle/>
+                  <a:p>
+                    <a:pPr algn="ctr"/>
+                    <a:endParaRPr lang="en-US"/>
+                  </a:p>
+                </p:txBody>
+              </p:sp>
+            </p:grpSp>
+            <p:sp>
+              <p:nvSpPr>
+                <p:cNvPr id="9" name="Rectangle 8"/>
+                <p:cNvSpPr/>
+                <p:nvPr/>
+              </p:nvSpPr>
+              <p:spPr>
+                <a:xfrm>
+                  <a:off x="3619489" y="3123880"/>
+                  <a:ext cx="1905023" cy="515639"/>
+                </a:xfrm>
+                <a:prstGeom prst="rect">
+                  <a:avLst/>
+                </a:prstGeom>
+                <a:solidFill>
+                  <a:schemeClr val="bg1">
+                    <a:lumMod val="85000"/>
+                  </a:schemeClr>
+                </a:solidFill>
+                <a:ln>
+                  <a:noFill/>
+                </a:ln>
+              </p:spPr>
+              <p:style>
+                <a:lnRef idx="2">
+                  <a:schemeClr val="accent1">
+                    <a:shade val="50000"/>
+                  </a:schemeClr>
+                </a:lnRef>
+                <a:fillRef idx="1">
+                  <a:schemeClr val="accent1"/>
+                </a:fillRef>
+                <a:effectRef idx="0">
+                  <a:schemeClr val="accent1"/>
+                </a:effectRef>
+                <a:fontRef idx="minor">
+                  <a:schemeClr val="lt1"/>
+                </a:fontRef>
+              </p:style>
+              <p:txBody>
+                <a:bodyPr rtlCol="0" anchor="ctr"/>
+                <a:lstStyle/>
+                <a:p>
+                  <a:pPr algn="ctr"/>
+                  <a:endParaRPr lang="en-US"/>
+                </a:p>
+              </p:txBody>
+            </p:sp>
+            <p:sp>
+              <p:nvSpPr>
+                <p:cNvPr id="10" name="Rectangle 9"/>
+                <p:cNvSpPr/>
+                <p:nvPr/>
+              </p:nvSpPr>
+              <p:spPr>
+                <a:xfrm>
+                  <a:off x="3619489" y="3716051"/>
+                  <a:ext cx="814126" cy="515639"/>
+                </a:xfrm>
+                <a:prstGeom prst="rect">
+                  <a:avLst/>
+                </a:prstGeom>
+                <a:solidFill>
+                  <a:schemeClr val="bg1">
+                    <a:lumMod val="85000"/>
+                  </a:schemeClr>
+                </a:solidFill>
+                <a:ln>
+                  <a:noFill/>
+                </a:ln>
+              </p:spPr>
+              <p:style>
+                <a:lnRef idx="2">
+                  <a:schemeClr val="accent1">
+                    <a:shade val="50000"/>
+                  </a:schemeClr>
+                </a:lnRef>
+                <a:fillRef idx="1">
+                  <a:schemeClr val="accent1"/>
+                </a:fillRef>
+                <a:effectRef idx="0">
+                  <a:schemeClr val="accent1"/>
+                </a:effectRef>
+                <a:fontRef idx="minor">
+                  <a:schemeClr val="lt1"/>
+                </a:fontRef>
+              </p:style>
+              <p:txBody>
+                <a:bodyPr rtlCol="0" anchor="ctr"/>
+                <a:lstStyle/>
+                <a:p>
+                  <a:pPr algn="ctr"/>
+                  <a:endParaRPr lang="en-US"/>
+                </a:p>
+              </p:txBody>
+            </p:sp>
+            <p:sp>
+              <p:nvSpPr>
+                <p:cNvPr id="11" name="Rectangle 10"/>
+                <p:cNvSpPr/>
+                <p:nvPr/>
+              </p:nvSpPr>
+              <p:spPr>
+                <a:xfrm>
+                  <a:off x="4527643" y="3716050"/>
+                  <a:ext cx="996869" cy="515639"/>
+                </a:xfrm>
+                <a:prstGeom prst="rect">
+                  <a:avLst/>
+                </a:prstGeom>
+                <a:solidFill>
+                  <a:schemeClr val="bg1">
+                    <a:lumMod val="85000"/>
+                  </a:schemeClr>
+                </a:solidFill>
+                <a:ln>
+                  <a:noFill/>
+                </a:ln>
+              </p:spPr>
+              <p:style>
+                <a:lnRef idx="2">
+                  <a:schemeClr val="accent1">
+                    <a:shade val="50000"/>
+                  </a:schemeClr>
+                </a:lnRef>
+                <a:fillRef idx="1">
+                  <a:schemeClr val="accent1"/>
+                </a:fillRef>
+                <a:effectRef idx="0">
+                  <a:schemeClr val="accent1"/>
+                </a:effectRef>
+                <a:fontRef idx="minor">
+                  <a:schemeClr val="lt1"/>
+                </a:fontRef>
+              </p:style>
+              <p:txBody>
+                <a:bodyPr rtlCol="0" anchor="ctr"/>
+                <a:lstStyle/>
+                <a:p>
+                  <a:pPr algn="ctr"/>
+                  <a:endParaRPr lang="en-US"/>
+                </a:p>
+              </p:txBody>
+            </p:sp>
+            <p:grpSp>
+              <p:nvGrpSpPr>
+                <p:cNvPr id="12" name="Group 11"/>
+                <p:cNvGrpSpPr/>
+                <p:nvPr/>
+              </p:nvGrpSpPr>
+              <p:grpSpPr>
+                <a:xfrm>
+                  <a:off x="4530486" y="4308220"/>
+                  <a:ext cx="989456" cy="132691"/>
+                  <a:chOff x="4282439" y="4349114"/>
+                  <a:chExt cx="1338536" cy="175261"/>
+                </a:xfrm>
+              </p:grpSpPr>
+              <p:sp>
+                <p:nvSpPr>
+                  <p:cNvPr id="22" name="Rectangle 21"/>
+                  <p:cNvSpPr/>
+                  <p:nvPr/>
+                </p:nvSpPr>
+                <p:spPr>
+                  <a:xfrm>
+                    <a:off x="4557651" y="4349115"/>
+                    <a:ext cx="1063324" cy="175260"/>
+                  </a:xfrm>
+                  <a:prstGeom prst="rect">
+                    <a:avLst/>
+                  </a:prstGeom>
+                  <a:solidFill>
+                    <a:schemeClr val="bg1">
+                      <a:lumMod val="85000"/>
+                    </a:schemeClr>
+                  </a:solidFill>
+                  <a:ln>
+                    <a:noFill/>
+                  </a:ln>
+                </p:spPr>
+                <p:style>
+                  <a:lnRef idx="2">
+                    <a:schemeClr val="accent1">
+                      <a:shade val="50000"/>
+                    </a:schemeClr>
+                  </a:lnRef>
+                  <a:fillRef idx="1">
+                    <a:schemeClr val="accent1"/>
+                  </a:fillRef>
+                  <a:effectRef idx="0">
+                    <a:schemeClr val="accent1"/>
+                  </a:effectRef>
+                  <a:fontRef idx="minor">
+                    <a:schemeClr val="lt1"/>
+                  </a:fontRef>
+                </p:style>
+                <p:txBody>
+                  <a:bodyPr rtlCol="0" anchor="ctr"/>
+                  <a:lstStyle/>
+                  <a:p>
+                    <a:pPr algn="ctr"/>
+                    <a:endParaRPr lang="en-US"/>
+                  </a:p>
+                </p:txBody>
+              </p:sp>
+              <p:sp>
+                <p:nvSpPr>
+                  <p:cNvPr id="23" name="Oval 22"/>
+                  <p:cNvSpPr/>
+                  <p:nvPr/>
+                </p:nvSpPr>
+                <p:spPr>
+                  <a:xfrm>
+                    <a:off x="4282439" y="4349114"/>
+                    <a:ext cx="185550" cy="175260"/>
+                  </a:xfrm>
+                  <a:prstGeom prst="ellipse">
+                    <a:avLst/>
+                  </a:prstGeom>
+                  <a:solidFill>
+                    <a:srgbClr val="78B946"/>
+                  </a:solidFill>
+                  <a:ln>
+                    <a:noFill/>
+                  </a:ln>
+                </p:spPr>
+                <p:style>
+                  <a:lnRef idx="2">
+                    <a:schemeClr val="accent1">
+                      <a:shade val="50000"/>
+                    </a:schemeClr>
+                  </a:lnRef>
+                  <a:fillRef idx="1">
+                    <a:schemeClr val="accent1"/>
+                  </a:fillRef>
+                  <a:effectRef idx="0">
+                    <a:schemeClr val="accent1"/>
+                  </a:effectRef>
+                  <a:fontRef idx="minor">
+                    <a:schemeClr val="lt1"/>
+                  </a:fontRef>
+                </p:style>
+                <p:txBody>
+                  <a:bodyPr rtlCol="0" anchor="ctr"/>
+                  <a:lstStyle/>
+                  <a:p>
+                    <a:pPr algn="ctr"/>
+                    <a:endParaRPr lang="en-US"/>
+                  </a:p>
+                </p:txBody>
+              </p:sp>
+            </p:grpSp>
+            <p:grpSp>
+              <p:nvGrpSpPr>
+                <p:cNvPr id="13" name="Group 12"/>
+                <p:cNvGrpSpPr/>
+                <p:nvPr/>
+              </p:nvGrpSpPr>
+              <p:grpSpPr>
+                <a:xfrm>
+                  <a:off x="4530486" y="4517443"/>
+                  <a:ext cx="989456" cy="132690"/>
+                  <a:chOff x="4282439" y="4592002"/>
+                  <a:chExt cx="1338536" cy="175260"/>
+                </a:xfrm>
+              </p:grpSpPr>
+              <p:sp>
+                <p:nvSpPr>
+                  <p:cNvPr id="20" name="Rectangle 19"/>
+                  <p:cNvSpPr/>
+                  <p:nvPr/>
+                </p:nvSpPr>
+                <p:spPr>
+                  <a:xfrm>
+                    <a:off x="4557651" y="4592002"/>
+                    <a:ext cx="1063324" cy="175260"/>
+                  </a:xfrm>
+                  <a:prstGeom prst="rect">
+                    <a:avLst/>
+                  </a:prstGeom>
+                  <a:solidFill>
+                    <a:schemeClr val="bg1">
+                      <a:lumMod val="85000"/>
+                    </a:schemeClr>
+                  </a:solidFill>
+                  <a:ln>
+                    <a:noFill/>
+                  </a:ln>
+                </p:spPr>
+                <p:style>
+                  <a:lnRef idx="2">
+                    <a:schemeClr val="accent1">
+                      <a:shade val="50000"/>
+                    </a:schemeClr>
+                  </a:lnRef>
+                  <a:fillRef idx="1">
+                    <a:schemeClr val="accent1"/>
+                  </a:fillRef>
+                  <a:effectRef idx="0">
+                    <a:schemeClr val="accent1"/>
+                  </a:effectRef>
+                  <a:fontRef idx="minor">
+                    <a:schemeClr val="lt1"/>
+                  </a:fontRef>
+                </p:style>
+                <p:txBody>
+                  <a:bodyPr rtlCol="0" anchor="ctr"/>
+                  <a:lstStyle/>
+                  <a:p>
+                    <a:pPr algn="ctr"/>
+                    <a:endParaRPr lang="en-US"/>
+                  </a:p>
+                </p:txBody>
+              </p:sp>
+              <p:sp>
+                <p:nvSpPr>
+                  <p:cNvPr id="21" name="Oval 20"/>
+                  <p:cNvSpPr/>
+                  <p:nvPr/>
+                </p:nvSpPr>
+                <p:spPr>
+                  <a:xfrm>
+                    <a:off x="4282439" y="4592002"/>
+                    <a:ext cx="185550" cy="175260"/>
+                  </a:xfrm>
+                  <a:prstGeom prst="ellipse">
+                    <a:avLst/>
+                  </a:prstGeom>
+                  <a:solidFill>
+                    <a:srgbClr val="78B946"/>
+                  </a:solidFill>
+                  <a:ln>
+                    <a:noFill/>
+                  </a:ln>
+                </p:spPr>
+                <p:style>
+                  <a:lnRef idx="2">
+                    <a:schemeClr val="accent1">
+                      <a:shade val="50000"/>
+                    </a:schemeClr>
+                  </a:lnRef>
+                  <a:fillRef idx="1">
+                    <a:schemeClr val="accent1"/>
+                  </a:fillRef>
+                  <a:effectRef idx="0">
+                    <a:schemeClr val="accent1"/>
+                  </a:effectRef>
+                  <a:fontRef idx="minor">
+                    <a:schemeClr val="lt1"/>
+                  </a:fontRef>
+                </p:style>
+                <p:txBody>
+                  <a:bodyPr rtlCol="0" anchor="ctr"/>
+                  <a:lstStyle/>
+                  <a:p>
+                    <a:pPr algn="ctr"/>
+                    <a:endParaRPr lang="en-US"/>
+                  </a:p>
+                </p:txBody>
+              </p:sp>
+            </p:grpSp>
+            <p:grpSp>
+              <p:nvGrpSpPr>
+                <p:cNvPr id="14" name="Group 13"/>
+                <p:cNvGrpSpPr/>
+                <p:nvPr/>
+              </p:nvGrpSpPr>
+              <p:grpSpPr>
+                <a:xfrm>
+                  <a:off x="3619489" y="4308222"/>
+                  <a:ext cx="814126" cy="132690"/>
+                  <a:chOff x="3619489" y="4290757"/>
+                  <a:chExt cx="814126" cy="132690"/>
+                </a:xfrm>
+              </p:grpSpPr>
+              <p:sp>
+                <p:nvSpPr>
+                  <p:cNvPr id="18" name="Rectangle 17"/>
+                  <p:cNvSpPr/>
+                  <p:nvPr/>
+                </p:nvSpPr>
+                <p:spPr>
+                  <a:xfrm>
+                    <a:off x="3831639" y="4290757"/>
+                    <a:ext cx="601976" cy="132690"/>
+                  </a:xfrm>
+                  <a:prstGeom prst="rect">
+                    <a:avLst/>
+                  </a:prstGeom>
+                  <a:solidFill>
+                    <a:schemeClr val="bg1">
+                      <a:lumMod val="85000"/>
+                    </a:schemeClr>
+                  </a:solidFill>
+                  <a:ln>
+                    <a:noFill/>
+                  </a:ln>
+                </p:spPr>
+                <p:style>
+                  <a:lnRef idx="2">
+                    <a:schemeClr val="accent1">
+                      <a:shade val="50000"/>
+                    </a:schemeClr>
+                  </a:lnRef>
+                  <a:fillRef idx="1">
+                    <a:schemeClr val="accent1"/>
+                  </a:fillRef>
+                  <a:effectRef idx="0">
+                    <a:schemeClr val="accent1"/>
+                  </a:effectRef>
+                  <a:fontRef idx="minor">
+                    <a:schemeClr val="lt1"/>
+                  </a:fontRef>
+                </p:style>
+                <p:txBody>
+                  <a:bodyPr rtlCol="0" anchor="ctr"/>
+                  <a:lstStyle/>
+                  <a:p>
+                    <a:pPr algn="ctr"/>
+                    <a:endParaRPr lang="en-US"/>
+                  </a:p>
+                </p:txBody>
+              </p:sp>
+              <p:sp>
+                <p:nvSpPr>
+                  <p:cNvPr id="19" name="Rectangle 18"/>
+                  <p:cNvSpPr/>
+                  <p:nvPr/>
+                </p:nvSpPr>
+                <p:spPr>
+                  <a:xfrm>
+                    <a:off x="3619489" y="4290757"/>
+                    <a:ext cx="132850" cy="132690"/>
+                  </a:xfrm>
+                  <a:prstGeom prst="rect">
+                    <a:avLst/>
+                  </a:prstGeom>
+                  <a:solidFill>
+                    <a:schemeClr val="bg1">
+                      <a:lumMod val="65000"/>
+                    </a:schemeClr>
+                  </a:solidFill>
+                  <a:ln>
+                    <a:noFill/>
+                  </a:ln>
+                </p:spPr>
+                <p:style>
+                  <a:lnRef idx="2">
+                    <a:schemeClr val="accent1">
+                      <a:shade val="50000"/>
+                    </a:schemeClr>
+                  </a:lnRef>
+                  <a:fillRef idx="1">
+                    <a:schemeClr val="accent1"/>
+                  </a:fillRef>
+                  <a:effectRef idx="0">
+                    <a:schemeClr val="accent1"/>
+                  </a:effectRef>
+                  <a:fontRef idx="minor">
+                    <a:schemeClr val="lt1"/>
+                  </a:fontRef>
+                </p:style>
+                <p:txBody>
+                  <a:bodyPr rtlCol="0" anchor="ctr"/>
+                  <a:lstStyle/>
+                  <a:p>
+                    <a:pPr algn="ctr"/>
+                    <a:endParaRPr lang="en-US"/>
+                  </a:p>
+                </p:txBody>
+              </p:sp>
+            </p:grpSp>
+            <p:sp>
+              <p:nvSpPr>
+                <p:cNvPr id="15" name="Rectangle 14"/>
+                <p:cNvSpPr/>
+                <p:nvPr/>
+              </p:nvSpPr>
+              <p:spPr>
+                <a:xfrm>
+                  <a:off x="3619488" y="4650133"/>
+                  <a:ext cx="814126" cy="137160"/>
+                </a:xfrm>
+                <a:prstGeom prst="rect">
+                  <a:avLst/>
+                </a:prstGeom>
+                <a:solidFill>
+                  <a:schemeClr val="bg1">
+                    <a:lumMod val="95000"/>
+                  </a:schemeClr>
+                </a:solidFill>
+                <a:ln>
+                  <a:noFill/>
+                </a:ln>
+              </p:spPr>
+              <p:style>
+                <a:lnRef idx="2">
+                  <a:schemeClr val="accent1">
+                    <a:shade val="50000"/>
+                  </a:schemeClr>
+                </a:lnRef>
+                <a:fillRef idx="1">
+                  <a:schemeClr val="accent1"/>
+                </a:fillRef>
+                <a:effectRef idx="0">
+                  <a:schemeClr val="accent1"/>
+                </a:effectRef>
+                <a:fontRef idx="minor">
+                  <a:schemeClr val="lt1"/>
+                </a:fontRef>
+              </p:style>
+              <p:txBody>
+                <a:bodyPr rtlCol="0" anchor="ctr"/>
+                <a:lstStyle/>
+                <a:p>
+                  <a:pPr algn="ctr"/>
+                  <a:endParaRPr lang="en-US"/>
+                </a:p>
+              </p:txBody>
+            </p:sp>
+            <p:sp>
+              <p:nvSpPr>
+                <p:cNvPr id="16" name="Rectangle 15"/>
+                <p:cNvSpPr/>
+                <p:nvPr/>
+              </p:nvSpPr>
+              <p:spPr>
+                <a:xfrm>
+                  <a:off x="3619488" y="4517443"/>
+                  <a:ext cx="814126" cy="132690"/>
+                </a:xfrm>
+                <a:prstGeom prst="rect">
+                  <a:avLst/>
+                </a:prstGeom>
+                <a:solidFill>
+                  <a:schemeClr val="bg1">
+                    <a:lumMod val="85000"/>
+                  </a:schemeClr>
+                </a:solidFill>
+                <a:ln>
+                  <a:noFill/>
+                </a:ln>
+              </p:spPr>
+              <p:style>
+                <a:lnRef idx="2">
+                  <a:schemeClr val="accent1">
+                    <a:shade val="50000"/>
+                  </a:schemeClr>
+                </a:lnRef>
+                <a:fillRef idx="1">
+                  <a:schemeClr val="accent1"/>
+                </a:fillRef>
+                <a:effectRef idx="0">
+                  <a:schemeClr val="accent1"/>
+                </a:effectRef>
+                <a:fontRef idx="minor">
+                  <a:schemeClr val="lt1"/>
+                </a:fontRef>
+              </p:style>
+              <p:txBody>
+                <a:bodyPr rtlCol="0" anchor="ctr"/>
+                <a:lstStyle/>
+                <a:p>
+                  <a:pPr algn="ctr"/>
+                  <a:endParaRPr lang="en-US"/>
+                </a:p>
+              </p:txBody>
+            </p:sp>
+            <p:sp>
+              <p:nvSpPr>
+                <p:cNvPr id="17" name="Isosceles Triangle 16"/>
+                <p:cNvSpPr/>
+                <p:nvPr/>
+              </p:nvSpPr>
+              <p:spPr>
+                <a:xfrm flipV="1">
+                  <a:off x="4309068" y="4550616"/>
+                  <a:ext cx="107941" cy="66345"/>
+                </a:xfrm>
+                <a:prstGeom prst="triangle">
+                  <a:avLst/>
+                </a:prstGeom>
+                <a:solidFill>
+                  <a:schemeClr val="bg1">
+                    <a:lumMod val="65000"/>
+                  </a:schemeClr>
+                </a:solidFill>
+                <a:ln>
+                  <a:noFill/>
+                </a:ln>
+              </p:spPr>
+              <p:style>
+                <a:lnRef idx="2">
+                  <a:schemeClr val="accent1">
+                    <a:shade val="50000"/>
+                  </a:schemeClr>
+                </a:lnRef>
+                <a:fillRef idx="1">
+                  <a:schemeClr val="accent1"/>
+                </a:fillRef>
+                <a:effectRef idx="0">
+                  <a:schemeClr val="accent1"/>
+                </a:effectRef>
+                <a:fontRef idx="minor">
+                  <a:schemeClr val="lt1"/>
+                </a:fontRef>
+              </p:style>
+              <p:txBody>
+                <a:bodyPr rtlCol="0" anchor="ctr"/>
+                <a:lstStyle/>
+                <a:p>
+                  <a:pPr algn="ctr"/>
+                  <a:endParaRPr lang="en-US"/>
+                </a:p>
+              </p:txBody>
+            </p:sp>
+          </p:grpSp>
+          <p:grpSp>
+            <p:nvGrpSpPr>
+              <p:cNvPr id="2" name="Group 1"/>
+              <p:cNvGrpSpPr/>
+              <p:nvPr/>
+            </p:nvGrpSpPr>
+            <p:grpSpPr>
+              <a:xfrm>
+                <a:off x="2599037" y="2052225"/>
+                <a:ext cx="1073408" cy="2587945"/>
+                <a:chOff x="4265767" y="1726390"/>
+                <a:chExt cx="591738" cy="1415801"/>
+              </a:xfrm>
+            </p:grpSpPr>
+            <p:sp>
+              <p:nvSpPr>
+                <p:cNvPr id="29" name="Snip Single Corner Rectangle 28"/>
+                <p:cNvSpPr/>
+                <p:nvPr/>
+              </p:nvSpPr>
+              <p:spPr>
+                <a:xfrm>
+                  <a:off x="4271358" y="1726390"/>
+                  <a:ext cx="586146" cy="1415801"/>
+                </a:xfrm>
+                <a:prstGeom prst="snip1Rect">
+                  <a:avLst>
+                    <a:gd name="adj" fmla="val 44791"/>
+                  </a:avLst>
+                </a:prstGeom>
+                <a:solidFill>
+                  <a:schemeClr val="bg1"/>
+                </a:solidFill>
+                <a:ln>
+                  <a:noFill/>
+                </a:ln>
+              </p:spPr>
+              <p:style>
+                <a:lnRef idx="2">
+                  <a:schemeClr val="accent1">
+                    <a:shade val="50000"/>
+                  </a:schemeClr>
+                </a:lnRef>
+                <a:fillRef idx="1">
+                  <a:schemeClr val="accent1"/>
+                </a:fillRef>
+                <a:effectRef idx="0">
+                  <a:schemeClr val="accent1"/>
+                </a:effectRef>
+                <a:fontRef idx="minor">
+                  <a:schemeClr val="lt1"/>
+                </a:fontRef>
+              </p:style>
+              <p:txBody>
+                <a:bodyPr rtlCol="0" anchor="ctr"/>
+                <a:lstStyle/>
+                <a:p>
+                  <a:pPr algn="ctr"/>
+                  <a:endParaRPr lang="en-US" sz="1000" dirty="0" smtClean="0">
+                    <a:solidFill>
+                      <a:schemeClr val="bg1">
+                        <a:lumMod val="85000"/>
+                      </a:schemeClr>
+                    </a:solidFill>
+                  </a:endParaRPr>
+                </a:p>
+                <a:p>
+                  <a:pPr algn="ctr"/>
+                  <a:endParaRPr lang="en-US" sz="1000" dirty="0">
+                    <a:solidFill>
+                      <a:schemeClr val="bg1">
+                        <a:lumMod val="85000"/>
+                      </a:schemeClr>
+                    </a:solidFill>
+                  </a:endParaRPr>
+                </a:p>
+                <a:p>
+                  <a:pPr algn="ctr"/>
+                  <a:endParaRPr lang="en-US" sz="1000" dirty="0" smtClean="0">
+                    <a:solidFill>
+                      <a:schemeClr val="bg1">
+                        <a:lumMod val="85000"/>
+                      </a:schemeClr>
+                    </a:solidFill>
+                  </a:endParaRPr>
+                </a:p>
+                <a:p>
+                  <a:pPr algn="ctr"/>
+                  <a:endParaRPr lang="en-US" sz="1000" dirty="0">
+                    <a:solidFill>
+                      <a:schemeClr val="bg1">
+                        <a:lumMod val="85000"/>
+                      </a:schemeClr>
+                    </a:solidFill>
+                  </a:endParaRPr>
+                </a:p>
+                <a:p>
+                  <a:pPr algn="ctr"/>
+                  <a:endParaRPr lang="en-US" sz="1000" dirty="0">
+                    <a:solidFill>
+                      <a:schemeClr val="bg1">
+                        <a:lumMod val="85000"/>
+                      </a:schemeClr>
+                    </a:solidFill>
+                  </a:endParaRPr>
+                </a:p>
+              </p:txBody>
+            </p:sp>
+            <p:sp>
+              <p:nvSpPr>
+                <p:cNvPr id="30" name="Right Triangle 29"/>
+                <p:cNvSpPr/>
+                <p:nvPr/>
+              </p:nvSpPr>
+              <p:spPr>
+                <a:xfrm>
+                  <a:off x="4596948" y="1726390"/>
+                  <a:ext cx="260557" cy="260557"/>
+                </a:xfrm>
+                <a:prstGeom prst="rtTriangle">
+                  <a:avLst/>
+                </a:prstGeom>
+                <a:solidFill>
+                  <a:schemeClr val="accent6">
+                    <a:lumMod val="60000"/>
+                    <a:lumOff val="40000"/>
+                  </a:schemeClr>
+                </a:solidFill>
+                <a:ln>
+                  <a:noFill/>
+                </a:ln>
+              </p:spPr>
+              <p:style>
+                <a:lnRef idx="2">
+                  <a:schemeClr val="accent1">
+                    <a:shade val="50000"/>
+                  </a:schemeClr>
+                </a:lnRef>
+                <a:fillRef idx="1">
+                  <a:schemeClr val="accent1"/>
+                </a:fillRef>
+                <a:effectRef idx="0">
+                  <a:schemeClr val="accent1"/>
+                </a:effectRef>
+                <a:fontRef idx="minor">
+                  <a:schemeClr val="lt1"/>
+                </a:fontRef>
+              </p:style>
+              <p:txBody>
+                <a:bodyPr rtlCol="0" anchor="ctr"/>
+                <a:lstStyle/>
+                <a:p>
+                  <a:pPr algn="ctr"/>
+                  <a:endParaRPr lang="en-US" sz="1000">
+                    <a:solidFill>
+                      <a:schemeClr val="bg1">
+                        <a:lumMod val="85000"/>
+                      </a:schemeClr>
+                    </a:solidFill>
+                  </a:endParaRPr>
+                </a:p>
+              </p:txBody>
+            </p:sp>
+            <p:grpSp>
+              <p:nvGrpSpPr>
+                <p:cNvPr id="68" name="Group 67"/>
+                <p:cNvGrpSpPr/>
+                <p:nvPr/>
+              </p:nvGrpSpPr>
+              <p:grpSpPr>
+                <a:xfrm>
+                  <a:off x="4265767" y="1989330"/>
+                  <a:ext cx="450784" cy="940021"/>
+                  <a:chOff x="4313740" y="1922244"/>
+                  <a:chExt cx="434473" cy="906007"/>
+                </a:xfrm>
+              </p:grpSpPr>
+              <p:sp>
+                <p:nvSpPr>
+                  <p:cNvPr id="33" name="Rectangle 32"/>
+                  <p:cNvSpPr/>
+                  <p:nvPr/>
+                </p:nvSpPr>
+                <p:spPr>
+                  <a:xfrm>
+                    <a:off x="4392279" y="1922244"/>
+                    <a:ext cx="151095" cy="71087"/>
+                  </a:xfrm>
+                  <a:prstGeom prst="rect">
+                    <a:avLst/>
+                  </a:prstGeom>
+                  <a:solidFill>
+                    <a:schemeClr val="bg1">
+                      <a:lumMod val="85000"/>
+                    </a:schemeClr>
+                  </a:solidFill>
+                  <a:ln>
+                    <a:noFill/>
+                  </a:ln>
+                </p:spPr>
+                <p:style>
+                  <a:lnRef idx="2">
+                    <a:schemeClr val="accent1">
+                      <a:shade val="50000"/>
+                    </a:schemeClr>
+                  </a:lnRef>
+                  <a:fillRef idx="1">
+                    <a:schemeClr val="accent1"/>
+                  </a:fillRef>
+                  <a:effectRef idx="0">
+                    <a:schemeClr val="accent1"/>
+                  </a:effectRef>
+                  <a:fontRef idx="minor">
+                    <a:schemeClr val="lt1"/>
+                  </a:fontRef>
+                </p:style>
+                <p:txBody>
+                  <a:bodyPr rtlCol="0" anchor="ctr"/>
+                  <a:lstStyle/>
+                  <a:p>
+                    <a:pPr algn="ctr"/>
+                    <a:endParaRPr lang="en-US" sz="600" b="1">
+                      <a:solidFill>
+                        <a:schemeClr val="bg1">
+                          <a:lumMod val="85000"/>
+                        </a:schemeClr>
+                      </a:solidFill>
+                    </a:endParaRPr>
+                  </a:p>
+                </p:txBody>
+              </p:sp>
+              <p:sp>
+                <p:nvSpPr>
+                  <p:cNvPr id="46" name="Rectangle 45"/>
+                  <p:cNvSpPr/>
+                  <p:nvPr/>
+                </p:nvSpPr>
+                <p:spPr>
+                  <a:xfrm>
+                    <a:off x="4313740" y="2201651"/>
+                    <a:ext cx="82463" cy="71088"/>
+                  </a:xfrm>
+                  <a:prstGeom prst="rect">
+                    <a:avLst/>
+                  </a:prstGeom>
+                  <a:solidFill>
+                    <a:schemeClr val="bg1">
+                      <a:lumMod val="85000"/>
+                    </a:schemeClr>
+                  </a:solidFill>
+                  <a:ln>
+                    <a:noFill/>
+                  </a:ln>
+                </p:spPr>
+                <p:style>
+                  <a:lnRef idx="2">
+                    <a:schemeClr val="accent1">
+                      <a:shade val="50000"/>
+                    </a:schemeClr>
+                  </a:lnRef>
+                  <a:fillRef idx="1">
+                    <a:schemeClr val="accent1"/>
+                  </a:fillRef>
+                  <a:effectRef idx="0">
+                    <a:schemeClr val="accent1"/>
+                  </a:effectRef>
+                  <a:fontRef idx="minor">
+                    <a:schemeClr val="lt1"/>
+                  </a:fontRef>
+                </p:style>
+                <p:txBody>
+                  <a:bodyPr rtlCol="0" anchor="ctr"/>
+                  <a:lstStyle/>
+                  <a:p>
+                    <a:pPr algn="ctr"/>
+                    <a:endParaRPr lang="en-US" sz="600" b="1">
+                      <a:solidFill>
+                        <a:schemeClr val="bg1">
+                          <a:lumMod val="85000"/>
+                        </a:schemeClr>
+                      </a:solidFill>
+                    </a:endParaRPr>
+                  </a:p>
+                </p:txBody>
+              </p:sp>
+              <p:sp>
+                <p:nvSpPr>
+                  <p:cNvPr id="60" name="Rectangle 59"/>
+                  <p:cNvSpPr/>
+                  <p:nvPr/>
+                </p:nvSpPr>
+                <p:spPr>
+                  <a:xfrm>
+                    <a:off x="4319126" y="2481729"/>
+                    <a:ext cx="124287" cy="71088"/>
+                  </a:xfrm>
+                  <a:prstGeom prst="rect">
+                    <a:avLst/>
+                  </a:prstGeom>
+                  <a:solidFill>
+                    <a:schemeClr val="bg1">
+                      <a:lumMod val="85000"/>
+                    </a:schemeClr>
+                  </a:solidFill>
+                  <a:ln>
+                    <a:noFill/>
+                  </a:ln>
+                </p:spPr>
+                <p:style>
+                  <a:lnRef idx="2">
+                    <a:schemeClr val="accent1">
+                      <a:shade val="50000"/>
+                    </a:schemeClr>
+                  </a:lnRef>
+                  <a:fillRef idx="1">
+                    <a:schemeClr val="accent1"/>
+                  </a:fillRef>
+                  <a:effectRef idx="0">
+                    <a:schemeClr val="accent1"/>
+                  </a:effectRef>
+                  <a:fontRef idx="minor">
+                    <a:schemeClr val="lt1"/>
+                  </a:fontRef>
+                </p:style>
+                <p:txBody>
+                  <a:bodyPr rtlCol="0" anchor="ctr"/>
+                  <a:lstStyle/>
+                  <a:p>
+                    <a:pPr algn="ctr"/>
+                    <a:endParaRPr lang="en-US" sz="600" b="1">
+                      <a:solidFill>
+                        <a:schemeClr val="bg1">
+                          <a:lumMod val="85000"/>
+                        </a:schemeClr>
+                      </a:solidFill>
+                    </a:endParaRPr>
+                  </a:p>
+                </p:txBody>
+              </p:sp>
+              <p:sp>
+                <p:nvSpPr>
+                  <p:cNvPr id="61" name="Rectangle 60"/>
+                  <p:cNvSpPr/>
+                  <p:nvPr/>
+                </p:nvSpPr>
+                <p:spPr>
+                  <a:xfrm>
+                    <a:off x="4319126" y="2341681"/>
+                    <a:ext cx="346411" cy="71087"/>
+                  </a:xfrm>
+                  <a:prstGeom prst="rect">
+                    <a:avLst/>
+                  </a:prstGeom>
+                  <a:solidFill>
+                    <a:schemeClr val="bg1">
+                      <a:lumMod val="85000"/>
+                    </a:schemeClr>
+                  </a:solidFill>
+                  <a:ln>
+                    <a:noFill/>
+                  </a:ln>
+                </p:spPr>
+                <p:style>
+                  <a:lnRef idx="2">
+                    <a:schemeClr val="accent1">
+                      <a:shade val="50000"/>
+                    </a:schemeClr>
+                  </a:lnRef>
+                  <a:fillRef idx="1">
+                    <a:schemeClr val="accent1"/>
+                  </a:fillRef>
+                  <a:effectRef idx="0">
+                    <a:schemeClr val="accent1"/>
+                  </a:effectRef>
+                  <a:fontRef idx="minor">
+                    <a:schemeClr val="lt1"/>
+                  </a:fontRef>
+                </p:style>
+                <p:txBody>
+                  <a:bodyPr rtlCol="0" anchor="ctr"/>
+                  <a:lstStyle/>
+                  <a:p>
+                    <a:pPr algn="ctr"/>
+                    <a:endParaRPr lang="en-US" sz="600" b="1">
+                      <a:solidFill>
+                        <a:schemeClr val="bg1">
+                          <a:lumMod val="85000"/>
+                        </a:schemeClr>
+                      </a:solidFill>
+                    </a:endParaRPr>
+                  </a:p>
+                </p:txBody>
+              </p:sp>
+              <p:sp>
+                <p:nvSpPr>
+                  <p:cNvPr id="63" name="Rectangle 62"/>
+                  <p:cNvSpPr/>
+                  <p:nvPr/>
+                </p:nvSpPr>
+                <p:spPr>
+                  <a:xfrm>
+                    <a:off x="4319126" y="2617135"/>
+                    <a:ext cx="27496" cy="71088"/>
+                  </a:xfrm>
+                  <a:prstGeom prst="rect">
+                    <a:avLst/>
+                  </a:prstGeom>
+                  <a:solidFill>
+                    <a:schemeClr val="bg1">
+                      <a:lumMod val="85000"/>
+                    </a:schemeClr>
+                  </a:solidFill>
+                  <a:ln>
+                    <a:noFill/>
+                  </a:ln>
+                </p:spPr>
+                <p:style>
+                  <a:lnRef idx="2">
+                    <a:schemeClr val="accent1">
+                      <a:shade val="50000"/>
+                    </a:schemeClr>
+                  </a:lnRef>
+                  <a:fillRef idx="1">
+                    <a:schemeClr val="accent1"/>
+                  </a:fillRef>
+                  <a:effectRef idx="0">
+                    <a:schemeClr val="accent1"/>
+                  </a:effectRef>
+                  <a:fontRef idx="minor">
+                    <a:schemeClr val="lt1"/>
+                  </a:fontRef>
+                </p:style>
+                <p:txBody>
+                  <a:bodyPr rtlCol="0" anchor="ctr"/>
+                  <a:lstStyle/>
+                  <a:p>
+                    <a:pPr algn="ctr"/>
+                    <a:endParaRPr lang="en-US" sz="600" b="1">
+                      <a:solidFill>
+                        <a:schemeClr val="bg1">
+                          <a:lumMod val="85000"/>
+                        </a:schemeClr>
+                      </a:solidFill>
+                    </a:endParaRPr>
+                  </a:p>
+                </p:txBody>
+              </p:sp>
+              <p:sp>
+                <p:nvSpPr>
+                  <p:cNvPr id="65" name="Rectangle 64"/>
+                  <p:cNvSpPr/>
+                  <p:nvPr/>
+                </p:nvSpPr>
+                <p:spPr>
+                  <a:xfrm>
+                    <a:off x="4319126" y="2757164"/>
+                    <a:ext cx="429087" cy="71087"/>
+                  </a:xfrm>
+                  <a:prstGeom prst="rect">
+                    <a:avLst/>
+                  </a:prstGeom>
+                  <a:solidFill>
+                    <a:schemeClr val="bg1">
+                      <a:lumMod val="85000"/>
+                    </a:schemeClr>
+                  </a:solidFill>
+                  <a:ln>
+                    <a:noFill/>
+                  </a:ln>
+                </p:spPr>
+                <p:style>
+                  <a:lnRef idx="2">
+                    <a:schemeClr val="accent1">
+                      <a:shade val="50000"/>
+                    </a:schemeClr>
+                  </a:lnRef>
+                  <a:fillRef idx="1">
+                    <a:schemeClr val="accent1"/>
+                  </a:fillRef>
+                  <a:effectRef idx="0">
+                    <a:schemeClr val="accent1"/>
+                  </a:effectRef>
+                  <a:fontRef idx="minor">
+                    <a:schemeClr val="lt1"/>
+                  </a:fontRef>
+                </p:style>
+                <p:txBody>
+                  <a:bodyPr rtlCol="0" anchor="ctr"/>
+                  <a:lstStyle/>
+                  <a:p>
+                    <a:pPr algn="ctr"/>
+                    <a:endParaRPr lang="en-US" sz="600" b="1">
+                      <a:solidFill>
+                        <a:schemeClr val="bg1">
+                          <a:lumMod val="85000"/>
+                        </a:schemeClr>
+                      </a:solidFill>
+                    </a:endParaRPr>
+                  </a:p>
+                </p:txBody>
+              </p:sp>
+            </p:grpSp>
+          </p:grpSp>
+        </p:grpSp>
+        <p:cxnSp>
+          <p:nvCxnSpPr>
+            <p:cNvPr id="31" name="Straight Connector 30"/>
+            <p:cNvCxnSpPr/>
+            <p:nvPr/>
+          </p:nvCxnSpPr>
+          <p:spPr>
+            <a:xfrm>
+              <a:off x="2576592" y="2052227"/>
+              <a:ext cx="0" cy="2587945"/>
+            </a:xfrm>
+            <a:prstGeom prst="line">
+              <a:avLst/>
+            </a:prstGeom>
+            <a:ln w="127000">
+              <a:solidFill>
+                <a:schemeClr val="tx1"/>
+              </a:solidFill>
+              <a:prstDash val="sysDot"/>
+            </a:ln>
+          </p:spPr>
+          <p:style>
+            <a:lnRef idx="1">
+              <a:schemeClr val="accent1"/>
+            </a:lnRef>
+            <a:fillRef idx="0">
+              <a:schemeClr val="accent1"/>
+            </a:fillRef>
+            <a:effectRef idx="0">
+              <a:schemeClr val="accent1"/>
+            </a:effectRef>
+            <a:fontRef idx="minor">
+              <a:schemeClr val="tx1"/>
+            </a:fontRef>
+          </p:style>
+        </p:cxnSp>
+        <p:grpSp>
+          <p:nvGrpSpPr>
+            <p:cNvPr id="38" name="Group 37"/>
+            <p:cNvGrpSpPr/>
+            <p:nvPr/>
+          </p:nvGrpSpPr>
+          <p:grpSpPr>
+            <a:xfrm rot="18900000">
+              <a:off x="1849255" y="2618860"/>
+              <a:ext cx="1454674" cy="1454675"/>
+              <a:chOff x="5072061" y="259843"/>
+              <a:chExt cx="1285876" cy="1285877"/>
+            </a:xfrm>
+            <a:solidFill>
+              <a:srgbClr val="CF3939"/>
+            </a:solidFill>
+          </p:grpSpPr>
+          <p:sp>
+            <p:nvSpPr>
+              <p:cNvPr id="56" name="Oval 55"/>
+              <p:cNvSpPr/>
+              <p:nvPr/>
+            </p:nvSpPr>
+            <p:spPr>
+              <a:xfrm>
+                <a:off x="5500686" y="688469"/>
+                <a:ext cx="857251" cy="857251"/>
+              </a:xfrm>
+              <a:prstGeom prst="ellipse">
+                <a:avLst/>
+              </a:prstGeom>
+              <a:grpFill/>
+              <a:ln>
+                <a:noFill/>
+              </a:ln>
+            </p:spPr>
+            <p:style>
+              <a:lnRef idx="2">
+                <a:schemeClr val="accent1">
+                  <a:shade val="50000"/>
+                </a:schemeClr>
+              </a:lnRef>
+              <a:fillRef idx="1">
+                <a:schemeClr val="accent1"/>
+              </a:fillRef>
+              <a:effectRef idx="0">
+                <a:schemeClr val="accent1"/>
+              </a:effectRef>
+              <a:fontRef idx="minor">
+                <a:schemeClr val="lt1"/>
+              </a:fontRef>
+            </p:style>
+            <p:txBody>
+              <a:bodyPr rtlCol="0" anchor="ctr"/>
+              <a:lstStyle/>
+              <a:p>
+                <a:pPr algn="ctr"/>
+                <a:endParaRPr lang="en-US"/>
+              </a:p>
+            </p:txBody>
+          </p:sp>
+          <p:sp>
+            <p:nvSpPr>
+              <p:cNvPr id="37" name="Rectangle 36"/>
+              <p:cNvSpPr/>
+              <p:nvPr/>
+            </p:nvSpPr>
+            <p:spPr>
+              <a:xfrm>
+                <a:off x="5072061" y="688469"/>
+                <a:ext cx="857250" cy="857250"/>
+              </a:xfrm>
+              <a:prstGeom prst="rect">
+                <a:avLst/>
+              </a:prstGeom>
+              <a:grpFill/>
+              <a:ln>
+                <a:noFill/>
+              </a:ln>
+            </p:spPr>
+            <p:style>
+              <a:lnRef idx="2">
+                <a:schemeClr val="accent1">
+                  <a:shade val="50000"/>
+                </a:schemeClr>
+              </a:lnRef>
+              <a:fillRef idx="1">
+                <a:schemeClr val="accent1"/>
+              </a:fillRef>
+              <a:effectRef idx="0">
+                <a:schemeClr val="accent1"/>
+              </a:effectRef>
+              <a:fontRef idx="minor">
+                <a:schemeClr val="lt1"/>
+              </a:fontRef>
+            </p:style>
+            <p:txBody>
+              <a:bodyPr rtlCol="0" anchor="ctr"/>
+              <a:lstStyle/>
+              <a:p>
+                <a:pPr algn="ctr"/>
+                <a:endParaRPr lang="en-US"/>
+              </a:p>
+            </p:txBody>
+          </p:sp>
+          <p:sp>
+            <p:nvSpPr>
+              <p:cNvPr id="59" name="Oval 58"/>
+              <p:cNvSpPr/>
+              <p:nvPr/>
+            </p:nvSpPr>
+            <p:spPr>
+              <a:xfrm>
+                <a:off x="5072061" y="259843"/>
+                <a:ext cx="857251" cy="857251"/>
+              </a:xfrm>
+              <a:prstGeom prst="ellipse">
+                <a:avLst/>
+              </a:prstGeom>
+              <a:grpFill/>
+              <a:ln>
+                <a:noFill/>
+              </a:ln>
+            </p:spPr>
+            <p:style>
+              <a:lnRef idx="2">
+                <a:schemeClr val="accent1">
+                  <a:shade val="50000"/>
+                </a:schemeClr>
+              </a:lnRef>
+              <a:fillRef idx="1">
+                <a:schemeClr val="accent1"/>
+              </a:fillRef>
+              <a:effectRef idx="0">
+                <a:schemeClr val="accent1"/>
+              </a:effectRef>
+              <a:fontRef idx="minor">
+                <a:schemeClr val="lt1"/>
+              </a:fontRef>
+            </p:style>
+            <p:txBody>
+              <a:bodyPr rtlCol="0" anchor="ctr"/>
+              <a:lstStyle/>
+              <a:p>
+                <a:pPr algn="ctr"/>
+                <a:endParaRPr lang="en-US"/>
+              </a:p>
+            </p:txBody>
+          </p:sp>
+        </p:grpSp>
+      </p:grpSp>
+    </p:spTree>
+    <p:extLst>
+      <p:ext uri="{BB962C8B-B14F-4D97-AF65-F5344CB8AC3E}">
+        <p14:creationId xmlns:p14="http://schemas.microsoft.com/office/powerpoint/2010/main" val="3563678267"/>
+      </p:ext>
+    </p:extLst>
+  </p:cSld>
+  <p:clrMapOvr>
+    <a:masterClrMapping/>
+  </p:clrMapOvr>
+  <p:timing>
+    <p:tnLst>
+      <p:par>
+        <p:cTn id="1" dur="indefinite" restart="never" nodeType="tmRoot"/>
+      </p:par>
+    </p:tnLst>
+  </p:timing>
+</p:sld>
+</file>
+
 <file path=ppt/theme/theme1.xml><?xml version="1.0" encoding="utf-8"?>
 <a:theme xmlns:a="http://schemas.openxmlformats.org/drawingml/2006/main" name="Office Theme">
   <a:themeElements>

--- a/images/icons.pptx
+++ b/images/icons.pptx
@@ -7456,16 +7456,16 @@
       </p:grpSpPr>
       <p:grpSp>
         <p:nvGrpSpPr>
-          <p:cNvPr id="43" name="Group 42"/>
+          <p:cNvPr id="3" name="Group 2"/>
           <p:cNvGrpSpPr/>
           <p:nvPr/>
         </p:nvGrpSpPr>
         <p:grpSpPr>
           <a:xfrm>
-            <a:off x="243719" y="-2371187"/>
-            <a:ext cx="8713908" cy="8713908"/>
-            <a:chOff x="544392" y="1313999"/>
-            <a:chExt cx="4064401" cy="4064401"/>
+            <a:off x="3129793" y="1554482"/>
+            <a:ext cx="1554480" cy="1554480"/>
+            <a:chOff x="3129793" y="1554482"/>
+            <a:chExt cx="1554480" cy="1554480"/>
           </a:xfrm>
         </p:grpSpPr>
         <p:sp>
@@ -7476,8 +7476,8 @@
           </p:nvSpPr>
           <p:spPr>
             <a:xfrm>
-              <a:off x="544392" y="1313999"/>
-              <a:ext cx="4064401" cy="4064401"/>
+              <a:off x="3129793" y="1554482"/>
+              <a:ext cx="1554480" cy="1554480"/>
             </a:xfrm>
             <a:prstGeom prst="ellipse">
               <a:avLst/>
@@ -7524,8 +7524,8 @@
           </p:nvGrpSpPr>
           <p:grpSpPr>
             <a:xfrm>
-              <a:off x="1480739" y="2052225"/>
-              <a:ext cx="2191706" cy="2587947"/>
+              <a:off x="3487910" y="1836826"/>
+              <a:ext cx="838245" cy="989792"/>
               <a:chOff x="1480739" y="2052225"/>
               <a:chExt cx="2191706" cy="2587947"/>
             </a:xfrm>
@@ -8929,13 +8929,13 @@
           </p:nvCxnSpPr>
           <p:spPr>
             <a:xfrm>
-              <a:off x="2576592" y="2052227"/>
-              <a:ext cx="0" cy="2587945"/>
+              <a:off x="3907033" y="1836826"/>
+              <a:ext cx="0" cy="989791"/>
             </a:xfrm>
             <a:prstGeom prst="line">
               <a:avLst/>
             </a:prstGeom>
-            <a:ln w="127000">
+            <a:ln w="92075">
               <a:solidFill>
                 <a:schemeClr val="tx1"/>
               </a:solidFill>
@@ -8965,10 +8965,10 @@
           </p:nvGrpSpPr>
           <p:grpSpPr>
             <a:xfrm rot="18900000">
-              <a:off x="1849255" y="2618860"/>
-              <a:ext cx="1454674" cy="1454675"/>
-              <a:chOff x="5072061" y="259843"/>
-              <a:chExt cx="1285876" cy="1285877"/>
+              <a:off x="3628855" y="2053543"/>
+              <a:ext cx="556357" cy="556358"/>
+              <a:chOff x="4900819" y="431088"/>
+              <a:chExt cx="1285873" cy="1285877"/>
             </a:xfrm>
             <a:solidFill>
               <a:srgbClr val="CF3939"/>
@@ -8982,8 +8982,8 @@
             </p:nvSpPr>
             <p:spPr>
               <a:xfrm>
-                <a:off x="5500686" y="688469"/>
-                <a:ext cx="857251" cy="857251"/>
+                <a:off x="5329442" y="859711"/>
+                <a:ext cx="857250" cy="857252"/>
               </a:xfrm>
               <a:prstGeom prst="ellipse">
                 <a:avLst/>
@@ -9026,8 +9026,8 @@
             </p:nvSpPr>
             <p:spPr>
               <a:xfrm>
-                <a:off x="5072061" y="688469"/>
-                <a:ext cx="857250" cy="857250"/>
+                <a:off x="4900819" y="859713"/>
+                <a:ext cx="857247" cy="857252"/>
               </a:xfrm>
               <a:prstGeom prst="rect">
                 <a:avLst/>
@@ -9070,8 +9070,8 @@
             </p:nvSpPr>
             <p:spPr>
               <a:xfrm>
-                <a:off x="5072061" y="259843"/>
-                <a:ext cx="857251" cy="857251"/>
+                <a:off x="4900819" y="431088"/>
+                <a:ext cx="857249" cy="857253"/>
               </a:xfrm>
               <a:prstGeom prst="ellipse">
                 <a:avLst/>

--- a/images/icons.pptx
+++ b/images/icons.pptx
@@ -5,12 +5,13 @@
     <p:sldMasterId id="2147483648" r:id="rId1"/>
   </p:sldMasterIdLst>
   <p:notesMasterIdLst>
-    <p:notesMasterId r:id="rId5"/>
+    <p:notesMasterId r:id="rId6"/>
   </p:notesMasterIdLst>
   <p:sldIdLst>
     <p:sldId id="260" r:id="rId2"/>
     <p:sldId id="261" r:id="rId3"/>
     <p:sldId id="262" r:id="rId4"/>
+    <p:sldId id="263" r:id="rId5"/>
   </p:sldIdLst>
   <p:sldSz cx="9144000" cy="6858000" type="screen4x3"/>
   <p:notesSz cx="6858000" cy="9144000"/>
@@ -460,6 +461,90 @@
     </a:lvl9pPr>
   </p:notesStyle>
 </p:notesMaster>
+</file>
+
+<file path=ppt/notesSlides/notesSlide1.xml><?xml version="1.0" encoding="utf-8"?>
+<p:notes xmlns:a="http://schemas.openxmlformats.org/drawingml/2006/main" xmlns:r="http://schemas.openxmlformats.org/officeDocument/2006/relationships" xmlns:p="http://schemas.openxmlformats.org/presentationml/2006/main">
+  <p:cSld>
+    <p:spTree>
+      <p:nvGrpSpPr>
+        <p:cNvPr id="1" name=""/>
+        <p:cNvGrpSpPr/>
+        <p:nvPr/>
+      </p:nvGrpSpPr>
+      <p:grpSpPr>
+        <a:xfrm>
+          <a:off x="0" y="0"/>
+          <a:ext cx="0" cy="0"/>
+          <a:chOff x="0" y="0"/>
+          <a:chExt cx="0" cy="0"/>
+        </a:xfrm>
+      </p:grpSpPr>
+      <p:sp>
+        <p:nvSpPr>
+          <p:cNvPr id="2" name="Slide Image Placeholder 1"/>
+          <p:cNvSpPr>
+            <a:spLocks noGrp="1" noRot="1" noChangeAspect="1"/>
+          </p:cNvSpPr>
+          <p:nvPr>
+            <p:ph type="sldImg"/>
+          </p:nvPr>
+        </p:nvSpPr>
+        <p:spPr/>
+      </p:sp>
+      <p:sp>
+        <p:nvSpPr>
+          <p:cNvPr id="3" name="Notes Placeholder 2"/>
+          <p:cNvSpPr>
+            <a:spLocks noGrp="1"/>
+          </p:cNvSpPr>
+          <p:nvPr>
+            <p:ph type="body" idx="1"/>
+          </p:nvPr>
+        </p:nvSpPr>
+        <p:spPr/>
+        <p:txBody>
+          <a:bodyPr/>
+          <a:lstStyle/>
+          <a:p>
+            <a:endParaRPr lang="en-US" dirty="0"/>
+          </a:p>
+        </p:txBody>
+      </p:sp>
+      <p:sp>
+        <p:nvSpPr>
+          <p:cNvPr id="4" name="Slide Number Placeholder 3"/>
+          <p:cNvSpPr>
+            <a:spLocks noGrp="1"/>
+          </p:cNvSpPr>
+          <p:nvPr>
+            <p:ph type="sldNum" sz="quarter" idx="10"/>
+          </p:nvPr>
+        </p:nvSpPr>
+        <p:spPr/>
+        <p:txBody>
+          <a:bodyPr/>
+          <a:lstStyle/>
+          <a:p>
+            <a:fld id="{CD9C59E5-F056-4777-BD59-19AD03834E1F}" type="slidenum">
+              <a:rPr lang="en-US" smtClean="0"/>
+              <a:t>4</a:t>
+            </a:fld>
+            <a:endParaRPr lang="en-US"/>
+          </a:p>
+        </p:txBody>
+      </p:sp>
+    </p:spTree>
+    <p:extLst>
+      <p:ext uri="{BB962C8B-B14F-4D97-AF65-F5344CB8AC3E}">
+        <p14:creationId xmlns:p14="http://schemas.microsoft.com/office/powerpoint/2010/main" val="3449197863"/>
+      </p:ext>
+    </p:extLst>
+  </p:cSld>
+  <p:clrMapOvr>
+    <a:masterClrMapping/>
+  </p:clrMapOvr>
+</p:notes>
 </file>
 
 <file path=ppt/slideLayouts/slideLayout1.xml><?xml version="1.0" encoding="utf-8"?>
@@ -9128,6 +9213,946 @@
 </p:sld>
 </file>
 
+<file path=ppt/slides/slide4.xml><?xml version="1.0" encoding="utf-8"?>
+<p:sld xmlns:a="http://schemas.openxmlformats.org/drawingml/2006/main" xmlns:r="http://schemas.openxmlformats.org/officeDocument/2006/relationships" xmlns:p="http://schemas.openxmlformats.org/presentationml/2006/main">
+  <p:cSld>
+    <p:spTree>
+      <p:nvGrpSpPr>
+        <p:cNvPr id="1" name=""/>
+        <p:cNvGrpSpPr/>
+        <p:nvPr/>
+      </p:nvGrpSpPr>
+      <p:grpSpPr>
+        <a:xfrm>
+          <a:off x="0" y="0"/>
+          <a:ext cx="0" cy="0"/>
+          <a:chOff x="0" y="0"/>
+          <a:chExt cx="0" cy="0"/>
+        </a:xfrm>
+      </p:grpSpPr>
+      <p:sp>
+        <p:nvSpPr>
+          <p:cNvPr id="5" name="Oval 4"/>
+          <p:cNvSpPr/>
+          <p:nvPr/>
+        </p:nvSpPr>
+        <p:spPr>
+          <a:xfrm>
+            <a:off x="2545235" y="503460"/>
+            <a:ext cx="4064401" cy="4064401"/>
+          </a:xfrm>
+          <a:prstGeom prst="ellipse">
+            <a:avLst/>
+          </a:prstGeom>
+          <a:solidFill>
+            <a:schemeClr val="tx2">
+              <a:lumMod val="60000"/>
+              <a:lumOff val="40000"/>
+            </a:schemeClr>
+          </a:solidFill>
+          <a:ln>
+            <a:noFill/>
+          </a:ln>
+        </p:spPr>
+        <p:style>
+          <a:lnRef idx="2">
+            <a:schemeClr val="accent1">
+              <a:shade val="50000"/>
+            </a:schemeClr>
+          </a:lnRef>
+          <a:fillRef idx="1">
+            <a:schemeClr val="accent1"/>
+          </a:fillRef>
+          <a:effectRef idx="0">
+            <a:schemeClr val="accent1"/>
+          </a:effectRef>
+          <a:fontRef idx="minor">
+            <a:schemeClr val="lt1"/>
+          </a:fontRef>
+        </p:style>
+        <p:txBody>
+          <a:bodyPr rtlCol="0" anchor="ctr"/>
+          <a:lstStyle/>
+          <a:p>
+            <a:pPr algn="ctr"/>
+            <a:endParaRPr lang="en-US"/>
+          </a:p>
+        </p:txBody>
+      </p:sp>
+      <p:sp>
+        <p:nvSpPr>
+          <p:cNvPr id="11" name="Rectangle 10"/>
+          <p:cNvSpPr/>
+          <p:nvPr/>
+        </p:nvSpPr>
+        <p:spPr>
+          <a:xfrm>
+            <a:off x="3939724" y="1618112"/>
+            <a:ext cx="1271156" cy="2170845"/>
+          </a:xfrm>
+          <a:prstGeom prst="rect">
+            <a:avLst/>
+          </a:prstGeom>
+          <a:solidFill>
+            <a:srgbClr val="D7E5F5"/>
+          </a:solidFill>
+          <a:ln>
+            <a:noFill/>
+          </a:ln>
+        </p:spPr>
+        <p:style>
+          <a:lnRef idx="2">
+            <a:schemeClr val="accent1">
+              <a:shade val="50000"/>
+            </a:schemeClr>
+          </a:lnRef>
+          <a:fillRef idx="1">
+            <a:schemeClr val="accent1"/>
+          </a:fillRef>
+          <a:effectRef idx="0">
+            <a:schemeClr val="accent1"/>
+          </a:effectRef>
+          <a:fontRef idx="minor">
+            <a:schemeClr val="lt1"/>
+          </a:fontRef>
+        </p:style>
+        <p:txBody>
+          <a:bodyPr rtlCol="0" anchor="ctr"/>
+          <a:lstStyle/>
+          <a:p>
+            <a:pPr algn="ctr"/>
+            <a:endParaRPr lang="en-US"/>
+          </a:p>
+        </p:txBody>
+      </p:sp>
+      <p:grpSp>
+        <p:nvGrpSpPr>
+          <p:cNvPr id="52" name="Group 51"/>
+          <p:cNvGrpSpPr/>
+          <p:nvPr/>
+        </p:nvGrpSpPr>
+        <p:grpSpPr>
+          <a:xfrm>
+            <a:off x="5210878" y="1999466"/>
+            <a:ext cx="666353" cy="1408140"/>
+            <a:chOff x="5210872" y="1999466"/>
+            <a:chExt cx="666359" cy="1408140"/>
+          </a:xfrm>
+        </p:grpSpPr>
+        <p:sp>
+          <p:nvSpPr>
+            <p:cNvPr id="12" name="Round Same Side Corner Rectangle 11"/>
+            <p:cNvSpPr/>
+            <p:nvPr/>
+          </p:nvSpPr>
+          <p:spPr>
+            <a:xfrm rot="5400000">
+              <a:off x="4839985" y="2370359"/>
+              <a:ext cx="1408140" cy="666353"/>
+            </a:xfrm>
+            <a:prstGeom prst="round2SameRect">
+              <a:avLst>
+                <a:gd name="adj1" fmla="val 50000"/>
+                <a:gd name="adj2" fmla="val 0"/>
+              </a:avLst>
+            </a:prstGeom>
+            <a:solidFill>
+              <a:srgbClr val="D7E5F5"/>
+            </a:solidFill>
+            <a:ln>
+              <a:noFill/>
+            </a:ln>
+          </p:spPr>
+          <p:style>
+            <a:lnRef idx="2">
+              <a:schemeClr val="accent1">
+                <a:shade val="50000"/>
+              </a:schemeClr>
+            </a:lnRef>
+            <a:fillRef idx="1">
+              <a:schemeClr val="accent1"/>
+            </a:fillRef>
+            <a:effectRef idx="0">
+              <a:schemeClr val="accent1"/>
+            </a:effectRef>
+            <a:fontRef idx="minor">
+              <a:schemeClr val="lt1"/>
+            </a:fontRef>
+          </p:style>
+          <p:txBody>
+            <a:bodyPr rtlCol="0" anchor="ctr"/>
+            <a:lstStyle/>
+            <a:p>
+              <a:pPr algn="ctr"/>
+              <a:endParaRPr lang="en-US"/>
+            </a:p>
+          </p:txBody>
+        </p:sp>
+        <p:sp>
+          <p:nvSpPr>
+            <p:cNvPr id="29" name="Round Same Side Corner Rectangle 28"/>
+            <p:cNvSpPr/>
+            <p:nvPr/>
+          </p:nvSpPr>
+          <p:spPr>
+            <a:xfrm rot="5400000">
+              <a:off x="4953849" y="2472651"/>
+              <a:ext cx="975815" cy="461770"/>
+            </a:xfrm>
+            <a:prstGeom prst="round2SameRect">
+              <a:avLst>
+                <a:gd name="adj1" fmla="val 29078"/>
+                <a:gd name="adj2" fmla="val 0"/>
+              </a:avLst>
+            </a:prstGeom>
+            <a:solidFill>
+              <a:schemeClr val="tx2">
+                <a:lumMod val="60000"/>
+                <a:lumOff val="40000"/>
+              </a:schemeClr>
+            </a:solidFill>
+            <a:ln>
+              <a:noFill/>
+            </a:ln>
+          </p:spPr>
+          <p:style>
+            <a:lnRef idx="2">
+              <a:schemeClr val="accent1">
+                <a:shade val="50000"/>
+              </a:schemeClr>
+            </a:lnRef>
+            <a:fillRef idx="1">
+              <a:schemeClr val="accent1"/>
+            </a:fillRef>
+            <a:effectRef idx="0">
+              <a:schemeClr val="accent1"/>
+            </a:effectRef>
+            <a:fontRef idx="minor">
+              <a:schemeClr val="lt1"/>
+            </a:fontRef>
+          </p:style>
+          <p:txBody>
+            <a:bodyPr rtlCol="0" anchor="ctr"/>
+            <a:lstStyle/>
+            <a:p>
+              <a:pPr algn="ctr"/>
+              <a:endParaRPr lang="en-US"/>
+            </a:p>
+          </p:txBody>
+        </p:sp>
+      </p:grpSp>
+      <p:sp>
+        <p:nvSpPr>
+          <p:cNvPr id="30" name="Rectangle 29"/>
+          <p:cNvSpPr/>
+          <p:nvPr/>
+        </p:nvSpPr>
+        <p:spPr>
+          <a:xfrm>
+            <a:off x="3939724" y="1679180"/>
+            <a:ext cx="1271155" cy="1779459"/>
+          </a:xfrm>
+          <a:prstGeom prst="rect">
+            <a:avLst/>
+          </a:prstGeom>
+          <a:solidFill>
+            <a:srgbClr val="DC9600"/>
+          </a:solidFill>
+          <a:ln>
+            <a:noFill/>
+          </a:ln>
+        </p:spPr>
+        <p:style>
+          <a:lnRef idx="2">
+            <a:schemeClr val="accent1">
+              <a:shade val="50000"/>
+            </a:schemeClr>
+          </a:lnRef>
+          <a:fillRef idx="1">
+            <a:schemeClr val="accent1"/>
+          </a:fillRef>
+          <a:effectRef idx="0">
+            <a:schemeClr val="accent1"/>
+          </a:effectRef>
+          <a:fontRef idx="minor">
+            <a:schemeClr val="lt1"/>
+          </a:fontRef>
+        </p:style>
+        <p:txBody>
+          <a:bodyPr rtlCol="0" anchor="ctr"/>
+          <a:lstStyle/>
+          <a:p>
+            <a:pPr algn="ctr"/>
+            <a:endParaRPr lang="en-US"/>
+          </a:p>
+        </p:txBody>
+      </p:sp>
+      <p:sp>
+        <p:nvSpPr>
+          <p:cNvPr id="54" name="Rectangle 53"/>
+          <p:cNvSpPr/>
+          <p:nvPr/>
+        </p:nvSpPr>
+        <p:spPr>
+          <a:xfrm>
+            <a:off x="3939724" y="1618112"/>
+            <a:ext cx="113645" cy="1840528"/>
+          </a:xfrm>
+          <a:prstGeom prst="rect">
+            <a:avLst/>
+          </a:prstGeom>
+          <a:solidFill>
+            <a:srgbClr val="D7E5F5"/>
+          </a:solidFill>
+          <a:ln>
+            <a:noFill/>
+          </a:ln>
+        </p:spPr>
+        <p:style>
+          <a:lnRef idx="2">
+            <a:schemeClr val="accent1">
+              <a:shade val="50000"/>
+            </a:schemeClr>
+          </a:lnRef>
+          <a:fillRef idx="1">
+            <a:schemeClr val="accent1"/>
+          </a:fillRef>
+          <a:effectRef idx="0">
+            <a:schemeClr val="accent1"/>
+          </a:effectRef>
+          <a:fontRef idx="minor">
+            <a:schemeClr val="lt1"/>
+          </a:fontRef>
+        </p:style>
+        <p:txBody>
+          <a:bodyPr rtlCol="0" anchor="ctr"/>
+          <a:lstStyle/>
+          <a:p>
+            <a:pPr algn="ctr"/>
+            <a:endParaRPr lang="en-US"/>
+          </a:p>
+        </p:txBody>
+      </p:sp>
+      <p:sp>
+        <p:nvSpPr>
+          <p:cNvPr id="55" name="Rectangle 54"/>
+          <p:cNvSpPr/>
+          <p:nvPr/>
+        </p:nvSpPr>
+        <p:spPr>
+          <a:xfrm>
+            <a:off x="5097233" y="1618112"/>
+            <a:ext cx="113645" cy="1840528"/>
+          </a:xfrm>
+          <a:prstGeom prst="rect">
+            <a:avLst/>
+          </a:prstGeom>
+          <a:solidFill>
+            <a:srgbClr val="D7E5F5"/>
+          </a:solidFill>
+          <a:ln>
+            <a:noFill/>
+          </a:ln>
+        </p:spPr>
+        <p:style>
+          <a:lnRef idx="2">
+            <a:schemeClr val="accent1">
+              <a:shade val="50000"/>
+            </a:schemeClr>
+          </a:lnRef>
+          <a:fillRef idx="1">
+            <a:schemeClr val="accent1"/>
+          </a:fillRef>
+          <a:effectRef idx="0">
+            <a:schemeClr val="accent1"/>
+          </a:effectRef>
+          <a:fontRef idx="minor">
+            <a:schemeClr val="lt1"/>
+          </a:fontRef>
+        </p:style>
+        <p:txBody>
+          <a:bodyPr rtlCol="0" anchor="ctr"/>
+          <a:lstStyle/>
+          <a:p>
+            <a:pPr algn="ctr"/>
+            <a:endParaRPr lang="en-US"/>
+          </a:p>
+        </p:txBody>
+      </p:sp>
+      <p:sp>
+        <p:nvSpPr>
+          <p:cNvPr id="31" name="Oval 30"/>
+          <p:cNvSpPr/>
+          <p:nvPr/>
+        </p:nvSpPr>
+        <p:spPr>
+          <a:xfrm>
+            <a:off x="3678488" y="1501823"/>
+            <a:ext cx="451592" cy="451592"/>
+          </a:xfrm>
+          <a:prstGeom prst="ellipse">
+            <a:avLst/>
+          </a:prstGeom>
+          <a:solidFill>
+            <a:schemeClr val="bg1"/>
+          </a:solidFill>
+          <a:ln>
+            <a:noFill/>
+          </a:ln>
+        </p:spPr>
+        <p:style>
+          <a:lnRef idx="2">
+            <a:schemeClr val="accent1">
+              <a:shade val="50000"/>
+            </a:schemeClr>
+          </a:lnRef>
+          <a:fillRef idx="1">
+            <a:schemeClr val="accent1"/>
+          </a:fillRef>
+          <a:effectRef idx="0">
+            <a:schemeClr val="accent1"/>
+          </a:effectRef>
+          <a:fontRef idx="minor">
+            <a:schemeClr val="lt1"/>
+          </a:fontRef>
+        </p:style>
+        <p:txBody>
+          <a:bodyPr rtlCol="0" anchor="ctr"/>
+          <a:lstStyle/>
+          <a:p>
+            <a:pPr algn="ctr"/>
+            <a:endParaRPr lang="en-US"/>
+          </a:p>
+        </p:txBody>
+      </p:sp>
+      <p:sp>
+        <p:nvSpPr>
+          <p:cNvPr id="39" name="Oval 38"/>
+          <p:cNvSpPr/>
+          <p:nvPr/>
+        </p:nvSpPr>
+        <p:spPr>
+          <a:xfrm>
+            <a:off x="3922784" y="1044586"/>
+            <a:ext cx="836381" cy="836381"/>
+          </a:xfrm>
+          <a:prstGeom prst="ellipse">
+            <a:avLst/>
+          </a:prstGeom>
+          <a:solidFill>
+            <a:schemeClr val="bg1"/>
+          </a:solidFill>
+          <a:ln>
+            <a:noFill/>
+          </a:ln>
+        </p:spPr>
+        <p:style>
+          <a:lnRef idx="2">
+            <a:schemeClr val="accent1">
+              <a:shade val="50000"/>
+            </a:schemeClr>
+          </a:lnRef>
+          <a:fillRef idx="1">
+            <a:schemeClr val="accent1"/>
+          </a:fillRef>
+          <a:effectRef idx="0">
+            <a:schemeClr val="accent1"/>
+          </a:effectRef>
+          <a:fontRef idx="minor">
+            <a:schemeClr val="lt1"/>
+          </a:fontRef>
+        </p:style>
+        <p:txBody>
+          <a:bodyPr rtlCol="0" anchor="ctr"/>
+          <a:lstStyle/>
+          <a:p>
+            <a:pPr algn="ctr"/>
+            <a:endParaRPr lang="en-US"/>
+          </a:p>
+        </p:txBody>
+      </p:sp>
+      <p:sp>
+        <p:nvSpPr>
+          <p:cNvPr id="40" name="Oval 39"/>
+          <p:cNvSpPr/>
+          <p:nvPr/>
+        </p:nvSpPr>
+        <p:spPr>
+          <a:xfrm>
+            <a:off x="5019755" y="1552507"/>
+            <a:ext cx="380348" cy="380348"/>
+          </a:xfrm>
+          <a:prstGeom prst="ellipse">
+            <a:avLst/>
+          </a:prstGeom>
+          <a:solidFill>
+            <a:schemeClr val="bg1"/>
+          </a:solidFill>
+          <a:ln>
+            <a:noFill/>
+          </a:ln>
+        </p:spPr>
+        <p:style>
+          <a:lnRef idx="2">
+            <a:schemeClr val="accent1">
+              <a:shade val="50000"/>
+            </a:schemeClr>
+          </a:lnRef>
+          <a:fillRef idx="1">
+            <a:schemeClr val="accent1"/>
+          </a:fillRef>
+          <a:effectRef idx="0">
+            <a:schemeClr val="accent1"/>
+          </a:effectRef>
+          <a:fontRef idx="minor">
+            <a:schemeClr val="lt1"/>
+          </a:fontRef>
+        </p:style>
+        <p:txBody>
+          <a:bodyPr rtlCol="0" anchor="ctr"/>
+          <a:lstStyle/>
+          <a:p>
+            <a:pPr algn="ctr"/>
+            <a:endParaRPr lang="en-US"/>
+          </a:p>
+        </p:txBody>
+      </p:sp>
+      <p:sp>
+        <p:nvSpPr>
+          <p:cNvPr id="41" name="Oval 40"/>
+          <p:cNvSpPr/>
+          <p:nvPr/>
+        </p:nvSpPr>
+        <p:spPr>
+          <a:xfrm>
+            <a:off x="4629963" y="1270971"/>
+            <a:ext cx="633306" cy="633306"/>
+          </a:xfrm>
+          <a:prstGeom prst="ellipse">
+            <a:avLst/>
+          </a:prstGeom>
+          <a:solidFill>
+            <a:schemeClr val="bg1"/>
+          </a:solidFill>
+          <a:ln>
+            <a:noFill/>
+          </a:ln>
+        </p:spPr>
+        <p:style>
+          <a:lnRef idx="2">
+            <a:schemeClr val="accent1">
+              <a:shade val="50000"/>
+            </a:schemeClr>
+          </a:lnRef>
+          <a:fillRef idx="1">
+            <a:schemeClr val="accent1"/>
+          </a:fillRef>
+          <a:effectRef idx="0">
+            <a:schemeClr val="accent1"/>
+          </a:effectRef>
+          <a:fontRef idx="minor">
+            <a:schemeClr val="lt1"/>
+          </a:fontRef>
+        </p:style>
+        <p:txBody>
+          <a:bodyPr rtlCol="0" anchor="ctr"/>
+          <a:lstStyle/>
+          <a:p>
+            <a:pPr algn="ctr"/>
+            <a:endParaRPr lang="en-US"/>
+          </a:p>
+        </p:txBody>
+      </p:sp>
+      <p:sp>
+        <p:nvSpPr>
+          <p:cNvPr id="42" name="Oval 41"/>
+          <p:cNvSpPr/>
+          <p:nvPr/>
+        </p:nvSpPr>
+        <p:spPr>
+          <a:xfrm>
+            <a:off x="3772710" y="1831223"/>
+            <a:ext cx="263148" cy="263148"/>
+          </a:xfrm>
+          <a:prstGeom prst="ellipse">
+            <a:avLst/>
+          </a:prstGeom>
+          <a:solidFill>
+            <a:schemeClr val="bg1"/>
+          </a:solidFill>
+          <a:ln>
+            <a:noFill/>
+          </a:ln>
+        </p:spPr>
+        <p:style>
+          <a:lnRef idx="2">
+            <a:schemeClr val="accent1">
+              <a:shade val="50000"/>
+            </a:schemeClr>
+          </a:lnRef>
+          <a:fillRef idx="1">
+            <a:schemeClr val="accent1"/>
+          </a:fillRef>
+          <a:effectRef idx="0">
+            <a:schemeClr val="accent1"/>
+          </a:effectRef>
+          <a:fontRef idx="minor">
+            <a:schemeClr val="lt1"/>
+          </a:fontRef>
+        </p:style>
+        <p:txBody>
+          <a:bodyPr rtlCol="0" anchor="ctr"/>
+          <a:lstStyle/>
+          <a:p>
+            <a:pPr algn="ctr"/>
+            <a:endParaRPr lang="en-US"/>
+          </a:p>
+        </p:txBody>
+      </p:sp>
+      <p:sp>
+        <p:nvSpPr>
+          <p:cNvPr id="13" name="Oval 12"/>
+          <p:cNvSpPr/>
+          <p:nvPr/>
+        </p:nvSpPr>
+        <p:spPr>
+          <a:xfrm>
+            <a:off x="4628785" y="2440893"/>
+            <a:ext cx="126582" cy="128016"/>
+          </a:xfrm>
+          <a:prstGeom prst="ellipse">
+            <a:avLst/>
+          </a:prstGeom>
+          <a:solidFill>
+            <a:srgbClr val="FFC033"/>
+          </a:solidFill>
+          <a:ln>
+            <a:noFill/>
+          </a:ln>
+        </p:spPr>
+        <p:style>
+          <a:lnRef idx="2">
+            <a:schemeClr val="accent1">
+              <a:shade val="50000"/>
+            </a:schemeClr>
+          </a:lnRef>
+          <a:fillRef idx="1">
+            <a:schemeClr val="accent1"/>
+          </a:fillRef>
+          <a:effectRef idx="0">
+            <a:schemeClr val="accent1"/>
+          </a:effectRef>
+          <a:fontRef idx="minor">
+            <a:schemeClr val="lt1"/>
+          </a:fontRef>
+        </p:style>
+        <p:txBody>
+          <a:bodyPr rtlCol="0" anchor="ctr"/>
+          <a:lstStyle/>
+          <a:p>
+            <a:pPr algn="ctr"/>
+            <a:endParaRPr lang="en-US"/>
+          </a:p>
+        </p:txBody>
+      </p:sp>
+      <p:sp>
+        <p:nvSpPr>
+          <p:cNvPr id="32" name="Oval 31"/>
+          <p:cNvSpPr/>
+          <p:nvPr/>
+        </p:nvSpPr>
+        <p:spPr>
+          <a:xfrm>
+            <a:off x="4471278" y="2763037"/>
+            <a:ext cx="87713" cy="91440"/>
+          </a:xfrm>
+          <a:prstGeom prst="ellipse">
+            <a:avLst/>
+          </a:prstGeom>
+          <a:solidFill>
+            <a:srgbClr val="FFC033"/>
+          </a:solidFill>
+          <a:ln>
+            <a:noFill/>
+          </a:ln>
+        </p:spPr>
+        <p:style>
+          <a:lnRef idx="2">
+            <a:schemeClr val="accent1">
+              <a:shade val="50000"/>
+            </a:schemeClr>
+          </a:lnRef>
+          <a:fillRef idx="1">
+            <a:schemeClr val="accent1"/>
+          </a:fillRef>
+          <a:effectRef idx="0">
+            <a:schemeClr val="accent1"/>
+          </a:effectRef>
+          <a:fontRef idx="minor">
+            <a:schemeClr val="lt1"/>
+          </a:fontRef>
+        </p:style>
+        <p:txBody>
+          <a:bodyPr rtlCol="0" anchor="ctr"/>
+          <a:lstStyle/>
+          <a:p>
+            <a:pPr algn="ctr"/>
+            <a:endParaRPr lang="en-US"/>
+          </a:p>
+        </p:txBody>
+      </p:sp>
+      <p:sp>
+        <p:nvSpPr>
+          <p:cNvPr id="33" name="Oval 32"/>
+          <p:cNvSpPr/>
+          <p:nvPr/>
+        </p:nvSpPr>
+        <p:spPr>
+          <a:xfrm>
+            <a:off x="4346196" y="2178090"/>
+            <a:ext cx="162588" cy="167746"/>
+          </a:xfrm>
+          <a:prstGeom prst="ellipse">
+            <a:avLst/>
+          </a:prstGeom>
+          <a:solidFill>
+            <a:srgbClr val="FFC033"/>
+          </a:solidFill>
+          <a:ln>
+            <a:noFill/>
+          </a:ln>
+        </p:spPr>
+        <p:style>
+          <a:lnRef idx="2">
+            <a:schemeClr val="accent1">
+              <a:shade val="50000"/>
+            </a:schemeClr>
+          </a:lnRef>
+          <a:fillRef idx="1">
+            <a:schemeClr val="accent1"/>
+          </a:fillRef>
+          <a:effectRef idx="0">
+            <a:schemeClr val="accent1"/>
+          </a:effectRef>
+          <a:fontRef idx="minor">
+            <a:schemeClr val="lt1"/>
+          </a:fontRef>
+        </p:style>
+        <p:txBody>
+          <a:bodyPr rtlCol="0" anchor="ctr"/>
+          <a:lstStyle/>
+          <a:p>
+            <a:pPr algn="ctr"/>
+            <a:endParaRPr lang="en-US"/>
+          </a:p>
+        </p:txBody>
+      </p:sp>
+      <p:sp>
+        <p:nvSpPr>
+          <p:cNvPr id="35" name="Oval 34"/>
+          <p:cNvSpPr/>
+          <p:nvPr/>
+        </p:nvSpPr>
+        <p:spPr>
+          <a:xfrm>
+            <a:off x="4650722" y="2932102"/>
+            <a:ext cx="65457" cy="64008"/>
+          </a:xfrm>
+          <a:prstGeom prst="ellipse">
+            <a:avLst/>
+          </a:prstGeom>
+          <a:solidFill>
+            <a:srgbClr val="FFC033"/>
+          </a:solidFill>
+          <a:ln>
+            <a:noFill/>
+          </a:ln>
+        </p:spPr>
+        <p:style>
+          <a:lnRef idx="2">
+            <a:schemeClr val="accent1">
+              <a:shade val="50000"/>
+            </a:schemeClr>
+          </a:lnRef>
+          <a:fillRef idx="1">
+            <a:schemeClr val="accent1"/>
+          </a:fillRef>
+          <a:effectRef idx="0">
+            <a:schemeClr val="accent1"/>
+          </a:effectRef>
+          <a:fontRef idx="minor">
+            <a:schemeClr val="lt1"/>
+          </a:fontRef>
+        </p:style>
+        <p:txBody>
+          <a:bodyPr rtlCol="0" anchor="ctr"/>
+          <a:lstStyle/>
+          <a:p>
+            <a:pPr algn="ctr"/>
+            <a:endParaRPr lang="en-US"/>
+          </a:p>
+        </p:txBody>
+      </p:sp>
+      <p:sp>
+        <p:nvSpPr>
+          <p:cNvPr id="56" name="Oval 55"/>
+          <p:cNvSpPr/>
+          <p:nvPr/>
+        </p:nvSpPr>
+        <p:spPr>
+          <a:xfrm>
+            <a:off x="4569794" y="3077993"/>
+            <a:ext cx="45719" cy="45720"/>
+          </a:xfrm>
+          <a:prstGeom prst="ellipse">
+            <a:avLst/>
+          </a:prstGeom>
+          <a:solidFill>
+            <a:srgbClr val="FFC033"/>
+          </a:solidFill>
+          <a:ln>
+            <a:noFill/>
+          </a:ln>
+        </p:spPr>
+        <p:style>
+          <a:lnRef idx="2">
+            <a:schemeClr val="accent1">
+              <a:shade val="50000"/>
+            </a:schemeClr>
+          </a:lnRef>
+          <a:fillRef idx="1">
+            <a:schemeClr val="accent1"/>
+          </a:fillRef>
+          <a:effectRef idx="0">
+            <a:schemeClr val="accent1"/>
+          </a:effectRef>
+          <a:fontRef idx="minor">
+            <a:schemeClr val="lt1"/>
+          </a:fontRef>
+        </p:style>
+        <p:txBody>
+          <a:bodyPr rtlCol="0" anchor="ctr"/>
+          <a:lstStyle/>
+          <a:p>
+            <a:pPr algn="ctr"/>
+            <a:endParaRPr lang="en-US"/>
+          </a:p>
+        </p:txBody>
+      </p:sp>
+      <p:sp>
+        <p:nvSpPr>
+          <p:cNvPr id="37" name="Rectangle 36"/>
+          <p:cNvSpPr/>
+          <p:nvPr/>
+        </p:nvSpPr>
+        <p:spPr>
+          <a:xfrm>
+            <a:off x="4168721" y="2103868"/>
+            <a:ext cx="259159" cy="1097736"/>
+          </a:xfrm>
+          <a:prstGeom prst="rect">
+            <a:avLst/>
+          </a:prstGeom>
+          <a:solidFill>
+            <a:srgbClr val="FFFFFF">
+              <a:alpha val="43137"/>
+            </a:srgbClr>
+          </a:solidFill>
+          <a:ln>
+            <a:noFill/>
+          </a:ln>
+        </p:spPr>
+        <p:style>
+          <a:lnRef idx="2">
+            <a:schemeClr val="accent1">
+              <a:shade val="50000"/>
+            </a:schemeClr>
+          </a:lnRef>
+          <a:fillRef idx="1">
+            <a:schemeClr val="accent1"/>
+          </a:fillRef>
+          <a:effectRef idx="0">
+            <a:schemeClr val="accent1"/>
+          </a:effectRef>
+          <a:fontRef idx="minor">
+            <a:schemeClr val="lt1"/>
+          </a:fontRef>
+        </p:style>
+        <p:txBody>
+          <a:bodyPr rtlCol="0" anchor="ctr"/>
+          <a:lstStyle/>
+          <a:p>
+            <a:pPr algn="ctr"/>
+            <a:endParaRPr lang="en-US"/>
+          </a:p>
+        </p:txBody>
+      </p:sp>
+      <p:sp>
+        <p:nvSpPr>
+          <p:cNvPr id="58" name="Oval 57"/>
+          <p:cNvSpPr/>
+          <p:nvPr/>
+        </p:nvSpPr>
+        <p:spPr>
+          <a:xfrm>
+            <a:off x="3843147" y="2090995"/>
+            <a:ext cx="122275" cy="122275"/>
+          </a:xfrm>
+          <a:prstGeom prst="ellipse">
+            <a:avLst/>
+          </a:prstGeom>
+          <a:solidFill>
+            <a:schemeClr val="bg1"/>
+          </a:solidFill>
+          <a:ln>
+            <a:noFill/>
+          </a:ln>
+        </p:spPr>
+        <p:style>
+          <a:lnRef idx="2">
+            <a:schemeClr val="accent1">
+              <a:shade val="50000"/>
+            </a:schemeClr>
+          </a:lnRef>
+          <a:fillRef idx="1">
+            <a:schemeClr val="accent1"/>
+          </a:fillRef>
+          <a:effectRef idx="0">
+            <a:schemeClr val="accent1"/>
+          </a:effectRef>
+          <a:fontRef idx="minor">
+            <a:schemeClr val="lt1"/>
+          </a:fontRef>
+        </p:style>
+        <p:txBody>
+          <a:bodyPr rtlCol="0" anchor="ctr"/>
+          <a:lstStyle/>
+          <a:p>
+            <a:pPr algn="ctr"/>
+            <a:endParaRPr lang="en-US"/>
+          </a:p>
+        </p:txBody>
+      </p:sp>
+    </p:spTree>
+    <p:extLst>
+      <p:ext uri="{BB962C8B-B14F-4D97-AF65-F5344CB8AC3E}">
+        <p14:creationId xmlns:p14="http://schemas.microsoft.com/office/powerpoint/2010/main" val="3125769977"/>
+      </p:ext>
+    </p:extLst>
+  </p:cSld>
+  <p:clrMapOvr>
+    <a:masterClrMapping/>
+  </p:clrMapOvr>
+  <p:timing>
+    <p:tnLst>
+      <p:par>
+        <p:cTn id="1" dur="indefinite" restart="never" nodeType="tmRoot"/>
+      </p:par>
+    </p:tnLst>
+  </p:timing>
+</p:sld>
+</file>
+
 <file path=ppt/theme/theme1.xml><?xml version="1.0" encoding="utf-8"?>
 <a:theme xmlns:a="http://schemas.openxmlformats.org/drawingml/2006/main" name="Office Theme">
   <a:themeElements>

--- a/images/icons.pptx
+++ b/images/icons.pptx
@@ -5,13 +5,16 @@
     <p:sldMasterId id="2147483648" r:id="rId1"/>
   </p:sldMasterIdLst>
   <p:notesMasterIdLst>
-    <p:notesMasterId r:id="rId6"/>
+    <p:notesMasterId r:id="rId9"/>
   </p:notesMasterIdLst>
   <p:sldIdLst>
     <p:sldId id="260" r:id="rId2"/>
     <p:sldId id="261" r:id="rId3"/>
     <p:sldId id="262" r:id="rId4"/>
     <p:sldId id="263" r:id="rId5"/>
+    <p:sldId id="264" r:id="rId6"/>
+    <p:sldId id="265" r:id="rId7"/>
+    <p:sldId id="266" r:id="rId8"/>
   </p:sldIdLst>
   <p:sldSz cx="9144000" cy="6858000" type="screen4x3"/>
   <p:notesSz cx="6858000" cy="9144000"/>
@@ -195,7 +198,7 @@
           <a:p>
             <a:fld id="{B07FD8AA-08B1-4E21-91DC-E5B90EA588FD}" type="datetimeFigureOut">
               <a:rPr lang="en-US" smtClean="0"/>
-              <a:t>4/30/2014</a:t>
+              <a:t>5/4/2014</a:t>
             </a:fld>
             <a:endParaRPr lang="en-US"/>
           </a:p>
@@ -728,7 +731,7 @@
           <a:p>
             <a:fld id="{A89232D8-0A1F-4BDD-A9E7-2D079E857A7E}" type="datetimeFigureOut">
               <a:rPr lang="en-US" smtClean="0"/>
-              <a:t>4/30/2014</a:t>
+              <a:t>5/4/2014</a:t>
             </a:fld>
             <a:endParaRPr lang="en-US"/>
           </a:p>
@@ -898,7 +901,7 @@
           <a:p>
             <a:fld id="{A89232D8-0A1F-4BDD-A9E7-2D079E857A7E}" type="datetimeFigureOut">
               <a:rPr lang="en-US" smtClean="0"/>
-              <a:t>4/30/2014</a:t>
+              <a:t>5/4/2014</a:t>
             </a:fld>
             <a:endParaRPr lang="en-US"/>
           </a:p>
@@ -1078,7 +1081,7 @@
           <a:p>
             <a:fld id="{A89232D8-0A1F-4BDD-A9E7-2D079E857A7E}" type="datetimeFigureOut">
               <a:rPr lang="en-US" smtClean="0"/>
-              <a:t>4/30/2014</a:t>
+              <a:t>5/4/2014</a:t>
             </a:fld>
             <a:endParaRPr lang="en-US"/>
           </a:p>
@@ -1248,7 +1251,7 @@
           <a:p>
             <a:fld id="{A89232D8-0A1F-4BDD-A9E7-2D079E857A7E}" type="datetimeFigureOut">
               <a:rPr lang="en-US" smtClean="0"/>
-              <a:t>4/30/2014</a:t>
+              <a:t>5/4/2014</a:t>
             </a:fld>
             <a:endParaRPr lang="en-US"/>
           </a:p>
@@ -1494,7 +1497,7 @@
           <a:p>
             <a:fld id="{A89232D8-0A1F-4BDD-A9E7-2D079E857A7E}" type="datetimeFigureOut">
               <a:rPr lang="en-US" smtClean="0"/>
-              <a:t>4/30/2014</a:t>
+              <a:t>5/4/2014</a:t>
             </a:fld>
             <a:endParaRPr lang="en-US"/>
           </a:p>
@@ -1782,7 +1785,7 @@
           <a:p>
             <a:fld id="{A89232D8-0A1F-4BDD-A9E7-2D079E857A7E}" type="datetimeFigureOut">
               <a:rPr lang="en-US" smtClean="0"/>
-              <a:t>4/30/2014</a:t>
+              <a:t>5/4/2014</a:t>
             </a:fld>
             <a:endParaRPr lang="en-US"/>
           </a:p>
@@ -2204,7 +2207,7 @@
           <a:p>
             <a:fld id="{A89232D8-0A1F-4BDD-A9E7-2D079E857A7E}" type="datetimeFigureOut">
               <a:rPr lang="en-US" smtClean="0"/>
-              <a:t>4/30/2014</a:t>
+              <a:t>5/4/2014</a:t>
             </a:fld>
             <a:endParaRPr lang="en-US"/>
           </a:p>
@@ -2322,7 +2325,7 @@
           <a:p>
             <a:fld id="{A89232D8-0A1F-4BDD-A9E7-2D079E857A7E}" type="datetimeFigureOut">
               <a:rPr lang="en-US" smtClean="0"/>
-              <a:t>4/30/2014</a:t>
+              <a:t>5/4/2014</a:t>
             </a:fld>
             <a:endParaRPr lang="en-US"/>
           </a:p>
@@ -2417,7 +2420,7 @@
           <a:p>
             <a:fld id="{A89232D8-0A1F-4BDD-A9E7-2D079E857A7E}" type="datetimeFigureOut">
               <a:rPr lang="en-US" smtClean="0"/>
-              <a:t>4/30/2014</a:t>
+              <a:t>5/4/2014</a:t>
             </a:fld>
             <a:endParaRPr lang="en-US"/>
           </a:p>
@@ -2694,7 +2697,7 @@
           <a:p>
             <a:fld id="{A89232D8-0A1F-4BDD-A9E7-2D079E857A7E}" type="datetimeFigureOut">
               <a:rPr lang="en-US" smtClean="0"/>
-              <a:t>4/30/2014</a:t>
+              <a:t>5/4/2014</a:t>
             </a:fld>
             <a:endParaRPr lang="en-US"/>
           </a:p>
@@ -2947,7 +2950,7 @@
           <a:p>
             <a:fld id="{A89232D8-0A1F-4BDD-A9E7-2D079E857A7E}" type="datetimeFigureOut">
               <a:rPr lang="en-US" smtClean="0"/>
-              <a:t>4/30/2014</a:t>
+              <a:t>5/4/2014</a:t>
             </a:fld>
             <a:endParaRPr lang="en-US"/>
           </a:p>
@@ -3160,7 +3163,7 @@
           <a:p>
             <a:fld id="{A89232D8-0A1F-4BDD-A9E7-2D079E857A7E}" type="datetimeFigureOut">
               <a:rPr lang="en-US" smtClean="0"/>
-              <a:t>4/30/2014</a:t>
+              <a:t>5/4/2014</a:t>
             </a:fld>
             <a:endParaRPr lang="en-US"/>
           </a:p>
@@ -9238,7 +9241,7 @@
         </p:nvSpPr>
         <p:spPr>
           <a:xfrm>
-            <a:off x="2545235" y="503460"/>
+            <a:off x="49644" y="654402"/>
             <a:ext cx="4064401" cy="4064401"/>
           </a:xfrm>
           <a:prstGeom prst="ellipse">
@@ -9287,7 +9290,7 @@
         </p:nvSpPr>
         <p:spPr>
           <a:xfrm>
-            <a:off x="3939724" y="1618112"/>
+            <a:off x="1444133" y="1769054"/>
             <a:ext cx="1271156" cy="2170845"/>
           </a:xfrm>
           <a:prstGeom prst="rect">
@@ -9333,7 +9336,7 @@
         </p:nvGrpSpPr>
         <p:grpSpPr>
           <a:xfrm>
-            <a:off x="5210878" y="1999466"/>
+            <a:off x="2715287" y="2150408"/>
             <a:ext cx="666353" cy="1408140"/>
             <a:chOff x="5210872" y="1999466"/>
             <a:chExt cx="666359" cy="1408140"/>
@@ -9449,7 +9452,7 @@
         </p:nvSpPr>
         <p:spPr>
           <a:xfrm>
-            <a:off x="3939724" y="1679180"/>
+            <a:off x="1444133" y="1830122"/>
             <a:ext cx="1271155" cy="1779459"/>
           </a:xfrm>
           <a:prstGeom prst="rect">
@@ -9495,7 +9498,7 @@
         </p:nvSpPr>
         <p:spPr>
           <a:xfrm>
-            <a:off x="3939724" y="1618112"/>
+            <a:off x="1444133" y="1769054"/>
             <a:ext cx="113645" cy="1840528"/>
           </a:xfrm>
           <a:prstGeom prst="rect">
@@ -9541,7 +9544,7 @@
         </p:nvSpPr>
         <p:spPr>
           <a:xfrm>
-            <a:off x="5097233" y="1618112"/>
+            <a:off x="2601642" y="1769054"/>
             <a:ext cx="113645" cy="1840528"/>
           </a:xfrm>
           <a:prstGeom prst="rect">
@@ -9587,7 +9590,7 @@
         </p:nvSpPr>
         <p:spPr>
           <a:xfrm>
-            <a:off x="3678488" y="1501823"/>
+            <a:off x="1182897" y="1652765"/>
             <a:ext cx="451592" cy="451592"/>
           </a:xfrm>
           <a:prstGeom prst="ellipse">
@@ -9633,7 +9636,7 @@
         </p:nvSpPr>
         <p:spPr>
           <a:xfrm>
-            <a:off x="3922784" y="1044586"/>
+            <a:off x="1427193" y="1195528"/>
             <a:ext cx="836381" cy="836381"/>
           </a:xfrm>
           <a:prstGeom prst="ellipse">
@@ -9679,7 +9682,7 @@
         </p:nvSpPr>
         <p:spPr>
           <a:xfrm>
-            <a:off x="5019755" y="1552507"/>
+            <a:off x="2524164" y="1703449"/>
             <a:ext cx="380348" cy="380348"/>
           </a:xfrm>
           <a:prstGeom prst="ellipse">
@@ -9725,7 +9728,7 @@
         </p:nvSpPr>
         <p:spPr>
           <a:xfrm>
-            <a:off x="4629963" y="1270971"/>
+            <a:off x="2134372" y="1421913"/>
             <a:ext cx="633306" cy="633306"/>
           </a:xfrm>
           <a:prstGeom prst="ellipse">
@@ -9771,7 +9774,7 @@
         </p:nvSpPr>
         <p:spPr>
           <a:xfrm>
-            <a:off x="3772710" y="1831223"/>
+            <a:off x="1277119" y="1982165"/>
             <a:ext cx="263148" cy="263148"/>
           </a:xfrm>
           <a:prstGeom prst="ellipse">
@@ -9817,7 +9820,7 @@
         </p:nvSpPr>
         <p:spPr>
           <a:xfrm>
-            <a:off x="4628785" y="2440893"/>
+            <a:off x="2133194" y="2591835"/>
             <a:ext cx="126582" cy="128016"/>
           </a:xfrm>
           <a:prstGeom prst="ellipse">
@@ -9863,7 +9866,7 @@
         </p:nvSpPr>
         <p:spPr>
           <a:xfrm>
-            <a:off x="4471278" y="2763037"/>
+            <a:off x="1975687" y="2913979"/>
             <a:ext cx="87713" cy="91440"/>
           </a:xfrm>
           <a:prstGeom prst="ellipse">
@@ -9909,7 +9912,7 @@
         </p:nvSpPr>
         <p:spPr>
           <a:xfrm>
-            <a:off x="4346196" y="2178090"/>
+            <a:off x="1850605" y="2329032"/>
             <a:ext cx="162588" cy="167746"/>
           </a:xfrm>
           <a:prstGeom prst="ellipse">
@@ -9955,7 +9958,7 @@
         </p:nvSpPr>
         <p:spPr>
           <a:xfrm>
-            <a:off x="4650722" y="2932102"/>
+            <a:off x="2155131" y="3083044"/>
             <a:ext cx="65457" cy="64008"/>
           </a:xfrm>
           <a:prstGeom prst="ellipse">
@@ -10001,7 +10004,7 @@
         </p:nvSpPr>
         <p:spPr>
           <a:xfrm>
-            <a:off x="4569794" y="3077993"/>
+            <a:off x="2074203" y="3228935"/>
             <a:ext cx="45719" cy="45720"/>
           </a:xfrm>
           <a:prstGeom prst="ellipse">
@@ -10047,7 +10050,7 @@
         </p:nvSpPr>
         <p:spPr>
           <a:xfrm>
-            <a:off x="4168721" y="2103868"/>
+            <a:off x="1673130" y="2254810"/>
             <a:ext cx="259159" cy="1097736"/>
           </a:xfrm>
           <a:prstGeom prst="rect">
@@ -10095,7 +10098,7 @@
         </p:nvSpPr>
         <p:spPr>
           <a:xfrm>
-            <a:off x="3843147" y="2090995"/>
+            <a:off x="1347556" y="2241937"/>
             <a:ext cx="122275" cy="122275"/>
           </a:xfrm>
           <a:prstGeom prst="ellipse">
@@ -10133,10 +10136,8274 @@
           </a:p>
         </p:txBody>
       </p:sp>
+      <p:sp>
+        <p:nvSpPr>
+          <p:cNvPr id="48" name="Oval 47"/>
+          <p:cNvSpPr/>
+          <p:nvPr/>
+        </p:nvSpPr>
+        <p:spPr>
+          <a:xfrm>
+            <a:off x="4611395" y="725528"/>
+            <a:ext cx="4064401" cy="4064401"/>
+          </a:xfrm>
+          <a:prstGeom prst="ellipse">
+            <a:avLst/>
+          </a:prstGeom>
+          <a:solidFill>
+            <a:schemeClr val="tx2">
+              <a:lumMod val="60000"/>
+              <a:lumOff val="40000"/>
+            </a:schemeClr>
+          </a:solidFill>
+          <a:ln>
+            <a:noFill/>
+          </a:ln>
+        </p:spPr>
+        <p:style>
+          <a:lnRef idx="2">
+            <a:schemeClr val="accent1">
+              <a:shade val="50000"/>
+            </a:schemeClr>
+          </a:lnRef>
+          <a:fillRef idx="1">
+            <a:schemeClr val="accent1"/>
+          </a:fillRef>
+          <a:effectRef idx="0">
+            <a:schemeClr val="accent1"/>
+          </a:effectRef>
+          <a:fontRef idx="minor">
+            <a:schemeClr val="lt1"/>
+          </a:fontRef>
+        </p:style>
+        <p:txBody>
+          <a:bodyPr rtlCol="0" anchor="ctr"/>
+          <a:lstStyle>
+            <a:defPPr>
+              <a:defRPr lang="en-US"/>
+            </a:defPPr>
+            <a:lvl1pPr marL="0" algn="l" defTabSz="914400" rtl="0" eaLnBrk="1" latinLnBrk="0" hangingPunct="1">
+              <a:defRPr sz="1800" kern="1200">
+                <a:solidFill>
+                  <a:schemeClr val="lt1"/>
+                </a:solidFill>
+                <a:latin typeface="+mn-lt"/>
+                <a:ea typeface="+mn-ea"/>
+                <a:cs typeface="+mn-cs"/>
+              </a:defRPr>
+            </a:lvl1pPr>
+            <a:lvl2pPr marL="457200" algn="l" defTabSz="914400" rtl="0" eaLnBrk="1" latinLnBrk="0" hangingPunct="1">
+              <a:defRPr sz="1800" kern="1200">
+                <a:solidFill>
+                  <a:schemeClr val="lt1"/>
+                </a:solidFill>
+                <a:latin typeface="+mn-lt"/>
+                <a:ea typeface="+mn-ea"/>
+                <a:cs typeface="+mn-cs"/>
+              </a:defRPr>
+            </a:lvl2pPr>
+            <a:lvl3pPr marL="914400" algn="l" defTabSz="914400" rtl="0" eaLnBrk="1" latinLnBrk="0" hangingPunct="1">
+              <a:defRPr sz="1800" kern="1200">
+                <a:solidFill>
+                  <a:schemeClr val="lt1"/>
+                </a:solidFill>
+                <a:latin typeface="+mn-lt"/>
+                <a:ea typeface="+mn-ea"/>
+                <a:cs typeface="+mn-cs"/>
+              </a:defRPr>
+            </a:lvl3pPr>
+            <a:lvl4pPr marL="1371600" algn="l" defTabSz="914400" rtl="0" eaLnBrk="1" latinLnBrk="0" hangingPunct="1">
+              <a:defRPr sz="1800" kern="1200">
+                <a:solidFill>
+                  <a:schemeClr val="lt1"/>
+                </a:solidFill>
+                <a:latin typeface="+mn-lt"/>
+                <a:ea typeface="+mn-ea"/>
+                <a:cs typeface="+mn-cs"/>
+              </a:defRPr>
+            </a:lvl4pPr>
+            <a:lvl5pPr marL="1828800" algn="l" defTabSz="914400" rtl="0" eaLnBrk="1" latinLnBrk="0" hangingPunct="1">
+              <a:defRPr sz="1800" kern="1200">
+                <a:solidFill>
+                  <a:schemeClr val="lt1"/>
+                </a:solidFill>
+                <a:latin typeface="+mn-lt"/>
+                <a:ea typeface="+mn-ea"/>
+                <a:cs typeface="+mn-cs"/>
+              </a:defRPr>
+            </a:lvl5pPr>
+            <a:lvl6pPr marL="2286000" algn="l" defTabSz="914400" rtl="0" eaLnBrk="1" latinLnBrk="0" hangingPunct="1">
+              <a:defRPr sz="1800" kern="1200">
+                <a:solidFill>
+                  <a:schemeClr val="lt1"/>
+                </a:solidFill>
+                <a:latin typeface="+mn-lt"/>
+                <a:ea typeface="+mn-ea"/>
+                <a:cs typeface="+mn-cs"/>
+              </a:defRPr>
+            </a:lvl6pPr>
+            <a:lvl7pPr marL="2743200" algn="l" defTabSz="914400" rtl="0" eaLnBrk="1" latinLnBrk="0" hangingPunct="1">
+              <a:defRPr sz="1800" kern="1200">
+                <a:solidFill>
+                  <a:schemeClr val="lt1"/>
+                </a:solidFill>
+                <a:latin typeface="+mn-lt"/>
+                <a:ea typeface="+mn-ea"/>
+                <a:cs typeface="+mn-cs"/>
+              </a:defRPr>
+            </a:lvl7pPr>
+            <a:lvl8pPr marL="3200400" algn="l" defTabSz="914400" rtl="0" eaLnBrk="1" latinLnBrk="0" hangingPunct="1">
+              <a:defRPr sz="1800" kern="1200">
+                <a:solidFill>
+                  <a:schemeClr val="lt1"/>
+                </a:solidFill>
+                <a:latin typeface="+mn-lt"/>
+                <a:ea typeface="+mn-ea"/>
+                <a:cs typeface="+mn-cs"/>
+              </a:defRPr>
+            </a:lvl8pPr>
+            <a:lvl9pPr marL="3657600" algn="l" defTabSz="914400" rtl="0" eaLnBrk="1" latinLnBrk="0" hangingPunct="1">
+              <a:defRPr sz="1800" kern="1200">
+                <a:solidFill>
+                  <a:schemeClr val="lt1"/>
+                </a:solidFill>
+                <a:latin typeface="+mn-lt"/>
+                <a:ea typeface="+mn-ea"/>
+                <a:cs typeface="+mn-cs"/>
+              </a:defRPr>
+            </a:lvl9pPr>
+          </a:lstStyle>
+          <a:p>
+            <a:pPr algn="ctr"/>
+            <a:endParaRPr lang="en-US"/>
+          </a:p>
+        </p:txBody>
+      </p:sp>
+      <p:grpSp>
+        <p:nvGrpSpPr>
+          <p:cNvPr id="2" name="Group 1"/>
+          <p:cNvGrpSpPr/>
+          <p:nvPr/>
+        </p:nvGrpSpPr>
+        <p:grpSpPr>
+          <a:xfrm>
+            <a:off x="5630348" y="1279354"/>
+            <a:ext cx="2198743" cy="2744371"/>
+            <a:chOff x="5630348" y="1279354"/>
+            <a:chExt cx="2198743" cy="2744371"/>
+          </a:xfrm>
+        </p:grpSpPr>
+        <p:sp>
+          <p:nvSpPr>
+            <p:cNvPr id="49" name="Rectangle 48"/>
+            <p:cNvSpPr/>
+            <p:nvPr/>
+          </p:nvSpPr>
+          <p:spPr>
+            <a:xfrm>
+              <a:off x="5891584" y="1852880"/>
+              <a:ext cx="1271156" cy="2170845"/>
+            </a:xfrm>
+            <a:prstGeom prst="rect">
+              <a:avLst/>
+            </a:prstGeom>
+            <a:solidFill>
+              <a:srgbClr val="D7E5F5"/>
+            </a:solidFill>
+            <a:ln>
+              <a:noFill/>
+            </a:ln>
+          </p:spPr>
+          <p:style>
+            <a:lnRef idx="2">
+              <a:schemeClr val="accent1">
+                <a:shade val="50000"/>
+              </a:schemeClr>
+            </a:lnRef>
+            <a:fillRef idx="1">
+              <a:schemeClr val="accent1"/>
+            </a:fillRef>
+            <a:effectRef idx="0">
+              <a:schemeClr val="accent1"/>
+            </a:effectRef>
+            <a:fontRef idx="minor">
+              <a:schemeClr val="lt1"/>
+            </a:fontRef>
+          </p:style>
+          <p:txBody>
+            <a:bodyPr rtlCol="0" anchor="ctr"/>
+            <a:lstStyle>
+              <a:defPPr>
+                <a:defRPr lang="en-US"/>
+              </a:defPPr>
+              <a:lvl1pPr marL="0" algn="l" defTabSz="914400" rtl="0" eaLnBrk="1" latinLnBrk="0" hangingPunct="1">
+                <a:defRPr sz="1800" kern="1200">
+                  <a:solidFill>
+                    <a:schemeClr val="lt1"/>
+                  </a:solidFill>
+                  <a:latin typeface="+mn-lt"/>
+                  <a:ea typeface="+mn-ea"/>
+                  <a:cs typeface="+mn-cs"/>
+                </a:defRPr>
+              </a:lvl1pPr>
+              <a:lvl2pPr marL="457200" algn="l" defTabSz="914400" rtl="0" eaLnBrk="1" latinLnBrk="0" hangingPunct="1">
+                <a:defRPr sz="1800" kern="1200">
+                  <a:solidFill>
+                    <a:schemeClr val="lt1"/>
+                  </a:solidFill>
+                  <a:latin typeface="+mn-lt"/>
+                  <a:ea typeface="+mn-ea"/>
+                  <a:cs typeface="+mn-cs"/>
+                </a:defRPr>
+              </a:lvl2pPr>
+              <a:lvl3pPr marL="914400" algn="l" defTabSz="914400" rtl="0" eaLnBrk="1" latinLnBrk="0" hangingPunct="1">
+                <a:defRPr sz="1800" kern="1200">
+                  <a:solidFill>
+                    <a:schemeClr val="lt1"/>
+                  </a:solidFill>
+                  <a:latin typeface="+mn-lt"/>
+                  <a:ea typeface="+mn-ea"/>
+                  <a:cs typeface="+mn-cs"/>
+                </a:defRPr>
+              </a:lvl3pPr>
+              <a:lvl4pPr marL="1371600" algn="l" defTabSz="914400" rtl="0" eaLnBrk="1" latinLnBrk="0" hangingPunct="1">
+                <a:defRPr sz="1800" kern="1200">
+                  <a:solidFill>
+                    <a:schemeClr val="lt1"/>
+                  </a:solidFill>
+                  <a:latin typeface="+mn-lt"/>
+                  <a:ea typeface="+mn-ea"/>
+                  <a:cs typeface="+mn-cs"/>
+                </a:defRPr>
+              </a:lvl4pPr>
+              <a:lvl5pPr marL="1828800" algn="l" defTabSz="914400" rtl="0" eaLnBrk="1" latinLnBrk="0" hangingPunct="1">
+                <a:defRPr sz="1800" kern="1200">
+                  <a:solidFill>
+                    <a:schemeClr val="lt1"/>
+                  </a:solidFill>
+                  <a:latin typeface="+mn-lt"/>
+                  <a:ea typeface="+mn-ea"/>
+                  <a:cs typeface="+mn-cs"/>
+                </a:defRPr>
+              </a:lvl5pPr>
+              <a:lvl6pPr marL="2286000" algn="l" defTabSz="914400" rtl="0" eaLnBrk="1" latinLnBrk="0" hangingPunct="1">
+                <a:defRPr sz="1800" kern="1200">
+                  <a:solidFill>
+                    <a:schemeClr val="lt1"/>
+                  </a:solidFill>
+                  <a:latin typeface="+mn-lt"/>
+                  <a:ea typeface="+mn-ea"/>
+                  <a:cs typeface="+mn-cs"/>
+                </a:defRPr>
+              </a:lvl6pPr>
+              <a:lvl7pPr marL="2743200" algn="l" defTabSz="914400" rtl="0" eaLnBrk="1" latinLnBrk="0" hangingPunct="1">
+                <a:defRPr sz="1800" kern="1200">
+                  <a:solidFill>
+                    <a:schemeClr val="lt1"/>
+                  </a:solidFill>
+                  <a:latin typeface="+mn-lt"/>
+                  <a:ea typeface="+mn-ea"/>
+                  <a:cs typeface="+mn-cs"/>
+                </a:defRPr>
+              </a:lvl7pPr>
+              <a:lvl8pPr marL="3200400" algn="l" defTabSz="914400" rtl="0" eaLnBrk="1" latinLnBrk="0" hangingPunct="1">
+                <a:defRPr sz="1800" kern="1200">
+                  <a:solidFill>
+                    <a:schemeClr val="lt1"/>
+                  </a:solidFill>
+                  <a:latin typeface="+mn-lt"/>
+                  <a:ea typeface="+mn-ea"/>
+                  <a:cs typeface="+mn-cs"/>
+                </a:defRPr>
+              </a:lvl8pPr>
+              <a:lvl9pPr marL="3657600" algn="l" defTabSz="914400" rtl="0" eaLnBrk="1" latinLnBrk="0" hangingPunct="1">
+                <a:defRPr sz="1800" kern="1200">
+                  <a:solidFill>
+                    <a:schemeClr val="lt1"/>
+                  </a:solidFill>
+                  <a:latin typeface="+mn-lt"/>
+                  <a:ea typeface="+mn-ea"/>
+                  <a:cs typeface="+mn-cs"/>
+                </a:defRPr>
+              </a:lvl9pPr>
+            </a:lstStyle>
+            <a:p>
+              <a:pPr algn="ctr"/>
+              <a:endParaRPr lang="en-US"/>
+            </a:p>
+          </p:txBody>
+        </p:sp>
+        <p:grpSp>
+          <p:nvGrpSpPr>
+            <p:cNvPr id="50" name="Group 49"/>
+            <p:cNvGrpSpPr/>
+            <p:nvPr/>
+          </p:nvGrpSpPr>
+          <p:grpSpPr>
+            <a:xfrm>
+              <a:off x="7162738" y="2234234"/>
+              <a:ext cx="666353" cy="1408140"/>
+              <a:chOff x="5210872" y="1999466"/>
+              <a:chExt cx="666359" cy="1408140"/>
+            </a:xfrm>
+          </p:grpSpPr>
+          <p:sp>
+            <p:nvSpPr>
+              <p:cNvPr id="66" name="Round Same Side Corner Rectangle 65"/>
+              <p:cNvSpPr/>
+              <p:nvPr/>
+            </p:nvSpPr>
+            <p:spPr>
+              <a:xfrm rot="5400000">
+                <a:off x="4839985" y="2370359"/>
+                <a:ext cx="1408140" cy="666353"/>
+              </a:xfrm>
+              <a:prstGeom prst="round2SameRect">
+                <a:avLst>
+                  <a:gd name="adj1" fmla="val 50000"/>
+                  <a:gd name="adj2" fmla="val 0"/>
+                </a:avLst>
+              </a:prstGeom>
+              <a:solidFill>
+                <a:srgbClr val="D7E5F5"/>
+              </a:solidFill>
+              <a:ln>
+                <a:noFill/>
+              </a:ln>
+            </p:spPr>
+            <p:style>
+              <a:lnRef idx="2">
+                <a:schemeClr val="accent1">
+                  <a:shade val="50000"/>
+                </a:schemeClr>
+              </a:lnRef>
+              <a:fillRef idx="1">
+                <a:schemeClr val="accent1"/>
+              </a:fillRef>
+              <a:effectRef idx="0">
+                <a:schemeClr val="accent1"/>
+              </a:effectRef>
+              <a:fontRef idx="minor">
+                <a:schemeClr val="lt1"/>
+              </a:fontRef>
+            </p:style>
+            <p:txBody>
+              <a:bodyPr rtlCol="0" anchor="ctr"/>
+              <a:lstStyle>
+                <a:defPPr>
+                  <a:defRPr lang="en-US"/>
+                </a:defPPr>
+                <a:lvl1pPr marL="0" algn="l" defTabSz="914400" rtl="0" eaLnBrk="1" latinLnBrk="0" hangingPunct="1">
+                  <a:defRPr sz="1800" kern="1200">
+                    <a:solidFill>
+                      <a:schemeClr val="lt1"/>
+                    </a:solidFill>
+                    <a:latin typeface="+mn-lt"/>
+                    <a:ea typeface="+mn-ea"/>
+                    <a:cs typeface="+mn-cs"/>
+                  </a:defRPr>
+                </a:lvl1pPr>
+                <a:lvl2pPr marL="457200" algn="l" defTabSz="914400" rtl="0" eaLnBrk="1" latinLnBrk="0" hangingPunct="1">
+                  <a:defRPr sz="1800" kern="1200">
+                    <a:solidFill>
+                      <a:schemeClr val="lt1"/>
+                    </a:solidFill>
+                    <a:latin typeface="+mn-lt"/>
+                    <a:ea typeface="+mn-ea"/>
+                    <a:cs typeface="+mn-cs"/>
+                  </a:defRPr>
+                </a:lvl2pPr>
+                <a:lvl3pPr marL="914400" algn="l" defTabSz="914400" rtl="0" eaLnBrk="1" latinLnBrk="0" hangingPunct="1">
+                  <a:defRPr sz="1800" kern="1200">
+                    <a:solidFill>
+                      <a:schemeClr val="lt1"/>
+                    </a:solidFill>
+                    <a:latin typeface="+mn-lt"/>
+                    <a:ea typeface="+mn-ea"/>
+                    <a:cs typeface="+mn-cs"/>
+                  </a:defRPr>
+                </a:lvl3pPr>
+                <a:lvl4pPr marL="1371600" algn="l" defTabSz="914400" rtl="0" eaLnBrk="1" latinLnBrk="0" hangingPunct="1">
+                  <a:defRPr sz="1800" kern="1200">
+                    <a:solidFill>
+                      <a:schemeClr val="lt1"/>
+                    </a:solidFill>
+                    <a:latin typeface="+mn-lt"/>
+                    <a:ea typeface="+mn-ea"/>
+                    <a:cs typeface="+mn-cs"/>
+                  </a:defRPr>
+                </a:lvl4pPr>
+                <a:lvl5pPr marL="1828800" algn="l" defTabSz="914400" rtl="0" eaLnBrk="1" latinLnBrk="0" hangingPunct="1">
+                  <a:defRPr sz="1800" kern="1200">
+                    <a:solidFill>
+                      <a:schemeClr val="lt1"/>
+                    </a:solidFill>
+                    <a:latin typeface="+mn-lt"/>
+                    <a:ea typeface="+mn-ea"/>
+                    <a:cs typeface="+mn-cs"/>
+                  </a:defRPr>
+                </a:lvl5pPr>
+                <a:lvl6pPr marL="2286000" algn="l" defTabSz="914400" rtl="0" eaLnBrk="1" latinLnBrk="0" hangingPunct="1">
+                  <a:defRPr sz="1800" kern="1200">
+                    <a:solidFill>
+                      <a:schemeClr val="lt1"/>
+                    </a:solidFill>
+                    <a:latin typeface="+mn-lt"/>
+                    <a:ea typeface="+mn-ea"/>
+                    <a:cs typeface="+mn-cs"/>
+                  </a:defRPr>
+                </a:lvl6pPr>
+                <a:lvl7pPr marL="2743200" algn="l" defTabSz="914400" rtl="0" eaLnBrk="1" latinLnBrk="0" hangingPunct="1">
+                  <a:defRPr sz="1800" kern="1200">
+                    <a:solidFill>
+                      <a:schemeClr val="lt1"/>
+                    </a:solidFill>
+                    <a:latin typeface="+mn-lt"/>
+                    <a:ea typeface="+mn-ea"/>
+                    <a:cs typeface="+mn-cs"/>
+                  </a:defRPr>
+                </a:lvl7pPr>
+                <a:lvl8pPr marL="3200400" algn="l" defTabSz="914400" rtl="0" eaLnBrk="1" latinLnBrk="0" hangingPunct="1">
+                  <a:defRPr sz="1800" kern="1200">
+                    <a:solidFill>
+                      <a:schemeClr val="lt1"/>
+                    </a:solidFill>
+                    <a:latin typeface="+mn-lt"/>
+                    <a:ea typeface="+mn-ea"/>
+                    <a:cs typeface="+mn-cs"/>
+                  </a:defRPr>
+                </a:lvl8pPr>
+                <a:lvl9pPr marL="3657600" algn="l" defTabSz="914400" rtl="0" eaLnBrk="1" latinLnBrk="0" hangingPunct="1">
+                  <a:defRPr sz="1800" kern="1200">
+                    <a:solidFill>
+                      <a:schemeClr val="lt1"/>
+                    </a:solidFill>
+                    <a:latin typeface="+mn-lt"/>
+                    <a:ea typeface="+mn-ea"/>
+                    <a:cs typeface="+mn-cs"/>
+                  </a:defRPr>
+                </a:lvl9pPr>
+              </a:lstStyle>
+              <a:p>
+                <a:pPr algn="ctr"/>
+                <a:endParaRPr lang="en-US"/>
+              </a:p>
+            </p:txBody>
+          </p:sp>
+          <p:sp>
+            <p:nvSpPr>
+              <p:cNvPr id="67" name="Round Same Side Corner Rectangle 66"/>
+              <p:cNvSpPr/>
+              <p:nvPr/>
+            </p:nvSpPr>
+            <p:spPr>
+              <a:xfrm rot="5400000">
+                <a:off x="4953849" y="2472651"/>
+                <a:ext cx="975815" cy="461770"/>
+              </a:xfrm>
+              <a:prstGeom prst="round2SameRect">
+                <a:avLst>
+                  <a:gd name="adj1" fmla="val 29078"/>
+                  <a:gd name="adj2" fmla="val 0"/>
+                </a:avLst>
+              </a:prstGeom>
+              <a:solidFill>
+                <a:schemeClr val="tx2">
+                  <a:lumMod val="60000"/>
+                  <a:lumOff val="40000"/>
+                </a:schemeClr>
+              </a:solidFill>
+              <a:ln>
+                <a:noFill/>
+              </a:ln>
+            </p:spPr>
+            <p:style>
+              <a:lnRef idx="2">
+                <a:schemeClr val="accent1">
+                  <a:shade val="50000"/>
+                </a:schemeClr>
+              </a:lnRef>
+              <a:fillRef idx="1">
+                <a:schemeClr val="accent1"/>
+              </a:fillRef>
+              <a:effectRef idx="0">
+                <a:schemeClr val="accent1"/>
+              </a:effectRef>
+              <a:fontRef idx="minor">
+                <a:schemeClr val="lt1"/>
+              </a:fontRef>
+            </p:style>
+            <p:txBody>
+              <a:bodyPr rtlCol="0" anchor="ctr"/>
+              <a:lstStyle>
+                <a:defPPr>
+                  <a:defRPr lang="en-US"/>
+                </a:defPPr>
+                <a:lvl1pPr marL="0" algn="l" defTabSz="914400" rtl="0" eaLnBrk="1" latinLnBrk="0" hangingPunct="1">
+                  <a:defRPr sz="1800" kern="1200">
+                    <a:solidFill>
+                      <a:schemeClr val="lt1"/>
+                    </a:solidFill>
+                    <a:latin typeface="+mn-lt"/>
+                    <a:ea typeface="+mn-ea"/>
+                    <a:cs typeface="+mn-cs"/>
+                  </a:defRPr>
+                </a:lvl1pPr>
+                <a:lvl2pPr marL="457200" algn="l" defTabSz="914400" rtl="0" eaLnBrk="1" latinLnBrk="0" hangingPunct="1">
+                  <a:defRPr sz="1800" kern="1200">
+                    <a:solidFill>
+                      <a:schemeClr val="lt1"/>
+                    </a:solidFill>
+                    <a:latin typeface="+mn-lt"/>
+                    <a:ea typeface="+mn-ea"/>
+                    <a:cs typeface="+mn-cs"/>
+                  </a:defRPr>
+                </a:lvl2pPr>
+                <a:lvl3pPr marL="914400" algn="l" defTabSz="914400" rtl="0" eaLnBrk="1" latinLnBrk="0" hangingPunct="1">
+                  <a:defRPr sz="1800" kern="1200">
+                    <a:solidFill>
+                      <a:schemeClr val="lt1"/>
+                    </a:solidFill>
+                    <a:latin typeface="+mn-lt"/>
+                    <a:ea typeface="+mn-ea"/>
+                    <a:cs typeface="+mn-cs"/>
+                  </a:defRPr>
+                </a:lvl3pPr>
+                <a:lvl4pPr marL="1371600" algn="l" defTabSz="914400" rtl="0" eaLnBrk="1" latinLnBrk="0" hangingPunct="1">
+                  <a:defRPr sz="1800" kern="1200">
+                    <a:solidFill>
+                      <a:schemeClr val="lt1"/>
+                    </a:solidFill>
+                    <a:latin typeface="+mn-lt"/>
+                    <a:ea typeface="+mn-ea"/>
+                    <a:cs typeface="+mn-cs"/>
+                  </a:defRPr>
+                </a:lvl4pPr>
+                <a:lvl5pPr marL="1828800" algn="l" defTabSz="914400" rtl="0" eaLnBrk="1" latinLnBrk="0" hangingPunct="1">
+                  <a:defRPr sz="1800" kern="1200">
+                    <a:solidFill>
+                      <a:schemeClr val="lt1"/>
+                    </a:solidFill>
+                    <a:latin typeface="+mn-lt"/>
+                    <a:ea typeface="+mn-ea"/>
+                    <a:cs typeface="+mn-cs"/>
+                  </a:defRPr>
+                </a:lvl5pPr>
+                <a:lvl6pPr marL="2286000" algn="l" defTabSz="914400" rtl="0" eaLnBrk="1" latinLnBrk="0" hangingPunct="1">
+                  <a:defRPr sz="1800" kern="1200">
+                    <a:solidFill>
+                      <a:schemeClr val="lt1"/>
+                    </a:solidFill>
+                    <a:latin typeface="+mn-lt"/>
+                    <a:ea typeface="+mn-ea"/>
+                    <a:cs typeface="+mn-cs"/>
+                  </a:defRPr>
+                </a:lvl6pPr>
+                <a:lvl7pPr marL="2743200" algn="l" defTabSz="914400" rtl="0" eaLnBrk="1" latinLnBrk="0" hangingPunct="1">
+                  <a:defRPr sz="1800" kern="1200">
+                    <a:solidFill>
+                      <a:schemeClr val="lt1"/>
+                    </a:solidFill>
+                    <a:latin typeface="+mn-lt"/>
+                    <a:ea typeface="+mn-ea"/>
+                    <a:cs typeface="+mn-cs"/>
+                  </a:defRPr>
+                </a:lvl7pPr>
+                <a:lvl8pPr marL="3200400" algn="l" defTabSz="914400" rtl="0" eaLnBrk="1" latinLnBrk="0" hangingPunct="1">
+                  <a:defRPr sz="1800" kern="1200">
+                    <a:solidFill>
+                      <a:schemeClr val="lt1"/>
+                    </a:solidFill>
+                    <a:latin typeface="+mn-lt"/>
+                    <a:ea typeface="+mn-ea"/>
+                    <a:cs typeface="+mn-cs"/>
+                  </a:defRPr>
+                </a:lvl8pPr>
+                <a:lvl9pPr marL="3657600" algn="l" defTabSz="914400" rtl="0" eaLnBrk="1" latinLnBrk="0" hangingPunct="1">
+                  <a:defRPr sz="1800" kern="1200">
+                    <a:solidFill>
+                      <a:schemeClr val="lt1"/>
+                    </a:solidFill>
+                    <a:latin typeface="+mn-lt"/>
+                    <a:ea typeface="+mn-ea"/>
+                    <a:cs typeface="+mn-cs"/>
+                  </a:defRPr>
+                </a:lvl9pPr>
+              </a:lstStyle>
+              <a:p>
+                <a:pPr algn="ctr"/>
+                <a:endParaRPr lang="en-US"/>
+              </a:p>
+            </p:txBody>
+          </p:sp>
+        </p:grpSp>
+        <p:sp>
+          <p:nvSpPr>
+            <p:cNvPr id="51" name="Rectangle 50"/>
+            <p:cNvSpPr/>
+            <p:nvPr/>
+          </p:nvSpPr>
+          <p:spPr>
+            <a:xfrm>
+              <a:off x="5891584" y="1913948"/>
+              <a:ext cx="1271155" cy="1779459"/>
+            </a:xfrm>
+            <a:prstGeom prst="rect">
+              <a:avLst/>
+            </a:prstGeom>
+            <a:solidFill>
+              <a:srgbClr val="DC9600"/>
+            </a:solidFill>
+            <a:ln>
+              <a:noFill/>
+            </a:ln>
+          </p:spPr>
+          <p:style>
+            <a:lnRef idx="2">
+              <a:schemeClr val="accent1">
+                <a:shade val="50000"/>
+              </a:schemeClr>
+            </a:lnRef>
+            <a:fillRef idx="1">
+              <a:schemeClr val="accent1"/>
+            </a:fillRef>
+            <a:effectRef idx="0">
+              <a:schemeClr val="accent1"/>
+            </a:effectRef>
+            <a:fontRef idx="minor">
+              <a:schemeClr val="lt1"/>
+            </a:fontRef>
+          </p:style>
+          <p:txBody>
+            <a:bodyPr rtlCol="0" anchor="ctr"/>
+            <a:lstStyle>
+              <a:defPPr>
+                <a:defRPr lang="en-US"/>
+              </a:defPPr>
+              <a:lvl1pPr marL="0" algn="l" defTabSz="914400" rtl="0" eaLnBrk="1" latinLnBrk="0" hangingPunct="1">
+                <a:defRPr sz="1800" kern="1200">
+                  <a:solidFill>
+                    <a:schemeClr val="lt1"/>
+                  </a:solidFill>
+                  <a:latin typeface="+mn-lt"/>
+                  <a:ea typeface="+mn-ea"/>
+                  <a:cs typeface="+mn-cs"/>
+                </a:defRPr>
+              </a:lvl1pPr>
+              <a:lvl2pPr marL="457200" algn="l" defTabSz="914400" rtl="0" eaLnBrk="1" latinLnBrk="0" hangingPunct="1">
+                <a:defRPr sz="1800" kern="1200">
+                  <a:solidFill>
+                    <a:schemeClr val="lt1"/>
+                  </a:solidFill>
+                  <a:latin typeface="+mn-lt"/>
+                  <a:ea typeface="+mn-ea"/>
+                  <a:cs typeface="+mn-cs"/>
+                </a:defRPr>
+              </a:lvl2pPr>
+              <a:lvl3pPr marL="914400" algn="l" defTabSz="914400" rtl="0" eaLnBrk="1" latinLnBrk="0" hangingPunct="1">
+                <a:defRPr sz="1800" kern="1200">
+                  <a:solidFill>
+                    <a:schemeClr val="lt1"/>
+                  </a:solidFill>
+                  <a:latin typeface="+mn-lt"/>
+                  <a:ea typeface="+mn-ea"/>
+                  <a:cs typeface="+mn-cs"/>
+                </a:defRPr>
+              </a:lvl3pPr>
+              <a:lvl4pPr marL="1371600" algn="l" defTabSz="914400" rtl="0" eaLnBrk="1" latinLnBrk="0" hangingPunct="1">
+                <a:defRPr sz="1800" kern="1200">
+                  <a:solidFill>
+                    <a:schemeClr val="lt1"/>
+                  </a:solidFill>
+                  <a:latin typeface="+mn-lt"/>
+                  <a:ea typeface="+mn-ea"/>
+                  <a:cs typeface="+mn-cs"/>
+                </a:defRPr>
+              </a:lvl4pPr>
+              <a:lvl5pPr marL="1828800" algn="l" defTabSz="914400" rtl="0" eaLnBrk="1" latinLnBrk="0" hangingPunct="1">
+                <a:defRPr sz="1800" kern="1200">
+                  <a:solidFill>
+                    <a:schemeClr val="lt1"/>
+                  </a:solidFill>
+                  <a:latin typeface="+mn-lt"/>
+                  <a:ea typeface="+mn-ea"/>
+                  <a:cs typeface="+mn-cs"/>
+                </a:defRPr>
+              </a:lvl5pPr>
+              <a:lvl6pPr marL="2286000" algn="l" defTabSz="914400" rtl="0" eaLnBrk="1" latinLnBrk="0" hangingPunct="1">
+                <a:defRPr sz="1800" kern="1200">
+                  <a:solidFill>
+                    <a:schemeClr val="lt1"/>
+                  </a:solidFill>
+                  <a:latin typeface="+mn-lt"/>
+                  <a:ea typeface="+mn-ea"/>
+                  <a:cs typeface="+mn-cs"/>
+                </a:defRPr>
+              </a:lvl6pPr>
+              <a:lvl7pPr marL="2743200" algn="l" defTabSz="914400" rtl="0" eaLnBrk="1" latinLnBrk="0" hangingPunct="1">
+                <a:defRPr sz="1800" kern="1200">
+                  <a:solidFill>
+                    <a:schemeClr val="lt1"/>
+                  </a:solidFill>
+                  <a:latin typeface="+mn-lt"/>
+                  <a:ea typeface="+mn-ea"/>
+                  <a:cs typeface="+mn-cs"/>
+                </a:defRPr>
+              </a:lvl7pPr>
+              <a:lvl8pPr marL="3200400" algn="l" defTabSz="914400" rtl="0" eaLnBrk="1" latinLnBrk="0" hangingPunct="1">
+                <a:defRPr sz="1800" kern="1200">
+                  <a:solidFill>
+                    <a:schemeClr val="lt1"/>
+                  </a:solidFill>
+                  <a:latin typeface="+mn-lt"/>
+                  <a:ea typeface="+mn-ea"/>
+                  <a:cs typeface="+mn-cs"/>
+                </a:defRPr>
+              </a:lvl8pPr>
+              <a:lvl9pPr marL="3657600" algn="l" defTabSz="914400" rtl="0" eaLnBrk="1" latinLnBrk="0" hangingPunct="1">
+                <a:defRPr sz="1800" kern="1200">
+                  <a:solidFill>
+                    <a:schemeClr val="lt1"/>
+                  </a:solidFill>
+                  <a:latin typeface="+mn-lt"/>
+                  <a:ea typeface="+mn-ea"/>
+                  <a:cs typeface="+mn-cs"/>
+                </a:defRPr>
+              </a:lvl9pPr>
+            </a:lstStyle>
+            <a:p>
+              <a:pPr algn="ctr"/>
+              <a:endParaRPr lang="en-US"/>
+            </a:p>
+          </p:txBody>
+        </p:sp>
+        <p:sp>
+          <p:nvSpPr>
+            <p:cNvPr id="53" name="Rectangle 52"/>
+            <p:cNvSpPr/>
+            <p:nvPr/>
+          </p:nvSpPr>
+          <p:spPr>
+            <a:xfrm>
+              <a:off x="5891584" y="1852880"/>
+              <a:ext cx="113645" cy="1840528"/>
+            </a:xfrm>
+            <a:prstGeom prst="rect">
+              <a:avLst/>
+            </a:prstGeom>
+            <a:solidFill>
+              <a:srgbClr val="D7E5F5"/>
+            </a:solidFill>
+            <a:ln>
+              <a:noFill/>
+            </a:ln>
+          </p:spPr>
+          <p:style>
+            <a:lnRef idx="2">
+              <a:schemeClr val="accent1">
+                <a:shade val="50000"/>
+              </a:schemeClr>
+            </a:lnRef>
+            <a:fillRef idx="1">
+              <a:schemeClr val="accent1"/>
+            </a:fillRef>
+            <a:effectRef idx="0">
+              <a:schemeClr val="accent1"/>
+            </a:effectRef>
+            <a:fontRef idx="minor">
+              <a:schemeClr val="lt1"/>
+            </a:fontRef>
+          </p:style>
+          <p:txBody>
+            <a:bodyPr rtlCol="0" anchor="ctr"/>
+            <a:lstStyle>
+              <a:defPPr>
+                <a:defRPr lang="en-US"/>
+              </a:defPPr>
+              <a:lvl1pPr marL="0" algn="l" defTabSz="914400" rtl="0" eaLnBrk="1" latinLnBrk="0" hangingPunct="1">
+                <a:defRPr sz="1800" kern="1200">
+                  <a:solidFill>
+                    <a:schemeClr val="lt1"/>
+                  </a:solidFill>
+                  <a:latin typeface="+mn-lt"/>
+                  <a:ea typeface="+mn-ea"/>
+                  <a:cs typeface="+mn-cs"/>
+                </a:defRPr>
+              </a:lvl1pPr>
+              <a:lvl2pPr marL="457200" algn="l" defTabSz="914400" rtl="0" eaLnBrk="1" latinLnBrk="0" hangingPunct="1">
+                <a:defRPr sz="1800" kern="1200">
+                  <a:solidFill>
+                    <a:schemeClr val="lt1"/>
+                  </a:solidFill>
+                  <a:latin typeface="+mn-lt"/>
+                  <a:ea typeface="+mn-ea"/>
+                  <a:cs typeface="+mn-cs"/>
+                </a:defRPr>
+              </a:lvl2pPr>
+              <a:lvl3pPr marL="914400" algn="l" defTabSz="914400" rtl="0" eaLnBrk="1" latinLnBrk="0" hangingPunct="1">
+                <a:defRPr sz="1800" kern="1200">
+                  <a:solidFill>
+                    <a:schemeClr val="lt1"/>
+                  </a:solidFill>
+                  <a:latin typeface="+mn-lt"/>
+                  <a:ea typeface="+mn-ea"/>
+                  <a:cs typeface="+mn-cs"/>
+                </a:defRPr>
+              </a:lvl3pPr>
+              <a:lvl4pPr marL="1371600" algn="l" defTabSz="914400" rtl="0" eaLnBrk="1" latinLnBrk="0" hangingPunct="1">
+                <a:defRPr sz="1800" kern="1200">
+                  <a:solidFill>
+                    <a:schemeClr val="lt1"/>
+                  </a:solidFill>
+                  <a:latin typeface="+mn-lt"/>
+                  <a:ea typeface="+mn-ea"/>
+                  <a:cs typeface="+mn-cs"/>
+                </a:defRPr>
+              </a:lvl4pPr>
+              <a:lvl5pPr marL="1828800" algn="l" defTabSz="914400" rtl="0" eaLnBrk="1" latinLnBrk="0" hangingPunct="1">
+                <a:defRPr sz="1800" kern="1200">
+                  <a:solidFill>
+                    <a:schemeClr val="lt1"/>
+                  </a:solidFill>
+                  <a:latin typeface="+mn-lt"/>
+                  <a:ea typeface="+mn-ea"/>
+                  <a:cs typeface="+mn-cs"/>
+                </a:defRPr>
+              </a:lvl5pPr>
+              <a:lvl6pPr marL="2286000" algn="l" defTabSz="914400" rtl="0" eaLnBrk="1" latinLnBrk="0" hangingPunct="1">
+                <a:defRPr sz="1800" kern="1200">
+                  <a:solidFill>
+                    <a:schemeClr val="lt1"/>
+                  </a:solidFill>
+                  <a:latin typeface="+mn-lt"/>
+                  <a:ea typeface="+mn-ea"/>
+                  <a:cs typeface="+mn-cs"/>
+                </a:defRPr>
+              </a:lvl6pPr>
+              <a:lvl7pPr marL="2743200" algn="l" defTabSz="914400" rtl="0" eaLnBrk="1" latinLnBrk="0" hangingPunct="1">
+                <a:defRPr sz="1800" kern="1200">
+                  <a:solidFill>
+                    <a:schemeClr val="lt1"/>
+                  </a:solidFill>
+                  <a:latin typeface="+mn-lt"/>
+                  <a:ea typeface="+mn-ea"/>
+                  <a:cs typeface="+mn-cs"/>
+                </a:defRPr>
+              </a:lvl7pPr>
+              <a:lvl8pPr marL="3200400" algn="l" defTabSz="914400" rtl="0" eaLnBrk="1" latinLnBrk="0" hangingPunct="1">
+                <a:defRPr sz="1800" kern="1200">
+                  <a:solidFill>
+                    <a:schemeClr val="lt1"/>
+                  </a:solidFill>
+                  <a:latin typeface="+mn-lt"/>
+                  <a:ea typeface="+mn-ea"/>
+                  <a:cs typeface="+mn-cs"/>
+                </a:defRPr>
+              </a:lvl8pPr>
+              <a:lvl9pPr marL="3657600" algn="l" defTabSz="914400" rtl="0" eaLnBrk="1" latinLnBrk="0" hangingPunct="1">
+                <a:defRPr sz="1800" kern="1200">
+                  <a:solidFill>
+                    <a:schemeClr val="lt1"/>
+                  </a:solidFill>
+                  <a:latin typeface="+mn-lt"/>
+                  <a:ea typeface="+mn-ea"/>
+                  <a:cs typeface="+mn-cs"/>
+                </a:defRPr>
+              </a:lvl9pPr>
+            </a:lstStyle>
+            <a:p>
+              <a:pPr algn="ctr"/>
+              <a:endParaRPr lang="en-US"/>
+            </a:p>
+          </p:txBody>
+        </p:sp>
+        <p:sp>
+          <p:nvSpPr>
+            <p:cNvPr id="57" name="Rectangle 56"/>
+            <p:cNvSpPr/>
+            <p:nvPr/>
+          </p:nvSpPr>
+          <p:spPr>
+            <a:xfrm>
+              <a:off x="7049093" y="1852880"/>
+              <a:ext cx="113645" cy="1840528"/>
+            </a:xfrm>
+            <a:prstGeom prst="rect">
+              <a:avLst/>
+            </a:prstGeom>
+            <a:solidFill>
+              <a:srgbClr val="D7E5F5"/>
+            </a:solidFill>
+            <a:ln>
+              <a:noFill/>
+            </a:ln>
+          </p:spPr>
+          <p:style>
+            <a:lnRef idx="2">
+              <a:schemeClr val="accent1">
+                <a:shade val="50000"/>
+              </a:schemeClr>
+            </a:lnRef>
+            <a:fillRef idx="1">
+              <a:schemeClr val="accent1"/>
+            </a:fillRef>
+            <a:effectRef idx="0">
+              <a:schemeClr val="accent1"/>
+            </a:effectRef>
+            <a:fontRef idx="minor">
+              <a:schemeClr val="lt1"/>
+            </a:fontRef>
+          </p:style>
+          <p:txBody>
+            <a:bodyPr rtlCol="0" anchor="ctr"/>
+            <a:lstStyle>
+              <a:defPPr>
+                <a:defRPr lang="en-US"/>
+              </a:defPPr>
+              <a:lvl1pPr marL="0" algn="l" defTabSz="914400" rtl="0" eaLnBrk="1" latinLnBrk="0" hangingPunct="1">
+                <a:defRPr sz="1800" kern="1200">
+                  <a:solidFill>
+                    <a:schemeClr val="lt1"/>
+                  </a:solidFill>
+                  <a:latin typeface="+mn-lt"/>
+                  <a:ea typeface="+mn-ea"/>
+                  <a:cs typeface="+mn-cs"/>
+                </a:defRPr>
+              </a:lvl1pPr>
+              <a:lvl2pPr marL="457200" algn="l" defTabSz="914400" rtl="0" eaLnBrk="1" latinLnBrk="0" hangingPunct="1">
+                <a:defRPr sz="1800" kern="1200">
+                  <a:solidFill>
+                    <a:schemeClr val="lt1"/>
+                  </a:solidFill>
+                  <a:latin typeface="+mn-lt"/>
+                  <a:ea typeface="+mn-ea"/>
+                  <a:cs typeface="+mn-cs"/>
+                </a:defRPr>
+              </a:lvl2pPr>
+              <a:lvl3pPr marL="914400" algn="l" defTabSz="914400" rtl="0" eaLnBrk="1" latinLnBrk="0" hangingPunct="1">
+                <a:defRPr sz="1800" kern="1200">
+                  <a:solidFill>
+                    <a:schemeClr val="lt1"/>
+                  </a:solidFill>
+                  <a:latin typeface="+mn-lt"/>
+                  <a:ea typeface="+mn-ea"/>
+                  <a:cs typeface="+mn-cs"/>
+                </a:defRPr>
+              </a:lvl3pPr>
+              <a:lvl4pPr marL="1371600" algn="l" defTabSz="914400" rtl="0" eaLnBrk="1" latinLnBrk="0" hangingPunct="1">
+                <a:defRPr sz="1800" kern="1200">
+                  <a:solidFill>
+                    <a:schemeClr val="lt1"/>
+                  </a:solidFill>
+                  <a:latin typeface="+mn-lt"/>
+                  <a:ea typeface="+mn-ea"/>
+                  <a:cs typeface="+mn-cs"/>
+                </a:defRPr>
+              </a:lvl4pPr>
+              <a:lvl5pPr marL="1828800" algn="l" defTabSz="914400" rtl="0" eaLnBrk="1" latinLnBrk="0" hangingPunct="1">
+                <a:defRPr sz="1800" kern="1200">
+                  <a:solidFill>
+                    <a:schemeClr val="lt1"/>
+                  </a:solidFill>
+                  <a:latin typeface="+mn-lt"/>
+                  <a:ea typeface="+mn-ea"/>
+                  <a:cs typeface="+mn-cs"/>
+                </a:defRPr>
+              </a:lvl5pPr>
+              <a:lvl6pPr marL="2286000" algn="l" defTabSz="914400" rtl="0" eaLnBrk="1" latinLnBrk="0" hangingPunct="1">
+                <a:defRPr sz="1800" kern="1200">
+                  <a:solidFill>
+                    <a:schemeClr val="lt1"/>
+                  </a:solidFill>
+                  <a:latin typeface="+mn-lt"/>
+                  <a:ea typeface="+mn-ea"/>
+                  <a:cs typeface="+mn-cs"/>
+                </a:defRPr>
+              </a:lvl6pPr>
+              <a:lvl7pPr marL="2743200" algn="l" defTabSz="914400" rtl="0" eaLnBrk="1" latinLnBrk="0" hangingPunct="1">
+                <a:defRPr sz="1800" kern="1200">
+                  <a:solidFill>
+                    <a:schemeClr val="lt1"/>
+                  </a:solidFill>
+                  <a:latin typeface="+mn-lt"/>
+                  <a:ea typeface="+mn-ea"/>
+                  <a:cs typeface="+mn-cs"/>
+                </a:defRPr>
+              </a:lvl7pPr>
+              <a:lvl8pPr marL="3200400" algn="l" defTabSz="914400" rtl="0" eaLnBrk="1" latinLnBrk="0" hangingPunct="1">
+                <a:defRPr sz="1800" kern="1200">
+                  <a:solidFill>
+                    <a:schemeClr val="lt1"/>
+                  </a:solidFill>
+                  <a:latin typeface="+mn-lt"/>
+                  <a:ea typeface="+mn-ea"/>
+                  <a:cs typeface="+mn-cs"/>
+                </a:defRPr>
+              </a:lvl8pPr>
+              <a:lvl9pPr marL="3657600" algn="l" defTabSz="914400" rtl="0" eaLnBrk="1" latinLnBrk="0" hangingPunct="1">
+                <a:defRPr sz="1800" kern="1200">
+                  <a:solidFill>
+                    <a:schemeClr val="lt1"/>
+                  </a:solidFill>
+                  <a:latin typeface="+mn-lt"/>
+                  <a:ea typeface="+mn-ea"/>
+                  <a:cs typeface="+mn-cs"/>
+                </a:defRPr>
+              </a:lvl9pPr>
+            </a:lstStyle>
+            <a:p>
+              <a:pPr algn="ctr"/>
+              <a:endParaRPr lang="en-US"/>
+            </a:p>
+          </p:txBody>
+        </p:sp>
+        <p:sp>
+          <p:nvSpPr>
+            <p:cNvPr id="59" name="Oval 58"/>
+            <p:cNvSpPr/>
+            <p:nvPr/>
+          </p:nvSpPr>
+          <p:spPr>
+            <a:xfrm>
+              <a:off x="5630348" y="1736591"/>
+              <a:ext cx="451592" cy="451592"/>
+            </a:xfrm>
+            <a:prstGeom prst="ellipse">
+              <a:avLst/>
+            </a:prstGeom>
+            <a:solidFill>
+              <a:schemeClr val="bg1"/>
+            </a:solidFill>
+            <a:ln>
+              <a:noFill/>
+            </a:ln>
+          </p:spPr>
+          <p:style>
+            <a:lnRef idx="2">
+              <a:schemeClr val="accent1">
+                <a:shade val="50000"/>
+              </a:schemeClr>
+            </a:lnRef>
+            <a:fillRef idx="1">
+              <a:schemeClr val="accent1"/>
+            </a:fillRef>
+            <a:effectRef idx="0">
+              <a:schemeClr val="accent1"/>
+            </a:effectRef>
+            <a:fontRef idx="minor">
+              <a:schemeClr val="lt1"/>
+            </a:fontRef>
+          </p:style>
+          <p:txBody>
+            <a:bodyPr rtlCol="0" anchor="ctr"/>
+            <a:lstStyle>
+              <a:defPPr>
+                <a:defRPr lang="en-US"/>
+              </a:defPPr>
+              <a:lvl1pPr marL="0" algn="l" defTabSz="914400" rtl="0" eaLnBrk="1" latinLnBrk="0" hangingPunct="1">
+                <a:defRPr sz="1800" kern="1200">
+                  <a:solidFill>
+                    <a:schemeClr val="lt1"/>
+                  </a:solidFill>
+                  <a:latin typeface="+mn-lt"/>
+                  <a:ea typeface="+mn-ea"/>
+                  <a:cs typeface="+mn-cs"/>
+                </a:defRPr>
+              </a:lvl1pPr>
+              <a:lvl2pPr marL="457200" algn="l" defTabSz="914400" rtl="0" eaLnBrk="1" latinLnBrk="0" hangingPunct="1">
+                <a:defRPr sz="1800" kern="1200">
+                  <a:solidFill>
+                    <a:schemeClr val="lt1"/>
+                  </a:solidFill>
+                  <a:latin typeface="+mn-lt"/>
+                  <a:ea typeface="+mn-ea"/>
+                  <a:cs typeface="+mn-cs"/>
+                </a:defRPr>
+              </a:lvl2pPr>
+              <a:lvl3pPr marL="914400" algn="l" defTabSz="914400" rtl="0" eaLnBrk="1" latinLnBrk="0" hangingPunct="1">
+                <a:defRPr sz="1800" kern="1200">
+                  <a:solidFill>
+                    <a:schemeClr val="lt1"/>
+                  </a:solidFill>
+                  <a:latin typeface="+mn-lt"/>
+                  <a:ea typeface="+mn-ea"/>
+                  <a:cs typeface="+mn-cs"/>
+                </a:defRPr>
+              </a:lvl3pPr>
+              <a:lvl4pPr marL="1371600" algn="l" defTabSz="914400" rtl="0" eaLnBrk="1" latinLnBrk="0" hangingPunct="1">
+                <a:defRPr sz="1800" kern="1200">
+                  <a:solidFill>
+                    <a:schemeClr val="lt1"/>
+                  </a:solidFill>
+                  <a:latin typeface="+mn-lt"/>
+                  <a:ea typeface="+mn-ea"/>
+                  <a:cs typeface="+mn-cs"/>
+                </a:defRPr>
+              </a:lvl4pPr>
+              <a:lvl5pPr marL="1828800" algn="l" defTabSz="914400" rtl="0" eaLnBrk="1" latinLnBrk="0" hangingPunct="1">
+                <a:defRPr sz="1800" kern="1200">
+                  <a:solidFill>
+                    <a:schemeClr val="lt1"/>
+                  </a:solidFill>
+                  <a:latin typeface="+mn-lt"/>
+                  <a:ea typeface="+mn-ea"/>
+                  <a:cs typeface="+mn-cs"/>
+                </a:defRPr>
+              </a:lvl5pPr>
+              <a:lvl6pPr marL="2286000" algn="l" defTabSz="914400" rtl="0" eaLnBrk="1" latinLnBrk="0" hangingPunct="1">
+                <a:defRPr sz="1800" kern="1200">
+                  <a:solidFill>
+                    <a:schemeClr val="lt1"/>
+                  </a:solidFill>
+                  <a:latin typeface="+mn-lt"/>
+                  <a:ea typeface="+mn-ea"/>
+                  <a:cs typeface="+mn-cs"/>
+                </a:defRPr>
+              </a:lvl6pPr>
+              <a:lvl7pPr marL="2743200" algn="l" defTabSz="914400" rtl="0" eaLnBrk="1" latinLnBrk="0" hangingPunct="1">
+                <a:defRPr sz="1800" kern="1200">
+                  <a:solidFill>
+                    <a:schemeClr val="lt1"/>
+                  </a:solidFill>
+                  <a:latin typeface="+mn-lt"/>
+                  <a:ea typeface="+mn-ea"/>
+                  <a:cs typeface="+mn-cs"/>
+                </a:defRPr>
+              </a:lvl7pPr>
+              <a:lvl8pPr marL="3200400" algn="l" defTabSz="914400" rtl="0" eaLnBrk="1" latinLnBrk="0" hangingPunct="1">
+                <a:defRPr sz="1800" kern="1200">
+                  <a:solidFill>
+                    <a:schemeClr val="lt1"/>
+                  </a:solidFill>
+                  <a:latin typeface="+mn-lt"/>
+                  <a:ea typeface="+mn-ea"/>
+                  <a:cs typeface="+mn-cs"/>
+                </a:defRPr>
+              </a:lvl8pPr>
+              <a:lvl9pPr marL="3657600" algn="l" defTabSz="914400" rtl="0" eaLnBrk="1" latinLnBrk="0" hangingPunct="1">
+                <a:defRPr sz="1800" kern="1200">
+                  <a:solidFill>
+                    <a:schemeClr val="lt1"/>
+                  </a:solidFill>
+                  <a:latin typeface="+mn-lt"/>
+                  <a:ea typeface="+mn-ea"/>
+                  <a:cs typeface="+mn-cs"/>
+                </a:defRPr>
+              </a:lvl9pPr>
+            </a:lstStyle>
+            <a:p>
+              <a:pPr algn="ctr"/>
+              <a:endParaRPr lang="en-US"/>
+            </a:p>
+          </p:txBody>
+        </p:sp>
+        <p:sp>
+          <p:nvSpPr>
+            <p:cNvPr id="60" name="Oval 59"/>
+            <p:cNvSpPr/>
+            <p:nvPr/>
+          </p:nvSpPr>
+          <p:spPr>
+            <a:xfrm>
+              <a:off x="5874644" y="1279354"/>
+              <a:ext cx="836381" cy="836381"/>
+            </a:xfrm>
+            <a:prstGeom prst="ellipse">
+              <a:avLst/>
+            </a:prstGeom>
+            <a:solidFill>
+              <a:schemeClr val="bg1"/>
+            </a:solidFill>
+            <a:ln>
+              <a:noFill/>
+            </a:ln>
+          </p:spPr>
+          <p:style>
+            <a:lnRef idx="2">
+              <a:schemeClr val="accent1">
+                <a:shade val="50000"/>
+              </a:schemeClr>
+            </a:lnRef>
+            <a:fillRef idx="1">
+              <a:schemeClr val="accent1"/>
+            </a:fillRef>
+            <a:effectRef idx="0">
+              <a:schemeClr val="accent1"/>
+            </a:effectRef>
+            <a:fontRef idx="minor">
+              <a:schemeClr val="lt1"/>
+            </a:fontRef>
+          </p:style>
+          <p:txBody>
+            <a:bodyPr rtlCol="0" anchor="ctr"/>
+            <a:lstStyle>
+              <a:defPPr>
+                <a:defRPr lang="en-US"/>
+              </a:defPPr>
+              <a:lvl1pPr marL="0" algn="l" defTabSz="914400" rtl="0" eaLnBrk="1" latinLnBrk="0" hangingPunct="1">
+                <a:defRPr sz="1800" kern="1200">
+                  <a:solidFill>
+                    <a:schemeClr val="lt1"/>
+                  </a:solidFill>
+                  <a:latin typeface="+mn-lt"/>
+                  <a:ea typeface="+mn-ea"/>
+                  <a:cs typeface="+mn-cs"/>
+                </a:defRPr>
+              </a:lvl1pPr>
+              <a:lvl2pPr marL="457200" algn="l" defTabSz="914400" rtl="0" eaLnBrk="1" latinLnBrk="0" hangingPunct="1">
+                <a:defRPr sz="1800" kern="1200">
+                  <a:solidFill>
+                    <a:schemeClr val="lt1"/>
+                  </a:solidFill>
+                  <a:latin typeface="+mn-lt"/>
+                  <a:ea typeface="+mn-ea"/>
+                  <a:cs typeface="+mn-cs"/>
+                </a:defRPr>
+              </a:lvl2pPr>
+              <a:lvl3pPr marL="914400" algn="l" defTabSz="914400" rtl="0" eaLnBrk="1" latinLnBrk="0" hangingPunct="1">
+                <a:defRPr sz="1800" kern="1200">
+                  <a:solidFill>
+                    <a:schemeClr val="lt1"/>
+                  </a:solidFill>
+                  <a:latin typeface="+mn-lt"/>
+                  <a:ea typeface="+mn-ea"/>
+                  <a:cs typeface="+mn-cs"/>
+                </a:defRPr>
+              </a:lvl3pPr>
+              <a:lvl4pPr marL="1371600" algn="l" defTabSz="914400" rtl="0" eaLnBrk="1" latinLnBrk="0" hangingPunct="1">
+                <a:defRPr sz="1800" kern="1200">
+                  <a:solidFill>
+                    <a:schemeClr val="lt1"/>
+                  </a:solidFill>
+                  <a:latin typeface="+mn-lt"/>
+                  <a:ea typeface="+mn-ea"/>
+                  <a:cs typeface="+mn-cs"/>
+                </a:defRPr>
+              </a:lvl4pPr>
+              <a:lvl5pPr marL="1828800" algn="l" defTabSz="914400" rtl="0" eaLnBrk="1" latinLnBrk="0" hangingPunct="1">
+                <a:defRPr sz="1800" kern="1200">
+                  <a:solidFill>
+                    <a:schemeClr val="lt1"/>
+                  </a:solidFill>
+                  <a:latin typeface="+mn-lt"/>
+                  <a:ea typeface="+mn-ea"/>
+                  <a:cs typeface="+mn-cs"/>
+                </a:defRPr>
+              </a:lvl5pPr>
+              <a:lvl6pPr marL="2286000" algn="l" defTabSz="914400" rtl="0" eaLnBrk="1" latinLnBrk="0" hangingPunct="1">
+                <a:defRPr sz="1800" kern="1200">
+                  <a:solidFill>
+                    <a:schemeClr val="lt1"/>
+                  </a:solidFill>
+                  <a:latin typeface="+mn-lt"/>
+                  <a:ea typeface="+mn-ea"/>
+                  <a:cs typeface="+mn-cs"/>
+                </a:defRPr>
+              </a:lvl6pPr>
+              <a:lvl7pPr marL="2743200" algn="l" defTabSz="914400" rtl="0" eaLnBrk="1" latinLnBrk="0" hangingPunct="1">
+                <a:defRPr sz="1800" kern="1200">
+                  <a:solidFill>
+                    <a:schemeClr val="lt1"/>
+                  </a:solidFill>
+                  <a:latin typeface="+mn-lt"/>
+                  <a:ea typeface="+mn-ea"/>
+                  <a:cs typeface="+mn-cs"/>
+                </a:defRPr>
+              </a:lvl7pPr>
+              <a:lvl8pPr marL="3200400" algn="l" defTabSz="914400" rtl="0" eaLnBrk="1" latinLnBrk="0" hangingPunct="1">
+                <a:defRPr sz="1800" kern="1200">
+                  <a:solidFill>
+                    <a:schemeClr val="lt1"/>
+                  </a:solidFill>
+                  <a:latin typeface="+mn-lt"/>
+                  <a:ea typeface="+mn-ea"/>
+                  <a:cs typeface="+mn-cs"/>
+                </a:defRPr>
+              </a:lvl8pPr>
+              <a:lvl9pPr marL="3657600" algn="l" defTabSz="914400" rtl="0" eaLnBrk="1" latinLnBrk="0" hangingPunct="1">
+                <a:defRPr sz="1800" kern="1200">
+                  <a:solidFill>
+                    <a:schemeClr val="lt1"/>
+                  </a:solidFill>
+                  <a:latin typeface="+mn-lt"/>
+                  <a:ea typeface="+mn-ea"/>
+                  <a:cs typeface="+mn-cs"/>
+                </a:defRPr>
+              </a:lvl9pPr>
+            </a:lstStyle>
+            <a:p>
+              <a:pPr algn="ctr"/>
+              <a:endParaRPr lang="en-US"/>
+            </a:p>
+          </p:txBody>
+        </p:sp>
+        <p:sp>
+          <p:nvSpPr>
+            <p:cNvPr id="61" name="Oval 60"/>
+            <p:cNvSpPr/>
+            <p:nvPr/>
+          </p:nvSpPr>
+          <p:spPr>
+            <a:xfrm>
+              <a:off x="6971615" y="1787275"/>
+              <a:ext cx="380348" cy="380348"/>
+            </a:xfrm>
+            <a:prstGeom prst="ellipse">
+              <a:avLst/>
+            </a:prstGeom>
+            <a:solidFill>
+              <a:schemeClr val="bg1"/>
+            </a:solidFill>
+            <a:ln>
+              <a:noFill/>
+            </a:ln>
+          </p:spPr>
+          <p:style>
+            <a:lnRef idx="2">
+              <a:schemeClr val="accent1">
+                <a:shade val="50000"/>
+              </a:schemeClr>
+            </a:lnRef>
+            <a:fillRef idx="1">
+              <a:schemeClr val="accent1"/>
+            </a:fillRef>
+            <a:effectRef idx="0">
+              <a:schemeClr val="accent1"/>
+            </a:effectRef>
+            <a:fontRef idx="minor">
+              <a:schemeClr val="lt1"/>
+            </a:fontRef>
+          </p:style>
+          <p:txBody>
+            <a:bodyPr rtlCol="0" anchor="ctr"/>
+            <a:lstStyle>
+              <a:defPPr>
+                <a:defRPr lang="en-US"/>
+              </a:defPPr>
+              <a:lvl1pPr marL="0" algn="l" defTabSz="914400" rtl="0" eaLnBrk="1" latinLnBrk="0" hangingPunct="1">
+                <a:defRPr sz="1800" kern="1200">
+                  <a:solidFill>
+                    <a:schemeClr val="lt1"/>
+                  </a:solidFill>
+                  <a:latin typeface="+mn-lt"/>
+                  <a:ea typeface="+mn-ea"/>
+                  <a:cs typeface="+mn-cs"/>
+                </a:defRPr>
+              </a:lvl1pPr>
+              <a:lvl2pPr marL="457200" algn="l" defTabSz="914400" rtl="0" eaLnBrk="1" latinLnBrk="0" hangingPunct="1">
+                <a:defRPr sz="1800" kern="1200">
+                  <a:solidFill>
+                    <a:schemeClr val="lt1"/>
+                  </a:solidFill>
+                  <a:latin typeface="+mn-lt"/>
+                  <a:ea typeface="+mn-ea"/>
+                  <a:cs typeface="+mn-cs"/>
+                </a:defRPr>
+              </a:lvl2pPr>
+              <a:lvl3pPr marL="914400" algn="l" defTabSz="914400" rtl="0" eaLnBrk="1" latinLnBrk="0" hangingPunct="1">
+                <a:defRPr sz="1800" kern="1200">
+                  <a:solidFill>
+                    <a:schemeClr val="lt1"/>
+                  </a:solidFill>
+                  <a:latin typeface="+mn-lt"/>
+                  <a:ea typeface="+mn-ea"/>
+                  <a:cs typeface="+mn-cs"/>
+                </a:defRPr>
+              </a:lvl3pPr>
+              <a:lvl4pPr marL="1371600" algn="l" defTabSz="914400" rtl="0" eaLnBrk="1" latinLnBrk="0" hangingPunct="1">
+                <a:defRPr sz="1800" kern="1200">
+                  <a:solidFill>
+                    <a:schemeClr val="lt1"/>
+                  </a:solidFill>
+                  <a:latin typeface="+mn-lt"/>
+                  <a:ea typeface="+mn-ea"/>
+                  <a:cs typeface="+mn-cs"/>
+                </a:defRPr>
+              </a:lvl4pPr>
+              <a:lvl5pPr marL="1828800" algn="l" defTabSz="914400" rtl="0" eaLnBrk="1" latinLnBrk="0" hangingPunct="1">
+                <a:defRPr sz="1800" kern="1200">
+                  <a:solidFill>
+                    <a:schemeClr val="lt1"/>
+                  </a:solidFill>
+                  <a:latin typeface="+mn-lt"/>
+                  <a:ea typeface="+mn-ea"/>
+                  <a:cs typeface="+mn-cs"/>
+                </a:defRPr>
+              </a:lvl5pPr>
+              <a:lvl6pPr marL="2286000" algn="l" defTabSz="914400" rtl="0" eaLnBrk="1" latinLnBrk="0" hangingPunct="1">
+                <a:defRPr sz="1800" kern="1200">
+                  <a:solidFill>
+                    <a:schemeClr val="lt1"/>
+                  </a:solidFill>
+                  <a:latin typeface="+mn-lt"/>
+                  <a:ea typeface="+mn-ea"/>
+                  <a:cs typeface="+mn-cs"/>
+                </a:defRPr>
+              </a:lvl6pPr>
+              <a:lvl7pPr marL="2743200" algn="l" defTabSz="914400" rtl="0" eaLnBrk="1" latinLnBrk="0" hangingPunct="1">
+                <a:defRPr sz="1800" kern="1200">
+                  <a:solidFill>
+                    <a:schemeClr val="lt1"/>
+                  </a:solidFill>
+                  <a:latin typeface="+mn-lt"/>
+                  <a:ea typeface="+mn-ea"/>
+                  <a:cs typeface="+mn-cs"/>
+                </a:defRPr>
+              </a:lvl7pPr>
+              <a:lvl8pPr marL="3200400" algn="l" defTabSz="914400" rtl="0" eaLnBrk="1" latinLnBrk="0" hangingPunct="1">
+                <a:defRPr sz="1800" kern="1200">
+                  <a:solidFill>
+                    <a:schemeClr val="lt1"/>
+                  </a:solidFill>
+                  <a:latin typeface="+mn-lt"/>
+                  <a:ea typeface="+mn-ea"/>
+                  <a:cs typeface="+mn-cs"/>
+                </a:defRPr>
+              </a:lvl8pPr>
+              <a:lvl9pPr marL="3657600" algn="l" defTabSz="914400" rtl="0" eaLnBrk="1" latinLnBrk="0" hangingPunct="1">
+                <a:defRPr sz="1800" kern="1200">
+                  <a:solidFill>
+                    <a:schemeClr val="lt1"/>
+                  </a:solidFill>
+                  <a:latin typeface="+mn-lt"/>
+                  <a:ea typeface="+mn-ea"/>
+                  <a:cs typeface="+mn-cs"/>
+                </a:defRPr>
+              </a:lvl9pPr>
+            </a:lstStyle>
+            <a:p>
+              <a:pPr algn="ctr"/>
+              <a:endParaRPr lang="en-US"/>
+            </a:p>
+          </p:txBody>
+        </p:sp>
+        <p:sp>
+          <p:nvSpPr>
+            <p:cNvPr id="62" name="Oval 61"/>
+            <p:cNvSpPr/>
+            <p:nvPr/>
+          </p:nvSpPr>
+          <p:spPr>
+            <a:xfrm>
+              <a:off x="6581823" y="1505739"/>
+              <a:ext cx="633306" cy="633306"/>
+            </a:xfrm>
+            <a:prstGeom prst="ellipse">
+              <a:avLst/>
+            </a:prstGeom>
+            <a:solidFill>
+              <a:schemeClr val="bg1"/>
+            </a:solidFill>
+            <a:ln>
+              <a:noFill/>
+            </a:ln>
+          </p:spPr>
+          <p:style>
+            <a:lnRef idx="2">
+              <a:schemeClr val="accent1">
+                <a:shade val="50000"/>
+              </a:schemeClr>
+            </a:lnRef>
+            <a:fillRef idx="1">
+              <a:schemeClr val="accent1"/>
+            </a:fillRef>
+            <a:effectRef idx="0">
+              <a:schemeClr val="accent1"/>
+            </a:effectRef>
+            <a:fontRef idx="minor">
+              <a:schemeClr val="lt1"/>
+            </a:fontRef>
+          </p:style>
+          <p:txBody>
+            <a:bodyPr rtlCol="0" anchor="ctr"/>
+            <a:lstStyle>
+              <a:defPPr>
+                <a:defRPr lang="en-US"/>
+              </a:defPPr>
+              <a:lvl1pPr marL="0" algn="l" defTabSz="914400" rtl="0" eaLnBrk="1" latinLnBrk="0" hangingPunct="1">
+                <a:defRPr sz="1800" kern="1200">
+                  <a:solidFill>
+                    <a:schemeClr val="lt1"/>
+                  </a:solidFill>
+                  <a:latin typeface="+mn-lt"/>
+                  <a:ea typeface="+mn-ea"/>
+                  <a:cs typeface="+mn-cs"/>
+                </a:defRPr>
+              </a:lvl1pPr>
+              <a:lvl2pPr marL="457200" algn="l" defTabSz="914400" rtl="0" eaLnBrk="1" latinLnBrk="0" hangingPunct="1">
+                <a:defRPr sz="1800" kern="1200">
+                  <a:solidFill>
+                    <a:schemeClr val="lt1"/>
+                  </a:solidFill>
+                  <a:latin typeface="+mn-lt"/>
+                  <a:ea typeface="+mn-ea"/>
+                  <a:cs typeface="+mn-cs"/>
+                </a:defRPr>
+              </a:lvl2pPr>
+              <a:lvl3pPr marL="914400" algn="l" defTabSz="914400" rtl="0" eaLnBrk="1" latinLnBrk="0" hangingPunct="1">
+                <a:defRPr sz="1800" kern="1200">
+                  <a:solidFill>
+                    <a:schemeClr val="lt1"/>
+                  </a:solidFill>
+                  <a:latin typeface="+mn-lt"/>
+                  <a:ea typeface="+mn-ea"/>
+                  <a:cs typeface="+mn-cs"/>
+                </a:defRPr>
+              </a:lvl3pPr>
+              <a:lvl4pPr marL="1371600" algn="l" defTabSz="914400" rtl="0" eaLnBrk="1" latinLnBrk="0" hangingPunct="1">
+                <a:defRPr sz="1800" kern="1200">
+                  <a:solidFill>
+                    <a:schemeClr val="lt1"/>
+                  </a:solidFill>
+                  <a:latin typeface="+mn-lt"/>
+                  <a:ea typeface="+mn-ea"/>
+                  <a:cs typeface="+mn-cs"/>
+                </a:defRPr>
+              </a:lvl4pPr>
+              <a:lvl5pPr marL="1828800" algn="l" defTabSz="914400" rtl="0" eaLnBrk="1" latinLnBrk="0" hangingPunct="1">
+                <a:defRPr sz="1800" kern="1200">
+                  <a:solidFill>
+                    <a:schemeClr val="lt1"/>
+                  </a:solidFill>
+                  <a:latin typeface="+mn-lt"/>
+                  <a:ea typeface="+mn-ea"/>
+                  <a:cs typeface="+mn-cs"/>
+                </a:defRPr>
+              </a:lvl5pPr>
+              <a:lvl6pPr marL="2286000" algn="l" defTabSz="914400" rtl="0" eaLnBrk="1" latinLnBrk="0" hangingPunct="1">
+                <a:defRPr sz="1800" kern="1200">
+                  <a:solidFill>
+                    <a:schemeClr val="lt1"/>
+                  </a:solidFill>
+                  <a:latin typeface="+mn-lt"/>
+                  <a:ea typeface="+mn-ea"/>
+                  <a:cs typeface="+mn-cs"/>
+                </a:defRPr>
+              </a:lvl6pPr>
+              <a:lvl7pPr marL="2743200" algn="l" defTabSz="914400" rtl="0" eaLnBrk="1" latinLnBrk="0" hangingPunct="1">
+                <a:defRPr sz="1800" kern="1200">
+                  <a:solidFill>
+                    <a:schemeClr val="lt1"/>
+                  </a:solidFill>
+                  <a:latin typeface="+mn-lt"/>
+                  <a:ea typeface="+mn-ea"/>
+                  <a:cs typeface="+mn-cs"/>
+                </a:defRPr>
+              </a:lvl7pPr>
+              <a:lvl8pPr marL="3200400" algn="l" defTabSz="914400" rtl="0" eaLnBrk="1" latinLnBrk="0" hangingPunct="1">
+                <a:defRPr sz="1800" kern="1200">
+                  <a:solidFill>
+                    <a:schemeClr val="lt1"/>
+                  </a:solidFill>
+                  <a:latin typeface="+mn-lt"/>
+                  <a:ea typeface="+mn-ea"/>
+                  <a:cs typeface="+mn-cs"/>
+                </a:defRPr>
+              </a:lvl8pPr>
+              <a:lvl9pPr marL="3657600" algn="l" defTabSz="914400" rtl="0" eaLnBrk="1" latinLnBrk="0" hangingPunct="1">
+                <a:defRPr sz="1800" kern="1200">
+                  <a:solidFill>
+                    <a:schemeClr val="lt1"/>
+                  </a:solidFill>
+                  <a:latin typeface="+mn-lt"/>
+                  <a:ea typeface="+mn-ea"/>
+                  <a:cs typeface="+mn-cs"/>
+                </a:defRPr>
+              </a:lvl9pPr>
+            </a:lstStyle>
+            <a:p>
+              <a:pPr algn="ctr"/>
+              <a:endParaRPr lang="en-US"/>
+            </a:p>
+          </p:txBody>
+        </p:sp>
+        <p:sp>
+          <p:nvSpPr>
+            <p:cNvPr id="63" name="Oval 62"/>
+            <p:cNvSpPr/>
+            <p:nvPr/>
+          </p:nvSpPr>
+          <p:spPr>
+            <a:xfrm>
+              <a:off x="5724570" y="2065991"/>
+              <a:ext cx="263148" cy="263148"/>
+            </a:xfrm>
+            <a:prstGeom prst="ellipse">
+              <a:avLst/>
+            </a:prstGeom>
+            <a:solidFill>
+              <a:schemeClr val="bg1"/>
+            </a:solidFill>
+            <a:ln>
+              <a:noFill/>
+            </a:ln>
+          </p:spPr>
+          <p:style>
+            <a:lnRef idx="2">
+              <a:schemeClr val="accent1">
+                <a:shade val="50000"/>
+              </a:schemeClr>
+            </a:lnRef>
+            <a:fillRef idx="1">
+              <a:schemeClr val="accent1"/>
+            </a:fillRef>
+            <a:effectRef idx="0">
+              <a:schemeClr val="accent1"/>
+            </a:effectRef>
+            <a:fontRef idx="minor">
+              <a:schemeClr val="lt1"/>
+            </a:fontRef>
+          </p:style>
+          <p:txBody>
+            <a:bodyPr rtlCol="0" anchor="ctr"/>
+            <a:lstStyle>
+              <a:defPPr>
+                <a:defRPr lang="en-US"/>
+              </a:defPPr>
+              <a:lvl1pPr marL="0" algn="l" defTabSz="914400" rtl="0" eaLnBrk="1" latinLnBrk="0" hangingPunct="1">
+                <a:defRPr sz="1800" kern="1200">
+                  <a:solidFill>
+                    <a:schemeClr val="lt1"/>
+                  </a:solidFill>
+                  <a:latin typeface="+mn-lt"/>
+                  <a:ea typeface="+mn-ea"/>
+                  <a:cs typeface="+mn-cs"/>
+                </a:defRPr>
+              </a:lvl1pPr>
+              <a:lvl2pPr marL="457200" algn="l" defTabSz="914400" rtl="0" eaLnBrk="1" latinLnBrk="0" hangingPunct="1">
+                <a:defRPr sz="1800" kern="1200">
+                  <a:solidFill>
+                    <a:schemeClr val="lt1"/>
+                  </a:solidFill>
+                  <a:latin typeface="+mn-lt"/>
+                  <a:ea typeface="+mn-ea"/>
+                  <a:cs typeface="+mn-cs"/>
+                </a:defRPr>
+              </a:lvl2pPr>
+              <a:lvl3pPr marL="914400" algn="l" defTabSz="914400" rtl="0" eaLnBrk="1" latinLnBrk="0" hangingPunct="1">
+                <a:defRPr sz="1800" kern="1200">
+                  <a:solidFill>
+                    <a:schemeClr val="lt1"/>
+                  </a:solidFill>
+                  <a:latin typeface="+mn-lt"/>
+                  <a:ea typeface="+mn-ea"/>
+                  <a:cs typeface="+mn-cs"/>
+                </a:defRPr>
+              </a:lvl3pPr>
+              <a:lvl4pPr marL="1371600" algn="l" defTabSz="914400" rtl="0" eaLnBrk="1" latinLnBrk="0" hangingPunct="1">
+                <a:defRPr sz="1800" kern="1200">
+                  <a:solidFill>
+                    <a:schemeClr val="lt1"/>
+                  </a:solidFill>
+                  <a:latin typeface="+mn-lt"/>
+                  <a:ea typeface="+mn-ea"/>
+                  <a:cs typeface="+mn-cs"/>
+                </a:defRPr>
+              </a:lvl4pPr>
+              <a:lvl5pPr marL="1828800" algn="l" defTabSz="914400" rtl="0" eaLnBrk="1" latinLnBrk="0" hangingPunct="1">
+                <a:defRPr sz="1800" kern="1200">
+                  <a:solidFill>
+                    <a:schemeClr val="lt1"/>
+                  </a:solidFill>
+                  <a:latin typeface="+mn-lt"/>
+                  <a:ea typeface="+mn-ea"/>
+                  <a:cs typeface="+mn-cs"/>
+                </a:defRPr>
+              </a:lvl5pPr>
+              <a:lvl6pPr marL="2286000" algn="l" defTabSz="914400" rtl="0" eaLnBrk="1" latinLnBrk="0" hangingPunct="1">
+                <a:defRPr sz="1800" kern="1200">
+                  <a:solidFill>
+                    <a:schemeClr val="lt1"/>
+                  </a:solidFill>
+                  <a:latin typeface="+mn-lt"/>
+                  <a:ea typeface="+mn-ea"/>
+                  <a:cs typeface="+mn-cs"/>
+                </a:defRPr>
+              </a:lvl6pPr>
+              <a:lvl7pPr marL="2743200" algn="l" defTabSz="914400" rtl="0" eaLnBrk="1" latinLnBrk="0" hangingPunct="1">
+                <a:defRPr sz="1800" kern="1200">
+                  <a:solidFill>
+                    <a:schemeClr val="lt1"/>
+                  </a:solidFill>
+                  <a:latin typeface="+mn-lt"/>
+                  <a:ea typeface="+mn-ea"/>
+                  <a:cs typeface="+mn-cs"/>
+                </a:defRPr>
+              </a:lvl7pPr>
+              <a:lvl8pPr marL="3200400" algn="l" defTabSz="914400" rtl="0" eaLnBrk="1" latinLnBrk="0" hangingPunct="1">
+                <a:defRPr sz="1800" kern="1200">
+                  <a:solidFill>
+                    <a:schemeClr val="lt1"/>
+                  </a:solidFill>
+                  <a:latin typeface="+mn-lt"/>
+                  <a:ea typeface="+mn-ea"/>
+                  <a:cs typeface="+mn-cs"/>
+                </a:defRPr>
+              </a:lvl8pPr>
+              <a:lvl9pPr marL="3657600" algn="l" defTabSz="914400" rtl="0" eaLnBrk="1" latinLnBrk="0" hangingPunct="1">
+                <a:defRPr sz="1800" kern="1200">
+                  <a:solidFill>
+                    <a:schemeClr val="lt1"/>
+                  </a:solidFill>
+                  <a:latin typeface="+mn-lt"/>
+                  <a:ea typeface="+mn-ea"/>
+                  <a:cs typeface="+mn-cs"/>
+                </a:defRPr>
+              </a:lvl9pPr>
+            </a:lstStyle>
+            <a:p>
+              <a:pPr algn="ctr"/>
+              <a:endParaRPr lang="en-US"/>
+            </a:p>
+          </p:txBody>
+        </p:sp>
+        <p:sp>
+          <p:nvSpPr>
+            <p:cNvPr id="64" name="Rectangle 63"/>
+            <p:cNvSpPr/>
+            <p:nvPr/>
+          </p:nvSpPr>
+          <p:spPr>
+            <a:xfrm>
+              <a:off x="6243354" y="2450396"/>
+              <a:ext cx="238125" cy="592008"/>
+            </a:xfrm>
+            <a:prstGeom prst="rect">
+              <a:avLst/>
+            </a:prstGeom>
+            <a:solidFill>
+              <a:srgbClr val="FFFFFF">
+                <a:alpha val="43137"/>
+              </a:srgbClr>
+            </a:solidFill>
+            <a:ln>
+              <a:noFill/>
+            </a:ln>
+          </p:spPr>
+          <p:style>
+            <a:lnRef idx="2">
+              <a:schemeClr val="accent1">
+                <a:shade val="50000"/>
+              </a:schemeClr>
+            </a:lnRef>
+            <a:fillRef idx="1">
+              <a:schemeClr val="accent1"/>
+            </a:fillRef>
+            <a:effectRef idx="0">
+              <a:schemeClr val="accent1"/>
+            </a:effectRef>
+            <a:fontRef idx="minor">
+              <a:schemeClr val="lt1"/>
+            </a:fontRef>
+          </p:style>
+          <p:txBody>
+            <a:bodyPr rtlCol="0" anchor="ctr"/>
+            <a:lstStyle>
+              <a:defPPr>
+                <a:defRPr lang="en-US"/>
+              </a:defPPr>
+              <a:lvl1pPr marL="0" algn="l" defTabSz="914400" rtl="0" eaLnBrk="1" latinLnBrk="0" hangingPunct="1">
+                <a:defRPr sz="1800" kern="1200">
+                  <a:solidFill>
+                    <a:schemeClr val="lt1"/>
+                  </a:solidFill>
+                  <a:latin typeface="+mn-lt"/>
+                  <a:ea typeface="+mn-ea"/>
+                  <a:cs typeface="+mn-cs"/>
+                </a:defRPr>
+              </a:lvl1pPr>
+              <a:lvl2pPr marL="457200" algn="l" defTabSz="914400" rtl="0" eaLnBrk="1" latinLnBrk="0" hangingPunct="1">
+                <a:defRPr sz="1800" kern="1200">
+                  <a:solidFill>
+                    <a:schemeClr val="lt1"/>
+                  </a:solidFill>
+                  <a:latin typeface="+mn-lt"/>
+                  <a:ea typeface="+mn-ea"/>
+                  <a:cs typeface="+mn-cs"/>
+                </a:defRPr>
+              </a:lvl2pPr>
+              <a:lvl3pPr marL="914400" algn="l" defTabSz="914400" rtl="0" eaLnBrk="1" latinLnBrk="0" hangingPunct="1">
+                <a:defRPr sz="1800" kern="1200">
+                  <a:solidFill>
+                    <a:schemeClr val="lt1"/>
+                  </a:solidFill>
+                  <a:latin typeface="+mn-lt"/>
+                  <a:ea typeface="+mn-ea"/>
+                  <a:cs typeface="+mn-cs"/>
+                </a:defRPr>
+              </a:lvl3pPr>
+              <a:lvl4pPr marL="1371600" algn="l" defTabSz="914400" rtl="0" eaLnBrk="1" latinLnBrk="0" hangingPunct="1">
+                <a:defRPr sz="1800" kern="1200">
+                  <a:solidFill>
+                    <a:schemeClr val="lt1"/>
+                  </a:solidFill>
+                  <a:latin typeface="+mn-lt"/>
+                  <a:ea typeface="+mn-ea"/>
+                  <a:cs typeface="+mn-cs"/>
+                </a:defRPr>
+              </a:lvl4pPr>
+              <a:lvl5pPr marL="1828800" algn="l" defTabSz="914400" rtl="0" eaLnBrk="1" latinLnBrk="0" hangingPunct="1">
+                <a:defRPr sz="1800" kern="1200">
+                  <a:solidFill>
+                    <a:schemeClr val="lt1"/>
+                  </a:solidFill>
+                  <a:latin typeface="+mn-lt"/>
+                  <a:ea typeface="+mn-ea"/>
+                  <a:cs typeface="+mn-cs"/>
+                </a:defRPr>
+              </a:lvl5pPr>
+              <a:lvl6pPr marL="2286000" algn="l" defTabSz="914400" rtl="0" eaLnBrk="1" latinLnBrk="0" hangingPunct="1">
+                <a:defRPr sz="1800" kern="1200">
+                  <a:solidFill>
+                    <a:schemeClr val="lt1"/>
+                  </a:solidFill>
+                  <a:latin typeface="+mn-lt"/>
+                  <a:ea typeface="+mn-ea"/>
+                  <a:cs typeface="+mn-cs"/>
+                </a:defRPr>
+              </a:lvl6pPr>
+              <a:lvl7pPr marL="2743200" algn="l" defTabSz="914400" rtl="0" eaLnBrk="1" latinLnBrk="0" hangingPunct="1">
+                <a:defRPr sz="1800" kern="1200">
+                  <a:solidFill>
+                    <a:schemeClr val="lt1"/>
+                  </a:solidFill>
+                  <a:latin typeface="+mn-lt"/>
+                  <a:ea typeface="+mn-ea"/>
+                  <a:cs typeface="+mn-cs"/>
+                </a:defRPr>
+              </a:lvl7pPr>
+              <a:lvl8pPr marL="3200400" algn="l" defTabSz="914400" rtl="0" eaLnBrk="1" latinLnBrk="0" hangingPunct="1">
+                <a:defRPr sz="1800" kern="1200">
+                  <a:solidFill>
+                    <a:schemeClr val="lt1"/>
+                  </a:solidFill>
+                  <a:latin typeface="+mn-lt"/>
+                  <a:ea typeface="+mn-ea"/>
+                  <a:cs typeface="+mn-cs"/>
+                </a:defRPr>
+              </a:lvl8pPr>
+              <a:lvl9pPr marL="3657600" algn="l" defTabSz="914400" rtl="0" eaLnBrk="1" latinLnBrk="0" hangingPunct="1">
+                <a:defRPr sz="1800" kern="1200">
+                  <a:solidFill>
+                    <a:schemeClr val="lt1"/>
+                  </a:solidFill>
+                  <a:latin typeface="+mn-lt"/>
+                  <a:ea typeface="+mn-ea"/>
+                  <a:cs typeface="+mn-cs"/>
+                </a:defRPr>
+              </a:lvl9pPr>
+            </a:lstStyle>
+            <a:p>
+              <a:pPr algn="ctr"/>
+              <a:endParaRPr lang="en-US"/>
+            </a:p>
+          </p:txBody>
+        </p:sp>
+        <p:sp>
+          <p:nvSpPr>
+            <p:cNvPr id="65" name="Oval 64"/>
+            <p:cNvSpPr/>
+            <p:nvPr/>
+          </p:nvSpPr>
+          <p:spPr>
+            <a:xfrm>
+              <a:off x="5795007" y="2325763"/>
+              <a:ext cx="122275" cy="122275"/>
+            </a:xfrm>
+            <a:prstGeom prst="ellipse">
+              <a:avLst/>
+            </a:prstGeom>
+            <a:solidFill>
+              <a:schemeClr val="bg1"/>
+            </a:solidFill>
+            <a:ln>
+              <a:noFill/>
+            </a:ln>
+          </p:spPr>
+          <p:style>
+            <a:lnRef idx="2">
+              <a:schemeClr val="accent1">
+                <a:shade val="50000"/>
+              </a:schemeClr>
+            </a:lnRef>
+            <a:fillRef idx="1">
+              <a:schemeClr val="accent1"/>
+            </a:fillRef>
+            <a:effectRef idx="0">
+              <a:schemeClr val="accent1"/>
+            </a:effectRef>
+            <a:fontRef idx="minor">
+              <a:schemeClr val="lt1"/>
+            </a:fontRef>
+          </p:style>
+          <p:txBody>
+            <a:bodyPr rtlCol="0" anchor="ctr"/>
+            <a:lstStyle>
+              <a:defPPr>
+                <a:defRPr lang="en-US"/>
+              </a:defPPr>
+              <a:lvl1pPr marL="0" algn="l" defTabSz="914400" rtl="0" eaLnBrk="1" latinLnBrk="0" hangingPunct="1">
+                <a:defRPr sz="1800" kern="1200">
+                  <a:solidFill>
+                    <a:schemeClr val="lt1"/>
+                  </a:solidFill>
+                  <a:latin typeface="+mn-lt"/>
+                  <a:ea typeface="+mn-ea"/>
+                  <a:cs typeface="+mn-cs"/>
+                </a:defRPr>
+              </a:lvl1pPr>
+              <a:lvl2pPr marL="457200" algn="l" defTabSz="914400" rtl="0" eaLnBrk="1" latinLnBrk="0" hangingPunct="1">
+                <a:defRPr sz="1800" kern="1200">
+                  <a:solidFill>
+                    <a:schemeClr val="lt1"/>
+                  </a:solidFill>
+                  <a:latin typeface="+mn-lt"/>
+                  <a:ea typeface="+mn-ea"/>
+                  <a:cs typeface="+mn-cs"/>
+                </a:defRPr>
+              </a:lvl2pPr>
+              <a:lvl3pPr marL="914400" algn="l" defTabSz="914400" rtl="0" eaLnBrk="1" latinLnBrk="0" hangingPunct="1">
+                <a:defRPr sz="1800" kern="1200">
+                  <a:solidFill>
+                    <a:schemeClr val="lt1"/>
+                  </a:solidFill>
+                  <a:latin typeface="+mn-lt"/>
+                  <a:ea typeface="+mn-ea"/>
+                  <a:cs typeface="+mn-cs"/>
+                </a:defRPr>
+              </a:lvl3pPr>
+              <a:lvl4pPr marL="1371600" algn="l" defTabSz="914400" rtl="0" eaLnBrk="1" latinLnBrk="0" hangingPunct="1">
+                <a:defRPr sz="1800" kern="1200">
+                  <a:solidFill>
+                    <a:schemeClr val="lt1"/>
+                  </a:solidFill>
+                  <a:latin typeface="+mn-lt"/>
+                  <a:ea typeface="+mn-ea"/>
+                  <a:cs typeface="+mn-cs"/>
+                </a:defRPr>
+              </a:lvl4pPr>
+              <a:lvl5pPr marL="1828800" algn="l" defTabSz="914400" rtl="0" eaLnBrk="1" latinLnBrk="0" hangingPunct="1">
+                <a:defRPr sz="1800" kern="1200">
+                  <a:solidFill>
+                    <a:schemeClr val="lt1"/>
+                  </a:solidFill>
+                  <a:latin typeface="+mn-lt"/>
+                  <a:ea typeface="+mn-ea"/>
+                  <a:cs typeface="+mn-cs"/>
+                </a:defRPr>
+              </a:lvl5pPr>
+              <a:lvl6pPr marL="2286000" algn="l" defTabSz="914400" rtl="0" eaLnBrk="1" latinLnBrk="0" hangingPunct="1">
+                <a:defRPr sz="1800" kern="1200">
+                  <a:solidFill>
+                    <a:schemeClr val="lt1"/>
+                  </a:solidFill>
+                  <a:latin typeface="+mn-lt"/>
+                  <a:ea typeface="+mn-ea"/>
+                  <a:cs typeface="+mn-cs"/>
+                </a:defRPr>
+              </a:lvl6pPr>
+              <a:lvl7pPr marL="2743200" algn="l" defTabSz="914400" rtl="0" eaLnBrk="1" latinLnBrk="0" hangingPunct="1">
+                <a:defRPr sz="1800" kern="1200">
+                  <a:solidFill>
+                    <a:schemeClr val="lt1"/>
+                  </a:solidFill>
+                  <a:latin typeface="+mn-lt"/>
+                  <a:ea typeface="+mn-ea"/>
+                  <a:cs typeface="+mn-cs"/>
+                </a:defRPr>
+              </a:lvl7pPr>
+              <a:lvl8pPr marL="3200400" algn="l" defTabSz="914400" rtl="0" eaLnBrk="1" latinLnBrk="0" hangingPunct="1">
+                <a:defRPr sz="1800" kern="1200">
+                  <a:solidFill>
+                    <a:schemeClr val="lt1"/>
+                  </a:solidFill>
+                  <a:latin typeface="+mn-lt"/>
+                  <a:ea typeface="+mn-ea"/>
+                  <a:cs typeface="+mn-cs"/>
+                </a:defRPr>
+              </a:lvl8pPr>
+              <a:lvl9pPr marL="3657600" algn="l" defTabSz="914400" rtl="0" eaLnBrk="1" latinLnBrk="0" hangingPunct="1">
+                <a:defRPr sz="1800" kern="1200">
+                  <a:solidFill>
+                    <a:schemeClr val="lt1"/>
+                  </a:solidFill>
+                  <a:latin typeface="+mn-lt"/>
+                  <a:ea typeface="+mn-ea"/>
+                  <a:cs typeface="+mn-cs"/>
+                </a:defRPr>
+              </a:lvl9pPr>
+            </a:lstStyle>
+            <a:p>
+              <a:pPr algn="ctr"/>
+              <a:endParaRPr lang="en-US"/>
+            </a:p>
+          </p:txBody>
+        </p:sp>
+      </p:grpSp>
     </p:spTree>
     <p:extLst>
       <p:ext uri="{BB962C8B-B14F-4D97-AF65-F5344CB8AC3E}">
         <p14:creationId xmlns:p14="http://schemas.microsoft.com/office/powerpoint/2010/main" val="3125769977"/>
+      </p:ext>
+    </p:extLst>
+  </p:cSld>
+  <p:clrMapOvr>
+    <a:masterClrMapping/>
+  </p:clrMapOvr>
+  <p:timing>
+    <p:tnLst>
+      <p:par>
+        <p:cTn id="1" dur="indefinite" restart="never" nodeType="tmRoot"/>
+      </p:par>
+    </p:tnLst>
+  </p:timing>
+</p:sld>
+</file>
+
+<file path=ppt/slides/slide5.xml><?xml version="1.0" encoding="utf-8"?>
+<p:sld xmlns:a="http://schemas.openxmlformats.org/drawingml/2006/main" xmlns:r="http://schemas.openxmlformats.org/officeDocument/2006/relationships" xmlns:p="http://schemas.openxmlformats.org/presentationml/2006/main">
+  <p:cSld>
+    <p:spTree>
+      <p:nvGrpSpPr>
+        <p:cNvPr id="1" name=""/>
+        <p:cNvGrpSpPr/>
+        <p:nvPr/>
+      </p:nvGrpSpPr>
+      <p:grpSpPr>
+        <a:xfrm>
+          <a:off x="0" y="0"/>
+          <a:ext cx="0" cy="0"/>
+          <a:chOff x="0" y="0"/>
+          <a:chExt cx="0" cy="0"/>
+        </a:xfrm>
+      </p:grpSpPr>
+      <p:sp>
+        <p:nvSpPr>
+          <p:cNvPr id="4" name="Oval 3"/>
+          <p:cNvSpPr/>
+          <p:nvPr/>
+        </p:nvSpPr>
+        <p:spPr>
+          <a:xfrm>
+            <a:off x="544392" y="1313999"/>
+            <a:ext cx="4064401" cy="4064401"/>
+          </a:xfrm>
+          <a:prstGeom prst="ellipse">
+            <a:avLst/>
+          </a:prstGeom>
+          <a:solidFill>
+            <a:schemeClr val="accent1">
+              <a:lumMod val="60000"/>
+              <a:lumOff val="40000"/>
+            </a:schemeClr>
+          </a:solidFill>
+          <a:ln>
+            <a:noFill/>
+          </a:ln>
+        </p:spPr>
+        <p:style>
+          <a:lnRef idx="2">
+            <a:schemeClr val="accent1">
+              <a:shade val="50000"/>
+            </a:schemeClr>
+          </a:lnRef>
+          <a:fillRef idx="1">
+            <a:schemeClr val="accent1"/>
+          </a:fillRef>
+          <a:effectRef idx="0">
+            <a:schemeClr val="accent1"/>
+          </a:effectRef>
+          <a:fontRef idx="minor">
+            <a:schemeClr val="lt1"/>
+          </a:fontRef>
+        </p:style>
+        <p:txBody>
+          <a:bodyPr rtlCol="0" anchor="ctr"/>
+          <a:lstStyle/>
+          <a:p>
+            <a:pPr algn="ctr"/>
+            <a:endParaRPr lang="en-US"/>
+          </a:p>
+        </p:txBody>
+      </p:sp>
+      <p:sp>
+        <p:nvSpPr>
+          <p:cNvPr id="6" name="Round Same Side Corner Rectangle 5"/>
+          <p:cNvSpPr/>
+          <p:nvPr/>
+        </p:nvSpPr>
+        <p:spPr>
+          <a:xfrm>
+            <a:off x="1415335" y="2052227"/>
+            <a:ext cx="2322515" cy="2587945"/>
+          </a:xfrm>
+          <a:prstGeom prst="round2SameRect">
+            <a:avLst>
+              <a:gd name="adj1" fmla="val 15191"/>
+              <a:gd name="adj2" fmla="val 11124"/>
+            </a:avLst>
+          </a:prstGeom>
+          <a:solidFill>
+            <a:schemeClr val="bg1"/>
+          </a:solidFill>
+          <a:ln>
+            <a:noFill/>
+          </a:ln>
+        </p:spPr>
+        <p:style>
+          <a:lnRef idx="2">
+            <a:schemeClr val="accent1">
+              <a:shade val="50000"/>
+            </a:schemeClr>
+          </a:lnRef>
+          <a:fillRef idx="1">
+            <a:schemeClr val="accent1"/>
+          </a:fillRef>
+          <a:effectRef idx="0">
+            <a:schemeClr val="accent1"/>
+          </a:effectRef>
+          <a:fontRef idx="minor">
+            <a:schemeClr val="lt1"/>
+          </a:fontRef>
+        </p:style>
+        <p:txBody>
+          <a:bodyPr rtlCol="0" anchor="ctr"/>
+          <a:lstStyle/>
+          <a:p>
+            <a:pPr algn="ctr"/>
+            <a:endParaRPr lang="en-US"/>
+          </a:p>
+        </p:txBody>
+      </p:sp>
+      <p:sp>
+        <p:nvSpPr>
+          <p:cNvPr id="72" name="Round Same Side Corner Rectangle 71"/>
+          <p:cNvSpPr/>
+          <p:nvPr/>
+        </p:nvSpPr>
+        <p:spPr>
+          <a:xfrm>
+            <a:off x="2111375" y="2881223"/>
+            <a:ext cx="1626475" cy="1758949"/>
+          </a:xfrm>
+          <a:prstGeom prst="round2SameRect">
+            <a:avLst>
+              <a:gd name="adj1" fmla="val 15191"/>
+              <a:gd name="adj2" fmla="val 11124"/>
+            </a:avLst>
+          </a:prstGeom>
+          <a:solidFill>
+            <a:schemeClr val="bg1"/>
+          </a:solidFill>
+          <a:ln>
+            <a:noFill/>
+          </a:ln>
+        </p:spPr>
+        <p:style>
+          <a:lnRef idx="2">
+            <a:schemeClr val="accent1">
+              <a:shade val="50000"/>
+            </a:schemeClr>
+          </a:lnRef>
+          <a:fillRef idx="1">
+            <a:schemeClr val="accent1"/>
+          </a:fillRef>
+          <a:effectRef idx="0">
+            <a:schemeClr val="accent1"/>
+          </a:effectRef>
+          <a:fontRef idx="minor">
+            <a:schemeClr val="lt1"/>
+          </a:fontRef>
+        </p:style>
+        <p:txBody>
+          <a:bodyPr rtlCol="0" anchor="ctr"/>
+          <a:lstStyle/>
+          <a:p>
+            <a:pPr algn="ctr"/>
+            <a:endParaRPr lang="en-US"/>
+          </a:p>
+        </p:txBody>
+      </p:sp>
+      <p:cxnSp>
+        <p:nvCxnSpPr>
+          <p:cNvPr id="35" name="Straight Connector 34"/>
+          <p:cNvCxnSpPr>
+            <a:stCxn id="31" idx="1"/>
+            <a:endCxn id="31" idx="3"/>
+          </p:cNvCxnSpPr>
+          <p:nvPr/>
+        </p:nvCxnSpPr>
+        <p:spPr>
+          <a:xfrm>
+            <a:off x="3862837" y="4650110"/>
+            <a:ext cx="352673" cy="352672"/>
+          </a:xfrm>
+          <a:prstGeom prst="line">
+            <a:avLst/>
+          </a:prstGeom>
+        </p:spPr>
+        <p:style>
+          <a:lnRef idx="1">
+            <a:schemeClr val="accent1"/>
+          </a:lnRef>
+          <a:fillRef idx="0">
+            <a:schemeClr val="accent1"/>
+          </a:fillRef>
+          <a:effectRef idx="0">
+            <a:schemeClr val="accent1"/>
+          </a:effectRef>
+          <a:fontRef idx="minor">
+            <a:schemeClr val="tx1"/>
+          </a:fontRef>
+        </p:style>
+      </p:cxnSp>
+      <p:sp>
+        <p:nvSpPr>
+          <p:cNvPr id="7" name="Round Same Side Corner Rectangle 6"/>
+          <p:cNvSpPr/>
+          <p:nvPr/>
+        </p:nvSpPr>
+        <p:spPr>
+          <a:xfrm>
+            <a:off x="1415335" y="2052227"/>
+            <a:ext cx="2322515" cy="471165"/>
+          </a:xfrm>
+          <a:prstGeom prst="round2SameRect">
+            <a:avLst>
+              <a:gd name="adj1" fmla="val 50000"/>
+              <a:gd name="adj2" fmla="val 0"/>
+            </a:avLst>
+          </a:prstGeom>
+          <a:solidFill>
+            <a:schemeClr val="bg1">
+              <a:lumMod val="85000"/>
+            </a:schemeClr>
+          </a:solidFill>
+          <a:ln>
+            <a:noFill/>
+          </a:ln>
+        </p:spPr>
+        <p:style>
+          <a:lnRef idx="2">
+            <a:schemeClr val="accent1">
+              <a:shade val="50000"/>
+            </a:schemeClr>
+          </a:lnRef>
+          <a:fillRef idx="1">
+            <a:schemeClr val="accent1"/>
+          </a:fillRef>
+          <a:effectRef idx="0">
+            <a:schemeClr val="accent1"/>
+          </a:effectRef>
+          <a:fontRef idx="minor">
+            <a:schemeClr val="lt1"/>
+          </a:fontRef>
+        </p:style>
+        <p:txBody>
+          <a:bodyPr rtlCol="0" anchor="ctr"/>
+          <a:lstStyle/>
+          <a:p>
+            <a:pPr algn="ctr"/>
+            <a:endParaRPr lang="en-US"/>
+          </a:p>
+        </p:txBody>
+      </p:sp>
+      <p:grpSp>
+        <p:nvGrpSpPr>
+          <p:cNvPr id="8" name="Group 7"/>
+          <p:cNvGrpSpPr>
+            <a:grpSpLocks noChangeAspect="1"/>
+          </p:cNvGrpSpPr>
+          <p:nvPr/>
+        </p:nvGrpSpPr>
+        <p:grpSpPr>
+          <a:xfrm>
+            <a:off x="1633071" y="2204344"/>
+            <a:ext cx="834654" cy="166931"/>
+            <a:chOff x="2590800" y="5791200"/>
+            <a:chExt cx="381000" cy="76200"/>
+          </a:xfrm>
+        </p:grpSpPr>
+        <p:sp>
+          <p:nvSpPr>
+            <p:cNvPr id="24" name="Oval 23"/>
+            <p:cNvSpPr/>
+            <p:nvPr/>
+          </p:nvSpPr>
+          <p:spPr>
+            <a:xfrm>
+              <a:off x="2590800" y="5791200"/>
+              <a:ext cx="76200" cy="76200"/>
+            </a:xfrm>
+            <a:prstGeom prst="ellipse">
+              <a:avLst/>
+            </a:prstGeom>
+            <a:solidFill>
+              <a:srgbClr val="EB5A5A"/>
+            </a:solidFill>
+            <a:ln>
+              <a:noFill/>
+            </a:ln>
+          </p:spPr>
+          <p:style>
+            <a:lnRef idx="2">
+              <a:schemeClr val="accent1">
+                <a:shade val="50000"/>
+              </a:schemeClr>
+            </a:lnRef>
+            <a:fillRef idx="1">
+              <a:schemeClr val="accent1"/>
+            </a:fillRef>
+            <a:effectRef idx="0">
+              <a:schemeClr val="accent1"/>
+            </a:effectRef>
+            <a:fontRef idx="minor">
+              <a:schemeClr val="lt1"/>
+            </a:fontRef>
+          </p:style>
+          <p:txBody>
+            <a:bodyPr rtlCol="0" anchor="ctr"/>
+            <a:lstStyle/>
+            <a:p>
+              <a:pPr algn="ctr"/>
+              <a:endParaRPr lang="en-US"/>
+            </a:p>
+          </p:txBody>
+        </p:sp>
+        <p:sp>
+          <p:nvSpPr>
+            <p:cNvPr id="25" name="Oval 24"/>
+            <p:cNvSpPr/>
+            <p:nvPr/>
+          </p:nvSpPr>
+          <p:spPr>
+            <a:xfrm>
+              <a:off x="2743200" y="5791200"/>
+              <a:ext cx="76200" cy="76200"/>
+            </a:xfrm>
+            <a:prstGeom prst="ellipse">
+              <a:avLst/>
+            </a:prstGeom>
+            <a:solidFill>
+              <a:srgbClr val="E6B450"/>
+            </a:solidFill>
+            <a:ln>
+              <a:noFill/>
+            </a:ln>
+          </p:spPr>
+          <p:style>
+            <a:lnRef idx="2">
+              <a:schemeClr val="accent1">
+                <a:shade val="50000"/>
+              </a:schemeClr>
+            </a:lnRef>
+            <a:fillRef idx="1">
+              <a:schemeClr val="accent1"/>
+            </a:fillRef>
+            <a:effectRef idx="0">
+              <a:schemeClr val="accent1"/>
+            </a:effectRef>
+            <a:fontRef idx="minor">
+              <a:schemeClr val="lt1"/>
+            </a:fontRef>
+          </p:style>
+          <p:txBody>
+            <a:bodyPr rtlCol="0" anchor="ctr"/>
+            <a:lstStyle/>
+            <a:p>
+              <a:pPr algn="ctr"/>
+              <a:endParaRPr lang="en-US"/>
+            </a:p>
+          </p:txBody>
+        </p:sp>
+        <p:sp>
+          <p:nvSpPr>
+            <p:cNvPr id="26" name="Oval 25"/>
+            <p:cNvSpPr/>
+            <p:nvPr/>
+          </p:nvSpPr>
+          <p:spPr>
+            <a:xfrm>
+              <a:off x="2895600" y="5791200"/>
+              <a:ext cx="76200" cy="76200"/>
+            </a:xfrm>
+            <a:prstGeom prst="ellipse">
+              <a:avLst/>
+            </a:prstGeom>
+            <a:solidFill>
+              <a:srgbClr val="78B946"/>
+            </a:solidFill>
+            <a:ln>
+              <a:noFill/>
+            </a:ln>
+          </p:spPr>
+          <p:style>
+            <a:lnRef idx="2">
+              <a:schemeClr val="accent1">
+                <a:shade val="50000"/>
+              </a:schemeClr>
+            </a:lnRef>
+            <a:fillRef idx="1">
+              <a:schemeClr val="accent1"/>
+            </a:fillRef>
+            <a:effectRef idx="0">
+              <a:schemeClr val="accent1"/>
+            </a:effectRef>
+            <a:fontRef idx="minor">
+              <a:schemeClr val="lt1"/>
+            </a:fontRef>
+          </p:style>
+          <p:txBody>
+            <a:bodyPr rtlCol="0" anchor="ctr"/>
+            <a:lstStyle/>
+            <a:p>
+              <a:pPr algn="ctr"/>
+              <a:endParaRPr lang="en-US"/>
+            </a:p>
+          </p:txBody>
+        </p:sp>
+      </p:grpSp>
+      <p:sp>
+        <p:nvSpPr>
+          <p:cNvPr id="9" name="Rectangle 8"/>
+          <p:cNvSpPr/>
+          <p:nvPr/>
+        </p:nvSpPr>
+        <p:spPr>
+          <a:xfrm>
+            <a:off x="1669350" y="2740823"/>
+            <a:ext cx="1814487" cy="491133"/>
+          </a:xfrm>
+          <a:prstGeom prst="rect">
+            <a:avLst/>
+          </a:prstGeom>
+          <a:solidFill>
+            <a:schemeClr val="bg1">
+              <a:lumMod val="85000"/>
+            </a:schemeClr>
+          </a:solidFill>
+          <a:ln>
+            <a:noFill/>
+          </a:ln>
+        </p:spPr>
+        <p:style>
+          <a:lnRef idx="2">
+            <a:schemeClr val="accent1">
+              <a:shade val="50000"/>
+            </a:schemeClr>
+          </a:lnRef>
+          <a:fillRef idx="1">
+            <a:schemeClr val="accent1"/>
+          </a:fillRef>
+          <a:effectRef idx="0">
+            <a:schemeClr val="accent1"/>
+          </a:effectRef>
+          <a:fontRef idx="minor">
+            <a:schemeClr val="lt1"/>
+          </a:fontRef>
+        </p:style>
+        <p:txBody>
+          <a:bodyPr rtlCol="0" anchor="ctr"/>
+          <a:lstStyle/>
+          <a:p>
+            <a:pPr algn="ctr"/>
+            <a:endParaRPr lang="en-US"/>
+          </a:p>
+        </p:txBody>
+      </p:sp>
+      <p:sp>
+        <p:nvSpPr>
+          <p:cNvPr id="10" name="Rectangle 9"/>
+          <p:cNvSpPr/>
+          <p:nvPr/>
+        </p:nvSpPr>
+        <p:spPr>
+          <a:xfrm>
+            <a:off x="1669350" y="3392334"/>
+            <a:ext cx="775435" cy="369380"/>
+          </a:xfrm>
+          <a:prstGeom prst="rect">
+            <a:avLst/>
+          </a:prstGeom>
+          <a:solidFill>
+            <a:schemeClr val="bg1">
+              <a:lumMod val="85000"/>
+            </a:schemeClr>
+          </a:solidFill>
+          <a:ln>
+            <a:noFill/>
+          </a:ln>
+        </p:spPr>
+        <p:style>
+          <a:lnRef idx="2">
+            <a:schemeClr val="accent1">
+              <a:shade val="50000"/>
+            </a:schemeClr>
+          </a:lnRef>
+          <a:fillRef idx="1">
+            <a:schemeClr val="accent1"/>
+          </a:fillRef>
+          <a:effectRef idx="0">
+            <a:schemeClr val="accent1"/>
+          </a:effectRef>
+          <a:fontRef idx="minor">
+            <a:schemeClr val="lt1"/>
+          </a:fontRef>
+        </p:style>
+        <p:txBody>
+          <a:bodyPr rtlCol="0" anchor="ctr"/>
+          <a:lstStyle/>
+          <a:p>
+            <a:pPr algn="ctr"/>
+            <a:endParaRPr lang="en-US"/>
+          </a:p>
+        </p:txBody>
+      </p:sp>
+      <p:grpSp>
+        <p:nvGrpSpPr>
+          <p:cNvPr id="14" name="Group 13"/>
+          <p:cNvGrpSpPr/>
+          <p:nvPr/>
+        </p:nvGrpSpPr>
+        <p:grpSpPr>
+          <a:xfrm>
+            <a:off x="1669350" y="3922093"/>
+            <a:ext cx="775435" cy="168564"/>
+            <a:chOff x="3619489" y="4290757"/>
+            <a:chExt cx="814126" cy="132690"/>
+          </a:xfrm>
+        </p:grpSpPr>
+        <p:sp>
+          <p:nvSpPr>
+            <p:cNvPr id="18" name="Rectangle 17"/>
+            <p:cNvSpPr/>
+            <p:nvPr/>
+          </p:nvSpPr>
+          <p:spPr>
+            <a:xfrm>
+              <a:off x="3831639" y="4290757"/>
+              <a:ext cx="601976" cy="132690"/>
+            </a:xfrm>
+            <a:prstGeom prst="rect">
+              <a:avLst/>
+            </a:prstGeom>
+            <a:solidFill>
+              <a:schemeClr val="bg1">
+                <a:lumMod val="85000"/>
+              </a:schemeClr>
+            </a:solidFill>
+            <a:ln>
+              <a:noFill/>
+            </a:ln>
+          </p:spPr>
+          <p:style>
+            <a:lnRef idx="2">
+              <a:schemeClr val="accent1">
+                <a:shade val="50000"/>
+              </a:schemeClr>
+            </a:lnRef>
+            <a:fillRef idx="1">
+              <a:schemeClr val="accent1"/>
+            </a:fillRef>
+            <a:effectRef idx="0">
+              <a:schemeClr val="accent1"/>
+            </a:effectRef>
+            <a:fontRef idx="minor">
+              <a:schemeClr val="lt1"/>
+            </a:fontRef>
+          </p:style>
+          <p:txBody>
+            <a:bodyPr rtlCol="0" anchor="ctr"/>
+            <a:lstStyle/>
+            <a:p>
+              <a:pPr algn="ctr"/>
+              <a:endParaRPr lang="en-US"/>
+            </a:p>
+          </p:txBody>
+        </p:sp>
+        <p:sp>
+          <p:nvSpPr>
+            <p:cNvPr id="19" name="Rectangle 18"/>
+            <p:cNvSpPr/>
+            <p:nvPr/>
+          </p:nvSpPr>
+          <p:spPr>
+            <a:xfrm>
+              <a:off x="3619489" y="4290757"/>
+              <a:ext cx="174906" cy="132690"/>
+            </a:xfrm>
+            <a:prstGeom prst="rect">
+              <a:avLst/>
+            </a:prstGeom>
+            <a:solidFill>
+              <a:schemeClr val="bg1">
+                <a:lumMod val="65000"/>
+              </a:schemeClr>
+            </a:solidFill>
+            <a:ln>
+              <a:noFill/>
+            </a:ln>
+          </p:spPr>
+          <p:style>
+            <a:lnRef idx="2">
+              <a:schemeClr val="accent1">
+                <a:shade val="50000"/>
+              </a:schemeClr>
+            </a:lnRef>
+            <a:fillRef idx="1">
+              <a:schemeClr val="accent1"/>
+            </a:fillRef>
+            <a:effectRef idx="0">
+              <a:schemeClr val="accent1"/>
+            </a:effectRef>
+            <a:fontRef idx="minor">
+              <a:schemeClr val="lt1"/>
+            </a:fontRef>
+          </p:style>
+          <p:txBody>
+            <a:bodyPr rtlCol="0" anchor="ctr"/>
+            <a:lstStyle/>
+            <a:p>
+              <a:pPr algn="ctr"/>
+              <a:endParaRPr lang="en-US"/>
+            </a:p>
+          </p:txBody>
+        </p:sp>
+      </p:grpSp>
+      <p:sp>
+        <p:nvSpPr>
+          <p:cNvPr id="16" name="Rectangle 15"/>
+          <p:cNvSpPr/>
+          <p:nvPr/>
+        </p:nvSpPr>
+        <p:spPr>
+          <a:xfrm>
+            <a:off x="1669349" y="4251036"/>
+            <a:ext cx="775435" cy="168564"/>
+          </a:xfrm>
+          <a:prstGeom prst="rect">
+            <a:avLst/>
+          </a:prstGeom>
+          <a:solidFill>
+            <a:schemeClr val="bg1">
+              <a:lumMod val="85000"/>
+            </a:schemeClr>
+          </a:solidFill>
+          <a:ln>
+            <a:noFill/>
+          </a:ln>
+        </p:spPr>
+        <p:style>
+          <a:lnRef idx="2">
+            <a:schemeClr val="accent1">
+              <a:shade val="50000"/>
+            </a:schemeClr>
+          </a:lnRef>
+          <a:fillRef idx="1">
+            <a:schemeClr val="accent1"/>
+          </a:fillRef>
+          <a:effectRef idx="0">
+            <a:schemeClr val="accent1"/>
+          </a:effectRef>
+          <a:fontRef idx="minor">
+            <a:schemeClr val="lt1"/>
+          </a:fontRef>
+        </p:style>
+        <p:txBody>
+          <a:bodyPr rtlCol="0" anchor="ctr"/>
+          <a:lstStyle/>
+          <a:p>
+            <a:pPr algn="ctr"/>
+            <a:endParaRPr lang="en-US"/>
+          </a:p>
+        </p:txBody>
+      </p:sp>
+      <p:grpSp>
+        <p:nvGrpSpPr>
+          <p:cNvPr id="81" name="Group 80"/>
+          <p:cNvGrpSpPr/>
+          <p:nvPr/>
+        </p:nvGrpSpPr>
+        <p:grpSpPr>
+          <a:xfrm>
+            <a:off x="1966933" y="2740823"/>
+            <a:ext cx="1516904" cy="1678777"/>
+            <a:chOff x="1966933" y="2740823"/>
+            <a:chExt cx="1516904" cy="1678777"/>
+          </a:xfrm>
+          <a:solidFill>
+            <a:schemeClr val="accent1">
+              <a:lumMod val="60000"/>
+              <a:lumOff val="40000"/>
+            </a:schemeClr>
+          </a:solidFill>
+        </p:grpSpPr>
+        <p:sp>
+          <p:nvSpPr>
+            <p:cNvPr id="11" name="Rectangle 10"/>
+            <p:cNvSpPr/>
+            <p:nvPr/>
+          </p:nvSpPr>
+          <p:spPr>
+            <a:xfrm>
+              <a:off x="2730821" y="3392335"/>
+              <a:ext cx="753016" cy="369379"/>
+            </a:xfrm>
+            <a:prstGeom prst="rect">
+              <a:avLst/>
+            </a:prstGeom>
+            <a:grpFill/>
+            <a:ln>
+              <a:noFill/>
+            </a:ln>
+          </p:spPr>
+          <p:style>
+            <a:lnRef idx="2">
+              <a:schemeClr val="accent1">
+                <a:shade val="50000"/>
+              </a:schemeClr>
+            </a:lnRef>
+            <a:fillRef idx="1">
+              <a:schemeClr val="accent1"/>
+            </a:fillRef>
+            <a:effectRef idx="0">
+              <a:schemeClr val="accent1"/>
+            </a:effectRef>
+            <a:fontRef idx="minor">
+              <a:schemeClr val="lt1"/>
+            </a:fontRef>
+          </p:style>
+          <p:txBody>
+            <a:bodyPr rtlCol="0" anchor="ctr"/>
+            <a:lstStyle/>
+            <a:p>
+              <a:pPr algn="ctr"/>
+              <a:endParaRPr lang="en-US"/>
+            </a:p>
+          </p:txBody>
+        </p:sp>
+        <p:grpSp>
+          <p:nvGrpSpPr>
+            <p:cNvPr id="77" name="Group 76"/>
+            <p:cNvGrpSpPr/>
+            <p:nvPr/>
+          </p:nvGrpSpPr>
+          <p:grpSpPr>
+            <a:xfrm>
+              <a:off x="2730601" y="3922093"/>
+              <a:ext cx="748882" cy="168565"/>
+              <a:chOff x="2730601" y="3965288"/>
+              <a:chExt cx="748882" cy="168565"/>
+            </a:xfrm>
+            <a:grpFill/>
+          </p:grpSpPr>
+          <p:sp>
+            <p:nvSpPr>
+              <p:cNvPr id="22" name="Rectangle 21"/>
+              <p:cNvSpPr/>
+              <p:nvPr/>
+            </p:nvSpPr>
+            <p:spPr>
+              <a:xfrm>
+                <a:off x="3015295" y="3965289"/>
+                <a:ext cx="464188" cy="168564"/>
+              </a:xfrm>
+              <a:prstGeom prst="rect">
+                <a:avLst/>
+              </a:prstGeom>
+              <a:grpFill/>
+              <a:ln>
+                <a:noFill/>
+              </a:ln>
+            </p:spPr>
+            <p:style>
+              <a:lnRef idx="2">
+                <a:schemeClr val="accent1">
+                  <a:shade val="50000"/>
+                </a:schemeClr>
+              </a:lnRef>
+              <a:fillRef idx="1">
+                <a:schemeClr val="accent1"/>
+              </a:fillRef>
+              <a:effectRef idx="0">
+                <a:schemeClr val="accent1"/>
+              </a:effectRef>
+              <a:fontRef idx="minor">
+                <a:schemeClr val="lt1"/>
+              </a:fontRef>
+            </p:style>
+            <p:txBody>
+              <a:bodyPr rtlCol="0" anchor="ctr"/>
+              <a:lstStyle/>
+              <a:p>
+                <a:pPr algn="ctr"/>
+                <a:endParaRPr lang="en-US"/>
+              </a:p>
+            </p:txBody>
+          </p:sp>
+          <p:sp>
+            <p:nvSpPr>
+              <p:cNvPr id="23" name="Oval 22"/>
+              <p:cNvSpPr/>
+              <p:nvPr/>
+            </p:nvSpPr>
+            <p:spPr>
+              <a:xfrm>
+                <a:off x="2730601" y="3965288"/>
+                <a:ext cx="174241" cy="168564"/>
+              </a:xfrm>
+              <a:prstGeom prst="ellipse">
+                <a:avLst/>
+              </a:prstGeom>
+              <a:grpFill/>
+              <a:ln>
+                <a:noFill/>
+              </a:ln>
+            </p:spPr>
+            <p:style>
+              <a:lnRef idx="2">
+                <a:schemeClr val="accent1">
+                  <a:shade val="50000"/>
+                </a:schemeClr>
+              </a:lnRef>
+              <a:fillRef idx="1">
+                <a:schemeClr val="accent1"/>
+              </a:fillRef>
+              <a:effectRef idx="0">
+                <a:schemeClr val="accent1"/>
+              </a:effectRef>
+              <a:fontRef idx="minor">
+                <a:schemeClr val="lt1"/>
+              </a:fontRef>
+            </p:style>
+            <p:txBody>
+              <a:bodyPr rtlCol="0" anchor="ctr"/>
+              <a:lstStyle/>
+              <a:p>
+                <a:pPr algn="ctr"/>
+                <a:endParaRPr lang="en-US"/>
+              </a:p>
+            </p:txBody>
+          </p:sp>
+        </p:grpSp>
+        <p:grpSp>
+          <p:nvGrpSpPr>
+            <p:cNvPr id="76" name="Group 75"/>
+            <p:cNvGrpSpPr/>
+            <p:nvPr/>
+          </p:nvGrpSpPr>
+          <p:grpSpPr>
+            <a:xfrm>
+              <a:off x="2730598" y="4251036"/>
+              <a:ext cx="748885" cy="168564"/>
+              <a:chOff x="2730598" y="4251036"/>
+              <a:chExt cx="748885" cy="168564"/>
+            </a:xfrm>
+            <a:grpFill/>
+          </p:grpSpPr>
+          <p:sp>
+            <p:nvSpPr>
+              <p:cNvPr id="20" name="Rectangle 19"/>
+              <p:cNvSpPr/>
+              <p:nvPr/>
+            </p:nvSpPr>
+            <p:spPr>
+              <a:xfrm>
+                <a:off x="3015295" y="4251036"/>
+                <a:ext cx="464188" cy="168564"/>
+              </a:xfrm>
+              <a:prstGeom prst="rect">
+                <a:avLst/>
+              </a:prstGeom>
+              <a:grpFill/>
+              <a:ln>
+                <a:noFill/>
+              </a:ln>
+            </p:spPr>
+            <p:style>
+              <a:lnRef idx="2">
+                <a:schemeClr val="accent1">
+                  <a:shade val="50000"/>
+                </a:schemeClr>
+              </a:lnRef>
+              <a:fillRef idx="1">
+                <a:schemeClr val="accent1"/>
+              </a:fillRef>
+              <a:effectRef idx="0">
+                <a:schemeClr val="accent1"/>
+              </a:effectRef>
+              <a:fontRef idx="minor">
+                <a:schemeClr val="lt1"/>
+              </a:fontRef>
+            </p:style>
+            <p:txBody>
+              <a:bodyPr rtlCol="0" anchor="ctr"/>
+              <a:lstStyle/>
+              <a:p>
+                <a:pPr algn="ctr"/>
+                <a:endParaRPr lang="en-US"/>
+              </a:p>
+            </p:txBody>
+          </p:sp>
+          <p:sp>
+            <p:nvSpPr>
+              <p:cNvPr id="21" name="Oval 20"/>
+              <p:cNvSpPr/>
+              <p:nvPr/>
+            </p:nvSpPr>
+            <p:spPr>
+              <a:xfrm>
+                <a:off x="2730598" y="4251036"/>
+                <a:ext cx="174242" cy="168564"/>
+              </a:xfrm>
+              <a:prstGeom prst="ellipse">
+                <a:avLst/>
+              </a:prstGeom>
+              <a:grpFill/>
+              <a:ln>
+                <a:noFill/>
+              </a:ln>
+            </p:spPr>
+            <p:style>
+              <a:lnRef idx="2">
+                <a:schemeClr val="accent1">
+                  <a:shade val="50000"/>
+                </a:schemeClr>
+              </a:lnRef>
+              <a:fillRef idx="1">
+                <a:schemeClr val="accent1"/>
+              </a:fillRef>
+              <a:effectRef idx="0">
+                <a:schemeClr val="accent1"/>
+              </a:effectRef>
+              <a:fontRef idx="minor">
+                <a:schemeClr val="lt1"/>
+              </a:fontRef>
+            </p:style>
+            <p:txBody>
+              <a:bodyPr rtlCol="0" anchor="ctr"/>
+              <a:lstStyle/>
+              <a:p>
+                <a:pPr algn="ctr"/>
+                <a:endParaRPr lang="en-US"/>
+              </a:p>
+            </p:txBody>
+          </p:sp>
+        </p:grpSp>
+        <p:sp>
+          <p:nvSpPr>
+            <p:cNvPr id="59" name="Rectangle 58"/>
+            <p:cNvSpPr/>
+            <p:nvPr/>
+          </p:nvSpPr>
+          <p:spPr>
+            <a:xfrm>
+              <a:off x="2007394" y="3922093"/>
+              <a:ext cx="437391" cy="168564"/>
+            </a:xfrm>
+            <a:prstGeom prst="rect">
+              <a:avLst/>
+            </a:prstGeom>
+            <a:grpFill/>
+            <a:ln>
+              <a:noFill/>
+            </a:ln>
+          </p:spPr>
+          <p:style>
+            <a:lnRef idx="2">
+              <a:schemeClr val="accent1">
+                <a:shade val="50000"/>
+              </a:schemeClr>
+            </a:lnRef>
+            <a:fillRef idx="1">
+              <a:schemeClr val="accent1"/>
+            </a:fillRef>
+            <a:effectRef idx="0">
+              <a:schemeClr val="accent1"/>
+            </a:effectRef>
+            <a:fontRef idx="minor">
+              <a:schemeClr val="lt1"/>
+            </a:fontRef>
+          </p:style>
+          <p:txBody>
+            <a:bodyPr rtlCol="0" anchor="ctr"/>
+            <a:lstStyle/>
+            <a:p>
+              <a:pPr algn="ctr"/>
+              <a:endParaRPr lang="en-US"/>
+            </a:p>
+          </p:txBody>
+        </p:sp>
+        <p:sp>
+          <p:nvSpPr>
+            <p:cNvPr id="62" name="Rectangle 61"/>
+            <p:cNvSpPr/>
+            <p:nvPr/>
+          </p:nvSpPr>
+          <p:spPr>
+            <a:xfrm>
+              <a:off x="1966933" y="3392334"/>
+              <a:ext cx="477852" cy="369380"/>
+            </a:xfrm>
+            <a:prstGeom prst="rect">
+              <a:avLst/>
+            </a:prstGeom>
+            <a:grpFill/>
+            <a:ln>
+              <a:noFill/>
+            </a:ln>
+          </p:spPr>
+          <p:style>
+            <a:lnRef idx="2">
+              <a:schemeClr val="accent1">
+                <a:shade val="50000"/>
+              </a:schemeClr>
+            </a:lnRef>
+            <a:fillRef idx="1">
+              <a:schemeClr val="accent1"/>
+            </a:fillRef>
+            <a:effectRef idx="0">
+              <a:schemeClr val="accent1"/>
+            </a:effectRef>
+            <a:fontRef idx="minor">
+              <a:schemeClr val="lt1"/>
+            </a:fontRef>
+          </p:style>
+          <p:txBody>
+            <a:bodyPr rtlCol="0" anchor="ctr"/>
+            <a:lstStyle/>
+            <a:p>
+              <a:pPr algn="ctr"/>
+              <a:endParaRPr lang="en-US"/>
+            </a:p>
+          </p:txBody>
+        </p:sp>
+        <p:sp>
+          <p:nvSpPr>
+            <p:cNvPr id="66" name="Snip and Round Single Corner Rectangle 65"/>
+            <p:cNvSpPr/>
+            <p:nvPr/>
+          </p:nvSpPr>
+          <p:spPr>
+            <a:xfrm>
+              <a:off x="2133864" y="2740823"/>
+              <a:ext cx="1349973" cy="491133"/>
+            </a:xfrm>
+            <a:custGeom>
+              <a:avLst/>
+              <a:gdLst>
+                <a:gd name="connsiteX0" fmla="*/ 245567 w 1476443"/>
+                <a:gd name="connsiteY0" fmla="*/ 0 h 491133"/>
+                <a:gd name="connsiteX1" fmla="*/ 1366012 w 1476443"/>
+                <a:gd name="connsiteY1" fmla="*/ 0 h 491133"/>
+                <a:gd name="connsiteX2" fmla="*/ 1476443 w 1476443"/>
+                <a:gd name="connsiteY2" fmla="*/ 110431 h 491133"/>
+                <a:gd name="connsiteX3" fmla="*/ 1476443 w 1476443"/>
+                <a:gd name="connsiteY3" fmla="*/ 491133 h 491133"/>
+                <a:gd name="connsiteX4" fmla="*/ 0 w 1476443"/>
+                <a:gd name="connsiteY4" fmla="*/ 491133 h 491133"/>
+                <a:gd name="connsiteX5" fmla="*/ 0 w 1476443"/>
+                <a:gd name="connsiteY5" fmla="*/ 245567 h 491133"/>
+                <a:gd name="connsiteX6" fmla="*/ 245567 w 1476443"/>
+                <a:gd name="connsiteY6" fmla="*/ 0 h 491133"/>
+                <a:gd name="connsiteX0" fmla="*/ 245567 w 1476443"/>
+                <a:gd name="connsiteY0" fmla="*/ 0 h 491133"/>
+                <a:gd name="connsiteX1" fmla="*/ 1366012 w 1476443"/>
+                <a:gd name="connsiteY1" fmla="*/ 0 h 491133"/>
+                <a:gd name="connsiteX2" fmla="*/ 1476443 w 1476443"/>
+                <a:gd name="connsiteY2" fmla="*/ 110431 h 491133"/>
+                <a:gd name="connsiteX3" fmla="*/ 1476443 w 1476443"/>
+                <a:gd name="connsiteY3" fmla="*/ 491133 h 491133"/>
+                <a:gd name="connsiteX4" fmla="*/ 0 w 1476443"/>
+                <a:gd name="connsiteY4" fmla="*/ 491133 h 491133"/>
+                <a:gd name="connsiteX5" fmla="*/ 78581 w 1476443"/>
+                <a:gd name="connsiteY5" fmla="*/ 359867 h 491133"/>
+                <a:gd name="connsiteX6" fmla="*/ 245567 w 1476443"/>
+                <a:gd name="connsiteY6" fmla="*/ 0 h 491133"/>
+                <a:gd name="connsiteX0" fmla="*/ 245567 w 1476443"/>
+                <a:gd name="connsiteY0" fmla="*/ 0 h 491133"/>
+                <a:gd name="connsiteX1" fmla="*/ 1366012 w 1476443"/>
+                <a:gd name="connsiteY1" fmla="*/ 0 h 491133"/>
+                <a:gd name="connsiteX2" fmla="*/ 1476443 w 1476443"/>
+                <a:gd name="connsiteY2" fmla="*/ 110431 h 491133"/>
+                <a:gd name="connsiteX3" fmla="*/ 1476443 w 1476443"/>
+                <a:gd name="connsiteY3" fmla="*/ 491133 h 491133"/>
+                <a:gd name="connsiteX4" fmla="*/ 0 w 1476443"/>
+                <a:gd name="connsiteY4" fmla="*/ 491133 h 491133"/>
+                <a:gd name="connsiteX5" fmla="*/ 78581 w 1476443"/>
+                <a:gd name="connsiteY5" fmla="*/ 359867 h 491133"/>
+                <a:gd name="connsiteX6" fmla="*/ 245567 w 1476443"/>
+                <a:gd name="connsiteY6" fmla="*/ 0 h 491133"/>
+                <a:gd name="connsiteX0" fmla="*/ 245567 w 1476443"/>
+                <a:gd name="connsiteY0" fmla="*/ 0 h 491133"/>
+                <a:gd name="connsiteX1" fmla="*/ 1366012 w 1476443"/>
+                <a:gd name="connsiteY1" fmla="*/ 0 h 491133"/>
+                <a:gd name="connsiteX2" fmla="*/ 1476443 w 1476443"/>
+                <a:gd name="connsiteY2" fmla="*/ 110431 h 491133"/>
+                <a:gd name="connsiteX3" fmla="*/ 1476443 w 1476443"/>
+                <a:gd name="connsiteY3" fmla="*/ 491133 h 491133"/>
+                <a:gd name="connsiteX4" fmla="*/ 0 w 1476443"/>
+                <a:gd name="connsiteY4" fmla="*/ 491133 h 491133"/>
+                <a:gd name="connsiteX5" fmla="*/ 78581 w 1476443"/>
+                <a:gd name="connsiteY5" fmla="*/ 359867 h 491133"/>
+                <a:gd name="connsiteX6" fmla="*/ 245567 w 1476443"/>
+                <a:gd name="connsiteY6" fmla="*/ 0 h 491133"/>
+                <a:gd name="connsiteX0" fmla="*/ 352723 w 1476443"/>
+                <a:gd name="connsiteY0" fmla="*/ 0 h 491133"/>
+                <a:gd name="connsiteX1" fmla="*/ 1366012 w 1476443"/>
+                <a:gd name="connsiteY1" fmla="*/ 0 h 491133"/>
+                <a:gd name="connsiteX2" fmla="*/ 1476443 w 1476443"/>
+                <a:gd name="connsiteY2" fmla="*/ 110431 h 491133"/>
+                <a:gd name="connsiteX3" fmla="*/ 1476443 w 1476443"/>
+                <a:gd name="connsiteY3" fmla="*/ 491133 h 491133"/>
+                <a:gd name="connsiteX4" fmla="*/ 0 w 1476443"/>
+                <a:gd name="connsiteY4" fmla="*/ 491133 h 491133"/>
+                <a:gd name="connsiteX5" fmla="*/ 78581 w 1476443"/>
+                <a:gd name="connsiteY5" fmla="*/ 359867 h 491133"/>
+                <a:gd name="connsiteX6" fmla="*/ 352723 w 1476443"/>
+                <a:gd name="connsiteY6" fmla="*/ 0 h 491133"/>
+              </a:gdLst>
+              <a:ahLst/>
+              <a:cxnLst>
+                <a:cxn ang="0">
+                  <a:pos x="connsiteX0" y="connsiteY0"/>
+                </a:cxn>
+                <a:cxn ang="0">
+                  <a:pos x="connsiteX1" y="connsiteY1"/>
+                </a:cxn>
+                <a:cxn ang="0">
+                  <a:pos x="connsiteX2" y="connsiteY2"/>
+                </a:cxn>
+                <a:cxn ang="0">
+                  <a:pos x="connsiteX3" y="connsiteY3"/>
+                </a:cxn>
+                <a:cxn ang="0">
+                  <a:pos x="connsiteX4" y="connsiteY4"/>
+                </a:cxn>
+                <a:cxn ang="0">
+                  <a:pos x="connsiteX5" y="connsiteY5"/>
+                </a:cxn>
+                <a:cxn ang="0">
+                  <a:pos x="connsiteX6" y="connsiteY6"/>
+                </a:cxn>
+              </a:cxnLst>
+              <a:rect l="l" t="t" r="r" b="b"/>
+              <a:pathLst>
+                <a:path w="1476443" h="491133">
+                  <a:moveTo>
+                    <a:pt x="352723" y="0"/>
+                  </a:moveTo>
+                  <a:lnTo>
+                    <a:pt x="1366012" y="0"/>
+                  </a:lnTo>
+                  <a:lnTo>
+                    <a:pt x="1476443" y="110431"/>
+                  </a:lnTo>
+                  <a:lnTo>
+                    <a:pt x="1476443" y="491133"/>
+                  </a:lnTo>
+                  <a:lnTo>
+                    <a:pt x="0" y="491133"/>
+                  </a:lnTo>
+                  <a:lnTo>
+                    <a:pt x="78581" y="359867"/>
+                  </a:lnTo>
+                  <a:lnTo>
+                    <a:pt x="352723" y="0"/>
+                  </a:lnTo>
+                  <a:close/>
+                </a:path>
+              </a:pathLst>
+            </a:custGeom>
+            <a:grpFill/>
+            <a:ln>
+              <a:noFill/>
+            </a:ln>
+          </p:spPr>
+          <p:style>
+            <a:lnRef idx="2">
+              <a:schemeClr val="accent1">
+                <a:shade val="50000"/>
+              </a:schemeClr>
+            </a:lnRef>
+            <a:fillRef idx="1">
+              <a:schemeClr val="accent1"/>
+            </a:fillRef>
+            <a:effectRef idx="0">
+              <a:schemeClr val="accent1"/>
+            </a:effectRef>
+            <a:fontRef idx="minor">
+              <a:schemeClr val="lt1"/>
+            </a:fontRef>
+          </p:style>
+          <p:txBody>
+            <a:bodyPr rtlCol="0" anchor="ctr"/>
+            <a:lstStyle/>
+            <a:p>
+              <a:pPr algn="ctr"/>
+              <a:endParaRPr lang="en-US"/>
+            </a:p>
+          </p:txBody>
+        </p:sp>
+        <p:sp>
+          <p:nvSpPr>
+            <p:cNvPr id="70" name="Rectangle 69"/>
+            <p:cNvSpPr/>
+            <p:nvPr/>
+          </p:nvSpPr>
+          <p:spPr>
+            <a:xfrm>
+              <a:off x="2111375" y="4251036"/>
+              <a:ext cx="333409" cy="168564"/>
+            </a:xfrm>
+            <a:prstGeom prst="rect">
+              <a:avLst/>
+            </a:prstGeom>
+            <a:grpFill/>
+            <a:ln>
+              <a:noFill/>
+            </a:ln>
+          </p:spPr>
+          <p:style>
+            <a:lnRef idx="2">
+              <a:schemeClr val="accent1">
+                <a:shade val="50000"/>
+              </a:schemeClr>
+            </a:lnRef>
+            <a:fillRef idx="1">
+              <a:schemeClr val="accent1"/>
+            </a:fillRef>
+            <a:effectRef idx="0">
+              <a:schemeClr val="accent1"/>
+            </a:effectRef>
+            <a:fontRef idx="minor">
+              <a:schemeClr val="lt1"/>
+            </a:fontRef>
+          </p:style>
+          <p:txBody>
+            <a:bodyPr rtlCol="0" anchor="ctr"/>
+            <a:lstStyle/>
+            <a:p>
+              <a:pPr algn="ctr"/>
+              <a:endParaRPr lang="en-US"/>
+            </a:p>
+          </p:txBody>
+        </p:sp>
+      </p:grpSp>
+      <p:sp>
+        <p:nvSpPr>
+          <p:cNvPr id="17" name="Isosceles Triangle 16"/>
+          <p:cNvSpPr/>
+          <p:nvPr/>
+        </p:nvSpPr>
+        <p:spPr>
+          <a:xfrm flipV="1">
+            <a:off x="2306153" y="4306448"/>
+            <a:ext cx="102811" cy="63192"/>
+          </a:xfrm>
+          <a:prstGeom prst="triangle">
+            <a:avLst/>
+          </a:prstGeom>
+          <a:solidFill>
+            <a:schemeClr val="accent1">
+              <a:lumMod val="75000"/>
+            </a:schemeClr>
+          </a:solidFill>
+          <a:ln>
+            <a:noFill/>
+          </a:ln>
+        </p:spPr>
+        <p:style>
+          <a:lnRef idx="2">
+            <a:schemeClr val="accent1">
+              <a:shade val="50000"/>
+            </a:schemeClr>
+          </a:lnRef>
+          <a:fillRef idx="1">
+            <a:schemeClr val="accent1"/>
+          </a:fillRef>
+          <a:effectRef idx="0">
+            <a:schemeClr val="accent1"/>
+          </a:effectRef>
+          <a:fontRef idx="minor">
+            <a:schemeClr val="lt1"/>
+          </a:fontRef>
+        </p:style>
+        <p:txBody>
+          <a:bodyPr rtlCol="0" anchor="ctr"/>
+          <a:lstStyle/>
+          <a:p>
+            <a:pPr algn="ctr"/>
+            <a:endParaRPr lang="en-US"/>
+          </a:p>
+        </p:txBody>
+      </p:sp>
+      <p:sp>
+        <p:nvSpPr>
+          <p:cNvPr id="31" name="Rectangle 30"/>
+          <p:cNvSpPr/>
+          <p:nvPr/>
+        </p:nvSpPr>
+        <p:spPr>
+          <a:xfrm rot="2700000">
+            <a:off x="3789797" y="4652605"/>
+            <a:ext cx="498754" cy="347681"/>
+          </a:xfrm>
+          <a:prstGeom prst="rect">
+            <a:avLst/>
+          </a:prstGeom>
+          <a:solidFill>
+            <a:schemeClr val="accent1">
+              <a:lumMod val="75000"/>
+            </a:schemeClr>
+          </a:solidFill>
+          <a:ln>
+            <a:noFill/>
+          </a:ln>
+        </p:spPr>
+        <p:style>
+          <a:lnRef idx="2">
+            <a:schemeClr val="accent1">
+              <a:shade val="50000"/>
+            </a:schemeClr>
+          </a:lnRef>
+          <a:fillRef idx="1">
+            <a:schemeClr val="accent1"/>
+          </a:fillRef>
+          <a:effectRef idx="0">
+            <a:schemeClr val="accent1"/>
+          </a:effectRef>
+          <a:fontRef idx="minor">
+            <a:schemeClr val="lt1"/>
+          </a:fontRef>
+        </p:style>
+        <p:txBody>
+          <a:bodyPr rtlCol="0" anchor="ctr"/>
+          <a:lstStyle/>
+          <a:p>
+            <a:pPr algn="ctr"/>
+            <a:endParaRPr lang="en-US"/>
+          </a:p>
+        </p:txBody>
+      </p:sp>
+      <p:sp>
+        <p:nvSpPr>
+          <p:cNvPr id="28" name="Donut 27"/>
+          <p:cNvSpPr/>
+          <p:nvPr/>
+        </p:nvSpPr>
+        <p:spPr>
+          <a:xfrm>
+            <a:off x="1784350" y="2583022"/>
+            <a:ext cx="2461890" cy="2461891"/>
+          </a:xfrm>
+          <a:prstGeom prst="donut">
+            <a:avLst>
+              <a:gd name="adj" fmla="val 13525"/>
+            </a:avLst>
+          </a:prstGeom>
+          <a:solidFill>
+            <a:schemeClr val="accent1">
+              <a:lumMod val="75000"/>
+            </a:schemeClr>
+          </a:solidFill>
+          <a:ln>
+            <a:noFill/>
+          </a:ln>
+        </p:spPr>
+        <p:style>
+          <a:lnRef idx="2">
+            <a:schemeClr val="accent1">
+              <a:shade val="50000"/>
+            </a:schemeClr>
+          </a:lnRef>
+          <a:fillRef idx="1">
+            <a:schemeClr val="accent1"/>
+          </a:fillRef>
+          <a:effectRef idx="0">
+            <a:schemeClr val="accent1"/>
+          </a:effectRef>
+          <a:fontRef idx="minor">
+            <a:schemeClr val="lt1"/>
+          </a:fontRef>
+        </p:style>
+        <p:txBody>
+          <a:bodyPr rtlCol="0" anchor="ctr"/>
+          <a:lstStyle/>
+          <a:p>
+            <a:pPr algn="ctr"/>
+            <a:endParaRPr lang="en-US">
+              <a:solidFill>
+                <a:schemeClr val="tx1"/>
+              </a:solidFill>
+            </a:endParaRPr>
+          </a:p>
+        </p:txBody>
+      </p:sp>
+      <p:sp>
+        <p:nvSpPr>
+          <p:cNvPr id="84" name="TextBox 83"/>
+          <p:cNvSpPr txBox="1"/>
+          <p:nvPr/>
+        </p:nvSpPr>
+        <p:spPr>
+          <a:xfrm>
+            <a:off x="5476875" y="1466850"/>
+            <a:ext cx="1532792" cy="1107996"/>
+          </a:xfrm>
+          <a:prstGeom prst="rect">
+            <a:avLst/>
+          </a:prstGeom>
+          <a:noFill/>
+        </p:spPr>
+        <p:txBody>
+          <a:bodyPr wrap="none" rtlCol="0">
+            <a:spAutoFit/>
+          </a:bodyPr>
+          <a:lstStyle/>
+          <a:p>
+            <a:r>
+              <a:rPr lang="en-US" sz="6600" dirty="0" smtClean="0"/>
+              <a:t>QSS</a:t>
+            </a:r>
+            <a:endParaRPr lang="en-US" sz="6600" dirty="0"/>
+          </a:p>
+        </p:txBody>
+      </p:sp>
+    </p:spTree>
+    <p:extLst>
+      <p:ext uri="{BB962C8B-B14F-4D97-AF65-F5344CB8AC3E}">
+        <p14:creationId xmlns:p14="http://schemas.microsoft.com/office/powerpoint/2010/main" val="2842642191"/>
+      </p:ext>
+    </p:extLst>
+  </p:cSld>
+  <p:clrMapOvr>
+    <a:masterClrMapping/>
+  </p:clrMapOvr>
+  <p:timing>
+    <p:tnLst>
+      <p:par>
+        <p:cTn id="1" dur="indefinite" restart="never" nodeType="tmRoot"/>
+      </p:par>
+    </p:tnLst>
+  </p:timing>
+</p:sld>
+</file>
+
+<file path=ppt/slides/slide6.xml><?xml version="1.0" encoding="utf-8"?>
+<p:sld xmlns:a="http://schemas.openxmlformats.org/drawingml/2006/main" xmlns:r="http://schemas.openxmlformats.org/officeDocument/2006/relationships" xmlns:p="http://schemas.openxmlformats.org/presentationml/2006/main">
+  <p:cSld>
+    <p:spTree>
+      <p:nvGrpSpPr>
+        <p:cNvPr id="1" name=""/>
+        <p:cNvGrpSpPr/>
+        <p:nvPr/>
+      </p:nvGrpSpPr>
+      <p:grpSpPr>
+        <a:xfrm>
+          <a:off x="0" y="0"/>
+          <a:ext cx="0" cy="0"/>
+          <a:chOff x="0" y="0"/>
+          <a:chExt cx="0" cy="0"/>
+        </a:xfrm>
+      </p:grpSpPr>
+      <p:grpSp>
+        <p:nvGrpSpPr>
+          <p:cNvPr id="117" name="Group 116"/>
+          <p:cNvGrpSpPr/>
+          <p:nvPr/>
+        </p:nvGrpSpPr>
+        <p:grpSpPr>
+          <a:xfrm>
+            <a:off x="2539799" y="1396799"/>
+            <a:ext cx="4064401" cy="4064401"/>
+            <a:chOff x="2539799" y="1396799"/>
+            <a:chExt cx="4064401" cy="4064401"/>
+          </a:xfrm>
+        </p:grpSpPr>
+        <p:sp>
+          <p:nvSpPr>
+            <p:cNvPr id="5" name="Oval 4"/>
+            <p:cNvSpPr/>
+            <p:nvPr/>
+          </p:nvSpPr>
+          <p:spPr>
+            <a:xfrm>
+              <a:off x="2539799" y="1396799"/>
+              <a:ext cx="4064401" cy="4064401"/>
+            </a:xfrm>
+            <a:prstGeom prst="ellipse">
+              <a:avLst/>
+            </a:prstGeom>
+            <a:solidFill>
+              <a:schemeClr val="tx2">
+                <a:lumMod val="60000"/>
+                <a:lumOff val="40000"/>
+              </a:schemeClr>
+            </a:solidFill>
+            <a:ln>
+              <a:noFill/>
+            </a:ln>
+          </p:spPr>
+          <p:style>
+            <a:lnRef idx="2">
+              <a:schemeClr val="accent1">
+                <a:shade val="50000"/>
+              </a:schemeClr>
+            </a:lnRef>
+            <a:fillRef idx="1">
+              <a:schemeClr val="accent1"/>
+            </a:fillRef>
+            <a:effectRef idx="0">
+              <a:schemeClr val="accent1"/>
+            </a:effectRef>
+            <a:fontRef idx="minor">
+              <a:schemeClr val="lt1"/>
+            </a:fontRef>
+          </p:style>
+          <p:txBody>
+            <a:bodyPr rtlCol="0" anchor="ctr"/>
+            <a:lstStyle>
+              <a:defPPr>
+                <a:defRPr lang="en-US"/>
+              </a:defPPr>
+              <a:lvl1pPr marL="0" algn="l" defTabSz="914400" rtl="0" eaLnBrk="1" latinLnBrk="0" hangingPunct="1">
+                <a:defRPr sz="1800" kern="1200">
+                  <a:solidFill>
+                    <a:schemeClr val="lt1"/>
+                  </a:solidFill>
+                  <a:latin typeface="+mn-lt"/>
+                  <a:ea typeface="+mn-ea"/>
+                  <a:cs typeface="+mn-cs"/>
+                </a:defRPr>
+              </a:lvl1pPr>
+              <a:lvl2pPr marL="457200" algn="l" defTabSz="914400" rtl="0" eaLnBrk="1" latinLnBrk="0" hangingPunct="1">
+                <a:defRPr sz="1800" kern="1200">
+                  <a:solidFill>
+                    <a:schemeClr val="lt1"/>
+                  </a:solidFill>
+                  <a:latin typeface="+mn-lt"/>
+                  <a:ea typeface="+mn-ea"/>
+                  <a:cs typeface="+mn-cs"/>
+                </a:defRPr>
+              </a:lvl2pPr>
+              <a:lvl3pPr marL="914400" algn="l" defTabSz="914400" rtl="0" eaLnBrk="1" latinLnBrk="0" hangingPunct="1">
+                <a:defRPr sz="1800" kern="1200">
+                  <a:solidFill>
+                    <a:schemeClr val="lt1"/>
+                  </a:solidFill>
+                  <a:latin typeface="+mn-lt"/>
+                  <a:ea typeface="+mn-ea"/>
+                  <a:cs typeface="+mn-cs"/>
+                </a:defRPr>
+              </a:lvl3pPr>
+              <a:lvl4pPr marL="1371600" algn="l" defTabSz="914400" rtl="0" eaLnBrk="1" latinLnBrk="0" hangingPunct="1">
+                <a:defRPr sz="1800" kern="1200">
+                  <a:solidFill>
+                    <a:schemeClr val="lt1"/>
+                  </a:solidFill>
+                  <a:latin typeface="+mn-lt"/>
+                  <a:ea typeface="+mn-ea"/>
+                  <a:cs typeface="+mn-cs"/>
+                </a:defRPr>
+              </a:lvl4pPr>
+              <a:lvl5pPr marL="1828800" algn="l" defTabSz="914400" rtl="0" eaLnBrk="1" latinLnBrk="0" hangingPunct="1">
+                <a:defRPr sz="1800" kern="1200">
+                  <a:solidFill>
+                    <a:schemeClr val="lt1"/>
+                  </a:solidFill>
+                  <a:latin typeface="+mn-lt"/>
+                  <a:ea typeface="+mn-ea"/>
+                  <a:cs typeface="+mn-cs"/>
+                </a:defRPr>
+              </a:lvl5pPr>
+              <a:lvl6pPr marL="2286000" algn="l" defTabSz="914400" rtl="0" eaLnBrk="1" latinLnBrk="0" hangingPunct="1">
+                <a:defRPr sz="1800" kern="1200">
+                  <a:solidFill>
+                    <a:schemeClr val="lt1"/>
+                  </a:solidFill>
+                  <a:latin typeface="+mn-lt"/>
+                  <a:ea typeface="+mn-ea"/>
+                  <a:cs typeface="+mn-cs"/>
+                </a:defRPr>
+              </a:lvl6pPr>
+              <a:lvl7pPr marL="2743200" algn="l" defTabSz="914400" rtl="0" eaLnBrk="1" latinLnBrk="0" hangingPunct="1">
+                <a:defRPr sz="1800" kern="1200">
+                  <a:solidFill>
+                    <a:schemeClr val="lt1"/>
+                  </a:solidFill>
+                  <a:latin typeface="+mn-lt"/>
+                  <a:ea typeface="+mn-ea"/>
+                  <a:cs typeface="+mn-cs"/>
+                </a:defRPr>
+              </a:lvl7pPr>
+              <a:lvl8pPr marL="3200400" algn="l" defTabSz="914400" rtl="0" eaLnBrk="1" latinLnBrk="0" hangingPunct="1">
+                <a:defRPr sz="1800" kern="1200">
+                  <a:solidFill>
+                    <a:schemeClr val="lt1"/>
+                  </a:solidFill>
+                  <a:latin typeface="+mn-lt"/>
+                  <a:ea typeface="+mn-ea"/>
+                  <a:cs typeface="+mn-cs"/>
+                </a:defRPr>
+              </a:lvl8pPr>
+              <a:lvl9pPr marL="3657600" algn="l" defTabSz="914400" rtl="0" eaLnBrk="1" latinLnBrk="0" hangingPunct="1">
+                <a:defRPr sz="1800" kern="1200">
+                  <a:solidFill>
+                    <a:schemeClr val="lt1"/>
+                  </a:solidFill>
+                  <a:latin typeface="+mn-lt"/>
+                  <a:ea typeface="+mn-ea"/>
+                  <a:cs typeface="+mn-cs"/>
+                </a:defRPr>
+              </a:lvl9pPr>
+            </a:lstStyle>
+            <a:p>
+              <a:pPr algn="ctr"/>
+              <a:endParaRPr lang="en-US"/>
+            </a:p>
+          </p:txBody>
+        </p:sp>
+        <p:grpSp>
+          <p:nvGrpSpPr>
+            <p:cNvPr id="116" name="Group 115"/>
+            <p:cNvGrpSpPr/>
+            <p:nvPr/>
+          </p:nvGrpSpPr>
+          <p:grpSpPr>
+            <a:xfrm>
+              <a:off x="3410742" y="2135026"/>
+              <a:ext cx="2322516" cy="2587947"/>
+              <a:chOff x="3410742" y="2135026"/>
+              <a:chExt cx="2322516" cy="2587947"/>
+            </a:xfrm>
+          </p:grpSpPr>
+          <p:sp>
+            <p:nvSpPr>
+              <p:cNvPr id="7" name="Round Same Side Corner Rectangle 6"/>
+              <p:cNvSpPr/>
+              <p:nvPr/>
+            </p:nvSpPr>
+            <p:spPr>
+              <a:xfrm>
+                <a:off x="3410742" y="2135027"/>
+                <a:ext cx="2322515" cy="2587945"/>
+              </a:xfrm>
+              <a:prstGeom prst="round2SameRect">
+                <a:avLst>
+                  <a:gd name="adj1" fmla="val 15191"/>
+                  <a:gd name="adj2" fmla="val 11124"/>
+                </a:avLst>
+              </a:prstGeom>
+              <a:solidFill>
+                <a:schemeClr val="bg1"/>
+              </a:solidFill>
+              <a:ln>
+                <a:noFill/>
+              </a:ln>
+            </p:spPr>
+            <p:style>
+              <a:lnRef idx="2">
+                <a:schemeClr val="accent1">
+                  <a:shade val="50000"/>
+                </a:schemeClr>
+              </a:lnRef>
+              <a:fillRef idx="1">
+                <a:schemeClr val="accent1"/>
+              </a:fillRef>
+              <a:effectRef idx="0">
+                <a:schemeClr val="accent1"/>
+              </a:effectRef>
+              <a:fontRef idx="minor">
+                <a:schemeClr val="lt1"/>
+              </a:fontRef>
+            </p:style>
+            <p:txBody>
+              <a:bodyPr rtlCol="0" anchor="ctr"/>
+              <a:lstStyle>
+                <a:defPPr>
+                  <a:defRPr lang="en-US"/>
+                </a:defPPr>
+                <a:lvl1pPr marL="0" algn="l" defTabSz="914400" rtl="0" eaLnBrk="1" latinLnBrk="0" hangingPunct="1">
+                  <a:defRPr sz="1800" kern="1200">
+                    <a:solidFill>
+                      <a:schemeClr val="lt1"/>
+                    </a:solidFill>
+                    <a:latin typeface="+mn-lt"/>
+                    <a:ea typeface="+mn-ea"/>
+                    <a:cs typeface="+mn-cs"/>
+                  </a:defRPr>
+                </a:lvl1pPr>
+                <a:lvl2pPr marL="457200" algn="l" defTabSz="914400" rtl="0" eaLnBrk="1" latinLnBrk="0" hangingPunct="1">
+                  <a:defRPr sz="1800" kern="1200">
+                    <a:solidFill>
+                      <a:schemeClr val="lt1"/>
+                    </a:solidFill>
+                    <a:latin typeface="+mn-lt"/>
+                    <a:ea typeface="+mn-ea"/>
+                    <a:cs typeface="+mn-cs"/>
+                  </a:defRPr>
+                </a:lvl2pPr>
+                <a:lvl3pPr marL="914400" algn="l" defTabSz="914400" rtl="0" eaLnBrk="1" latinLnBrk="0" hangingPunct="1">
+                  <a:defRPr sz="1800" kern="1200">
+                    <a:solidFill>
+                      <a:schemeClr val="lt1"/>
+                    </a:solidFill>
+                    <a:latin typeface="+mn-lt"/>
+                    <a:ea typeface="+mn-ea"/>
+                    <a:cs typeface="+mn-cs"/>
+                  </a:defRPr>
+                </a:lvl3pPr>
+                <a:lvl4pPr marL="1371600" algn="l" defTabSz="914400" rtl="0" eaLnBrk="1" latinLnBrk="0" hangingPunct="1">
+                  <a:defRPr sz="1800" kern="1200">
+                    <a:solidFill>
+                      <a:schemeClr val="lt1"/>
+                    </a:solidFill>
+                    <a:latin typeface="+mn-lt"/>
+                    <a:ea typeface="+mn-ea"/>
+                    <a:cs typeface="+mn-cs"/>
+                  </a:defRPr>
+                </a:lvl4pPr>
+                <a:lvl5pPr marL="1828800" algn="l" defTabSz="914400" rtl="0" eaLnBrk="1" latinLnBrk="0" hangingPunct="1">
+                  <a:defRPr sz="1800" kern="1200">
+                    <a:solidFill>
+                      <a:schemeClr val="lt1"/>
+                    </a:solidFill>
+                    <a:latin typeface="+mn-lt"/>
+                    <a:ea typeface="+mn-ea"/>
+                    <a:cs typeface="+mn-cs"/>
+                  </a:defRPr>
+                </a:lvl5pPr>
+                <a:lvl6pPr marL="2286000" algn="l" defTabSz="914400" rtl="0" eaLnBrk="1" latinLnBrk="0" hangingPunct="1">
+                  <a:defRPr sz="1800" kern="1200">
+                    <a:solidFill>
+                      <a:schemeClr val="lt1"/>
+                    </a:solidFill>
+                    <a:latin typeface="+mn-lt"/>
+                    <a:ea typeface="+mn-ea"/>
+                    <a:cs typeface="+mn-cs"/>
+                  </a:defRPr>
+                </a:lvl6pPr>
+                <a:lvl7pPr marL="2743200" algn="l" defTabSz="914400" rtl="0" eaLnBrk="1" latinLnBrk="0" hangingPunct="1">
+                  <a:defRPr sz="1800" kern="1200">
+                    <a:solidFill>
+                      <a:schemeClr val="lt1"/>
+                    </a:solidFill>
+                    <a:latin typeface="+mn-lt"/>
+                    <a:ea typeface="+mn-ea"/>
+                    <a:cs typeface="+mn-cs"/>
+                  </a:defRPr>
+                </a:lvl7pPr>
+                <a:lvl8pPr marL="3200400" algn="l" defTabSz="914400" rtl="0" eaLnBrk="1" latinLnBrk="0" hangingPunct="1">
+                  <a:defRPr sz="1800" kern="1200">
+                    <a:solidFill>
+                      <a:schemeClr val="lt1"/>
+                    </a:solidFill>
+                    <a:latin typeface="+mn-lt"/>
+                    <a:ea typeface="+mn-ea"/>
+                    <a:cs typeface="+mn-cs"/>
+                  </a:defRPr>
+                </a:lvl8pPr>
+                <a:lvl9pPr marL="3657600" algn="l" defTabSz="914400" rtl="0" eaLnBrk="1" latinLnBrk="0" hangingPunct="1">
+                  <a:defRPr sz="1800" kern="1200">
+                    <a:solidFill>
+                      <a:schemeClr val="lt1"/>
+                    </a:solidFill>
+                    <a:latin typeface="+mn-lt"/>
+                    <a:ea typeface="+mn-ea"/>
+                    <a:cs typeface="+mn-cs"/>
+                  </a:defRPr>
+                </a:lvl9pPr>
+              </a:lstStyle>
+              <a:p>
+                <a:pPr algn="ctr"/>
+                <a:endParaRPr lang="en-US"/>
+              </a:p>
+            </p:txBody>
+          </p:sp>
+          <p:sp>
+            <p:nvSpPr>
+              <p:cNvPr id="51" name="Round Same Side Corner Rectangle 50"/>
+              <p:cNvSpPr/>
+              <p:nvPr/>
+            </p:nvSpPr>
+            <p:spPr>
+              <a:xfrm rot="5400000">
+                <a:off x="3858455" y="2848169"/>
+                <a:ext cx="2587942" cy="1161665"/>
+              </a:xfrm>
+              <a:prstGeom prst="round2SameRect">
+                <a:avLst>
+                  <a:gd name="adj1" fmla="val 21198"/>
+                  <a:gd name="adj2" fmla="val 0"/>
+                </a:avLst>
+              </a:prstGeom>
+              <a:solidFill>
+                <a:schemeClr val="accent1">
+                  <a:lumMod val="75000"/>
+                </a:schemeClr>
+              </a:solidFill>
+              <a:ln>
+                <a:noFill/>
+              </a:ln>
+            </p:spPr>
+            <p:style>
+              <a:lnRef idx="2">
+                <a:schemeClr val="accent1">
+                  <a:shade val="50000"/>
+                </a:schemeClr>
+              </a:lnRef>
+              <a:fillRef idx="1">
+                <a:schemeClr val="accent1"/>
+              </a:fillRef>
+              <a:effectRef idx="0">
+                <a:schemeClr val="accent1"/>
+              </a:effectRef>
+              <a:fontRef idx="minor">
+                <a:schemeClr val="lt1"/>
+              </a:fontRef>
+            </p:style>
+            <p:txBody>
+              <a:bodyPr rtlCol="0" anchor="ctr"/>
+              <a:lstStyle>
+                <a:defPPr>
+                  <a:defRPr lang="en-US"/>
+                </a:defPPr>
+                <a:lvl1pPr marL="0" algn="l" defTabSz="914400" rtl="0" eaLnBrk="1" latinLnBrk="0" hangingPunct="1">
+                  <a:defRPr sz="1800" kern="1200">
+                    <a:solidFill>
+                      <a:schemeClr val="lt1"/>
+                    </a:solidFill>
+                    <a:latin typeface="+mn-lt"/>
+                    <a:ea typeface="+mn-ea"/>
+                    <a:cs typeface="+mn-cs"/>
+                  </a:defRPr>
+                </a:lvl1pPr>
+                <a:lvl2pPr marL="457200" algn="l" defTabSz="914400" rtl="0" eaLnBrk="1" latinLnBrk="0" hangingPunct="1">
+                  <a:defRPr sz="1800" kern="1200">
+                    <a:solidFill>
+                      <a:schemeClr val="lt1"/>
+                    </a:solidFill>
+                    <a:latin typeface="+mn-lt"/>
+                    <a:ea typeface="+mn-ea"/>
+                    <a:cs typeface="+mn-cs"/>
+                  </a:defRPr>
+                </a:lvl2pPr>
+                <a:lvl3pPr marL="914400" algn="l" defTabSz="914400" rtl="0" eaLnBrk="1" latinLnBrk="0" hangingPunct="1">
+                  <a:defRPr sz="1800" kern="1200">
+                    <a:solidFill>
+                      <a:schemeClr val="lt1"/>
+                    </a:solidFill>
+                    <a:latin typeface="+mn-lt"/>
+                    <a:ea typeface="+mn-ea"/>
+                    <a:cs typeface="+mn-cs"/>
+                  </a:defRPr>
+                </a:lvl3pPr>
+                <a:lvl4pPr marL="1371600" algn="l" defTabSz="914400" rtl="0" eaLnBrk="1" latinLnBrk="0" hangingPunct="1">
+                  <a:defRPr sz="1800" kern="1200">
+                    <a:solidFill>
+                      <a:schemeClr val="lt1"/>
+                    </a:solidFill>
+                    <a:latin typeface="+mn-lt"/>
+                    <a:ea typeface="+mn-ea"/>
+                    <a:cs typeface="+mn-cs"/>
+                  </a:defRPr>
+                </a:lvl4pPr>
+                <a:lvl5pPr marL="1828800" algn="l" defTabSz="914400" rtl="0" eaLnBrk="1" latinLnBrk="0" hangingPunct="1">
+                  <a:defRPr sz="1800" kern="1200">
+                    <a:solidFill>
+                      <a:schemeClr val="lt1"/>
+                    </a:solidFill>
+                    <a:latin typeface="+mn-lt"/>
+                    <a:ea typeface="+mn-ea"/>
+                    <a:cs typeface="+mn-cs"/>
+                  </a:defRPr>
+                </a:lvl5pPr>
+                <a:lvl6pPr marL="2286000" algn="l" defTabSz="914400" rtl="0" eaLnBrk="1" latinLnBrk="0" hangingPunct="1">
+                  <a:defRPr sz="1800" kern="1200">
+                    <a:solidFill>
+                      <a:schemeClr val="lt1"/>
+                    </a:solidFill>
+                    <a:latin typeface="+mn-lt"/>
+                    <a:ea typeface="+mn-ea"/>
+                    <a:cs typeface="+mn-cs"/>
+                  </a:defRPr>
+                </a:lvl6pPr>
+                <a:lvl7pPr marL="2743200" algn="l" defTabSz="914400" rtl="0" eaLnBrk="1" latinLnBrk="0" hangingPunct="1">
+                  <a:defRPr sz="1800" kern="1200">
+                    <a:solidFill>
+                      <a:schemeClr val="lt1"/>
+                    </a:solidFill>
+                    <a:latin typeface="+mn-lt"/>
+                    <a:ea typeface="+mn-ea"/>
+                    <a:cs typeface="+mn-cs"/>
+                  </a:defRPr>
+                </a:lvl7pPr>
+                <a:lvl8pPr marL="3200400" algn="l" defTabSz="914400" rtl="0" eaLnBrk="1" latinLnBrk="0" hangingPunct="1">
+                  <a:defRPr sz="1800" kern="1200">
+                    <a:solidFill>
+                      <a:schemeClr val="lt1"/>
+                    </a:solidFill>
+                    <a:latin typeface="+mn-lt"/>
+                    <a:ea typeface="+mn-ea"/>
+                    <a:cs typeface="+mn-cs"/>
+                  </a:defRPr>
+                </a:lvl8pPr>
+                <a:lvl9pPr marL="3657600" algn="l" defTabSz="914400" rtl="0" eaLnBrk="1" latinLnBrk="0" hangingPunct="1">
+                  <a:defRPr sz="1800" kern="1200">
+                    <a:solidFill>
+                      <a:schemeClr val="lt1"/>
+                    </a:solidFill>
+                    <a:latin typeface="+mn-lt"/>
+                    <a:ea typeface="+mn-ea"/>
+                    <a:cs typeface="+mn-cs"/>
+                  </a:defRPr>
+                </a:lvl9pPr>
+              </a:lstStyle>
+              <a:p>
+                <a:pPr algn="ctr"/>
+                <a:endParaRPr lang="en-US" dirty="0"/>
+              </a:p>
+            </p:txBody>
+          </p:sp>
+          <p:sp>
+            <p:nvSpPr>
+              <p:cNvPr id="8" name="Round Same Side Corner Rectangle 7"/>
+              <p:cNvSpPr/>
+              <p:nvPr/>
+            </p:nvSpPr>
+            <p:spPr>
+              <a:xfrm>
+                <a:off x="3410742" y="2135026"/>
+                <a:ext cx="2322515" cy="471165"/>
+              </a:xfrm>
+              <a:prstGeom prst="round2SameRect">
+                <a:avLst>
+                  <a:gd name="adj1" fmla="val 50000"/>
+                  <a:gd name="adj2" fmla="val 0"/>
+                </a:avLst>
+              </a:prstGeom>
+              <a:solidFill>
+                <a:schemeClr val="bg1">
+                  <a:lumMod val="85000"/>
+                </a:schemeClr>
+              </a:solidFill>
+              <a:ln>
+                <a:noFill/>
+              </a:ln>
+            </p:spPr>
+            <p:style>
+              <a:lnRef idx="2">
+                <a:schemeClr val="accent1">
+                  <a:shade val="50000"/>
+                </a:schemeClr>
+              </a:lnRef>
+              <a:fillRef idx="1">
+                <a:schemeClr val="accent1"/>
+              </a:fillRef>
+              <a:effectRef idx="0">
+                <a:schemeClr val="accent1"/>
+              </a:effectRef>
+              <a:fontRef idx="minor">
+                <a:schemeClr val="lt1"/>
+              </a:fontRef>
+            </p:style>
+            <p:txBody>
+              <a:bodyPr rtlCol="0" anchor="ctr"/>
+              <a:lstStyle>
+                <a:defPPr>
+                  <a:defRPr lang="en-US"/>
+                </a:defPPr>
+                <a:lvl1pPr marL="0" algn="l" defTabSz="914400" rtl="0" eaLnBrk="1" latinLnBrk="0" hangingPunct="1">
+                  <a:defRPr sz="1800" kern="1200">
+                    <a:solidFill>
+                      <a:schemeClr val="lt1"/>
+                    </a:solidFill>
+                    <a:latin typeface="+mn-lt"/>
+                    <a:ea typeface="+mn-ea"/>
+                    <a:cs typeface="+mn-cs"/>
+                  </a:defRPr>
+                </a:lvl1pPr>
+                <a:lvl2pPr marL="457200" algn="l" defTabSz="914400" rtl="0" eaLnBrk="1" latinLnBrk="0" hangingPunct="1">
+                  <a:defRPr sz="1800" kern="1200">
+                    <a:solidFill>
+                      <a:schemeClr val="lt1"/>
+                    </a:solidFill>
+                    <a:latin typeface="+mn-lt"/>
+                    <a:ea typeface="+mn-ea"/>
+                    <a:cs typeface="+mn-cs"/>
+                  </a:defRPr>
+                </a:lvl2pPr>
+                <a:lvl3pPr marL="914400" algn="l" defTabSz="914400" rtl="0" eaLnBrk="1" latinLnBrk="0" hangingPunct="1">
+                  <a:defRPr sz="1800" kern="1200">
+                    <a:solidFill>
+                      <a:schemeClr val="lt1"/>
+                    </a:solidFill>
+                    <a:latin typeface="+mn-lt"/>
+                    <a:ea typeface="+mn-ea"/>
+                    <a:cs typeface="+mn-cs"/>
+                  </a:defRPr>
+                </a:lvl3pPr>
+                <a:lvl4pPr marL="1371600" algn="l" defTabSz="914400" rtl="0" eaLnBrk="1" latinLnBrk="0" hangingPunct="1">
+                  <a:defRPr sz="1800" kern="1200">
+                    <a:solidFill>
+                      <a:schemeClr val="lt1"/>
+                    </a:solidFill>
+                    <a:latin typeface="+mn-lt"/>
+                    <a:ea typeface="+mn-ea"/>
+                    <a:cs typeface="+mn-cs"/>
+                  </a:defRPr>
+                </a:lvl4pPr>
+                <a:lvl5pPr marL="1828800" algn="l" defTabSz="914400" rtl="0" eaLnBrk="1" latinLnBrk="0" hangingPunct="1">
+                  <a:defRPr sz="1800" kern="1200">
+                    <a:solidFill>
+                      <a:schemeClr val="lt1"/>
+                    </a:solidFill>
+                    <a:latin typeface="+mn-lt"/>
+                    <a:ea typeface="+mn-ea"/>
+                    <a:cs typeface="+mn-cs"/>
+                  </a:defRPr>
+                </a:lvl5pPr>
+                <a:lvl6pPr marL="2286000" algn="l" defTabSz="914400" rtl="0" eaLnBrk="1" latinLnBrk="0" hangingPunct="1">
+                  <a:defRPr sz="1800" kern="1200">
+                    <a:solidFill>
+                      <a:schemeClr val="lt1"/>
+                    </a:solidFill>
+                    <a:latin typeface="+mn-lt"/>
+                    <a:ea typeface="+mn-ea"/>
+                    <a:cs typeface="+mn-cs"/>
+                  </a:defRPr>
+                </a:lvl6pPr>
+                <a:lvl7pPr marL="2743200" algn="l" defTabSz="914400" rtl="0" eaLnBrk="1" latinLnBrk="0" hangingPunct="1">
+                  <a:defRPr sz="1800" kern="1200">
+                    <a:solidFill>
+                      <a:schemeClr val="lt1"/>
+                    </a:solidFill>
+                    <a:latin typeface="+mn-lt"/>
+                    <a:ea typeface="+mn-ea"/>
+                    <a:cs typeface="+mn-cs"/>
+                  </a:defRPr>
+                </a:lvl7pPr>
+                <a:lvl8pPr marL="3200400" algn="l" defTabSz="914400" rtl="0" eaLnBrk="1" latinLnBrk="0" hangingPunct="1">
+                  <a:defRPr sz="1800" kern="1200">
+                    <a:solidFill>
+                      <a:schemeClr val="lt1"/>
+                    </a:solidFill>
+                    <a:latin typeface="+mn-lt"/>
+                    <a:ea typeface="+mn-ea"/>
+                    <a:cs typeface="+mn-cs"/>
+                  </a:defRPr>
+                </a:lvl8pPr>
+                <a:lvl9pPr marL="3657600" algn="l" defTabSz="914400" rtl="0" eaLnBrk="1" latinLnBrk="0" hangingPunct="1">
+                  <a:defRPr sz="1800" kern="1200">
+                    <a:solidFill>
+                      <a:schemeClr val="lt1"/>
+                    </a:solidFill>
+                    <a:latin typeface="+mn-lt"/>
+                    <a:ea typeface="+mn-ea"/>
+                    <a:cs typeface="+mn-cs"/>
+                  </a:defRPr>
+                </a:lvl9pPr>
+              </a:lstStyle>
+              <a:p>
+                <a:pPr algn="ctr"/>
+                <a:endParaRPr lang="en-US"/>
+              </a:p>
+            </p:txBody>
+          </p:sp>
+          <p:grpSp>
+            <p:nvGrpSpPr>
+              <p:cNvPr id="9" name="Group 8"/>
+              <p:cNvGrpSpPr>
+                <a:grpSpLocks noChangeAspect="1"/>
+              </p:cNvGrpSpPr>
+              <p:nvPr/>
+            </p:nvGrpSpPr>
+            <p:grpSpPr>
+              <a:xfrm>
+                <a:off x="3628479" y="2287142"/>
+                <a:ext cx="834654" cy="166931"/>
+                <a:chOff x="2590800" y="5791200"/>
+                <a:chExt cx="381000" cy="76200"/>
+              </a:xfrm>
+            </p:grpSpPr>
+            <p:sp>
+              <p:nvSpPr>
+                <p:cNvPr id="25" name="Oval 24"/>
+                <p:cNvSpPr/>
+                <p:nvPr/>
+              </p:nvSpPr>
+              <p:spPr>
+                <a:xfrm>
+                  <a:off x="2590800" y="5791200"/>
+                  <a:ext cx="76200" cy="76200"/>
+                </a:xfrm>
+                <a:prstGeom prst="ellipse">
+                  <a:avLst/>
+                </a:prstGeom>
+                <a:solidFill>
+                  <a:srgbClr val="EB5A5A"/>
+                </a:solidFill>
+                <a:ln>
+                  <a:noFill/>
+                </a:ln>
+              </p:spPr>
+              <p:style>
+                <a:lnRef idx="2">
+                  <a:schemeClr val="accent1">
+                    <a:shade val="50000"/>
+                  </a:schemeClr>
+                </a:lnRef>
+                <a:fillRef idx="1">
+                  <a:schemeClr val="accent1"/>
+                </a:fillRef>
+                <a:effectRef idx="0">
+                  <a:schemeClr val="accent1"/>
+                </a:effectRef>
+                <a:fontRef idx="minor">
+                  <a:schemeClr val="lt1"/>
+                </a:fontRef>
+              </p:style>
+              <p:txBody>
+                <a:bodyPr rtlCol="0" anchor="ctr"/>
+                <a:lstStyle>
+                  <a:defPPr>
+                    <a:defRPr lang="en-US"/>
+                  </a:defPPr>
+                  <a:lvl1pPr marL="0" algn="l" defTabSz="914400" rtl="0" eaLnBrk="1" latinLnBrk="0" hangingPunct="1">
+                    <a:defRPr sz="1800" kern="1200">
+                      <a:solidFill>
+                        <a:schemeClr val="lt1"/>
+                      </a:solidFill>
+                      <a:latin typeface="+mn-lt"/>
+                      <a:ea typeface="+mn-ea"/>
+                      <a:cs typeface="+mn-cs"/>
+                    </a:defRPr>
+                  </a:lvl1pPr>
+                  <a:lvl2pPr marL="457200" algn="l" defTabSz="914400" rtl="0" eaLnBrk="1" latinLnBrk="0" hangingPunct="1">
+                    <a:defRPr sz="1800" kern="1200">
+                      <a:solidFill>
+                        <a:schemeClr val="lt1"/>
+                      </a:solidFill>
+                      <a:latin typeface="+mn-lt"/>
+                      <a:ea typeface="+mn-ea"/>
+                      <a:cs typeface="+mn-cs"/>
+                    </a:defRPr>
+                  </a:lvl2pPr>
+                  <a:lvl3pPr marL="914400" algn="l" defTabSz="914400" rtl="0" eaLnBrk="1" latinLnBrk="0" hangingPunct="1">
+                    <a:defRPr sz="1800" kern="1200">
+                      <a:solidFill>
+                        <a:schemeClr val="lt1"/>
+                      </a:solidFill>
+                      <a:latin typeface="+mn-lt"/>
+                      <a:ea typeface="+mn-ea"/>
+                      <a:cs typeface="+mn-cs"/>
+                    </a:defRPr>
+                  </a:lvl3pPr>
+                  <a:lvl4pPr marL="1371600" algn="l" defTabSz="914400" rtl="0" eaLnBrk="1" latinLnBrk="0" hangingPunct="1">
+                    <a:defRPr sz="1800" kern="1200">
+                      <a:solidFill>
+                        <a:schemeClr val="lt1"/>
+                      </a:solidFill>
+                      <a:latin typeface="+mn-lt"/>
+                      <a:ea typeface="+mn-ea"/>
+                      <a:cs typeface="+mn-cs"/>
+                    </a:defRPr>
+                  </a:lvl4pPr>
+                  <a:lvl5pPr marL="1828800" algn="l" defTabSz="914400" rtl="0" eaLnBrk="1" latinLnBrk="0" hangingPunct="1">
+                    <a:defRPr sz="1800" kern="1200">
+                      <a:solidFill>
+                        <a:schemeClr val="lt1"/>
+                      </a:solidFill>
+                      <a:latin typeface="+mn-lt"/>
+                      <a:ea typeface="+mn-ea"/>
+                      <a:cs typeface="+mn-cs"/>
+                    </a:defRPr>
+                  </a:lvl5pPr>
+                  <a:lvl6pPr marL="2286000" algn="l" defTabSz="914400" rtl="0" eaLnBrk="1" latinLnBrk="0" hangingPunct="1">
+                    <a:defRPr sz="1800" kern="1200">
+                      <a:solidFill>
+                        <a:schemeClr val="lt1"/>
+                      </a:solidFill>
+                      <a:latin typeface="+mn-lt"/>
+                      <a:ea typeface="+mn-ea"/>
+                      <a:cs typeface="+mn-cs"/>
+                    </a:defRPr>
+                  </a:lvl6pPr>
+                  <a:lvl7pPr marL="2743200" algn="l" defTabSz="914400" rtl="0" eaLnBrk="1" latinLnBrk="0" hangingPunct="1">
+                    <a:defRPr sz="1800" kern="1200">
+                      <a:solidFill>
+                        <a:schemeClr val="lt1"/>
+                      </a:solidFill>
+                      <a:latin typeface="+mn-lt"/>
+                      <a:ea typeface="+mn-ea"/>
+                      <a:cs typeface="+mn-cs"/>
+                    </a:defRPr>
+                  </a:lvl7pPr>
+                  <a:lvl8pPr marL="3200400" algn="l" defTabSz="914400" rtl="0" eaLnBrk="1" latinLnBrk="0" hangingPunct="1">
+                    <a:defRPr sz="1800" kern="1200">
+                      <a:solidFill>
+                        <a:schemeClr val="lt1"/>
+                      </a:solidFill>
+                      <a:latin typeface="+mn-lt"/>
+                      <a:ea typeface="+mn-ea"/>
+                      <a:cs typeface="+mn-cs"/>
+                    </a:defRPr>
+                  </a:lvl8pPr>
+                  <a:lvl9pPr marL="3657600" algn="l" defTabSz="914400" rtl="0" eaLnBrk="1" latinLnBrk="0" hangingPunct="1">
+                    <a:defRPr sz="1800" kern="1200">
+                      <a:solidFill>
+                        <a:schemeClr val="lt1"/>
+                      </a:solidFill>
+                      <a:latin typeface="+mn-lt"/>
+                      <a:ea typeface="+mn-ea"/>
+                      <a:cs typeface="+mn-cs"/>
+                    </a:defRPr>
+                  </a:lvl9pPr>
+                </a:lstStyle>
+                <a:p>
+                  <a:pPr algn="ctr"/>
+                  <a:endParaRPr lang="en-US"/>
+                </a:p>
+              </p:txBody>
+            </p:sp>
+            <p:sp>
+              <p:nvSpPr>
+                <p:cNvPr id="26" name="Oval 25"/>
+                <p:cNvSpPr/>
+                <p:nvPr/>
+              </p:nvSpPr>
+              <p:spPr>
+                <a:xfrm>
+                  <a:off x="2743200" y="5791200"/>
+                  <a:ext cx="76200" cy="76200"/>
+                </a:xfrm>
+                <a:prstGeom prst="ellipse">
+                  <a:avLst/>
+                </a:prstGeom>
+                <a:solidFill>
+                  <a:srgbClr val="E6B450"/>
+                </a:solidFill>
+                <a:ln>
+                  <a:noFill/>
+                </a:ln>
+              </p:spPr>
+              <p:style>
+                <a:lnRef idx="2">
+                  <a:schemeClr val="accent1">
+                    <a:shade val="50000"/>
+                  </a:schemeClr>
+                </a:lnRef>
+                <a:fillRef idx="1">
+                  <a:schemeClr val="accent1"/>
+                </a:fillRef>
+                <a:effectRef idx="0">
+                  <a:schemeClr val="accent1"/>
+                </a:effectRef>
+                <a:fontRef idx="minor">
+                  <a:schemeClr val="lt1"/>
+                </a:fontRef>
+              </p:style>
+              <p:txBody>
+                <a:bodyPr rtlCol="0" anchor="ctr"/>
+                <a:lstStyle>
+                  <a:defPPr>
+                    <a:defRPr lang="en-US"/>
+                  </a:defPPr>
+                  <a:lvl1pPr marL="0" algn="l" defTabSz="914400" rtl="0" eaLnBrk="1" latinLnBrk="0" hangingPunct="1">
+                    <a:defRPr sz="1800" kern="1200">
+                      <a:solidFill>
+                        <a:schemeClr val="lt1"/>
+                      </a:solidFill>
+                      <a:latin typeface="+mn-lt"/>
+                      <a:ea typeface="+mn-ea"/>
+                      <a:cs typeface="+mn-cs"/>
+                    </a:defRPr>
+                  </a:lvl1pPr>
+                  <a:lvl2pPr marL="457200" algn="l" defTabSz="914400" rtl="0" eaLnBrk="1" latinLnBrk="0" hangingPunct="1">
+                    <a:defRPr sz="1800" kern="1200">
+                      <a:solidFill>
+                        <a:schemeClr val="lt1"/>
+                      </a:solidFill>
+                      <a:latin typeface="+mn-lt"/>
+                      <a:ea typeface="+mn-ea"/>
+                      <a:cs typeface="+mn-cs"/>
+                    </a:defRPr>
+                  </a:lvl2pPr>
+                  <a:lvl3pPr marL="914400" algn="l" defTabSz="914400" rtl="0" eaLnBrk="1" latinLnBrk="0" hangingPunct="1">
+                    <a:defRPr sz="1800" kern="1200">
+                      <a:solidFill>
+                        <a:schemeClr val="lt1"/>
+                      </a:solidFill>
+                      <a:latin typeface="+mn-lt"/>
+                      <a:ea typeface="+mn-ea"/>
+                      <a:cs typeface="+mn-cs"/>
+                    </a:defRPr>
+                  </a:lvl3pPr>
+                  <a:lvl4pPr marL="1371600" algn="l" defTabSz="914400" rtl="0" eaLnBrk="1" latinLnBrk="0" hangingPunct="1">
+                    <a:defRPr sz="1800" kern="1200">
+                      <a:solidFill>
+                        <a:schemeClr val="lt1"/>
+                      </a:solidFill>
+                      <a:latin typeface="+mn-lt"/>
+                      <a:ea typeface="+mn-ea"/>
+                      <a:cs typeface="+mn-cs"/>
+                    </a:defRPr>
+                  </a:lvl4pPr>
+                  <a:lvl5pPr marL="1828800" algn="l" defTabSz="914400" rtl="0" eaLnBrk="1" latinLnBrk="0" hangingPunct="1">
+                    <a:defRPr sz="1800" kern="1200">
+                      <a:solidFill>
+                        <a:schemeClr val="lt1"/>
+                      </a:solidFill>
+                      <a:latin typeface="+mn-lt"/>
+                      <a:ea typeface="+mn-ea"/>
+                      <a:cs typeface="+mn-cs"/>
+                    </a:defRPr>
+                  </a:lvl5pPr>
+                  <a:lvl6pPr marL="2286000" algn="l" defTabSz="914400" rtl="0" eaLnBrk="1" latinLnBrk="0" hangingPunct="1">
+                    <a:defRPr sz="1800" kern="1200">
+                      <a:solidFill>
+                        <a:schemeClr val="lt1"/>
+                      </a:solidFill>
+                      <a:latin typeface="+mn-lt"/>
+                      <a:ea typeface="+mn-ea"/>
+                      <a:cs typeface="+mn-cs"/>
+                    </a:defRPr>
+                  </a:lvl6pPr>
+                  <a:lvl7pPr marL="2743200" algn="l" defTabSz="914400" rtl="0" eaLnBrk="1" latinLnBrk="0" hangingPunct="1">
+                    <a:defRPr sz="1800" kern="1200">
+                      <a:solidFill>
+                        <a:schemeClr val="lt1"/>
+                      </a:solidFill>
+                      <a:latin typeface="+mn-lt"/>
+                      <a:ea typeface="+mn-ea"/>
+                      <a:cs typeface="+mn-cs"/>
+                    </a:defRPr>
+                  </a:lvl7pPr>
+                  <a:lvl8pPr marL="3200400" algn="l" defTabSz="914400" rtl="0" eaLnBrk="1" latinLnBrk="0" hangingPunct="1">
+                    <a:defRPr sz="1800" kern="1200">
+                      <a:solidFill>
+                        <a:schemeClr val="lt1"/>
+                      </a:solidFill>
+                      <a:latin typeface="+mn-lt"/>
+                      <a:ea typeface="+mn-ea"/>
+                      <a:cs typeface="+mn-cs"/>
+                    </a:defRPr>
+                  </a:lvl8pPr>
+                  <a:lvl9pPr marL="3657600" algn="l" defTabSz="914400" rtl="0" eaLnBrk="1" latinLnBrk="0" hangingPunct="1">
+                    <a:defRPr sz="1800" kern="1200">
+                      <a:solidFill>
+                        <a:schemeClr val="lt1"/>
+                      </a:solidFill>
+                      <a:latin typeface="+mn-lt"/>
+                      <a:ea typeface="+mn-ea"/>
+                      <a:cs typeface="+mn-cs"/>
+                    </a:defRPr>
+                  </a:lvl9pPr>
+                </a:lstStyle>
+                <a:p>
+                  <a:pPr algn="ctr"/>
+                  <a:endParaRPr lang="en-US"/>
+                </a:p>
+              </p:txBody>
+            </p:sp>
+            <p:sp>
+              <p:nvSpPr>
+                <p:cNvPr id="27" name="Oval 26"/>
+                <p:cNvSpPr/>
+                <p:nvPr/>
+              </p:nvSpPr>
+              <p:spPr>
+                <a:xfrm>
+                  <a:off x="2895600" y="5791200"/>
+                  <a:ext cx="76200" cy="76200"/>
+                </a:xfrm>
+                <a:prstGeom prst="ellipse">
+                  <a:avLst/>
+                </a:prstGeom>
+                <a:solidFill>
+                  <a:srgbClr val="78B946"/>
+                </a:solidFill>
+                <a:ln>
+                  <a:noFill/>
+                </a:ln>
+              </p:spPr>
+              <p:style>
+                <a:lnRef idx="2">
+                  <a:schemeClr val="accent1">
+                    <a:shade val="50000"/>
+                  </a:schemeClr>
+                </a:lnRef>
+                <a:fillRef idx="1">
+                  <a:schemeClr val="accent1"/>
+                </a:fillRef>
+                <a:effectRef idx="0">
+                  <a:schemeClr val="accent1"/>
+                </a:effectRef>
+                <a:fontRef idx="minor">
+                  <a:schemeClr val="lt1"/>
+                </a:fontRef>
+              </p:style>
+              <p:txBody>
+                <a:bodyPr rtlCol="0" anchor="ctr"/>
+                <a:lstStyle>
+                  <a:defPPr>
+                    <a:defRPr lang="en-US"/>
+                  </a:defPPr>
+                  <a:lvl1pPr marL="0" algn="l" defTabSz="914400" rtl="0" eaLnBrk="1" latinLnBrk="0" hangingPunct="1">
+                    <a:defRPr sz="1800" kern="1200">
+                      <a:solidFill>
+                        <a:schemeClr val="lt1"/>
+                      </a:solidFill>
+                      <a:latin typeface="+mn-lt"/>
+                      <a:ea typeface="+mn-ea"/>
+                      <a:cs typeface="+mn-cs"/>
+                    </a:defRPr>
+                  </a:lvl1pPr>
+                  <a:lvl2pPr marL="457200" algn="l" defTabSz="914400" rtl="0" eaLnBrk="1" latinLnBrk="0" hangingPunct="1">
+                    <a:defRPr sz="1800" kern="1200">
+                      <a:solidFill>
+                        <a:schemeClr val="lt1"/>
+                      </a:solidFill>
+                      <a:latin typeface="+mn-lt"/>
+                      <a:ea typeface="+mn-ea"/>
+                      <a:cs typeface="+mn-cs"/>
+                    </a:defRPr>
+                  </a:lvl2pPr>
+                  <a:lvl3pPr marL="914400" algn="l" defTabSz="914400" rtl="0" eaLnBrk="1" latinLnBrk="0" hangingPunct="1">
+                    <a:defRPr sz="1800" kern="1200">
+                      <a:solidFill>
+                        <a:schemeClr val="lt1"/>
+                      </a:solidFill>
+                      <a:latin typeface="+mn-lt"/>
+                      <a:ea typeface="+mn-ea"/>
+                      <a:cs typeface="+mn-cs"/>
+                    </a:defRPr>
+                  </a:lvl3pPr>
+                  <a:lvl4pPr marL="1371600" algn="l" defTabSz="914400" rtl="0" eaLnBrk="1" latinLnBrk="0" hangingPunct="1">
+                    <a:defRPr sz="1800" kern="1200">
+                      <a:solidFill>
+                        <a:schemeClr val="lt1"/>
+                      </a:solidFill>
+                      <a:latin typeface="+mn-lt"/>
+                      <a:ea typeface="+mn-ea"/>
+                      <a:cs typeface="+mn-cs"/>
+                    </a:defRPr>
+                  </a:lvl4pPr>
+                  <a:lvl5pPr marL="1828800" algn="l" defTabSz="914400" rtl="0" eaLnBrk="1" latinLnBrk="0" hangingPunct="1">
+                    <a:defRPr sz="1800" kern="1200">
+                      <a:solidFill>
+                        <a:schemeClr val="lt1"/>
+                      </a:solidFill>
+                      <a:latin typeface="+mn-lt"/>
+                      <a:ea typeface="+mn-ea"/>
+                      <a:cs typeface="+mn-cs"/>
+                    </a:defRPr>
+                  </a:lvl5pPr>
+                  <a:lvl6pPr marL="2286000" algn="l" defTabSz="914400" rtl="0" eaLnBrk="1" latinLnBrk="0" hangingPunct="1">
+                    <a:defRPr sz="1800" kern="1200">
+                      <a:solidFill>
+                        <a:schemeClr val="lt1"/>
+                      </a:solidFill>
+                      <a:latin typeface="+mn-lt"/>
+                      <a:ea typeface="+mn-ea"/>
+                      <a:cs typeface="+mn-cs"/>
+                    </a:defRPr>
+                  </a:lvl6pPr>
+                  <a:lvl7pPr marL="2743200" algn="l" defTabSz="914400" rtl="0" eaLnBrk="1" latinLnBrk="0" hangingPunct="1">
+                    <a:defRPr sz="1800" kern="1200">
+                      <a:solidFill>
+                        <a:schemeClr val="lt1"/>
+                      </a:solidFill>
+                      <a:latin typeface="+mn-lt"/>
+                      <a:ea typeface="+mn-ea"/>
+                      <a:cs typeface="+mn-cs"/>
+                    </a:defRPr>
+                  </a:lvl7pPr>
+                  <a:lvl8pPr marL="3200400" algn="l" defTabSz="914400" rtl="0" eaLnBrk="1" latinLnBrk="0" hangingPunct="1">
+                    <a:defRPr sz="1800" kern="1200">
+                      <a:solidFill>
+                        <a:schemeClr val="lt1"/>
+                      </a:solidFill>
+                      <a:latin typeface="+mn-lt"/>
+                      <a:ea typeface="+mn-ea"/>
+                      <a:cs typeface="+mn-cs"/>
+                    </a:defRPr>
+                  </a:lvl8pPr>
+                  <a:lvl9pPr marL="3657600" algn="l" defTabSz="914400" rtl="0" eaLnBrk="1" latinLnBrk="0" hangingPunct="1">
+                    <a:defRPr sz="1800" kern="1200">
+                      <a:solidFill>
+                        <a:schemeClr val="lt1"/>
+                      </a:solidFill>
+                      <a:latin typeface="+mn-lt"/>
+                      <a:ea typeface="+mn-ea"/>
+                      <a:cs typeface="+mn-cs"/>
+                    </a:defRPr>
+                  </a:lvl9pPr>
+                </a:lstStyle>
+                <a:p>
+                  <a:pPr algn="ctr"/>
+                  <a:endParaRPr lang="en-US"/>
+                </a:p>
+              </p:txBody>
+            </p:sp>
+          </p:grpSp>
+          <p:grpSp>
+            <p:nvGrpSpPr>
+              <p:cNvPr id="102" name="Group 101"/>
+              <p:cNvGrpSpPr/>
+              <p:nvPr/>
+            </p:nvGrpSpPr>
+            <p:grpSpPr>
+              <a:xfrm>
+                <a:off x="3664756" y="3405454"/>
+                <a:ext cx="1802589" cy="457738"/>
+                <a:chOff x="3664756" y="3387649"/>
+                <a:chExt cx="1802589" cy="491135"/>
+              </a:xfrm>
+            </p:grpSpPr>
+            <p:sp>
+              <p:nvSpPr>
+                <p:cNvPr id="56" name="Rectangle 55"/>
+                <p:cNvSpPr/>
+                <p:nvPr/>
+              </p:nvSpPr>
+              <p:spPr>
+                <a:xfrm>
+                  <a:off x="4571593" y="3387651"/>
+                  <a:ext cx="895752" cy="491133"/>
+                </a:xfrm>
+                <a:prstGeom prst="rect">
+                  <a:avLst/>
+                </a:prstGeom>
+                <a:solidFill>
+                  <a:schemeClr val="bg1"/>
+                </a:solidFill>
+                <a:ln>
+                  <a:noFill/>
+                </a:ln>
+              </p:spPr>
+              <p:style>
+                <a:lnRef idx="2">
+                  <a:schemeClr val="accent1">
+                    <a:shade val="50000"/>
+                  </a:schemeClr>
+                </a:lnRef>
+                <a:fillRef idx="1">
+                  <a:schemeClr val="accent1"/>
+                </a:fillRef>
+                <a:effectRef idx="0">
+                  <a:schemeClr val="accent1"/>
+                </a:effectRef>
+                <a:fontRef idx="minor">
+                  <a:schemeClr val="lt1"/>
+                </a:fontRef>
+              </p:style>
+              <p:txBody>
+                <a:bodyPr rtlCol="0" anchor="ctr"/>
+                <a:lstStyle>
+                  <a:defPPr>
+                    <a:defRPr lang="en-US"/>
+                  </a:defPPr>
+                  <a:lvl1pPr marL="0" algn="l" defTabSz="914400" rtl="0" eaLnBrk="1" latinLnBrk="0" hangingPunct="1">
+                    <a:defRPr sz="1800" kern="1200">
+                      <a:solidFill>
+                        <a:schemeClr val="lt1"/>
+                      </a:solidFill>
+                      <a:latin typeface="+mn-lt"/>
+                      <a:ea typeface="+mn-ea"/>
+                      <a:cs typeface="+mn-cs"/>
+                    </a:defRPr>
+                  </a:lvl1pPr>
+                  <a:lvl2pPr marL="457200" algn="l" defTabSz="914400" rtl="0" eaLnBrk="1" latinLnBrk="0" hangingPunct="1">
+                    <a:defRPr sz="1800" kern="1200">
+                      <a:solidFill>
+                        <a:schemeClr val="lt1"/>
+                      </a:solidFill>
+                      <a:latin typeface="+mn-lt"/>
+                      <a:ea typeface="+mn-ea"/>
+                      <a:cs typeface="+mn-cs"/>
+                    </a:defRPr>
+                  </a:lvl2pPr>
+                  <a:lvl3pPr marL="914400" algn="l" defTabSz="914400" rtl="0" eaLnBrk="1" latinLnBrk="0" hangingPunct="1">
+                    <a:defRPr sz="1800" kern="1200">
+                      <a:solidFill>
+                        <a:schemeClr val="lt1"/>
+                      </a:solidFill>
+                      <a:latin typeface="+mn-lt"/>
+                      <a:ea typeface="+mn-ea"/>
+                      <a:cs typeface="+mn-cs"/>
+                    </a:defRPr>
+                  </a:lvl3pPr>
+                  <a:lvl4pPr marL="1371600" algn="l" defTabSz="914400" rtl="0" eaLnBrk="1" latinLnBrk="0" hangingPunct="1">
+                    <a:defRPr sz="1800" kern="1200">
+                      <a:solidFill>
+                        <a:schemeClr val="lt1"/>
+                      </a:solidFill>
+                      <a:latin typeface="+mn-lt"/>
+                      <a:ea typeface="+mn-ea"/>
+                      <a:cs typeface="+mn-cs"/>
+                    </a:defRPr>
+                  </a:lvl4pPr>
+                  <a:lvl5pPr marL="1828800" algn="l" defTabSz="914400" rtl="0" eaLnBrk="1" latinLnBrk="0" hangingPunct="1">
+                    <a:defRPr sz="1800" kern="1200">
+                      <a:solidFill>
+                        <a:schemeClr val="lt1"/>
+                      </a:solidFill>
+                      <a:latin typeface="+mn-lt"/>
+                      <a:ea typeface="+mn-ea"/>
+                      <a:cs typeface="+mn-cs"/>
+                    </a:defRPr>
+                  </a:lvl5pPr>
+                  <a:lvl6pPr marL="2286000" algn="l" defTabSz="914400" rtl="0" eaLnBrk="1" latinLnBrk="0" hangingPunct="1">
+                    <a:defRPr sz="1800" kern="1200">
+                      <a:solidFill>
+                        <a:schemeClr val="lt1"/>
+                      </a:solidFill>
+                      <a:latin typeface="+mn-lt"/>
+                      <a:ea typeface="+mn-ea"/>
+                      <a:cs typeface="+mn-cs"/>
+                    </a:defRPr>
+                  </a:lvl6pPr>
+                  <a:lvl7pPr marL="2743200" algn="l" defTabSz="914400" rtl="0" eaLnBrk="1" latinLnBrk="0" hangingPunct="1">
+                    <a:defRPr sz="1800" kern="1200">
+                      <a:solidFill>
+                        <a:schemeClr val="lt1"/>
+                      </a:solidFill>
+                      <a:latin typeface="+mn-lt"/>
+                      <a:ea typeface="+mn-ea"/>
+                      <a:cs typeface="+mn-cs"/>
+                    </a:defRPr>
+                  </a:lvl7pPr>
+                  <a:lvl8pPr marL="3200400" algn="l" defTabSz="914400" rtl="0" eaLnBrk="1" latinLnBrk="0" hangingPunct="1">
+                    <a:defRPr sz="1800" kern="1200">
+                      <a:solidFill>
+                        <a:schemeClr val="lt1"/>
+                      </a:solidFill>
+                      <a:latin typeface="+mn-lt"/>
+                      <a:ea typeface="+mn-ea"/>
+                      <a:cs typeface="+mn-cs"/>
+                    </a:defRPr>
+                  </a:lvl8pPr>
+                  <a:lvl9pPr marL="3657600" algn="l" defTabSz="914400" rtl="0" eaLnBrk="1" latinLnBrk="0" hangingPunct="1">
+                    <a:defRPr sz="1800" kern="1200">
+                      <a:solidFill>
+                        <a:schemeClr val="lt1"/>
+                      </a:solidFill>
+                      <a:latin typeface="+mn-lt"/>
+                      <a:ea typeface="+mn-ea"/>
+                      <a:cs typeface="+mn-cs"/>
+                    </a:defRPr>
+                  </a:lvl9pPr>
+                </a:lstStyle>
+                <a:p>
+                  <a:pPr algn="ctr"/>
+                  <a:endParaRPr lang="en-US"/>
+                </a:p>
+              </p:txBody>
+            </p:sp>
+            <p:sp>
+              <p:nvSpPr>
+                <p:cNvPr id="11" name="Rectangle 10"/>
+                <p:cNvSpPr/>
+                <p:nvPr/>
+              </p:nvSpPr>
+              <p:spPr>
+                <a:xfrm>
+                  <a:off x="3664756" y="3387649"/>
+                  <a:ext cx="907243" cy="491133"/>
+                </a:xfrm>
+                <a:prstGeom prst="rect">
+                  <a:avLst/>
+                </a:prstGeom>
+                <a:solidFill>
+                  <a:schemeClr val="bg1">
+                    <a:lumMod val="65000"/>
+                  </a:schemeClr>
+                </a:solidFill>
+                <a:ln>
+                  <a:noFill/>
+                </a:ln>
+              </p:spPr>
+              <p:style>
+                <a:lnRef idx="2">
+                  <a:schemeClr val="accent1">
+                    <a:shade val="50000"/>
+                  </a:schemeClr>
+                </a:lnRef>
+                <a:fillRef idx="1">
+                  <a:schemeClr val="accent1"/>
+                </a:fillRef>
+                <a:effectRef idx="0">
+                  <a:schemeClr val="accent1"/>
+                </a:effectRef>
+                <a:fontRef idx="minor">
+                  <a:schemeClr val="lt1"/>
+                </a:fontRef>
+              </p:style>
+              <p:txBody>
+                <a:bodyPr rtlCol="0" anchor="ctr"/>
+                <a:lstStyle>
+                  <a:defPPr>
+                    <a:defRPr lang="en-US"/>
+                  </a:defPPr>
+                  <a:lvl1pPr marL="0" algn="l" defTabSz="914400" rtl="0" eaLnBrk="1" latinLnBrk="0" hangingPunct="1">
+                    <a:defRPr sz="1800" kern="1200">
+                      <a:solidFill>
+                        <a:schemeClr val="lt1"/>
+                      </a:solidFill>
+                      <a:latin typeface="+mn-lt"/>
+                      <a:ea typeface="+mn-ea"/>
+                      <a:cs typeface="+mn-cs"/>
+                    </a:defRPr>
+                  </a:lvl1pPr>
+                  <a:lvl2pPr marL="457200" algn="l" defTabSz="914400" rtl="0" eaLnBrk="1" latinLnBrk="0" hangingPunct="1">
+                    <a:defRPr sz="1800" kern="1200">
+                      <a:solidFill>
+                        <a:schemeClr val="lt1"/>
+                      </a:solidFill>
+                      <a:latin typeface="+mn-lt"/>
+                      <a:ea typeface="+mn-ea"/>
+                      <a:cs typeface="+mn-cs"/>
+                    </a:defRPr>
+                  </a:lvl2pPr>
+                  <a:lvl3pPr marL="914400" algn="l" defTabSz="914400" rtl="0" eaLnBrk="1" latinLnBrk="0" hangingPunct="1">
+                    <a:defRPr sz="1800" kern="1200">
+                      <a:solidFill>
+                        <a:schemeClr val="lt1"/>
+                      </a:solidFill>
+                      <a:latin typeface="+mn-lt"/>
+                      <a:ea typeface="+mn-ea"/>
+                      <a:cs typeface="+mn-cs"/>
+                    </a:defRPr>
+                  </a:lvl3pPr>
+                  <a:lvl4pPr marL="1371600" algn="l" defTabSz="914400" rtl="0" eaLnBrk="1" latinLnBrk="0" hangingPunct="1">
+                    <a:defRPr sz="1800" kern="1200">
+                      <a:solidFill>
+                        <a:schemeClr val="lt1"/>
+                      </a:solidFill>
+                      <a:latin typeface="+mn-lt"/>
+                      <a:ea typeface="+mn-ea"/>
+                      <a:cs typeface="+mn-cs"/>
+                    </a:defRPr>
+                  </a:lvl4pPr>
+                  <a:lvl5pPr marL="1828800" algn="l" defTabSz="914400" rtl="0" eaLnBrk="1" latinLnBrk="0" hangingPunct="1">
+                    <a:defRPr sz="1800" kern="1200">
+                      <a:solidFill>
+                        <a:schemeClr val="lt1"/>
+                      </a:solidFill>
+                      <a:latin typeface="+mn-lt"/>
+                      <a:ea typeface="+mn-ea"/>
+                      <a:cs typeface="+mn-cs"/>
+                    </a:defRPr>
+                  </a:lvl5pPr>
+                  <a:lvl6pPr marL="2286000" algn="l" defTabSz="914400" rtl="0" eaLnBrk="1" latinLnBrk="0" hangingPunct="1">
+                    <a:defRPr sz="1800" kern="1200">
+                      <a:solidFill>
+                        <a:schemeClr val="lt1"/>
+                      </a:solidFill>
+                      <a:latin typeface="+mn-lt"/>
+                      <a:ea typeface="+mn-ea"/>
+                      <a:cs typeface="+mn-cs"/>
+                    </a:defRPr>
+                  </a:lvl6pPr>
+                  <a:lvl7pPr marL="2743200" algn="l" defTabSz="914400" rtl="0" eaLnBrk="1" latinLnBrk="0" hangingPunct="1">
+                    <a:defRPr sz="1800" kern="1200">
+                      <a:solidFill>
+                        <a:schemeClr val="lt1"/>
+                      </a:solidFill>
+                      <a:latin typeface="+mn-lt"/>
+                      <a:ea typeface="+mn-ea"/>
+                      <a:cs typeface="+mn-cs"/>
+                    </a:defRPr>
+                  </a:lvl7pPr>
+                  <a:lvl8pPr marL="3200400" algn="l" defTabSz="914400" rtl="0" eaLnBrk="1" latinLnBrk="0" hangingPunct="1">
+                    <a:defRPr sz="1800" kern="1200">
+                      <a:solidFill>
+                        <a:schemeClr val="lt1"/>
+                      </a:solidFill>
+                      <a:latin typeface="+mn-lt"/>
+                      <a:ea typeface="+mn-ea"/>
+                      <a:cs typeface="+mn-cs"/>
+                    </a:defRPr>
+                  </a:lvl8pPr>
+                  <a:lvl9pPr marL="3657600" algn="l" defTabSz="914400" rtl="0" eaLnBrk="1" latinLnBrk="0" hangingPunct="1">
+                    <a:defRPr sz="1800" kern="1200">
+                      <a:solidFill>
+                        <a:schemeClr val="lt1"/>
+                      </a:solidFill>
+                      <a:latin typeface="+mn-lt"/>
+                      <a:ea typeface="+mn-ea"/>
+                      <a:cs typeface="+mn-cs"/>
+                    </a:defRPr>
+                  </a:lvl9pPr>
+                </a:lstStyle>
+                <a:p>
+                  <a:pPr algn="ctr"/>
+                  <a:endParaRPr lang="en-US"/>
+                </a:p>
+              </p:txBody>
+            </p:sp>
+          </p:grpSp>
+          <p:grpSp>
+            <p:nvGrpSpPr>
+              <p:cNvPr id="101" name="Group 100"/>
+              <p:cNvGrpSpPr/>
+              <p:nvPr/>
+            </p:nvGrpSpPr>
+            <p:grpSpPr>
+              <a:xfrm>
+                <a:off x="3664756" y="2773621"/>
+                <a:ext cx="1802587" cy="457736"/>
+                <a:chOff x="3664757" y="2823621"/>
+                <a:chExt cx="1802587" cy="491133"/>
+              </a:xfrm>
+            </p:grpSpPr>
+            <p:sp>
+              <p:nvSpPr>
+                <p:cNvPr id="54" name="Rectangle 53"/>
+                <p:cNvSpPr/>
+                <p:nvPr/>
+              </p:nvSpPr>
+              <p:spPr>
+                <a:xfrm>
+                  <a:off x="4571592" y="2823621"/>
+                  <a:ext cx="895752" cy="491133"/>
+                </a:xfrm>
+                <a:prstGeom prst="rect">
+                  <a:avLst/>
+                </a:prstGeom>
+                <a:solidFill>
+                  <a:schemeClr val="bg1"/>
+                </a:solidFill>
+                <a:ln>
+                  <a:noFill/>
+                </a:ln>
+              </p:spPr>
+              <p:style>
+                <a:lnRef idx="2">
+                  <a:schemeClr val="accent1">
+                    <a:shade val="50000"/>
+                  </a:schemeClr>
+                </a:lnRef>
+                <a:fillRef idx="1">
+                  <a:schemeClr val="accent1"/>
+                </a:fillRef>
+                <a:effectRef idx="0">
+                  <a:schemeClr val="accent1"/>
+                </a:effectRef>
+                <a:fontRef idx="minor">
+                  <a:schemeClr val="lt1"/>
+                </a:fontRef>
+              </p:style>
+              <p:txBody>
+                <a:bodyPr rtlCol="0" anchor="ctr"/>
+                <a:lstStyle>
+                  <a:defPPr>
+                    <a:defRPr lang="en-US"/>
+                  </a:defPPr>
+                  <a:lvl1pPr marL="0" algn="l" defTabSz="914400" rtl="0" eaLnBrk="1" latinLnBrk="0" hangingPunct="1">
+                    <a:defRPr sz="1800" kern="1200">
+                      <a:solidFill>
+                        <a:schemeClr val="lt1"/>
+                      </a:solidFill>
+                      <a:latin typeface="+mn-lt"/>
+                      <a:ea typeface="+mn-ea"/>
+                      <a:cs typeface="+mn-cs"/>
+                    </a:defRPr>
+                  </a:lvl1pPr>
+                  <a:lvl2pPr marL="457200" algn="l" defTabSz="914400" rtl="0" eaLnBrk="1" latinLnBrk="0" hangingPunct="1">
+                    <a:defRPr sz="1800" kern="1200">
+                      <a:solidFill>
+                        <a:schemeClr val="lt1"/>
+                      </a:solidFill>
+                      <a:latin typeface="+mn-lt"/>
+                      <a:ea typeface="+mn-ea"/>
+                      <a:cs typeface="+mn-cs"/>
+                    </a:defRPr>
+                  </a:lvl2pPr>
+                  <a:lvl3pPr marL="914400" algn="l" defTabSz="914400" rtl="0" eaLnBrk="1" latinLnBrk="0" hangingPunct="1">
+                    <a:defRPr sz="1800" kern="1200">
+                      <a:solidFill>
+                        <a:schemeClr val="lt1"/>
+                      </a:solidFill>
+                      <a:latin typeface="+mn-lt"/>
+                      <a:ea typeface="+mn-ea"/>
+                      <a:cs typeface="+mn-cs"/>
+                    </a:defRPr>
+                  </a:lvl3pPr>
+                  <a:lvl4pPr marL="1371600" algn="l" defTabSz="914400" rtl="0" eaLnBrk="1" latinLnBrk="0" hangingPunct="1">
+                    <a:defRPr sz="1800" kern="1200">
+                      <a:solidFill>
+                        <a:schemeClr val="lt1"/>
+                      </a:solidFill>
+                      <a:latin typeface="+mn-lt"/>
+                      <a:ea typeface="+mn-ea"/>
+                      <a:cs typeface="+mn-cs"/>
+                    </a:defRPr>
+                  </a:lvl4pPr>
+                  <a:lvl5pPr marL="1828800" algn="l" defTabSz="914400" rtl="0" eaLnBrk="1" latinLnBrk="0" hangingPunct="1">
+                    <a:defRPr sz="1800" kern="1200">
+                      <a:solidFill>
+                        <a:schemeClr val="lt1"/>
+                      </a:solidFill>
+                      <a:latin typeface="+mn-lt"/>
+                      <a:ea typeface="+mn-ea"/>
+                      <a:cs typeface="+mn-cs"/>
+                    </a:defRPr>
+                  </a:lvl5pPr>
+                  <a:lvl6pPr marL="2286000" algn="l" defTabSz="914400" rtl="0" eaLnBrk="1" latinLnBrk="0" hangingPunct="1">
+                    <a:defRPr sz="1800" kern="1200">
+                      <a:solidFill>
+                        <a:schemeClr val="lt1"/>
+                      </a:solidFill>
+                      <a:latin typeface="+mn-lt"/>
+                      <a:ea typeface="+mn-ea"/>
+                      <a:cs typeface="+mn-cs"/>
+                    </a:defRPr>
+                  </a:lvl6pPr>
+                  <a:lvl7pPr marL="2743200" algn="l" defTabSz="914400" rtl="0" eaLnBrk="1" latinLnBrk="0" hangingPunct="1">
+                    <a:defRPr sz="1800" kern="1200">
+                      <a:solidFill>
+                        <a:schemeClr val="lt1"/>
+                      </a:solidFill>
+                      <a:latin typeface="+mn-lt"/>
+                      <a:ea typeface="+mn-ea"/>
+                      <a:cs typeface="+mn-cs"/>
+                    </a:defRPr>
+                  </a:lvl7pPr>
+                  <a:lvl8pPr marL="3200400" algn="l" defTabSz="914400" rtl="0" eaLnBrk="1" latinLnBrk="0" hangingPunct="1">
+                    <a:defRPr sz="1800" kern="1200">
+                      <a:solidFill>
+                        <a:schemeClr val="lt1"/>
+                      </a:solidFill>
+                      <a:latin typeface="+mn-lt"/>
+                      <a:ea typeface="+mn-ea"/>
+                      <a:cs typeface="+mn-cs"/>
+                    </a:defRPr>
+                  </a:lvl8pPr>
+                  <a:lvl9pPr marL="3657600" algn="l" defTabSz="914400" rtl="0" eaLnBrk="1" latinLnBrk="0" hangingPunct="1">
+                    <a:defRPr sz="1800" kern="1200">
+                      <a:solidFill>
+                        <a:schemeClr val="lt1"/>
+                      </a:solidFill>
+                      <a:latin typeface="+mn-lt"/>
+                      <a:ea typeface="+mn-ea"/>
+                      <a:cs typeface="+mn-cs"/>
+                    </a:defRPr>
+                  </a:lvl9pPr>
+                </a:lstStyle>
+                <a:p>
+                  <a:pPr algn="ctr"/>
+                  <a:endParaRPr lang="en-US"/>
+                </a:p>
+              </p:txBody>
+            </p:sp>
+            <p:sp>
+              <p:nvSpPr>
+                <p:cNvPr id="10" name="Rectangle 9"/>
+                <p:cNvSpPr/>
+                <p:nvPr/>
+              </p:nvSpPr>
+              <p:spPr>
+                <a:xfrm>
+                  <a:off x="3664757" y="2823621"/>
+                  <a:ext cx="907244" cy="491133"/>
+                </a:xfrm>
+                <a:prstGeom prst="rect">
+                  <a:avLst/>
+                </a:prstGeom>
+                <a:solidFill>
+                  <a:schemeClr val="bg1">
+                    <a:lumMod val="65000"/>
+                  </a:schemeClr>
+                </a:solidFill>
+                <a:ln>
+                  <a:noFill/>
+                </a:ln>
+              </p:spPr>
+              <p:style>
+                <a:lnRef idx="2">
+                  <a:schemeClr val="accent1">
+                    <a:shade val="50000"/>
+                  </a:schemeClr>
+                </a:lnRef>
+                <a:fillRef idx="1">
+                  <a:schemeClr val="accent1"/>
+                </a:fillRef>
+                <a:effectRef idx="0">
+                  <a:schemeClr val="accent1"/>
+                </a:effectRef>
+                <a:fontRef idx="minor">
+                  <a:schemeClr val="lt1"/>
+                </a:fontRef>
+              </p:style>
+              <p:txBody>
+                <a:bodyPr rtlCol="0" anchor="ctr"/>
+                <a:lstStyle>
+                  <a:defPPr>
+                    <a:defRPr lang="en-US"/>
+                  </a:defPPr>
+                  <a:lvl1pPr marL="0" algn="l" defTabSz="914400" rtl="0" eaLnBrk="1" latinLnBrk="0" hangingPunct="1">
+                    <a:defRPr sz="1800" kern="1200">
+                      <a:solidFill>
+                        <a:schemeClr val="lt1"/>
+                      </a:solidFill>
+                      <a:latin typeface="+mn-lt"/>
+                      <a:ea typeface="+mn-ea"/>
+                      <a:cs typeface="+mn-cs"/>
+                    </a:defRPr>
+                  </a:lvl1pPr>
+                  <a:lvl2pPr marL="457200" algn="l" defTabSz="914400" rtl="0" eaLnBrk="1" latinLnBrk="0" hangingPunct="1">
+                    <a:defRPr sz="1800" kern="1200">
+                      <a:solidFill>
+                        <a:schemeClr val="lt1"/>
+                      </a:solidFill>
+                      <a:latin typeface="+mn-lt"/>
+                      <a:ea typeface="+mn-ea"/>
+                      <a:cs typeface="+mn-cs"/>
+                    </a:defRPr>
+                  </a:lvl2pPr>
+                  <a:lvl3pPr marL="914400" algn="l" defTabSz="914400" rtl="0" eaLnBrk="1" latinLnBrk="0" hangingPunct="1">
+                    <a:defRPr sz="1800" kern="1200">
+                      <a:solidFill>
+                        <a:schemeClr val="lt1"/>
+                      </a:solidFill>
+                      <a:latin typeface="+mn-lt"/>
+                      <a:ea typeface="+mn-ea"/>
+                      <a:cs typeface="+mn-cs"/>
+                    </a:defRPr>
+                  </a:lvl3pPr>
+                  <a:lvl4pPr marL="1371600" algn="l" defTabSz="914400" rtl="0" eaLnBrk="1" latinLnBrk="0" hangingPunct="1">
+                    <a:defRPr sz="1800" kern="1200">
+                      <a:solidFill>
+                        <a:schemeClr val="lt1"/>
+                      </a:solidFill>
+                      <a:latin typeface="+mn-lt"/>
+                      <a:ea typeface="+mn-ea"/>
+                      <a:cs typeface="+mn-cs"/>
+                    </a:defRPr>
+                  </a:lvl4pPr>
+                  <a:lvl5pPr marL="1828800" algn="l" defTabSz="914400" rtl="0" eaLnBrk="1" latinLnBrk="0" hangingPunct="1">
+                    <a:defRPr sz="1800" kern="1200">
+                      <a:solidFill>
+                        <a:schemeClr val="lt1"/>
+                      </a:solidFill>
+                      <a:latin typeface="+mn-lt"/>
+                      <a:ea typeface="+mn-ea"/>
+                      <a:cs typeface="+mn-cs"/>
+                    </a:defRPr>
+                  </a:lvl5pPr>
+                  <a:lvl6pPr marL="2286000" algn="l" defTabSz="914400" rtl="0" eaLnBrk="1" latinLnBrk="0" hangingPunct="1">
+                    <a:defRPr sz="1800" kern="1200">
+                      <a:solidFill>
+                        <a:schemeClr val="lt1"/>
+                      </a:solidFill>
+                      <a:latin typeface="+mn-lt"/>
+                      <a:ea typeface="+mn-ea"/>
+                      <a:cs typeface="+mn-cs"/>
+                    </a:defRPr>
+                  </a:lvl6pPr>
+                  <a:lvl7pPr marL="2743200" algn="l" defTabSz="914400" rtl="0" eaLnBrk="1" latinLnBrk="0" hangingPunct="1">
+                    <a:defRPr sz="1800" kern="1200">
+                      <a:solidFill>
+                        <a:schemeClr val="lt1"/>
+                      </a:solidFill>
+                      <a:latin typeface="+mn-lt"/>
+                      <a:ea typeface="+mn-ea"/>
+                      <a:cs typeface="+mn-cs"/>
+                    </a:defRPr>
+                  </a:lvl7pPr>
+                  <a:lvl8pPr marL="3200400" algn="l" defTabSz="914400" rtl="0" eaLnBrk="1" latinLnBrk="0" hangingPunct="1">
+                    <a:defRPr sz="1800" kern="1200">
+                      <a:solidFill>
+                        <a:schemeClr val="lt1"/>
+                      </a:solidFill>
+                      <a:latin typeface="+mn-lt"/>
+                      <a:ea typeface="+mn-ea"/>
+                      <a:cs typeface="+mn-cs"/>
+                    </a:defRPr>
+                  </a:lvl8pPr>
+                  <a:lvl9pPr marL="3657600" algn="l" defTabSz="914400" rtl="0" eaLnBrk="1" latinLnBrk="0" hangingPunct="1">
+                    <a:defRPr sz="1800" kern="1200">
+                      <a:solidFill>
+                        <a:schemeClr val="lt1"/>
+                      </a:solidFill>
+                      <a:latin typeface="+mn-lt"/>
+                      <a:ea typeface="+mn-ea"/>
+                      <a:cs typeface="+mn-cs"/>
+                    </a:defRPr>
+                  </a:lvl9pPr>
+                </a:lstStyle>
+                <a:p>
+                  <a:pPr algn="ctr"/>
+                  <a:endParaRPr lang="en-US"/>
+                </a:p>
+              </p:txBody>
+            </p:sp>
+          </p:grpSp>
+          <p:grpSp>
+            <p:nvGrpSpPr>
+              <p:cNvPr id="108" name="Group 107"/>
+              <p:cNvGrpSpPr/>
+              <p:nvPr/>
+            </p:nvGrpSpPr>
+            <p:grpSpPr>
+              <a:xfrm>
+                <a:off x="3664756" y="4037289"/>
+                <a:ext cx="1802588" cy="168184"/>
+                <a:chOff x="3664756" y="3975190"/>
+                <a:chExt cx="1802588" cy="168184"/>
+              </a:xfrm>
+            </p:grpSpPr>
+            <p:sp>
+              <p:nvSpPr>
+                <p:cNvPr id="67" name="Rectangle 66"/>
+                <p:cNvSpPr/>
+                <p:nvPr/>
+              </p:nvSpPr>
+              <p:spPr>
+                <a:xfrm>
+                  <a:off x="4851399" y="3975191"/>
+                  <a:ext cx="615945" cy="168183"/>
+                </a:xfrm>
+                <a:prstGeom prst="rect">
+                  <a:avLst/>
+                </a:prstGeom>
+                <a:solidFill>
+                  <a:schemeClr val="bg1"/>
+                </a:solidFill>
+                <a:ln>
+                  <a:noFill/>
+                </a:ln>
+              </p:spPr>
+              <p:style>
+                <a:lnRef idx="2">
+                  <a:schemeClr val="accent1">
+                    <a:shade val="50000"/>
+                  </a:schemeClr>
+                </a:lnRef>
+                <a:fillRef idx="1">
+                  <a:schemeClr val="accent1"/>
+                </a:fillRef>
+                <a:effectRef idx="0">
+                  <a:schemeClr val="accent1"/>
+                </a:effectRef>
+                <a:fontRef idx="minor">
+                  <a:schemeClr val="lt1"/>
+                </a:fontRef>
+              </p:style>
+              <p:txBody>
+                <a:bodyPr rtlCol="0" anchor="ctr"/>
+                <a:lstStyle>
+                  <a:defPPr>
+                    <a:defRPr lang="en-US"/>
+                  </a:defPPr>
+                  <a:lvl1pPr marL="0" algn="l" defTabSz="914400" rtl="0" eaLnBrk="1" latinLnBrk="0" hangingPunct="1">
+                    <a:defRPr sz="1800" kern="1200">
+                      <a:solidFill>
+                        <a:schemeClr val="lt1"/>
+                      </a:solidFill>
+                      <a:latin typeface="+mn-lt"/>
+                      <a:ea typeface="+mn-ea"/>
+                      <a:cs typeface="+mn-cs"/>
+                    </a:defRPr>
+                  </a:lvl1pPr>
+                  <a:lvl2pPr marL="457200" algn="l" defTabSz="914400" rtl="0" eaLnBrk="1" latinLnBrk="0" hangingPunct="1">
+                    <a:defRPr sz="1800" kern="1200">
+                      <a:solidFill>
+                        <a:schemeClr val="lt1"/>
+                      </a:solidFill>
+                      <a:latin typeface="+mn-lt"/>
+                      <a:ea typeface="+mn-ea"/>
+                      <a:cs typeface="+mn-cs"/>
+                    </a:defRPr>
+                  </a:lvl2pPr>
+                  <a:lvl3pPr marL="914400" algn="l" defTabSz="914400" rtl="0" eaLnBrk="1" latinLnBrk="0" hangingPunct="1">
+                    <a:defRPr sz="1800" kern="1200">
+                      <a:solidFill>
+                        <a:schemeClr val="lt1"/>
+                      </a:solidFill>
+                      <a:latin typeface="+mn-lt"/>
+                      <a:ea typeface="+mn-ea"/>
+                      <a:cs typeface="+mn-cs"/>
+                    </a:defRPr>
+                  </a:lvl3pPr>
+                  <a:lvl4pPr marL="1371600" algn="l" defTabSz="914400" rtl="0" eaLnBrk="1" latinLnBrk="0" hangingPunct="1">
+                    <a:defRPr sz="1800" kern="1200">
+                      <a:solidFill>
+                        <a:schemeClr val="lt1"/>
+                      </a:solidFill>
+                      <a:latin typeface="+mn-lt"/>
+                      <a:ea typeface="+mn-ea"/>
+                      <a:cs typeface="+mn-cs"/>
+                    </a:defRPr>
+                  </a:lvl4pPr>
+                  <a:lvl5pPr marL="1828800" algn="l" defTabSz="914400" rtl="0" eaLnBrk="1" latinLnBrk="0" hangingPunct="1">
+                    <a:defRPr sz="1800" kern="1200">
+                      <a:solidFill>
+                        <a:schemeClr val="lt1"/>
+                      </a:solidFill>
+                      <a:latin typeface="+mn-lt"/>
+                      <a:ea typeface="+mn-ea"/>
+                      <a:cs typeface="+mn-cs"/>
+                    </a:defRPr>
+                  </a:lvl5pPr>
+                  <a:lvl6pPr marL="2286000" algn="l" defTabSz="914400" rtl="0" eaLnBrk="1" latinLnBrk="0" hangingPunct="1">
+                    <a:defRPr sz="1800" kern="1200">
+                      <a:solidFill>
+                        <a:schemeClr val="lt1"/>
+                      </a:solidFill>
+                      <a:latin typeface="+mn-lt"/>
+                      <a:ea typeface="+mn-ea"/>
+                      <a:cs typeface="+mn-cs"/>
+                    </a:defRPr>
+                  </a:lvl6pPr>
+                  <a:lvl7pPr marL="2743200" algn="l" defTabSz="914400" rtl="0" eaLnBrk="1" latinLnBrk="0" hangingPunct="1">
+                    <a:defRPr sz="1800" kern="1200">
+                      <a:solidFill>
+                        <a:schemeClr val="lt1"/>
+                      </a:solidFill>
+                      <a:latin typeface="+mn-lt"/>
+                      <a:ea typeface="+mn-ea"/>
+                      <a:cs typeface="+mn-cs"/>
+                    </a:defRPr>
+                  </a:lvl7pPr>
+                  <a:lvl8pPr marL="3200400" algn="l" defTabSz="914400" rtl="0" eaLnBrk="1" latinLnBrk="0" hangingPunct="1">
+                    <a:defRPr sz="1800" kern="1200">
+                      <a:solidFill>
+                        <a:schemeClr val="lt1"/>
+                      </a:solidFill>
+                      <a:latin typeface="+mn-lt"/>
+                      <a:ea typeface="+mn-ea"/>
+                      <a:cs typeface="+mn-cs"/>
+                    </a:defRPr>
+                  </a:lvl8pPr>
+                  <a:lvl9pPr marL="3657600" algn="l" defTabSz="914400" rtl="0" eaLnBrk="1" latinLnBrk="0" hangingPunct="1">
+                    <a:defRPr sz="1800" kern="1200">
+                      <a:solidFill>
+                        <a:schemeClr val="lt1"/>
+                      </a:solidFill>
+                      <a:latin typeface="+mn-lt"/>
+                      <a:ea typeface="+mn-ea"/>
+                      <a:cs typeface="+mn-cs"/>
+                    </a:defRPr>
+                  </a:lvl9pPr>
+                </a:lstStyle>
+                <a:p>
+                  <a:pPr algn="ctr"/>
+                  <a:endParaRPr lang="en-US"/>
+                </a:p>
+              </p:txBody>
+            </p:sp>
+            <p:grpSp>
+              <p:nvGrpSpPr>
+                <p:cNvPr id="104" name="Group 103"/>
+                <p:cNvGrpSpPr/>
+                <p:nvPr/>
+              </p:nvGrpSpPr>
+              <p:grpSpPr>
+                <a:xfrm>
+                  <a:off x="3664756" y="3975190"/>
+                  <a:ext cx="686535" cy="168183"/>
+                  <a:chOff x="3664756" y="3951680"/>
+                  <a:chExt cx="686535" cy="126384"/>
+                </a:xfrm>
+              </p:grpSpPr>
+              <p:sp>
+                <p:nvSpPr>
+                  <p:cNvPr id="20" name="Rectangle 19"/>
+                  <p:cNvSpPr/>
+                  <p:nvPr/>
+                </p:nvSpPr>
+                <p:spPr>
+                  <a:xfrm>
+                    <a:off x="3664756" y="3951680"/>
+                    <a:ext cx="164592" cy="126384"/>
+                  </a:xfrm>
+                  <a:prstGeom prst="rect">
+                    <a:avLst/>
+                  </a:prstGeom>
+                  <a:solidFill>
+                    <a:schemeClr val="tx1">
+                      <a:lumMod val="65000"/>
+                      <a:lumOff val="35000"/>
+                    </a:schemeClr>
+                  </a:solidFill>
+                  <a:ln>
+                    <a:noFill/>
+                  </a:ln>
+                </p:spPr>
+                <p:style>
+                  <a:lnRef idx="2">
+                    <a:schemeClr val="accent1">
+                      <a:shade val="50000"/>
+                    </a:schemeClr>
+                  </a:lnRef>
+                  <a:fillRef idx="1">
+                    <a:schemeClr val="accent1"/>
+                  </a:fillRef>
+                  <a:effectRef idx="0">
+                    <a:schemeClr val="accent1"/>
+                  </a:effectRef>
+                  <a:fontRef idx="minor">
+                    <a:schemeClr val="lt1"/>
+                  </a:fontRef>
+                </p:style>
+                <p:txBody>
+                  <a:bodyPr rtlCol="0" anchor="ctr"/>
+                  <a:lstStyle>
+                    <a:defPPr>
+                      <a:defRPr lang="en-US"/>
+                    </a:defPPr>
+                    <a:lvl1pPr marL="0" algn="l" defTabSz="914400" rtl="0" eaLnBrk="1" latinLnBrk="0" hangingPunct="1">
+                      <a:defRPr sz="1800" kern="1200">
+                        <a:solidFill>
+                          <a:schemeClr val="lt1"/>
+                        </a:solidFill>
+                        <a:latin typeface="+mn-lt"/>
+                        <a:ea typeface="+mn-ea"/>
+                        <a:cs typeface="+mn-cs"/>
+                      </a:defRPr>
+                    </a:lvl1pPr>
+                    <a:lvl2pPr marL="457200" algn="l" defTabSz="914400" rtl="0" eaLnBrk="1" latinLnBrk="0" hangingPunct="1">
+                      <a:defRPr sz="1800" kern="1200">
+                        <a:solidFill>
+                          <a:schemeClr val="lt1"/>
+                        </a:solidFill>
+                        <a:latin typeface="+mn-lt"/>
+                        <a:ea typeface="+mn-ea"/>
+                        <a:cs typeface="+mn-cs"/>
+                      </a:defRPr>
+                    </a:lvl2pPr>
+                    <a:lvl3pPr marL="914400" algn="l" defTabSz="914400" rtl="0" eaLnBrk="1" latinLnBrk="0" hangingPunct="1">
+                      <a:defRPr sz="1800" kern="1200">
+                        <a:solidFill>
+                          <a:schemeClr val="lt1"/>
+                        </a:solidFill>
+                        <a:latin typeface="+mn-lt"/>
+                        <a:ea typeface="+mn-ea"/>
+                        <a:cs typeface="+mn-cs"/>
+                      </a:defRPr>
+                    </a:lvl3pPr>
+                    <a:lvl4pPr marL="1371600" algn="l" defTabSz="914400" rtl="0" eaLnBrk="1" latinLnBrk="0" hangingPunct="1">
+                      <a:defRPr sz="1800" kern="1200">
+                        <a:solidFill>
+                          <a:schemeClr val="lt1"/>
+                        </a:solidFill>
+                        <a:latin typeface="+mn-lt"/>
+                        <a:ea typeface="+mn-ea"/>
+                        <a:cs typeface="+mn-cs"/>
+                      </a:defRPr>
+                    </a:lvl4pPr>
+                    <a:lvl5pPr marL="1828800" algn="l" defTabSz="914400" rtl="0" eaLnBrk="1" latinLnBrk="0" hangingPunct="1">
+                      <a:defRPr sz="1800" kern="1200">
+                        <a:solidFill>
+                          <a:schemeClr val="lt1"/>
+                        </a:solidFill>
+                        <a:latin typeface="+mn-lt"/>
+                        <a:ea typeface="+mn-ea"/>
+                        <a:cs typeface="+mn-cs"/>
+                      </a:defRPr>
+                    </a:lvl5pPr>
+                    <a:lvl6pPr marL="2286000" algn="l" defTabSz="914400" rtl="0" eaLnBrk="1" latinLnBrk="0" hangingPunct="1">
+                      <a:defRPr sz="1800" kern="1200">
+                        <a:solidFill>
+                          <a:schemeClr val="lt1"/>
+                        </a:solidFill>
+                        <a:latin typeface="+mn-lt"/>
+                        <a:ea typeface="+mn-ea"/>
+                        <a:cs typeface="+mn-cs"/>
+                      </a:defRPr>
+                    </a:lvl6pPr>
+                    <a:lvl7pPr marL="2743200" algn="l" defTabSz="914400" rtl="0" eaLnBrk="1" latinLnBrk="0" hangingPunct="1">
+                      <a:defRPr sz="1800" kern="1200">
+                        <a:solidFill>
+                          <a:schemeClr val="lt1"/>
+                        </a:solidFill>
+                        <a:latin typeface="+mn-lt"/>
+                        <a:ea typeface="+mn-ea"/>
+                        <a:cs typeface="+mn-cs"/>
+                      </a:defRPr>
+                    </a:lvl7pPr>
+                    <a:lvl8pPr marL="3200400" algn="l" defTabSz="914400" rtl="0" eaLnBrk="1" latinLnBrk="0" hangingPunct="1">
+                      <a:defRPr sz="1800" kern="1200">
+                        <a:solidFill>
+                          <a:schemeClr val="lt1"/>
+                        </a:solidFill>
+                        <a:latin typeface="+mn-lt"/>
+                        <a:ea typeface="+mn-ea"/>
+                        <a:cs typeface="+mn-cs"/>
+                      </a:defRPr>
+                    </a:lvl8pPr>
+                    <a:lvl9pPr marL="3657600" algn="l" defTabSz="914400" rtl="0" eaLnBrk="1" latinLnBrk="0" hangingPunct="1">
+                      <a:defRPr sz="1800" kern="1200">
+                        <a:solidFill>
+                          <a:schemeClr val="lt1"/>
+                        </a:solidFill>
+                        <a:latin typeface="+mn-lt"/>
+                        <a:ea typeface="+mn-ea"/>
+                        <a:cs typeface="+mn-cs"/>
+                      </a:defRPr>
+                    </a:lvl9pPr>
+                  </a:lstStyle>
+                  <a:p>
+                    <a:pPr algn="ctr"/>
+                    <a:endParaRPr lang="en-US"/>
+                  </a:p>
+                </p:txBody>
+              </p:sp>
+              <p:sp>
+                <p:nvSpPr>
+                  <p:cNvPr id="19" name="Rectangle 18"/>
+                  <p:cNvSpPr/>
+                  <p:nvPr/>
+                </p:nvSpPr>
+                <p:spPr>
+                  <a:xfrm>
+                    <a:off x="3914775" y="3951680"/>
+                    <a:ext cx="436516" cy="126384"/>
+                  </a:xfrm>
+                  <a:prstGeom prst="rect">
+                    <a:avLst/>
+                  </a:prstGeom>
+                  <a:solidFill>
+                    <a:schemeClr val="bg1">
+                      <a:lumMod val="65000"/>
+                    </a:schemeClr>
+                  </a:solidFill>
+                  <a:ln>
+                    <a:noFill/>
+                  </a:ln>
+                </p:spPr>
+                <p:style>
+                  <a:lnRef idx="2">
+                    <a:schemeClr val="accent1">
+                      <a:shade val="50000"/>
+                    </a:schemeClr>
+                  </a:lnRef>
+                  <a:fillRef idx="1">
+                    <a:schemeClr val="accent1"/>
+                  </a:fillRef>
+                  <a:effectRef idx="0">
+                    <a:schemeClr val="accent1"/>
+                  </a:effectRef>
+                  <a:fontRef idx="minor">
+                    <a:schemeClr val="lt1"/>
+                  </a:fontRef>
+                </p:style>
+                <p:txBody>
+                  <a:bodyPr rtlCol="0" anchor="ctr"/>
+                  <a:lstStyle>
+                    <a:defPPr>
+                      <a:defRPr lang="en-US"/>
+                    </a:defPPr>
+                    <a:lvl1pPr marL="0" algn="l" defTabSz="914400" rtl="0" eaLnBrk="1" latinLnBrk="0" hangingPunct="1">
+                      <a:defRPr sz="1800" kern="1200">
+                        <a:solidFill>
+                          <a:schemeClr val="lt1"/>
+                        </a:solidFill>
+                        <a:latin typeface="+mn-lt"/>
+                        <a:ea typeface="+mn-ea"/>
+                        <a:cs typeface="+mn-cs"/>
+                      </a:defRPr>
+                    </a:lvl1pPr>
+                    <a:lvl2pPr marL="457200" algn="l" defTabSz="914400" rtl="0" eaLnBrk="1" latinLnBrk="0" hangingPunct="1">
+                      <a:defRPr sz="1800" kern="1200">
+                        <a:solidFill>
+                          <a:schemeClr val="lt1"/>
+                        </a:solidFill>
+                        <a:latin typeface="+mn-lt"/>
+                        <a:ea typeface="+mn-ea"/>
+                        <a:cs typeface="+mn-cs"/>
+                      </a:defRPr>
+                    </a:lvl2pPr>
+                    <a:lvl3pPr marL="914400" algn="l" defTabSz="914400" rtl="0" eaLnBrk="1" latinLnBrk="0" hangingPunct="1">
+                      <a:defRPr sz="1800" kern="1200">
+                        <a:solidFill>
+                          <a:schemeClr val="lt1"/>
+                        </a:solidFill>
+                        <a:latin typeface="+mn-lt"/>
+                        <a:ea typeface="+mn-ea"/>
+                        <a:cs typeface="+mn-cs"/>
+                      </a:defRPr>
+                    </a:lvl3pPr>
+                    <a:lvl4pPr marL="1371600" algn="l" defTabSz="914400" rtl="0" eaLnBrk="1" latinLnBrk="0" hangingPunct="1">
+                      <a:defRPr sz="1800" kern="1200">
+                        <a:solidFill>
+                          <a:schemeClr val="lt1"/>
+                        </a:solidFill>
+                        <a:latin typeface="+mn-lt"/>
+                        <a:ea typeface="+mn-ea"/>
+                        <a:cs typeface="+mn-cs"/>
+                      </a:defRPr>
+                    </a:lvl4pPr>
+                    <a:lvl5pPr marL="1828800" algn="l" defTabSz="914400" rtl="0" eaLnBrk="1" latinLnBrk="0" hangingPunct="1">
+                      <a:defRPr sz="1800" kern="1200">
+                        <a:solidFill>
+                          <a:schemeClr val="lt1"/>
+                        </a:solidFill>
+                        <a:latin typeface="+mn-lt"/>
+                        <a:ea typeface="+mn-ea"/>
+                        <a:cs typeface="+mn-cs"/>
+                      </a:defRPr>
+                    </a:lvl5pPr>
+                    <a:lvl6pPr marL="2286000" algn="l" defTabSz="914400" rtl="0" eaLnBrk="1" latinLnBrk="0" hangingPunct="1">
+                      <a:defRPr sz="1800" kern="1200">
+                        <a:solidFill>
+                          <a:schemeClr val="lt1"/>
+                        </a:solidFill>
+                        <a:latin typeface="+mn-lt"/>
+                        <a:ea typeface="+mn-ea"/>
+                        <a:cs typeface="+mn-cs"/>
+                      </a:defRPr>
+                    </a:lvl6pPr>
+                    <a:lvl7pPr marL="2743200" algn="l" defTabSz="914400" rtl="0" eaLnBrk="1" latinLnBrk="0" hangingPunct="1">
+                      <a:defRPr sz="1800" kern="1200">
+                        <a:solidFill>
+                          <a:schemeClr val="lt1"/>
+                        </a:solidFill>
+                        <a:latin typeface="+mn-lt"/>
+                        <a:ea typeface="+mn-ea"/>
+                        <a:cs typeface="+mn-cs"/>
+                      </a:defRPr>
+                    </a:lvl7pPr>
+                    <a:lvl8pPr marL="3200400" algn="l" defTabSz="914400" rtl="0" eaLnBrk="1" latinLnBrk="0" hangingPunct="1">
+                      <a:defRPr sz="1800" kern="1200">
+                        <a:solidFill>
+                          <a:schemeClr val="lt1"/>
+                        </a:solidFill>
+                        <a:latin typeface="+mn-lt"/>
+                        <a:ea typeface="+mn-ea"/>
+                        <a:cs typeface="+mn-cs"/>
+                      </a:defRPr>
+                    </a:lvl8pPr>
+                    <a:lvl9pPr marL="3657600" algn="l" defTabSz="914400" rtl="0" eaLnBrk="1" latinLnBrk="0" hangingPunct="1">
+                      <a:defRPr sz="1800" kern="1200">
+                        <a:solidFill>
+                          <a:schemeClr val="lt1"/>
+                        </a:solidFill>
+                        <a:latin typeface="+mn-lt"/>
+                        <a:ea typeface="+mn-ea"/>
+                        <a:cs typeface="+mn-cs"/>
+                      </a:defRPr>
+                    </a:lvl9pPr>
+                  </a:lstStyle>
+                  <a:p>
+                    <a:pPr algn="ctr"/>
+                    <a:endParaRPr lang="en-US"/>
+                  </a:p>
+                </p:txBody>
+              </p:sp>
+            </p:grpSp>
+          </p:grpSp>
+          <p:grpSp>
+            <p:nvGrpSpPr>
+              <p:cNvPr id="107" name="Group 106"/>
+              <p:cNvGrpSpPr/>
+              <p:nvPr/>
+            </p:nvGrpSpPr>
+            <p:grpSpPr>
+              <a:xfrm>
+                <a:off x="3664756" y="4379569"/>
+                <a:ext cx="1802589" cy="167037"/>
+                <a:chOff x="3664756" y="4379569"/>
+                <a:chExt cx="1802589" cy="167037"/>
+              </a:xfrm>
+            </p:grpSpPr>
+            <p:sp>
+              <p:nvSpPr>
+                <p:cNvPr id="65" name="Rectangle 64"/>
+                <p:cNvSpPr/>
+                <p:nvPr/>
+              </p:nvSpPr>
+              <p:spPr>
+                <a:xfrm>
+                  <a:off x="4851399" y="4379569"/>
+                  <a:ext cx="615946" cy="167037"/>
+                </a:xfrm>
+                <a:prstGeom prst="rect">
+                  <a:avLst/>
+                </a:prstGeom>
+                <a:solidFill>
+                  <a:schemeClr val="bg1"/>
+                </a:solidFill>
+                <a:ln>
+                  <a:noFill/>
+                </a:ln>
+              </p:spPr>
+              <p:style>
+                <a:lnRef idx="2">
+                  <a:schemeClr val="accent1">
+                    <a:shade val="50000"/>
+                  </a:schemeClr>
+                </a:lnRef>
+                <a:fillRef idx="1">
+                  <a:schemeClr val="accent1"/>
+                </a:fillRef>
+                <a:effectRef idx="0">
+                  <a:schemeClr val="accent1"/>
+                </a:effectRef>
+                <a:fontRef idx="minor">
+                  <a:schemeClr val="lt1"/>
+                </a:fontRef>
+              </p:style>
+              <p:txBody>
+                <a:bodyPr rtlCol="0" anchor="ctr"/>
+                <a:lstStyle>
+                  <a:defPPr>
+                    <a:defRPr lang="en-US"/>
+                  </a:defPPr>
+                  <a:lvl1pPr marL="0" algn="l" defTabSz="914400" rtl="0" eaLnBrk="1" latinLnBrk="0" hangingPunct="1">
+                    <a:defRPr sz="1800" kern="1200">
+                      <a:solidFill>
+                        <a:schemeClr val="lt1"/>
+                      </a:solidFill>
+                      <a:latin typeface="+mn-lt"/>
+                      <a:ea typeface="+mn-ea"/>
+                      <a:cs typeface="+mn-cs"/>
+                    </a:defRPr>
+                  </a:lvl1pPr>
+                  <a:lvl2pPr marL="457200" algn="l" defTabSz="914400" rtl="0" eaLnBrk="1" latinLnBrk="0" hangingPunct="1">
+                    <a:defRPr sz="1800" kern="1200">
+                      <a:solidFill>
+                        <a:schemeClr val="lt1"/>
+                      </a:solidFill>
+                      <a:latin typeface="+mn-lt"/>
+                      <a:ea typeface="+mn-ea"/>
+                      <a:cs typeface="+mn-cs"/>
+                    </a:defRPr>
+                  </a:lvl2pPr>
+                  <a:lvl3pPr marL="914400" algn="l" defTabSz="914400" rtl="0" eaLnBrk="1" latinLnBrk="0" hangingPunct="1">
+                    <a:defRPr sz="1800" kern="1200">
+                      <a:solidFill>
+                        <a:schemeClr val="lt1"/>
+                      </a:solidFill>
+                      <a:latin typeface="+mn-lt"/>
+                      <a:ea typeface="+mn-ea"/>
+                      <a:cs typeface="+mn-cs"/>
+                    </a:defRPr>
+                  </a:lvl3pPr>
+                  <a:lvl4pPr marL="1371600" algn="l" defTabSz="914400" rtl="0" eaLnBrk="1" latinLnBrk="0" hangingPunct="1">
+                    <a:defRPr sz="1800" kern="1200">
+                      <a:solidFill>
+                        <a:schemeClr val="lt1"/>
+                      </a:solidFill>
+                      <a:latin typeface="+mn-lt"/>
+                      <a:ea typeface="+mn-ea"/>
+                      <a:cs typeface="+mn-cs"/>
+                    </a:defRPr>
+                  </a:lvl4pPr>
+                  <a:lvl5pPr marL="1828800" algn="l" defTabSz="914400" rtl="0" eaLnBrk="1" latinLnBrk="0" hangingPunct="1">
+                    <a:defRPr sz="1800" kern="1200">
+                      <a:solidFill>
+                        <a:schemeClr val="lt1"/>
+                      </a:solidFill>
+                      <a:latin typeface="+mn-lt"/>
+                      <a:ea typeface="+mn-ea"/>
+                      <a:cs typeface="+mn-cs"/>
+                    </a:defRPr>
+                  </a:lvl5pPr>
+                  <a:lvl6pPr marL="2286000" algn="l" defTabSz="914400" rtl="0" eaLnBrk="1" latinLnBrk="0" hangingPunct="1">
+                    <a:defRPr sz="1800" kern="1200">
+                      <a:solidFill>
+                        <a:schemeClr val="lt1"/>
+                      </a:solidFill>
+                      <a:latin typeface="+mn-lt"/>
+                      <a:ea typeface="+mn-ea"/>
+                      <a:cs typeface="+mn-cs"/>
+                    </a:defRPr>
+                  </a:lvl6pPr>
+                  <a:lvl7pPr marL="2743200" algn="l" defTabSz="914400" rtl="0" eaLnBrk="1" latinLnBrk="0" hangingPunct="1">
+                    <a:defRPr sz="1800" kern="1200">
+                      <a:solidFill>
+                        <a:schemeClr val="lt1"/>
+                      </a:solidFill>
+                      <a:latin typeface="+mn-lt"/>
+                      <a:ea typeface="+mn-ea"/>
+                      <a:cs typeface="+mn-cs"/>
+                    </a:defRPr>
+                  </a:lvl7pPr>
+                  <a:lvl8pPr marL="3200400" algn="l" defTabSz="914400" rtl="0" eaLnBrk="1" latinLnBrk="0" hangingPunct="1">
+                    <a:defRPr sz="1800" kern="1200">
+                      <a:solidFill>
+                        <a:schemeClr val="lt1"/>
+                      </a:solidFill>
+                      <a:latin typeface="+mn-lt"/>
+                      <a:ea typeface="+mn-ea"/>
+                      <a:cs typeface="+mn-cs"/>
+                    </a:defRPr>
+                  </a:lvl8pPr>
+                  <a:lvl9pPr marL="3657600" algn="l" defTabSz="914400" rtl="0" eaLnBrk="1" latinLnBrk="0" hangingPunct="1">
+                    <a:defRPr sz="1800" kern="1200">
+                      <a:solidFill>
+                        <a:schemeClr val="lt1"/>
+                      </a:solidFill>
+                      <a:latin typeface="+mn-lt"/>
+                      <a:ea typeface="+mn-ea"/>
+                      <a:cs typeface="+mn-cs"/>
+                    </a:defRPr>
+                  </a:lvl9pPr>
+                </a:lstStyle>
+                <a:p>
+                  <a:pPr algn="ctr"/>
+                  <a:endParaRPr lang="en-US"/>
+                </a:p>
+              </p:txBody>
+            </p:sp>
+            <p:sp>
+              <p:nvSpPr>
+                <p:cNvPr id="17" name="Rectangle 16"/>
+                <p:cNvSpPr/>
+                <p:nvPr/>
+              </p:nvSpPr>
+              <p:spPr>
+                <a:xfrm>
+                  <a:off x="3664756" y="4379569"/>
+                  <a:ext cx="686535" cy="167036"/>
+                </a:xfrm>
+                <a:prstGeom prst="rect">
+                  <a:avLst/>
+                </a:prstGeom>
+                <a:solidFill>
+                  <a:schemeClr val="bg1">
+                    <a:lumMod val="65000"/>
+                  </a:schemeClr>
+                </a:solidFill>
+                <a:ln>
+                  <a:noFill/>
+                </a:ln>
+              </p:spPr>
+              <p:style>
+                <a:lnRef idx="2">
+                  <a:schemeClr val="accent1">
+                    <a:shade val="50000"/>
+                  </a:schemeClr>
+                </a:lnRef>
+                <a:fillRef idx="1">
+                  <a:schemeClr val="accent1"/>
+                </a:fillRef>
+                <a:effectRef idx="0">
+                  <a:schemeClr val="accent1"/>
+                </a:effectRef>
+                <a:fontRef idx="minor">
+                  <a:schemeClr val="lt1"/>
+                </a:fontRef>
+              </p:style>
+              <p:txBody>
+                <a:bodyPr rtlCol="0" anchor="ctr"/>
+                <a:lstStyle>
+                  <a:defPPr>
+                    <a:defRPr lang="en-US"/>
+                  </a:defPPr>
+                  <a:lvl1pPr marL="0" algn="l" defTabSz="914400" rtl="0" eaLnBrk="1" latinLnBrk="0" hangingPunct="1">
+                    <a:defRPr sz="1800" kern="1200">
+                      <a:solidFill>
+                        <a:schemeClr val="lt1"/>
+                      </a:solidFill>
+                      <a:latin typeface="+mn-lt"/>
+                      <a:ea typeface="+mn-ea"/>
+                      <a:cs typeface="+mn-cs"/>
+                    </a:defRPr>
+                  </a:lvl1pPr>
+                  <a:lvl2pPr marL="457200" algn="l" defTabSz="914400" rtl="0" eaLnBrk="1" latinLnBrk="0" hangingPunct="1">
+                    <a:defRPr sz="1800" kern="1200">
+                      <a:solidFill>
+                        <a:schemeClr val="lt1"/>
+                      </a:solidFill>
+                      <a:latin typeface="+mn-lt"/>
+                      <a:ea typeface="+mn-ea"/>
+                      <a:cs typeface="+mn-cs"/>
+                    </a:defRPr>
+                  </a:lvl2pPr>
+                  <a:lvl3pPr marL="914400" algn="l" defTabSz="914400" rtl="0" eaLnBrk="1" latinLnBrk="0" hangingPunct="1">
+                    <a:defRPr sz="1800" kern="1200">
+                      <a:solidFill>
+                        <a:schemeClr val="lt1"/>
+                      </a:solidFill>
+                      <a:latin typeface="+mn-lt"/>
+                      <a:ea typeface="+mn-ea"/>
+                      <a:cs typeface="+mn-cs"/>
+                    </a:defRPr>
+                  </a:lvl3pPr>
+                  <a:lvl4pPr marL="1371600" algn="l" defTabSz="914400" rtl="0" eaLnBrk="1" latinLnBrk="0" hangingPunct="1">
+                    <a:defRPr sz="1800" kern="1200">
+                      <a:solidFill>
+                        <a:schemeClr val="lt1"/>
+                      </a:solidFill>
+                      <a:latin typeface="+mn-lt"/>
+                      <a:ea typeface="+mn-ea"/>
+                      <a:cs typeface="+mn-cs"/>
+                    </a:defRPr>
+                  </a:lvl4pPr>
+                  <a:lvl5pPr marL="1828800" algn="l" defTabSz="914400" rtl="0" eaLnBrk="1" latinLnBrk="0" hangingPunct="1">
+                    <a:defRPr sz="1800" kern="1200">
+                      <a:solidFill>
+                        <a:schemeClr val="lt1"/>
+                      </a:solidFill>
+                      <a:latin typeface="+mn-lt"/>
+                      <a:ea typeface="+mn-ea"/>
+                      <a:cs typeface="+mn-cs"/>
+                    </a:defRPr>
+                  </a:lvl5pPr>
+                  <a:lvl6pPr marL="2286000" algn="l" defTabSz="914400" rtl="0" eaLnBrk="1" latinLnBrk="0" hangingPunct="1">
+                    <a:defRPr sz="1800" kern="1200">
+                      <a:solidFill>
+                        <a:schemeClr val="lt1"/>
+                      </a:solidFill>
+                      <a:latin typeface="+mn-lt"/>
+                      <a:ea typeface="+mn-ea"/>
+                      <a:cs typeface="+mn-cs"/>
+                    </a:defRPr>
+                  </a:lvl6pPr>
+                  <a:lvl7pPr marL="2743200" algn="l" defTabSz="914400" rtl="0" eaLnBrk="1" latinLnBrk="0" hangingPunct="1">
+                    <a:defRPr sz="1800" kern="1200">
+                      <a:solidFill>
+                        <a:schemeClr val="lt1"/>
+                      </a:solidFill>
+                      <a:latin typeface="+mn-lt"/>
+                      <a:ea typeface="+mn-ea"/>
+                      <a:cs typeface="+mn-cs"/>
+                    </a:defRPr>
+                  </a:lvl7pPr>
+                  <a:lvl8pPr marL="3200400" algn="l" defTabSz="914400" rtl="0" eaLnBrk="1" latinLnBrk="0" hangingPunct="1">
+                    <a:defRPr sz="1800" kern="1200">
+                      <a:solidFill>
+                        <a:schemeClr val="lt1"/>
+                      </a:solidFill>
+                      <a:latin typeface="+mn-lt"/>
+                      <a:ea typeface="+mn-ea"/>
+                      <a:cs typeface="+mn-cs"/>
+                    </a:defRPr>
+                  </a:lvl8pPr>
+                  <a:lvl9pPr marL="3657600" algn="l" defTabSz="914400" rtl="0" eaLnBrk="1" latinLnBrk="0" hangingPunct="1">
+                    <a:defRPr sz="1800" kern="1200">
+                      <a:solidFill>
+                        <a:schemeClr val="lt1"/>
+                      </a:solidFill>
+                      <a:latin typeface="+mn-lt"/>
+                      <a:ea typeface="+mn-ea"/>
+                      <a:cs typeface="+mn-cs"/>
+                    </a:defRPr>
+                  </a:lvl9pPr>
+                </a:lstStyle>
+                <a:p>
+                  <a:pPr algn="ctr"/>
+                  <a:endParaRPr lang="en-US"/>
+                </a:p>
+              </p:txBody>
+            </p:sp>
+          </p:grpSp>
+        </p:grpSp>
+      </p:grpSp>
+    </p:spTree>
+    <p:extLst>
+      <p:ext uri="{BB962C8B-B14F-4D97-AF65-F5344CB8AC3E}">
+        <p14:creationId xmlns:p14="http://schemas.microsoft.com/office/powerpoint/2010/main" val="3993030220"/>
+      </p:ext>
+    </p:extLst>
+  </p:cSld>
+  <p:clrMapOvr>
+    <a:masterClrMapping/>
+  </p:clrMapOvr>
+  <p:timing>
+    <p:tnLst>
+      <p:par>
+        <p:cTn id="1" dur="indefinite" restart="never" nodeType="tmRoot"/>
+      </p:par>
+    </p:tnLst>
+  </p:timing>
+</p:sld>
+</file>
+
+<file path=ppt/slides/slide7.xml><?xml version="1.0" encoding="utf-8"?>
+<p:sld xmlns:a="http://schemas.openxmlformats.org/drawingml/2006/main" xmlns:r="http://schemas.openxmlformats.org/officeDocument/2006/relationships" xmlns:p="http://schemas.openxmlformats.org/presentationml/2006/main">
+  <p:cSld>
+    <p:spTree>
+      <p:nvGrpSpPr>
+        <p:cNvPr id="1" name=""/>
+        <p:cNvGrpSpPr/>
+        <p:nvPr/>
+      </p:nvGrpSpPr>
+      <p:grpSpPr>
+        <a:xfrm>
+          <a:off x="0" y="0"/>
+          <a:ext cx="0" cy="0"/>
+          <a:chOff x="0" y="0"/>
+          <a:chExt cx="0" cy="0"/>
+        </a:xfrm>
+      </p:grpSpPr>
+      <p:sp>
+        <p:nvSpPr>
+          <p:cNvPr id="4" name="Oval 3"/>
+          <p:cNvSpPr/>
+          <p:nvPr/>
+        </p:nvSpPr>
+        <p:spPr>
+          <a:xfrm>
+            <a:off x="1561619" y="1478337"/>
+            <a:ext cx="1042416" cy="1042613"/>
+          </a:xfrm>
+          <a:prstGeom prst="ellipse">
+            <a:avLst/>
+          </a:prstGeom>
+          <a:solidFill>
+            <a:schemeClr val="tx2">
+              <a:lumMod val="60000"/>
+              <a:lumOff val="40000"/>
+            </a:schemeClr>
+          </a:solidFill>
+          <a:ln>
+            <a:noFill/>
+          </a:ln>
+        </p:spPr>
+        <p:style>
+          <a:lnRef idx="2">
+            <a:schemeClr val="accent1">
+              <a:shade val="50000"/>
+            </a:schemeClr>
+          </a:lnRef>
+          <a:fillRef idx="1">
+            <a:schemeClr val="accent1"/>
+          </a:fillRef>
+          <a:effectRef idx="0">
+            <a:schemeClr val="accent1"/>
+          </a:effectRef>
+          <a:fontRef idx="minor">
+            <a:schemeClr val="lt1"/>
+          </a:fontRef>
+        </p:style>
+        <p:txBody>
+          <a:bodyPr rtlCol="0" anchor="ctr"/>
+          <a:lstStyle>
+            <a:defPPr>
+              <a:defRPr lang="en-US"/>
+            </a:defPPr>
+            <a:lvl1pPr marL="0" algn="l" defTabSz="914400" rtl="0" eaLnBrk="1" latinLnBrk="0" hangingPunct="1">
+              <a:defRPr sz="1800" kern="1200">
+                <a:solidFill>
+                  <a:schemeClr val="lt1"/>
+                </a:solidFill>
+                <a:latin typeface="+mn-lt"/>
+                <a:ea typeface="+mn-ea"/>
+                <a:cs typeface="+mn-cs"/>
+              </a:defRPr>
+            </a:lvl1pPr>
+            <a:lvl2pPr marL="457200" algn="l" defTabSz="914400" rtl="0" eaLnBrk="1" latinLnBrk="0" hangingPunct="1">
+              <a:defRPr sz="1800" kern="1200">
+                <a:solidFill>
+                  <a:schemeClr val="lt1"/>
+                </a:solidFill>
+                <a:latin typeface="+mn-lt"/>
+                <a:ea typeface="+mn-ea"/>
+                <a:cs typeface="+mn-cs"/>
+              </a:defRPr>
+            </a:lvl2pPr>
+            <a:lvl3pPr marL="914400" algn="l" defTabSz="914400" rtl="0" eaLnBrk="1" latinLnBrk="0" hangingPunct="1">
+              <a:defRPr sz="1800" kern="1200">
+                <a:solidFill>
+                  <a:schemeClr val="lt1"/>
+                </a:solidFill>
+                <a:latin typeface="+mn-lt"/>
+                <a:ea typeface="+mn-ea"/>
+                <a:cs typeface="+mn-cs"/>
+              </a:defRPr>
+            </a:lvl3pPr>
+            <a:lvl4pPr marL="1371600" algn="l" defTabSz="914400" rtl="0" eaLnBrk="1" latinLnBrk="0" hangingPunct="1">
+              <a:defRPr sz="1800" kern="1200">
+                <a:solidFill>
+                  <a:schemeClr val="lt1"/>
+                </a:solidFill>
+                <a:latin typeface="+mn-lt"/>
+                <a:ea typeface="+mn-ea"/>
+                <a:cs typeface="+mn-cs"/>
+              </a:defRPr>
+            </a:lvl4pPr>
+            <a:lvl5pPr marL="1828800" algn="l" defTabSz="914400" rtl="0" eaLnBrk="1" latinLnBrk="0" hangingPunct="1">
+              <a:defRPr sz="1800" kern="1200">
+                <a:solidFill>
+                  <a:schemeClr val="lt1"/>
+                </a:solidFill>
+                <a:latin typeface="+mn-lt"/>
+                <a:ea typeface="+mn-ea"/>
+                <a:cs typeface="+mn-cs"/>
+              </a:defRPr>
+            </a:lvl5pPr>
+            <a:lvl6pPr marL="2286000" algn="l" defTabSz="914400" rtl="0" eaLnBrk="1" latinLnBrk="0" hangingPunct="1">
+              <a:defRPr sz="1800" kern="1200">
+                <a:solidFill>
+                  <a:schemeClr val="lt1"/>
+                </a:solidFill>
+                <a:latin typeface="+mn-lt"/>
+                <a:ea typeface="+mn-ea"/>
+                <a:cs typeface="+mn-cs"/>
+              </a:defRPr>
+            </a:lvl6pPr>
+            <a:lvl7pPr marL="2743200" algn="l" defTabSz="914400" rtl="0" eaLnBrk="1" latinLnBrk="0" hangingPunct="1">
+              <a:defRPr sz="1800" kern="1200">
+                <a:solidFill>
+                  <a:schemeClr val="lt1"/>
+                </a:solidFill>
+                <a:latin typeface="+mn-lt"/>
+                <a:ea typeface="+mn-ea"/>
+                <a:cs typeface="+mn-cs"/>
+              </a:defRPr>
+            </a:lvl7pPr>
+            <a:lvl8pPr marL="3200400" algn="l" defTabSz="914400" rtl="0" eaLnBrk="1" latinLnBrk="0" hangingPunct="1">
+              <a:defRPr sz="1800" kern="1200">
+                <a:solidFill>
+                  <a:schemeClr val="lt1"/>
+                </a:solidFill>
+                <a:latin typeface="+mn-lt"/>
+                <a:ea typeface="+mn-ea"/>
+                <a:cs typeface="+mn-cs"/>
+              </a:defRPr>
+            </a:lvl8pPr>
+            <a:lvl9pPr marL="3657600" algn="l" defTabSz="914400" rtl="0" eaLnBrk="1" latinLnBrk="0" hangingPunct="1">
+              <a:defRPr sz="1800" kern="1200">
+                <a:solidFill>
+                  <a:schemeClr val="lt1"/>
+                </a:solidFill>
+                <a:latin typeface="+mn-lt"/>
+                <a:ea typeface="+mn-ea"/>
+                <a:cs typeface="+mn-cs"/>
+              </a:defRPr>
+            </a:lvl9pPr>
+          </a:lstStyle>
+          <a:p>
+            <a:endParaRPr lang="en-US" sz="1600"/>
+          </a:p>
+        </p:txBody>
+      </p:sp>
+      <p:sp>
+        <p:nvSpPr>
+          <p:cNvPr id="19" name="TextBox 18"/>
+          <p:cNvSpPr txBox="1"/>
+          <p:nvPr/>
+        </p:nvSpPr>
+        <p:spPr>
+          <a:xfrm>
+            <a:off x="993898" y="1003377"/>
+            <a:ext cx="2276352" cy="469359"/>
+          </a:xfrm>
+          <a:prstGeom prst="rect">
+            <a:avLst/>
+          </a:prstGeom>
+          <a:noFill/>
+        </p:spPr>
+        <p:txBody>
+          <a:bodyPr wrap="square" rtlCol="0">
+            <a:spAutoFit/>
+          </a:bodyPr>
+          <a:lstStyle/>
+          <a:p>
+            <a:pPr algn="ctr"/>
+            <a:r>
+              <a:rPr lang="en-US" sz="1400" dirty="0" smtClean="0">
+                <a:latin typeface="Open Sans" pitchFamily="34" charset="0"/>
+                <a:ea typeface="Open Sans" pitchFamily="34" charset="0"/>
+                <a:cs typeface="Open Sans" pitchFamily="34" charset="0"/>
+              </a:rPr>
+              <a:t>QSSPreview</a:t>
+            </a:r>
+          </a:p>
+          <a:p>
+            <a:pPr algn="ctr"/>
+            <a:r>
+              <a:rPr lang="en-US" sz="1050" dirty="0" smtClean="0">
+                <a:solidFill>
+                  <a:srgbClr val="9F9F9F"/>
+                </a:solidFill>
+                <a:latin typeface="Open Sans" pitchFamily="34" charset="0"/>
+                <a:ea typeface="Open Sans" pitchFamily="34" charset="0"/>
+                <a:cs typeface="Open Sans" pitchFamily="34" charset="0"/>
+              </a:rPr>
+              <a:t>Instantly preview Qt stylesheets</a:t>
+            </a:r>
+          </a:p>
+        </p:txBody>
+      </p:sp>
+      <p:sp>
+        <p:nvSpPr>
+          <p:cNvPr id="21" name="Oval 20"/>
+          <p:cNvSpPr/>
+          <p:nvPr/>
+        </p:nvSpPr>
+        <p:spPr>
+          <a:xfrm>
+            <a:off x="4611395" y="725528"/>
+            <a:ext cx="4064401" cy="4064401"/>
+          </a:xfrm>
+          <a:prstGeom prst="ellipse">
+            <a:avLst/>
+          </a:prstGeom>
+          <a:solidFill>
+            <a:schemeClr val="tx2">
+              <a:lumMod val="60000"/>
+              <a:lumOff val="40000"/>
+            </a:schemeClr>
+          </a:solidFill>
+          <a:ln>
+            <a:noFill/>
+          </a:ln>
+        </p:spPr>
+        <p:style>
+          <a:lnRef idx="2">
+            <a:schemeClr val="accent1">
+              <a:shade val="50000"/>
+            </a:schemeClr>
+          </a:lnRef>
+          <a:fillRef idx="1">
+            <a:schemeClr val="accent1"/>
+          </a:fillRef>
+          <a:effectRef idx="0">
+            <a:schemeClr val="accent1"/>
+          </a:effectRef>
+          <a:fontRef idx="minor">
+            <a:schemeClr val="lt1"/>
+          </a:fontRef>
+        </p:style>
+        <p:txBody>
+          <a:bodyPr rtlCol="0" anchor="ctr"/>
+          <a:lstStyle>
+            <a:defPPr>
+              <a:defRPr lang="en-US"/>
+            </a:defPPr>
+            <a:lvl1pPr marL="0" algn="l" defTabSz="914400" rtl="0" eaLnBrk="1" latinLnBrk="0" hangingPunct="1">
+              <a:defRPr sz="1800" kern="1200">
+                <a:solidFill>
+                  <a:schemeClr val="lt1"/>
+                </a:solidFill>
+                <a:latin typeface="+mn-lt"/>
+                <a:ea typeface="+mn-ea"/>
+                <a:cs typeface="+mn-cs"/>
+              </a:defRPr>
+            </a:lvl1pPr>
+            <a:lvl2pPr marL="457200" algn="l" defTabSz="914400" rtl="0" eaLnBrk="1" latinLnBrk="0" hangingPunct="1">
+              <a:defRPr sz="1800" kern="1200">
+                <a:solidFill>
+                  <a:schemeClr val="lt1"/>
+                </a:solidFill>
+                <a:latin typeface="+mn-lt"/>
+                <a:ea typeface="+mn-ea"/>
+                <a:cs typeface="+mn-cs"/>
+              </a:defRPr>
+            </a:lvl2pPr>
+            <a:lvl3pPr marL="914400" algn="l" defTabSz="914400" rtl="0" eaLnBrk="1" latinLnBrk="0" hangingPunct="1">
+              <a:defRPr sz="1800" kern="1200">
+                <a:solidFill>
+                  <a:schemeClr val="lt1"/>
+                </a:solidFill>
+                <a:latin typeface="+mn-lt"/>
+                <a:ea typeface="+mn-ea"/>
+                <a:cs typeface="+mn-cs"/>
+              </a:defRPr>
+            </a:lvl3pPr>
+            <a:lvl4pPr marL="1371600" algn="l" defTabSz="914400" rtl="0" eaLnBrk="1" latinLnBrk="0" hangingPunct="1">
+              <a:defRPr sz="1800" kern="1200">
+                <a:solidFill>
+                  <a:schemeClr val="lt1"/>
+                </a:solidFill>
+                <a:latin typeface="+mn-lt"/>
+                <a:ea typeface="+mn-ea"/>
+                <a:cs typeface="+mn-cs"/>
+              </a:defRPr>
+            </a:lvl4pPr>
+            <a:lvl5pPr marL="1828800" algn="l" defTabSz="914400" rtl="0" eaLnBrk="1" latinLnBrk="0" hangingPunct="1">
+              <a:defRPr sz="1800" kern="1200">
+                <a:solidFill>
+                  <a:schemeClr val="lt1"/>
+                </a:solidFill>
+                <a:latin typeface="+mn-lt"/>
+                <a:ea typeface="+mn-ea"/>
+                <a:cs typeface="+mn-cs"/>
+              </a:defRPr>
+            </a:lvl5pPr>
+            <a:lvl6pPr marL="2286000" algn="l" defTabSz="914400" rtl="0" eaLnBrk="1" latinLnBrk="0" hangingPunct="1">
+              <a:defRPr sz="1800" kern="1200">
+                <a:solidFill>
+                  <a:schemeClr val="lt1"/>
+                </a:solidFill>
+                <a:latin typeface="+mn-lt"/>
+                <a:ea typeface="+mn-ea"/>
+                <a:cs typeface="+mn-cs"/>
+              </a:defRPr>
+            </a:lvl6pPr>
+            <a:lvl7pPr marL="2743200" algn="l" defTabSz="914400" rtl="0" eaLnBrk="1" latinLnBrk="0" hangingPunct="1">
+              <a:defRPr sz="1800" kern="1200">
+                <a:solidFill>
+                  <a:schemeClr val="lt1"/>
+                </a:solidFill>
+                <a:latin typeface="+mn-lt"/>
+                <a:ea typeface="+mn-ea"/>
+                <a:cs typeface="+mn-cs"/>
+              </a:defRPr>
+            </a:lvl7pPr>
+            <a:lvl8pPr marL="3200400" algn="l" defTabSz="914400" rtl="0" eaLnBrk="1" latinLnBrk="0" hangingPunct="1">
+              <a:defRPr sz="1800" kern="1200">
+                <a:solidFill>
+                  <a:schemeClr val="lt1"/>
+                </a:solidFill>
+                <a:latin typeface="+mn-lt"/>
+                <a:ea typeface="+mn-ea"/>
+                <a:cs typeface="+mn-cs"/>
+              </a:defRPr>
+            </a:lvl8pPr>
+            <a:lvl9pPr marL="3657600" algn="l" defTabSz="914400" rtl="0" eaLnBrk="1" latinLnBrk="0" hangingPunct="1">
+              <a:defRPr sz="1800" kern="1200">
+                <a:solidFill>
+                  <a:schemeClr val="lt1"/>
+                </a:solidFill>
+                <a:latin typeface="+mn-lt"/>
+                <a:ea typeface="+mn-ea"/>
+                <a:cs typeface="+mn-cs"/>
+              </a:defRPr>
+            </a:lvl9pPr>
+          </a:lstStyle>
+          <a:p>
+            <a:pPr algn="ctr"/>
+            <a:r>
+              <a:rPr lang="en-US" sz="19900" dirty="0" smtClean="0">
+                <a:latin typeface="Open Sans Semibold" pitchFamily="34" charset="0"/>
+                <a:ea typeface="Open Sans Semibold" pitchFamily="34" charset="0"/>
+                <a:cs typeface="Open Sans Semibold" pitchFamily="34" charset="0"/>
+              </a:rPr>
+              <a:t>?</a:t>
+            </a:r>
+            <a:endParaRPr lang="en-US" sz="19900" dirty="0">
+              <a:latin typeface="Open Sans Semibold" pitchFamily="34" charset="0"/>
+              <a:ea typeface="Open Sans Semibold" pitchFamily="34" charset="0"/>
+              <a:cs typeface="Open Sans Semibold" pitchFamily="34" charset="0"/>
+            </a:endParaRPr>
+          </a:p>
+        </p:txBody>
+      </p:sp>
+      <p:grpSp>
+        <p:nvGrpSpPr>
+          <p:cNvPr id="26" name="Group 25"/>
+          <p:cNvGrpSpPr/>
+          <p:nvPr/>
+        </p:nvGrpSpPr>
+        <p:grpSpPr>
+          <a:xfrm>
+            <a:off x="1635783" y="3674723"/>
+            <a:ext cx="1404790" cy="2211777"/>
+            <a:chOff x="5803060" y="1472444"/>
+            <a:chExt cx="1681070" cy="2646768"/>
+          </a:xfrm>
+        </p:grpSpPr>
+        <p:sp>
+          <p:nvSpPr>
+            <p:cNvPr id="22" name="Block Arc 21"/>
+            <p:cNvSpPr/>
+            <p:nvPr/>
+          </p:nvSpPr>
+          <p:spPr>
+            <a:xfrm>
+              <a:off x="5803060" y="1472444"/>
+              <a:ext cx="1681070" cy="1681070"/>
+            </a:xfrm>
+            <a:prstGeom prst="blockArc">
+              <a:avLst>
+                <a:gd name="adj1" fmla="val 10800000"/>
+                <a:gd name="adj2" fmla="val 5485923"/>
+                <a:gd name="adj3" fmla="val 20865"/>
+              </a:avLst>
+            </a:prstGeom>
+            <a:solidFill>
+              <a:schemeClr val="bg1"/>
+            </a:solidFill>
+            <a:ln>
+              <a:noFill/>
+            </a:ln>
+          </p:spPr>
+          <p:style>
+            <a:lnRef idx="2">
+              <a:schemeClr val="accent1">
+                <a:shade val="50000"/>
+              </a:schemeClr>
+            </a:lnRef>
+            <a:fillRef idx="1">
+              <a:schemeClr val="accent1"/>
+            </a:fillRef>
+            <a:effectRef idx="0">
+              <a:schemeClr val="accent1"/>
+            </a:effectRef>
+            <a:fontRef idx="minor">
+              <a:schemeClr val="lt1"/>
+            </a:fontRef>
+          </p:style>
+          <p:txBody>
+            <a:bodyPr rtlCol="0" anchor="ctr"/>
+            <a:lstStyle/>
+            <a:p>
+              <a:pPr algn="ctr"/>
+              <a:endParaRPr lang="en-US">
+                <a:solidFill>
+                  <a:schemeClr val="tx1"/>
+                </a:solidFill>
+              </a:endParaRPr>
+            </a:p>
+          </p:txBody>
+        </p:sp>
+        <p:sp>
+          <p:nvSpPr>
+            <p:cNvPr id="23" name="Rectangle 22"/>
+            <p:cNvSpPr/>
+            <p:nvPr/>
+          </p:nvSpPr>
+          <p:spPr>
+            <a:xfrm>
+              <a:off x="6467292" y="2802612"/>
+              <a:ext cx="352604" cy="669164"/>
+            </a:xfrm>
+            <a:prstGeom prst="rect">
+              <a:avLst/>
+            </a:prstGeom>
+            <a:solidFill>
+              <a:schemeClr val="bg1"/>
+            </a:solidFill>
+            <a:ln>
+              <a:noFill/>
+            </a:ln>
+          </p:spPr>
+          <p:style>
+            <a:lnRef idx="2">
+              <a:schemeClr val="accent1">
+                <a:shade val="50000"/>
+              </a:schemeClr>
+            </a:lnRef>
+            <a:fillRef idx="1">
+              <a:schemeClr val="accent1"/>
+            </a:fillRef>
+            <a:effectRef idx="0">
+              <a:schemeClr val="accent1"/>
+            </a:effectRef>
+            <a:fontRef idx="minor">
+              <a:schemeClr val="lt1"/>
+            </a:fontRef>
+          </p:style>
+          <p:txBody>
+            <a:bodyPr rtlCol="0" anchor="ctr"/>
+            <a:lstStyle/>
+            <a:p>
+              <a:pPr algn="ctr"/>
+              <a:endParaRPr lang="en-US"/>
+            </a:p>
+          </p:txBody>
+        </p:sp>
+        <p:sp>
+          <p:nvSpPr>
+            <p:cNvPr id="24" name="Oval 23"/>
+            <p:cNvSpPr/>
+            <p:nvPr/>
+          </p:nvSpPr>
+          <p:spPr>
+            <a:xfrm>
+              <a:off x="6417508" y="3667125"/>
+              <a:ext cx="452175" cy="452087"/>
+            </a:xfrm>
+            <a:prstGeom prst="ellipse">
+              <a:avLst/>
+            </a:prstGeom>
+            <a:solidFill>
+              <a:schemeClr val="bg1"/>
+            </a:solidFill>
+            <a:ln>
+              <a:noFill/>
+            </a:ln>
+          </p:spPr>
+          <p:style>
+            <a:lnRef idx="2">
+              <a:schemeClr val="accent1">
+                <a:shade val="50000"/>
+              </a:schemeClr>
+            </a:lnRef>
+            <a:fillRef idx="1">
+              <a:schemeClr val="accent1"/>
+            </a:fillRef>
+            <a:effectRef idx="0">
+              <a:schemeClr val="accent1"/>
+            </a:effectRef>
+            <a:fontRef idx="minor">
+              <a:schemeClr val="lt1"/>
+            </a:fontRef>
+          </p:style>
+          <p:txBody>
+            <a:bodyPr rtlCol="0" anchor="ctr"/>
+            <a:lstStyle/>
+            <a:p>
+              <a:pPr algn="ctr"/>
+              <a:endParaRPr lang="en-US"/>
+            </a:p>
+          </p:txBody>
+        </p:sp>
+      </p:grpSp>
+      <p:grpSp>
+        <p:nvGrpSpPr>
+          <p:cNvPr id="28" name="Group 27"/>
+          <p:cNvGrpSpPr/>
+          <p:nvPr/>
+        </p:nvGrpSpPr>
+        <p:grpSpPr>
+          <a:xfrm>
+            <a:off x="1821707" y="1599913"/>
+            <a:ext cx="582496" cy="727045"/>
+            <a:chOff x="5630348" y="1279354"/>
+            <a:chExt cx="2198743" cy="2744371"/>
+          </a:xfrm>
+        </p:grpSpPr>
+        <p:sp>
+          <p:nvSpPr>
+            <p:cNvPr id="29" name="Rectangle 28"/>
+            <p:cNvSpPr/>
+            <p:nvPr/>
+          </p:nvSpPr>
+          <p:spPr>
+            <a:xfrm>
+              <a:off x="5891584" y="1852880"/>
+              <a:ext cx="1271156" cy="2170845"/>
+            </a:xfrm>
+            <a:prstGeom prst="rect">
+              <a:avLst/>
+            </a:prstGeom>
+            <a:solidFill>
+              <a:srgbClr val="D7E5F5"/>
+            </a:solidFill>
+            <a:ln>
+              <a:noFill/>
+            </a:ln>
+          </p:spPr>
+          <p:style>
+            <a:lnRef idx="2">
+              <a:schemeClr val="accent1">
+                <a:shade val="50000"/>
+              </a:schemeClr>
+            </a:lnRef>
+            <a:fillRef idx="1">
+              <a:schemeClr val="accent1"/>
+            </a:fillRef>
+            <a:effectRef idx="0">
+              <a:schemeClr val="accent1"/>
+            </a:effectRef>
+            <a:fontRef idx="minor">
+              <a:schemeClr val="lt1"/>
+            </a:fontRef>
+          </p:style>
+          <p:txBody>
+            <a:bodyPr rtlCol="0" anchor="ctr"/>
+            <a:lstStyle>
+              <a:defPPr>
+                <a:defRPr lang="en-US"/>
+              </a:defPPr>
+              <a:lvl1pPr marL="0" algn="l" defTabSz="914400" rtl="0" eaLnBrk="1" latinLnBrk="0" hangingPunct="1">
+                <a:defRPr sz="1800" kern="1200">
+                  <a:solidFill>
+                    <a:schemeClr val="lt1"/>
+                  </a:solidFill>
+                  <a:latin typeface="+mn-lt"/>
+                  <a:ea typeface="+mn-ea"/>
+                  <a:cs typeface="+mn-cs"/>
+                </a:defRPr>
+              </a:lvl1pPr>
+              <a:lvl2pPr marL="457200" algn="l" defTabSz="914400" rtl="0" eaLnBrk="1" latinLnBrk="0" hangingPunct="1">
+                <a:defRPr sz="1800" kern="1200">
+                  <a:solidFill>
+                    <a:schemeClr val="lt1"/>
+                  </a:solidFill>
+                  <a:latin typeface="+mn-lt"/>
+                  <a:ea typeface="+mn-ea"/>
+                  <a:cs typeface="+mn-cs"/>
+                </a:defRPr>
+              </a:lvl2pPr>
+              <a:lvl3pPr marL="914400" algn="l" defTabSz="914400" rtl="0" eaLnBrk="1" latinLnBrk="0" hangingPunct="1">
+                <a:defRPr sz="1800" kern="1200">
+                  <a:solidFill>
+                    <a:schemeClr val="lt1"/>
+                  </a:solidFill>
+                  <a:latin typeface="+mn-lt"/>
+                  <a:ea typeface="+mn-ea"/>
+                  <a:cs typeface="+mn-cs"/>
+                </a:defRPr>
+              </a:lvl3pPr>
+              <a:lvl4pPr marL="1371600" algn="l" defTabSz="914400" rtl="0" eaLnBrk="1" latinLnBrk="0" hangingPunct="1">
+                <a:defRPr sz="1800" kern="1200">
+                  <a:solidFill>
+                    <a:schemeClr val="lt1"/>
+                  </a:solidFill>
+                  <a:latin typeface="+mn-lt"/>
+                  <a:ea typeface="+mn-ea"/>
+                  <a:cs typeface="+mn-cs"/>
+                </a:defRPr>
+              </a:lvl4pPr>
+              <a:lvl5pPr marL="1828800" algn="l" defTabSz="914400" rtl="0" eaLnBrk="1" latinLnBrk="0" hangingPunct="1">
+                <a:defRPr sz="1800" kern="1200">
+                  <a:solidFill>
+                    <a:schemeClr val="lt1"/>
+                  </a:solidFill>
+                  <a:latin typeface="+mn-lt"/>
+                  <a:ea typeface="+mn-ea"/>
+                  <a:cs typeface="+mn-cs"/>
+                </a:defRPr>
+              </a:lvl5pPr>
+              <a:lvl6pPr marL="2286000" algn="l" defTabSz="914400" rtl="0" eaLnBrk="1" latinLnBrk="0" hangingPunct="1">
+                <a:defRPr sz="1800" kern="1200">
+                  <a:solidFill>
+                    <a:schemeClr val="lt1"/>
+                  </a:solidFill>
+                  <a:latin typeface="+mn-lt"/>
+                  <a:ea typeface="+mn-ea"/>
+                  <a:cs typeface="+mn-cs"/>
+                </a:defRPr>
+              </a:lvl6pPr>
+              <a:lvl7pPr marL="2743200" algn="l" defTabSz="914400" rtl="0" eaLnBrk="1" latinLnBrk="0" hangingPunct="1">
+                <a:defRPr sz="1800" kern="1200">
+                  <a:solidFill>
+                    <a:schemeClr val="lt1"/>
+                  </a:solidFill>
+                  <a:latin typeface="+mn-lt"/>
+                  <a:ea typeface="+mn-ea"/>
+                  <a:cs typeface="+mn-cs"/>
+                </a:defRPr>
+              </a:lvl7pPr>
+              <a:lvl8pPr marL="3200400" algn="l" defTabSz="914400" rtl="0" eaLnBrk="1" latinLnBrk="0" hangingPunct="1">
+                <a:defRPr sz="1800" kern="1200">
+                  <a:solidFill>
+                    <a:schemeClr val="lt1"/>
+                  </a:solidFill>
+                  <a:latin typeface="+mn-lt"/>
+                  <a:ea typeface="+mn-ea"/>
+                  <a:cs typeface="+mn-cs"/>
+                </a:defRPr>
+              </a:lvl8pPr>
+              <a:lvl9pPr marL="3657600" algn="l" defTabSz="914400" rtl="0" eaLnBrk="1" latinLnBrk="0" hangingPunct="1">
+                <a:defRPr sz="1800" kern="1200">
+                  <a:solidFill>
+                    <a:schemeClr val="lt1"/>
+                  </a:solidFill>
+                  <a:latin typeface="+mn-lt"/>
+                  <a:ea typeface="+mn-ea"/>
+                  <a:cs typeface="+mn-cs"/>
+                </a:defRPr>
+              </a:lvl9pPr>
+            </a:lstStyle>
+            <a:p>
+              <a:pPr algn="ctr"/>
+              <a:endParaRPr lang="en-US"/>
+            </a:p>
+          </p:txBody>
+        </p:sp>
+        <p:grpSp>
+          <p:nvGrpSpPr>
+            <p:cNvPr id="30" name="Group 29"/>
+            <p:cNvGrpSpPr/>
+            <p:nvPr/>
+          </p:nvGrpSpPr>
+          <p:grpSpPr>
+            <a:xfrm>
+              <a:off x="7162738" y="2234234"/>
+              <a:ext cx="666353" cy="1408140"/>
+              <a:chOff x="5210872" y="1999466"/>
+              <a:chExt cx="666359" cy="1408140"/>
+            </a:xfrm>
+          </p:grpSpPr>
+          <p:sp>
+            <p:nvSpPr>
+              <p:cNvPr id="41" name="Round Same Side Corner Rectangle 40"/>
+              <p:cNvSpPr/>
+              <p:nvPr/>
+            </p:nvSpPr>
+            <p:spPr>
+              <a:xfrm rot="5400000">
+                <a:off x="4839985" y="2370359"/>
+                <a:ext cx="1408140" cy="666353"/>
+              </a:xfrm>
+              <a:prstGeom prst="round2SameRect">
+                <a:avLst>
+                  <a:gd name="adj1" fmla="val 50000"/>
+                  <a:gd name="adj2" fmla="val 0"/>
+                </a:avLst>
+              </a:prstGeom>
+              <a:solidFill>
+                <a:srgbClr val="D7E5F5"/>
+              </a:solidFill>
+              <a:ln>
+                <a:noFill/>
+              </a:ln>
+            </p:spPr>
+            <p:style>
+              <a:lnRef idx="2">
+                <a:schemeClr val="accent1">
+                  <a:shade val="50000"/>
+                </a:schemeClr>
+              </a:lnRef>
+              <a:fillRef idx="1">
+                <a:schemeClr val="accent1"/>
+              </a:fillRef>
+              <a:effectRef idx="0">
+                <a:schemeClr val="accent1"/>
+              </a:effectRef>
+              <a:fontRef idx="minor">
+                <a:schemeClr val="lt1"/>
+              </a:fontRef>
+            </p:style>
+            <p:txBody>
+              <a:bodyPr rtlCol="0" anchor="ctr"/>
+              <a:lstStyle>
+                <a:defPPr>
+                  <a:defRPr lang="en-US"/>
+                </a:defPPr>
+                <a:lvl1pPr marL="0" algn="l" defTabSz="914400" rtl="0" eaLnBrk="1" latinLnBrk="0" hangingPunct="1">
+                  <a:defRPr sz="1800" kern="1200">
+                    <a:solidFill>
+                      <a:schemeClr val="lt1"/>
+                    </a:solidFill>
+                    <a:latin typeface="+mn-lt"/>
+                    <a:ea typeface="+mn-ea"/>
+                    <a:cs typeface="+mn-cs"/>
+                  </a:defRPr>
+                </a:lvl1pPr>
+                <a:lvl2pPr marL="457200" algn="l" defTabSz="914400" rtl="0" eaLnBrk="1" latinLnBrk="0" hangingPunct="1">
+                  <a:defRPr sz="1800" kern="1200">
+                    <a:solidFill>
+                      <a:schemeClr val="lt1"/>
+                    </a:solidFill>
+                    <a:latin typeface="+mn-lt"/>
+                    <a:ea typeface="+mn-ea"/>
+                    <a:cs typeface="+mn-cs"/>
+                  </a:defRPr>
+                </a:lvl2pPr>
+                <a:lvl3pPr marL="914400" algn="l" defTabSz="914400" rtl="0" eaLnBrk="1" latinLnBrk="0" hangingPunct="1">
+                  <a:defRPr sz="1800" kern="1200">
+                    <a:solidFill>
+                      <a:schemeClr val="lt1"/>
+                    </a:solidFill>
+                    <a:latin typeface="+mn-lt"/>
+                    <a:ea typeface="+mn-ea"/>
+                    <a:cs typeface="+mn-cs"/>
+                  </a:defRPr>
+                </a:lvl3pPr>
+                <a:lvl4pPr marL="1371600" algn="l" defTabSz="914400" rtl="0" eaLnBrk="1" latinLnBrk="0" hangingPunct="1">
+                  <a:defRPr sz="1800" kern="1200">
+                    <a:solidFill>
+                      <a:schemeClr val="lt1"/>
+                    </a:solidFill>
+                    <a:latin typeface="+mn-lt"/>
+                    <a:ea typeface="+mn-ea"/>
+                    <a:cs typeface="+mn-cs"/>
+                  </a:defRPr>
+                </a:lvl4pPr>
+                <a:lvl5pPr marL="1828800" algn="l" defTabSz="914400" rtl="0" eaLnBrk="1" latinLnBrk="0" hangingPunct="1">
+                  <a:defRPr sz="1800" kern="1200">
+                    <a:solidFill>
+                      <a:schemeClr val="lt1"/>
+                    </a:solidFill>
+                    <a:latin typeface="+mn-lt"/>
+                    <a:ea typeface="+mn-ea"/>
+                    <a:cs typeface="+mn-cs"/>
+                  </a:defRPr>
+                </a:lvl5pPr>
+                <a:lvl6pPr marL="2286000" algn="l" defTabSz="914400" rtl="0" eaLnBrk="1" latinLnBrk="0" hangingPunct="1">
+                  <a:defRPr sz="1800" kern="1200">
+                    <a:solidFill>
+                      <a:schemeClr val="lt1"/>
+                    </a:solidFill>
+                    <a:latin typeface="+mn-lt"/>
+                    <a:ea typeface="+mn-ea"/>
+                    <a:cs typeface="+mn-cs"/>
+                  </a:defRPr>
+                </a:lvl6pPr>
+                <a:lvl7pPr marL="2743200" algn="l" defTabSz="914400" rtl="0" eaLnBrk="1" latinLnBrk="0" hangingPunct="1">
+                  <a:defRPr sz="1800" kern="1200">
+                    <a:solidFill>
+                      <a:schemeClr val="lt1"/>
+                    </a:solidFill>
+                    <a:latin typeface="+mn-lt"/>
+                    <a:ea typeface="+mn-ea"/>
+                    <a:cs typeface="+mn-cs"/>
+                  </a:defRPr>
+                </a:lvl7pPr>
+                <a:lvl8pPr marL="3200400" algn="l" defTabSz="914400" rtl="0" eaLnBrk="1" latinLnBrk="0" hangingPunct="1">
+                  <a:defRPr sz="1800" kern="1200">
+                    <a:solidFill>
+                      <a:schemeClr val="lt1"/>
+                    </a:solidFill>
+                    <a:latin typeface="+mn-lt"/>
+                    <a:ea typeface="+mn-ea"/>
+                    <a:cs typeface="+mn-cs"/>
+                  </a:defRPr>
+                </a:lvl8pPr>
+                <a:lvl9pPr marL="3657600" algn="l" defTabSz="914400" rtl="0" eaLnBrk="1" latinLnBrk="0" hangingPunct="1">
+                  <a:defRPr sz="1800" kern="1200">
+                    <a:solidFill>
+                      <a:schemeClr val="lt1"/>
+                    </a:solidFill>
+                    <a:latin typeface="+mn-lt"/>
+                    <a:ea typeface="+mn-ea"/>
+                    <a:cs typeface="+mn-cs"/>
+                  </a:defRPr>
+                </a:lvl9pPr>
+              </a:lstStyle>
+              <a:p>
+                <a:pPr algn="ctr"/>
+                <a:endParaRPr lang="en-US"/>
+              </a:p>
+            </p:txBody>
+          </p:sp>
+          <p:sp>
+            <p:nvSpPr>
+              <p:cNvPr id="42" name="Round Same Side Corner Rectangle 41"/>
+              <p:cNvSpPr/>
+              <p:nvPr/>
+            </p:nvSpPr>
+            <p:spPr>
+              <a:xfrm rot="5400000">
+                <a:off x="4953849" y="2472651"/>
+                <a:ext cx="975815" cy="461770"/>
+              </a:xfrm>
+              <a:prstGeom prst="round2SameRect">
+                <a:avLst>
+                  <a:gd name="adj1" fmla="val 29078"/>
+                  <a:gd name="adj2" fmla="val 0"/>
+                </a:avLst>
+              </a:prstGeom>
+              <a:solidFill>
+                <a:schemeClr val="tx2">
+                  <a:lumMod val="60000"/>
+                  <a:lumOff val="40000"/>
+                </a:schemeClr>
+              </a:solidFill>
+              <a:ln>
+                <a:noFill/>
+              </a:ln>
+            </p:spPr>
+            <p:style>
+              <a:lnRef idx="2">
+                <a:schemeClr val="accent1">
+                  <a:shade val="50000"/>
+                </a:schemeClr>
+              </a:lnRef>
+              <a:fillRef idx="1">
+                <a:schemeClr val="accent1"/>
+              </a:fillRef>
+              <a:effectRef idx="0">
+                <a:schemeClr val="accent1"/>
+              </a:effectRef>
+              <a:fontRef idx="minor">
+                <a:schemeClr val="lt1"/>
+              </a:fontRef>
+            </p:style>
+            <p:txBody>
+              <a:bodyPr rtlCol="0" anchor="ctr"/>
+              <a:lstStyle>
+                <a:defPPr>
+                  <a:defRPr lang="en-US"/>
+                </a:defPPr>
+                <a:lvl1pPr marL="0" algn="l" defTabSz="914400" rtl="0" eaLnBrk="1" latinLnBrk="0" hangingPunct="1">
+                  <a:defRPr sz="1800" kern="1200">
+                    <a:solidFill>
+                      <a:schemeClr val="lt1"/>
+                    </a:solidFill>
+                    <a:latin typeface="+mn-lt"/>
+                    <a:ea typeface="+mn-ea"/>
+                    <a:cs typeface="+mn-cs"/>
+                  </a:defRPr>
+                </a:lvl1pPr>
+                <a:lvl2pPr marL="457200" algn="l" defTabSz="914400" rtl="0" eaLnBrk="1" latinLnBrk="0" hangingPunct="1">
+                  <a:defRPr sz="1800" kern="1200">
+                    <a:solidFill>
+                      <a:schemeClr val="lt1"/>
+                    </a:solidFill>
+                    <a:latin typeface="+mn-lt"/>
+                    <a:ea typeface="+mn-ea"/>
+                    <a:cs typeface="+mn-cs"/>
+                  </a:defRPr>
+                </a:lvl2pPr>
+                <a:lvl3pPr marL="914400" algn="l" defTabSz="914400" rtl="0" eaLnBrk="1" latinLnBrk="0" hangingPunct="1">
+                  <a:defRPr sz="1800" kern="1200">
+                    <a:solidFill>
+                      <a:schemeClr val="lt1"/>
+                    </a:solidFill>
+                    <a:latin typeface="+mn-lt"/>
+                    <a:ea typeface="+mn-ea"/>
+                    <a:cs typeface="+mn-cs"/>
+                  </a:defRPr>
+                </a:lvl3pPr>
+                <a:lvl4pPr marL="1371600" algn="l" defTabSz="914400" rtl="0" eaLnBrk="1" latinLnBrk="0" hangingPunct="1">
+                  <a:defRPr sz="1800" kern="1200">
+                    <a:solidFill>
+                      <a:schemeClr val="lt1"/>
+                    </a:solidFill>
+                    <a:latin typeface="+mn-lt"/>
+                    <a:ea typeface="+mn-ea"/>
+                    <a:cs typeface="+mn-cs"/>
+                  </a:defRPr>
+                </a:lvl4pPr>
+                <a:lvl5pPr marL="1828800" algn="l" defTabSz="914400" rtl="0" eaLnBrk="1" latinLnBrk="0" hangingPunct="1">
+                  <a:defRPr sz="1800" kern="1200">
+                    <a:solidFill>
+                      <a:schemeClr val="lt1"/>
+                    </a:solidFill>
+                    <a:latin typeface="+mn-lt"/>
+                    <a:ea typeface="+mn-ea"/>
+                    <a:cs typeface="+mn-cs"/>
+                  </a:defRPr>
+                </a:lvl5pPr>
+                <a:lvl6pPr marL="2286000" algn="l" defTabSz="914400" rtl="0" eaLnBrk="1" latinLnBrk="0" hangingPunct="1">
+                  <a:defRPr sz="1800" kern="1200">
+                    <a:solidFill>
+                      <a:schemeClr val="lt1"/>
+                    </a:solidFill>
+                    <a:latin typeface="+mn-lt"/>
+                    <a:ea typeface="+mn-ea"/>
+                    <a:cs typeface="+mn-cs"/>
+                  </a:defRPr>
+                </a:lvl6pPr>
+                <a:lvl7pPr marL="2743200" algn="l" defTabSz="914400" rtl="0" eaLnBrk="1" latinLnBrk="0" hangingPunct="1">
+                  <a:defRPr sz="1800" kern="1200">
+                    <a:solidFill>
+                      <a:schemeClr val="lt1"/>
+                    </a:solidFill>
+                    <a:latin typeface="+mn-lt"/>
+                    <a:ea typeface="+mn-ea"/>
+                    <a:cs typeface="+mn-cs"/>
+                  </a:defRPr>
+                </a:lvl7pPr>
+                <a:lvl8pPr marL="3200400" algn="l" defTabSz="914400" rtl="0" eaLnBrk="1" latinLnBrk="0" hangingPunct="1">
+                  <a:defRPr sz="1800" kern="1200">
+                    <a:solidFill>
+                      <a:schemeClr val="lt1"/>
+                    </a:solidFill>
+                    <a:latin typeface="+mn-lt"/>
+                    <a:ea typeface="+mn-ea"/>
+                    <a:cs typeface="+mn-cs"/>
+                  </a:defRPr>
+                </a:lvl8pPr>
+                <a:lvl9pPr marL="3657600" algn="l" defTabSz="914400" rtl="0" eaLnBrk="1" latinLnBrk="0" hangingPunct="1">
+                  <a:defRPr sz="1800" kern="1200">
+                    <a:solidFill>
+                      <a:schemeClr val="lt1"/>
+                    </a:solidFill>
+                    <a:latin typeface="+mn-lt"/>
+                    <a:ea typeface="+mn-ea"/>
+                    <a:cs typeface="+mn-cs"/>
+                  </a:defRPr>
+                </a:lvl9pPr>
+              </a:lstStyle>
+              <a:p>
+                <a:pPr algn="ctr"/>
+                <a:endParaRPr lang="en-US"/>
+              </a:p>
+            </p:txBody>
+          </p:sp>
+        </p:grpSp>
+        <p:sp>
+          <p:nvSpPr>
+            <p:cNvPr id="31" name="Rectangle 30"/>
+            <p:cNvSpPr/>
+            <p:nvPr/>
+          </p:nvSpPr>
+          <p:spPr>
+            <a:xfrm>
+              <a:off x="5891584" y="1913948"/>
+              <a:ext cx="1271155" cy="1779459"/>
+            </a:xfrm>
+            <a:prstGeom prst="rect">
+              <a:avLst/>
+            </a:prstGeom>
+            <a:solidFill>
+              <a:srgbClr val="DC9600"/>
+            </a:solidFill>
+            <a:ln>
+              <a:noFill/>
+            </a:ln>
+          </p:spPr>
+          <p:style>
+            <a:lnRef idx="2">
+              <a:schemeClr val="accent1">
+                <a:shade val="50000"/>
+              </a:schemeClr>
+            </a:lnRef>
+            <a:fillRef idx="1">
+              <a:schemeClr val="accent1"/>
+            </a:fillRef>
+            <a:effectRef idx="0">
+              <a:schemeClr val="accent1"/>
+            </a:effectRef>
+            <a:fontRef idx="minor">
+              <a:schemeClr val="lt1"/>
+            </a:fontRef>
+          </p:style>
+          <p:txBody>
+            <a:bodyPr rtlCol="0" anchor="ctr"/>
+            <a:lstStyle>
+              <a:defPPr>
+                <a:defRPr lang="en-US"/>
+              </a:defPPr>
+              <a:lvl1pPr marL="0" algn="l" defTabSz="914400" rtl="0" eaLnBrk="1" latinLnBrk="0" hangingPunct="1">
+                <a:defRPr sz="1800" kern="1200">
+                  <a:solidFill>
+                    <a:schemeClr val="lt1"/>
+                  </a:solidFill>
+                  <a:latin typeface="+mn-lt"/>
+                  <a:ea typeface="+mn-ea"/>
+                  <a:cs typeface="+mn-cs"/>
+                </a:defRPr>
+              </a:lvl1pPr>
+              <a:lvl2pPr marL="457200" algn="l" defTabSz="914400" rtl="0" eaLnBrk="1" latinLnBrk="0" hangingPunct="1">
+                <a:defRPr sz="1800" kern="1200">
+                  <a:solidFill>
+                    <a:schemeClr val="lt1"/>
+                  </a:solidFill>
+                  <a:latin typeface="+mn-lt"/>
+                  <a:ea typeface="+mn-ea"/>
+                  <a:cs typeface="+mn-cs"/>
+                </a:defRPr>
+              </a:lvl2pPr>
+              <a:lvl3pPr marL="914400" algn="l" defTabSz="914400" rtl="0" eaLnBrk="1" latinLnBrk="0" hangingPunct="1">
+                <a:defRPr sz="1800" kern="1200">
+                  <a:solidFill>
+                    <a:schemeClr val="lt1"/>
+                  </a:solidFill>
+                  <a:latin typeface="+mn-lt"/>
+                  <a:ea typeface="+mn-ea"/>
+                  <a:cs typeface="+mn-cs"/>
+                </a:defRPr>
+              </a:lvl3pPr>
+              <a:lvl4pPr marL="1371600" algn="l" defTabSz="914400" rtl="0" eaLnBrk="1" latinLnBrk="0" hangingPunct="1">
+                <a:defRPr sz="1800" kern="1200">
+                  <a:solidFill>
+                    <a:schemeClr val="lt1"/>
+                  </a:solidFill>
+                  <a:latin typeface="+mn-lt"/>
+                  <a:ea typeface="+mn-ea"/>
+                  <a:cs typeface="+mn-cs"/>
+                </a:defRPr>
+              </a:lvl4pPr>
+              <a:lvl5pPr marL="1828800" algn="l" defTabSz="914400" rtl="0" eaLnBrk="1" latinLnBrk="0" hangingPunct="1">
+                <a:defRPr sz="1800" kern="1200">
+                  <a:solidFill>
+                    <a:schemeClr val="lt1"/>
+                  </a:solidFill>
+                  <a:latin typeface="+mn-lt"/>
+                  <a:ea typeface="+mn-ea"/>
+                  <a:cs typeface="+mn-cs"/>
+                </a:defRPr>
+              </a:lvl5pPr>
+              <a:lvl6pPr marL="2286000" algn="l" defTabSz="914400" rtl="0" eaLnBrk="1" latinLnBrk="0" hangingPunct="1">
+                <a:defRPr sz="1800" kern="1200">
+                  <a:solidFill>
+                    <a:schemeClr val="lt1"/>
+                  </a:solidFill>
+                  <a:latin typeface="+mn-lt"/>
+                  <a:ea typeface="+mn-ea"/>
+                  <a:cs typeface="+mn-cs"/>
+                </a:defRPr>
+              </a:lvl6pPr>
+              <a:lvl7pPr marL="2743200" algn="l" defTabSz="914400" rtl="0" eaLnBrk="1" latinLnBrk="0" hangingPunct="1">
+                <a:defRPr sz="1800" kern="1200">
+                  <a:solidFill>
+                    <a:schemeClr val="lt1"/>
+                  </a:solidFill>
+                  <a:latin typeface="+mn-lt"/>
+                  <a:ea typeface="+mn-ea"/>
+                  <a:cs typeface="+mn-cs"/>
+                </a:defRPr>
+              </a:lvl7pPr>
+              <a:lvl8pPr marL="3200400" algn="l" defTabSz="914400" rtl="0" eaLnBrk="1" latinLnBrk="0" hangingPunct="1">
+                <a:defRPr sz="1800" kern="1200">
+                  <a:solidFill>
+                    <a:schemeClr val="lt1"/>
+                  </a:solidFill>
+                  <a:latin typeface="+mn-lt"/>
+                  <a:ea typeface="+mn-ea"/>
+                  <a:cs typeface="+mn-cs"/>
+                </a:defRPr>
+              </a:lvl8pPr>
+              <a:lvl9pPr marL="3657600" algn="l" defTabSz="914400" rtl="0" eaLnBrk="1" latinLnBrk="0" hangingPunct="1">
+                <a:defRPr sz="1800" kern="1200">
+                  <a:solidFill>
+                    <a:schemeClr val="lt1"/>
+                  </a:solidFill>
+                  <a:latin typeface="+mn-lt"/>
+                  <a:ea typeface="+mn-ea"/>
+                  <a:cs typeface="+mn-cs"/>
+                </a:defRPr>
+              </a:lvl9pPr>
+            </a:lstStyle>
+            <a:p>
+              <a:pPr algn="ctr"/>
+              <a:endParaRPr lang="en-US"/>
+            </a:p>
+          </p:txBody>
+        </p:sp>
+        <p:sp>
+          <p:nvSpPr>
+            <p:cNvPr id="32" name="Rectangle 31"/>
+            <p:cNvSpPr/>
+            <p:nvPr/>
+          </p:nvSpPr>
+          <p:spPr>
+            <a:xfrm>
+              <a:off x="5891584" y="1852880"/>
+              <a:ext cx="113645" cy="1840528"/>
+            </a:xfrm>
+            <a:prstGeom prst="rect">
+              <a:avLst/>
+            </a:prstGeom>
+            <a:solidFill>
+              <a:srgbClr val="D7E5F5"/>
+            </a:solidFill>
+            <a:ln>
+              <a:noFill/>
+            </a:ln>
+          </p:spPr>
+          <p:style>
+            <a:lnRef idx="2">
+              <a:schemeClr val="accent1">
+                <a:shade val="50000"/>
+              </a:schemeClr>
+            </a:lnRef>
+            <a:fillRef idx="1">
+              <a:schemeClr val="accent1"/>
+            </a:fillRef>
+            <a:effectRef idx="0">
+              <a:schemeClr val="accent1"/>
+            </a:effectRef>
+            <a:fontRef idx="minor">
+              <a:schemeClr val="lt1"/>
+            </a:fontRef>
+          </p:style>
+          <p:txBody>
+            <a:bodyPr rtlCol="0" anchor="ctr"/>
+            <a:lstStyle>
+              <a:defPPr>
+                <a:defRPr lang="en-US"/>
+              </a:defPPr>
+              <a:lvl1pPr marL="0" algn="l" defTabSz="914400" rtl="0" eaLnBrk="1" latinLnBrk="0" hangingPunct="1">
+                <a:defRPr sz="1800" kern="1200">
+                  <a:solidFill>
+                    <a:schemeClr val="lt1"/>
+                  </a:solidFill>
+                  <a:latin typeface="+mn-lt"/>
+                  <a:ea typeface="+mn-ea"/>
+                  <a:cs typeface="+mn-cs"/>
+                </a:defRPr>
+              </a:lvl1pPr>
+              <a:lvl2pPr marL="457200" algn="l" defTabSz="914400" rtl="0" eaLnBrk="1" latinLnBrk="0" hangingPunct="1">
+                <a:defRPr sz="1800" kern="1200">
+                  <a:solidFill>
+                    <a:schemeClr val="lt1"/>
+                  </a:solidFill>
+                  <a:latin typeface="+mn-lt"/>
+                  <a:ea typeface="+mn-ea"/>
+                  <a:cs typeface="+mn-cs"/>
+                </a:defRPr>
+              </a:lvl2pPr>
+              <a:lvl3pPr marL="914400" algn="l" defTabSz="914400" rtl="0" eaLnBrk="1" latinLnBrk="0" hangingPunct="1">
+                <a:defRPr sz="1800" kern="1200">
+                  <a:solidFill>
+                    <a:schemeClr val="lt1"/>
+                  </a:solidFill>
+                  <a:latin typeface="+mn-lt"/>
+                  <a:ea typeface="+mn-ea"/>
+                  <a:cs typeface="+mn-cs"/>
+                </a:defRPr>
+              </a:lvl3pPr>
+              <a:lvl4pPr marL="1371600" algn="l" defTabSz="914400" rtl="0" eaLnBrk="1" latinLnBrk="0" hangingPunct="1">
+                <a:defRPr sz="1800" kern="1200">
+                  <a:solidFill>
+                    <a:schemeClr val="lt1"/>
+                  </a:solidFill>
+                  <a:latin typeface="+mn-lt"/>
+                  <a:ea typeface="+mn-ea"/>
+                  <a:cs typeface="+mn-cs"/>
+                </a:defRPr>
+              </a:lvl4pPr>
+              <a:lvl5pPr marL="1828800" algn="l" defTabSz="914400" rtl="0" eaLnBrk="1" latinLnBrk="0" hangingPunct="1">
+                <a:defRPr sz="1800" kern="1200">
+                  <a:solidFill>
+                    <a:schemeClr val="lt1"/>
+                  </a:solidFill>
+                  <a:latin typeface="+mn-lt"/>
+                  <a:ea typeface="+mn-ea"/>
+                  <a:cs typeface="+mn-cs"/>
+                </a:defRPr>
+              </a:lvl5pPr>
+              <a:lvl6pPr marL="2286000" algn="l" defTabSz="914400" rtl="0" eaLnBrk="1" latinLnBrk="0" hangingPunct="1">
+                <a:defRPr sz="1800" kern="1200">
+                  <a:solidFill>
+                    <a:schemeClr val="lt1"/>
+                  </a:solidFill>
+                  <a:latin typeface="+mn-lt"/>
+                  <a:ea typeface="+mn-ea"/>
+                  <a:cs typeface="+mn-cs"/>
+                </a:defRPr>
+              </a:lvl6pPr>
+              <a:lvl7pPr marL="2743200" algn="l" defTabSz="914400" rtl="0" eaLnBrk="1" latinLnBrk="0" hangingPunct="1">
+                <a:defRPr sz="1800" kern="1200">
+                  <a:solidFill>
+                    <a:schemeClr val="lt1"/>
+                  </a:solidFill>
+                  <a:latin typeface="+mn-lt"/>
+                  <a:ea typeface="+mn-ea"/>
+                  <a:cs typeface="+mn-cs"/>
+                </a:defRPr>
+              </a:lvl7pPr>
+              <a:lvl8pPr marL="3200400" algn="l" defTabSz="914400" rtl="0" eaLnBrk="1" latinLnBrk="0" hangingPunct="1">
+                <a:defRPr sz="1800" kern="1200">
+                  <a:solidFill>
+                    <a:schemeClr val="lt1"/>
+                  </a:solidFill>
+                  <a:latin typeface="+mn-lt"/>
+                  <a:ea typeface="+mn-ea"/>
+                  <a:cs typeface="+mn-cs"/>
+                </a:defRPr>
+              </a:lvl8pPr>
+              <a:lvl9pPr marL="3657600" algn="l" defTabSz="914400" rtl="0" eaLnBrk="1" latinLnBrk="0" hangingPunct="1">
+                <a:defRPr sz="1800" kern="1200">
+                  <a:solidFill>
+                    <a:schemeClr val="lt1"/>
+                  </a:solidFill>
+                  <a:latin typeface="+mn-lt"/>
+                  <a:ea typeface="+mn-ea"/>
+                  <a:cs typeface="+mn-cs"/>
+                </a:defRPr>
+              </a:lvl9pPr>
+            </a:lstStyle>
+            <a:p>
+              <a:pPr algn="ctr"/>
+              <a:endParaRPr lang="en-US"/>
+            </a:p>
+          </p:txBody>
+        </p:sp>
+        <p:sp>
+          <p:nvSpPr>
+            <p:cNvPr id="33" name="Rectangle 32"/>
+            <p:cNvSpPr/>
+            <p:nvPr/>
+          </p:nvSpPr>
+          <p:spPr>
+            <a:xfrm>
+              <a:off x="7049093" y="1852880"/>
+              <a:ext cx="113645" cy="1840528"/>
+            </a:xfrm>
+            <a:prstGeom prst="rect">
+              <a:avLst/>
+            </a:prstGeom>
+            <a:solidFill>
+              <a:srgbClr val="D7E5F5"/>
+            </a:solidFill>
+            <a:ln>
+              <a:noFill/>
+            </a:ln>
+          </p:spPr>
+          <p:style>
+            <a:lnRef idx="2">
+              <a:schemeClr val="accent1">
+                <a:shade val="50000"/>
+              </a:schemeClr>
+            </a:lnRef>
+            <a:fillRef idx="1">
+              <a:schemeClr val="accent1"/>
+            </a:fillRef>
+            <a:effectRef idx="0">
+              <a:schemeClr val="accent1"/>
+            </a:effectRef>
+            <a:fontRef idx="minor">
+              <a:schemeClr val="lt1"/>
+            </a:fontRef>
+          </p:style>
+          <p:txBody>
+            <a:bodyPr rtlCol="0" anchor="ctr"/>
+            <a:lstStyle>
+              <a:defPPr>
+                <a:defRPr lang="en-US"/>
+              </a:defPPr>
+              <a:lvl1pPr marL="0" algn="l" defTabSz="914400" rtl="0" eaLnBrk="1" latinLnBrk="0" hangingPunct="1">
+                <a:defRPr sz="1800" kern="1200">
+                  <a:solidFill>
+                    <a:schemeClr val="lt1"/>
+                  </a:solidFill>
+                  <a:latin typeface="+mn-lt"/>
+                  <a:ea typeface="+mn-ea"/>
+                  <a:cs typeface="+mn-cs"/>
+                </a:defRPr>
+              </a:lvl1pPr>
+              <a:lvl2pPr marL="457200" algn="l" defTabSz="914400" rtl="0" eaLnBrk="1" latinLnBrk="0" hangingPunct="1">
+                <a:defRPr sz="1800" kern="1200">
+                  <a:solidFill>
+                    <a:schemeClr val="lt1"/>
+                  </a:solidFill>
+                  <a:latin typeface="+mn-lt"/>
+                  <a:ea typeface="+mn-ea"/>
+                  <a:cs typeface="+mn-cs"/>
+                </a:defRPr>
+              </a:lvl2pPr>
+              <a:lvl3pPr marL="914400" algn="l" defTabSz="914400" rtl="0" eaLnBrk="1" latinLnBrk="0" hangingPunct="1">
+                <a:defRPr sz="1800" kern="1200">
+                  <a:solidFill>
+                    <a:schemeClr val="lt1"/>
+                  </a:solidFill>
+                  <a:latin typeface="+mn-lt"/>
+                  <a:ea typeface="+mn-ea"/>
+                  <a:cs typeface="+mn-cs"/>
+                </a:defRPr>
+              </a:lvl3pPr>
+              <a:lvl4pPr marL="1371600" algn="l" defTabSz="914400" rtl="0" eaLnBrk="1" latinLnBrk="0" hangingPunct="1">
+                <a:defRPr sz="1800" kern="1200">
+                  <a:solidFill>
+                    <a:schemeClr val="lt1"/>
+                  </a:solidFill>
+                  <a:latin typeface="+mn-lt"/>
+                  <a:ea typeface="+mn-ea"/>
+                  <a:cs typeface="+mn-cs"/>
+                </a:defRPr>
+              </a:lvl4pPr>
+              <a:lvl5pPr marL="1828800" algn="l" defTabSz="914400" rtl="0" eaLnBrk="1" latinLnBrk="0" hangingPunct="1">
+                <a:defRPr sz="1800" kern="1200">
+                  <a:solidFill>
+                    <a:schemeClr val="lt1"/>
+                  </a:solidFill>
+                  <a:latin typeface="+mn-lt"/>
+                  <a:ea typeface="+mn-ea"/>
+                  <a:cs typeface="+mn-cs"/>
+                </a:defRPr>
+              </a:lvl5pPr>
+              <a:lvl6pPr marL="2286000" algn="l" defTabSz="914400" rtl="0" eaLnBrk="1" latinLnBrk="0" hangingPunct="1">
+                <a:defRPr sz="1800" kern="1200">
+                  <a:solidFill>
+                    <a:schemeClr val="lt1"/>
+                  </a:solidFill>
+                  <a:latin typeface="+mn-lt"/>
+                  <a:ea typeface="+mn-ea"/>
+                  <a:cs typeface="+mn-cs"/>
+                </a:defRPr>
+              </a:lvl6pPr>
+              <a:lvl7pPr marL="2743200" algn="l" defTabSz="914400" rtl="0" eaLnBrk="1" latinLnBrk="0" hangingPunct="1">
+                <a:defRPr sz="1800" kern="1200">
+                  <a:solidFill>
+                    <a:schemeClr val="lt1"/>
+                  </a:solidFill>
+                  <a:latin typeface="+mn-lt"/>
+                  <a:ea typeface="+mn-ea"/>
+                  <a:cs typeface="+mn-cs"/>
+                </a:defRPr>
+              </a:lvl7pPr>
+              <a:lvl8pPr marL="3200400" algn="l" defTabSz="914400" rtl="0" eaLnBrk="1" latinLnBrk="0" hangingPunct="1">
+                <a:defRPr sz="1800" kern="1200">
+                  <a:solidFill>
+                    <a:schemeClr val="lt1"/>
+                  </a:solidFill>
+                  <a:latin typeface="+mn-lt"/>
+                  <a:ea typeface="+mn-ea"/>
+                  <a:cs typeface="+mn-cs"/>
+                </a:defRPr>
+              </a:lvl8pPr>
+              <a:lvl9pPr marL="3657600" algn="l" defTabSz="914400" rtl="0" eaLnBrk="1" latinLnBrk="0" hangingPunct="1">
+                <a:defRPr sz="1800" kern="1200">
+                  <a:solidFill>
+                    <a:schemeClr val="lt1"/>
+                  </a:solidFill>
+                  <a:latin typeface="+mn-lt"/>
+                  <a:ea typeface="+mn-ea"/>
+                  <a:cs typeface="+mn-cs"/>
+                </a:defRPr>
+              </a:lvl9pPr>
+            </a:lstStyle>
+            <a:p>
+              <a:pPr algn="ctr"/>
+              <a:endParaRPr lang="en-US"/>
+            </a:p>
+          </p:txBody>
+        </p:sp>
+        <p:sp>
+          <p:nvSpPr>
+            <p:cNvPr id="34" name="Oval 33"/>
+            <p:cNvSpPr/>
+            <p:nvPr/>
+          </p:nvSpPr>
+          <p:spPr>
+            <a:xfrm>
+              <a:off x="5630348" y="1736591"/>
+              <a:ext cx="451592" cy="451592"/>
+            </a:xfrm>
+            <a:prstGeom prst="ellipse">
+              <a:avLst/>
+            </a:prstGeom>
+            <a:solidFill>
+              <a:schemeClr val="bg1"/>
+            </a:solidFill>
+            <a:ln>
+              <a:noFill/>
+            </a:ln>
+          </p:spPr>
+          <p:style>
+            <a:lnRef idx="2">
+              <a:schemeClr val="accent1">
+                <a:shade val="50000"/>
+              </a:schemeClr>
+            </a:lnRef>
+            <a:fillRef idx="1">
+              <a:schemeClr val="accent1"/>
+            </a:fillRef>
+            <a:effectRef idx="0">
+              <a:schemeClr val="accent1"/>
+            </a:effectRef>
+            <a:fontRef idx="minor">
+              <a:schemeClr val="lt1"/>
+            </a:fontRef>
+          </p:style>
+          <p:txBody>
+            <a:bodyPr rtlCol="0" anchor="ctr"/>
+            <a:lstStyle>
+              <a:defPPr>
+                <a:defRPr lang="en-US"/>
+              </a:defPPr>
+              <a:lvl1pPr marL="0" algn="l" defTabSz="914400" rtl="0" eaLnBrk="1" latinLnBrk="0" hangingPunct="1">
+                <a:defRPr sz="1800" kern="1200">
+                  <a:solidFill>
+                    <a:schemeClr val="lt1"/>
+                  </a:solidFill>
+                  <a:latin typeface="+mn-lt"/>
+                  <a:ea typeface="+mn-ea"/>
+                  <a:cs typeface="+mn-cs"/>
+                </a:defRPr>
+              </a:lvl1pPr>
+              <a:lvl2pPr marL="457200" algn="l" defTabSz="914400" rtl="0" eaLnBrk="1" latinLnBrk="0" hangingPunct="1">
+                <a:defRPr sz="1800" kern="1200">
+                  <a:solidFill>
+                    <a:schemeClr val="lt1"/>
+                  </a:solidFill>
+                  <a:latin typeface="+mn-lt"/>
+                  <a:ea typeface="+mn-ea"/>
+                  <a:cs typeface="+mn-cs"/>
+                </a:defRPr>
+              </a:lvl2pPr>
+              <a:lvl3pPr marL="914400" algn="l" defTabSz="914400" rtl="0" eaLnBrk="1" latinLnBrk="0" hangingPunct="1">
+                <a:defRPr sz="1800" kern="1200">
+                  <a:solidFill>
+                    <a:schemeClr val="lt1"/>
+                  </a:solidFill>
+                  <a:latin typeface="+mn-lt"/>
+                  <a:ea typeface="+mn-ea"/>
+                  <a:cs typeface="+mn-cs"/>
+                </a:defRPr>
+              </a:lvl3pPr>
+              <a:lvl4pPr marL="1371600" algn="l" defTabSz="914400" rtl="0" eaLnBrk="1" latinLnBrk="0" hangingPunct="1">
+                <a:defRPr sz="1800" kern="1200">
+                  <a:solidFill>
+                    <a:schemeClr val="lt1"/>
+                  </a:solidFill>
+                  <a:latin typeface="+mn-lt"/>
+                  <a:ea typeface="+mn-ea"/>
+                  <a:cs typeface="+mn-cs"/>
+                </a:defRPr>
+              </a:lvl4pPr>
+              <a:lvl5pPr marL="1828800" algn="l" defTabSz="914400" rtl="0" eaLnBrk="1" latinLnBrk="0" hangingPunct="1">
+                <a:defRPr sz="1800" kern="1200">
+                  <a:solidFill>
+                    <a:schemeClr val="lt1"/>
+                  </a:solidFill>
+                  <a:latin typeface="+mn-lt"/>
+                  <a:ea typeface="+mn-ea"/>
+                  <a:cs typeface="+mn-cs"/>
+                </a:defRPr>
+              </a:lvl5pPr>
+              <a:lvl6pPr marL="2286000" algn="l" defTabSz="914400" rtl="0" eaLnBrk="1" latinLnBrk="0" hangingPunct="1">
+                <a:defRPr sz="1800" kern="1200">
+                  <a:solidFill>
+                    <a:schemeClr val="lt1"/>
+                  </a:solidFill>
+                  <a:latin typeface="+mn-lt"/>
+                  <a:ea typeface="+mn-ea"/>
+                  <a:cs typeface="+mn-cs"/>
+                </a:defRPr>
+              </a:lvl6pPr>
+              <a:lvl7pPr marL="2743200" algn="l" defTabSz="914400" rtl="0" eaLnBrk="1" latinLnBrk="0" hangingPunct="1">
+                <a:defRPr sz="1800" kern="1200">
+                  <a:solidFill>
+                    <a:schemeClr val="lt1"/>
+                  </a:solidFill>
+                  <a:latin typeface="+mn-lt"/>
+                  <a:ea typeface="+mn-ea"/>
+                  <a:cs typeface="+mn-cs"/>
+                </a:defRPr>
+              </a:lvl7pPr>
+              <a:lvl8pPr marL="3200400" algn="l" defTabSz="914400" rtl="0" eaLnBrk="1" latinLnBrk="0" hangingPunct="1">
+                <a:defRPr sz="1800" kern="1200">
+                  <a:solidFill>
+                    <a:schemeClr val="lt1"/>
+                  </a:solidFill>
+                  <a:latin typeface="+mn-lt"/>
+                  <a:ea typeface="+mn-ea"/>
+                  <a:cs typeface="+mn-cs"/>
+                </a:defRPr>
+              </a:lvl8pPr>
+              <a:lvl9pPr marL="3657600" algn="l" defTabSz="914400" rtl="0" eaLnBrk="1" latinLnBrk="0" hangingPunct="1">
+                <a:defRPr sz="1800" kern="1200">
+                  <a:solidFill>
+                    <a:schemeClr val="lt1"/>
+                  </a:solidFill>
+                  <a:latin typeface="+mn-lt"/>
+                  <a:ea typeface="+mn-ea"/>
+                  <a:cs typeface="+mn-cs"/>
+                </a:defRPr>
+              </a:lvl9pPr>
+            </a:lstStyle>
+            <a:p>
+              <a:pPr algn="ctr"/>
+              <a:endParaRPr lang="en-US"/>
+            </a:p>
+          </p:txBody>
+        </p:sp>
+        <p:sp>
+          <p:nvSpPr>
+            <p:cNvPr id="35" name="Oval 34"/>
+            <p:cNvSpPr/>
+            <p:nvPr/>
+          </p:nvSpPr>
+          <p:spPr>
+            <a:xfrm>
+              <a:off x="5874644" y="1279354"/>
+              <a:ext cx="836381" cy="836381"/>
+            </a:xfrm>
+            <a:prstGeom prst="ellipse">
+              <a:avLst/>
+            </a:prstGeom>
+            <a:solidFill>
+              <a:schemeClr val="bg1"/>
+            </a:solidFill>
+            <a:ln>
+              <a:noFill/>
+            </a:ln>
+          </p:spPr>
+          <p:style>
+            <a:lnRef idx="2">
+              <a:schemeClr val="accent1">
+                <a:shade val="50000"/>
+              </a:schemeClr>
+            </a:lnRef>
+            <a:fillRef idx="1">
+              <a:schemeClr val="accent1"/>
+            </a:fillRef>
+            <a:effectRef idx="0">
+              <a:schemeClr val="accent1"/>
+            </a:effectRef>
+            <a:fontRef idx="minor">
+              <a:schemeClr val="lt1"/>
+            </a:fontRef>
+          </p:style>
+          <p:txBody>
+            <a:bodyPr rtlCol="0" anchor="ctr"/>
+            <a:lstStyle>
+              <a:defPPr>
+                <a:defRPr lang="en-US"/>
+              </a:defPPr>
+              <a:lvl1pPr marL="0" algn="l" defTabSz="914400" rtl="0" eaLnBrk="1" latinLnBrk="0" hangingPunct="1">
+                <a:defRPr sz="1800" kern="1200">
+                  <a:solidFill>
+                    <a:schemeClr val="lt1"/>
+                  </a:solidFill>
+                  <a:latin typeface="+mn-lt"/>
+                  <a:ea typeface="+mn-ea"/>
+                  <a:cs typeface="+mn-cs"/>
+                </a:defRPr>
+              </a:lvl1pPr>
+              <a:lvl2pPr marL="457200" algn="l" defTabSz="914400" rtl="0" eaLnBrk="1" latinLnBrk="0" hangingPunct="1">
+                <a:defRPr sz="1800" kern="1200">
+                  <a:solidFill>
+                    <a:schemeClr val="lt1"/>
+                  </a:solidFill>
+                  <a:latin typeface="+mn-lt"/>
+                  <a:ea typeface="+mn-ea"/>
+                  <a:cs typeface="+mn-cs"/>
+                </a:defRPr>
+              </a:lvl2pPr>
+              <a:lvl3pPr marL="914400" algn="l" defTabSz="914400" rtl="0" eaLnBrk="1" latinLnBrk="0" hangingPunct="1">
+                <a:defRPr sz="1800" kern="1200">
+                  <a:solidFill>
+                    <a:schemeClr val="lt1"/>
+                  </a:solidFill>
+                  <a:latin typeface="+mn-lt"/>
+                  <a:ea typeface="+mn-ea"/>
+                  <a:cs typeface="+mn-cs"/>
+                </a:defRPr>
+              </a:lvl3pPr>
+              <a:lvl4pPr marL="1371600" algn="l" defTabSz="914400" rtl="0" eaLnBrk="1" latinLnBrk="0" hangingPunct="1">
+                <a:defRPr sz="1800" kern="1200">
+                  <a:solidFill>
+                    <a:schemeClr val="lt1"/>
+                  </a:solidFill>
+                  <a:latin typeface="+mn-lt"/>
+                  <a:ea typeface="+mn-ea"/>
+                  <a:cs typeface="+mn-cs"/>
+                </a:defRPr>
+              </a:lvl4pPr>
+              <a:lvl5pPr marL="1828800" algn="l" defTabSz="914400" rtl="0" eaLnBrk="1" latinLnBrk="0" hangingPunct="1">
+                <a:defRPr sz="1800" kern="1200">
+                  <a:solidFill>
+                    <a:schemeClr val="lt1"/>
+                  </a:solidFill>
+                  <a:latin typeface="+mn-lt"/>
+                  <a:ea typeface="+mn-ea"/>
+                  <a:cs typeface="+mn-cs"/>
+                </a:defRPr>
+              </a:lvl5pPr>
+              <a:lvl6pPr marL="2286000" algn="l" defTabSz="914400" rtl="0" eaLnBrk="1" latinLnBrk="0" hangingPunct="1">
+                <a:defRPr sz="1800" kern="1200">
+                  <a:solidFill>
+                    <a:schemeClr val="lt1"/>
+                  </a:solidFill>
+                  <a:latin typeface="+mn-lt"/>
+                  <a:ea typeface="+mn-ea"/>
+                  <a:cs typeface="+mn-cs"/>
+                </a:defRPr>
+              </a:lvl6pPr>
+              <a:lvl7pPr marL="2743200" algn="l" defTabSz="914400" rtl="0" eaLnBrk="1" latinLnBrk="0" hangingPunct="1">
+                <a:defRPr sz="1800" kern="1200">
+                  <a:solidFill>
+                    <a:schemeClr val="lt1"/>
+                  </a:solidFill>
+                  <a:latin typeface="+mn-lt"/>
+                  <a:ea typeface="+mn-ea"/>
+                  <a:cs typeface="+mn-cs"/>
+                </a:defRPr>
+              </a:lvl7pPr>
+              <a:lvl8pPr marL="3200400" algn="l" defTabSz="914400" rtl="0" eaLnBrk="1" latinLnBrk="0" hangingPunct="1">
+                <a:defRPr sz="1800" kern="1200">
+                  <a:solidFill>
+                    <a:schemeClr val="lt1"/>
+                  </a:solidFill>
+                  <a:latin typeface="+mn-lt"/>
+                  <a:ea typeface="+mn-ea"/>
+                  <a:cs typeface="+mn-cs"/>
+                </a:defRPr>
+              </a:lvl8pPr>
+              <a:lvl9pPr marL="3657600" algn="l" defTabSz="914400" rtl="0" eaLnBrk="1" latinLnBrk="0" hangingPunct="1">
+                <a:defRPr sz="1800" kern="1200">
+                  <a:solidFill>
+                    <a:schemeClr val="lt1"/>
+                  </a:solidFill>
+                  <a:latin typeface="+mn-lt"/>
+                  <a:ea typeface="+mn-ea"/>
+                  <a:cs typeface="+mn-cs"/>
+                </a:defRPr>
+              </a:lvl9pPr>
+            </a:lstStyle>
+            <a:p>
+              <a:pPr algn="ctr"/>
+              <a:endParaRPr lang="en-US"/>
+            </a:p>
+          </p:txBody>
+        </p:sp>
+        <p:sp>
+          <p:nvSpPr>
+            <p:cNvPr id="36" name="Oval 35"/>
+            <p:cNvSpPr/>
+            <p:nvPr/>
+          </p:nvSpPr>
+          <p:spPr>
+            <a:xfrm>
+              <a:off x="6971615" y="1787275"/>
+              <a:ext cx="380348" cy="380348"/>
+            </a:xfrm>
+            <a:prstGeom prst="ellipse">
+              <a:avLst/>
+            </a:prstGeom>
+            <a:solidFill>
+              <a:schemeClr val="bg1"/>
+            </a:solidFill>
+            <a:ln>
+              <a:noFill/>
+            </a:ln>
+          </p:spPr>
+          <p:style>
+            <a:lnRef idx="2">
+              <a:schemeClr val="accent1">
+                <a:shade val="50000"/>
+              </a:schemeClr>
+            </a:lnRef>
+            <a:fillRef idx="1">
+              <a:schemeClr val="accent1"/>
+            </a:fillRef>
+            <a:effectRef idx="0">
+              <a:schemeClr val="accent1"/>
+            </a:effectRef>
+            <a:fontRef idx="minor">
+              <a:schemeClr val="lt1"/>
+            </a:fontRef>
+          </p:style>
+          <p:txBody>
+            <a:bodyPr rtlCol="0" anchor="ctr"/>
+            <a:lstStyle>
+              <a:defPPr>
+                <a:defRPr lang="en-US"/>
+              </a:defPPr>
+              <a:lvl1pPr marL="0" algn="l" defTabSz="914400" rtl="0" eaLnBrk="1" latinLnBrk="0" hangingPunct="1">
+                <a:defRPr sz="1800" kern="1200">
+                  <a:solidFill>
+                    <a:schemeClr val="lt1"/>
+                  </a:solidFill>
+                  <a:latin typeface="+mn-lt"/>
+                  <a:ea typeface="+mn-ea"/>
+                  <a:cs typeface="+mn-cs"/>
+                </a:defRPr>
+              </a:lvl1pPr>
+              <a:lvl2pPr marL="457200" algn="l" defTabSz="914400" rtl="0" eaLnBrk="1" latinLnBrk="0" hangingPunct="1">
+                <a:defRPr sz="1800" kern="1200">
+                  <a:solidFill>
+                    <a:schemeClr val="lt1"/>
+                  </a:solidFill>
+                  <a:latin typeface="+mn-lt"/>
+                  <a:ea typeface="+mn-ea"/>
+                  <a:cs typeface="+mn-cs"/>
+                </a:defRPr>
+              </a:lvl2pPr>
+              <a:lvl3pPr marL="914400" algn="l" defTabSz="914400" rtl="0" eaLnBrk="1" latinLnBrk="0" hangingPunct="1">
+                <a:defRPr sz="1800" kern="1200">
+                  <a:solidFill>
+                    <a:schemeClr val="lt1"/>
+                  </a:solidFill>
+                  <a:latin typeface="+mn-lt"/>
+                  <a:ea typeface="+mn-ea"/>
+                  <a:cs typeface="+mn-cs"/>
+                </a:defRPr>
+              </a:lvl3pPr>
+              <a:lvl4pPr marL="1371600" algn="l" defTabSz="914400" rtl="0" eaLnBrk="1" latinLnBrk="0" hangingPunct="1">
+                <a:defRPr sz="1800" kern="1200">
+                  <a:solidFill>
+                    <a:schemeClr val="lt1"/>
+                  </a:solidFill>
+                  <a:latin typeface="+mn-lt"/>
+                  <a:ea typeface="+mn-ea"/>
+                  <a:cs typeface="+mn-cs"/>
+                </a:defRPr>
+              </a:lvl4pPr>
+              <a:lvl5pPr marL="1828800" algn="l" defTabSz="914400" rtl="0" eaLnBrk="1" latinLnBrk="0" hangingPunct="1">
+                <a:defRPr sz="1800" kern="1200">
+                  <a:solidFill>
+                    <a:schemeClr val="lt1"/>
+                  </a:solidFill>
+                  <a:latin typeface="+mn-lt"/>
+                  <a:ea typeface="+mn-ea"/>
+                  <a:cs typeface="+mn-cs"/>
+                </a:defRPr>
+              </a:lvl5pPr>
+              <a:lvl6pPr marL="2286000" algn="l" defTabSz="914400" rtl="0" eaLnBrk="1" latinLnBrk="0" hangingPunct="1">
+                <a:defRPr sz="1800" kern="1200">
+                  <a:solidFill>
+                    <a:schemeClr val="lt1"/>
+                  </a:solidFill>
+                  <a:latin typeface="+mn-lt"/>
+                  <a:ea typeface="+mn-ea"/>
+                  <a:cs typeface="+mn-cs"/>
+                </a:defRPr>
+              </a:lvl6pPr>
+              <a:lvl7pPr marL="2743200" algn="l" defTabSz="914400" rtl="0" eaLnBrk="1" latinLnBrk="0" hangingPunct="1">
+                <a:defRPr sz="1800" kern="1200">
+                  <a:solidFill>
+                    <a:schemeClr val="lt1"/>
+                  </a:solidFill>
+                  <a:latin typeface="+mn-lt"/>
+                  <a:ea typeface="+mn-ea"/>
+                  <a:cs typeface="+mn-cs"/>
+                </a:defRPr>
+              </a:lvl7pPr>
+              <a:lvl8pPr marL="3200400" algn="l" defTabSz="914400" rtl="0" eaLnBrk="1" latinLnBrk="0" hangingPunct="1">
+                <a:defRPr sz="1800" kern="1200">
+                  <a:solidFill>
+                    <a:schemeClr val="lt1"/>
+                  </a:solidFill>
+                  <a:latin typeface="+mn-lt"/>
+                  <a:ea typeface="+mn-ea"/>
+                  <a:cs typeface="+mn-cs"/>
+                </a:defRPr>
+              </a:lvl8pPr>
+              <a:lvl9pPr marL="3657600" algn="l" defTabSz="914400" rtl="0" eaLnBrk="1" latinLnBrk="0" hangingPunct="1">
+                <a:defRPr sz="1800" kern="1200">
+                  <a:solidFill>
+                    <a:schemeClr val="lt1"/>
+                  </a:solidFill>
+                  <a:latin typeface="+mn-lt"/>
+                  <a:ea typeface="+mn-ea"/>
+                  <a:cs typeface="+mn-cs"/>
+                </a:defRPr>
+              </a:lvl9pPr>
+            </a:lstStyle>
+            <a:p>
+              <a:pPr algn="ctr"/>
+              <a:endParaRPr lang="en-US"/>
+            </a:p>
+          </p:txBody>
+        </p:sp>
+        <p:sp>
+          <p:nvSpPr>
+            <p:cNvPr id="37" name="Oval 36"/>
+            <p:cNvSpPr/>
+            <p:nvPr/>
+          </p:nvSpPr>
+          <p:spPr>
+            <a:xfrm>
+              <a:off x="6581823" y="1505739"/>
+              <a:ext cx="633306" cy="633306"/>
+            </a:xfrm>
+            <a:prstGeom prst="ellipse">
+              <a:avLst/>
+            </a:prstGeom>
+            <a:solidFill>
+              <a:schemeClr val="bg1"/>
+            </a:solidFill>
+            <a:ln>
+              <a:noFill/>
+            </a:ln>
+          </p:spPr>
+          <p:style>
+            <a:lnRef idx="2">
+              <a:schemeClr val="accent1">
+                <a:shade val="50000"/>
+              </a:schemeClr>
+            </a:lnRef>
+            <a:fillRef idx="1">
+              <a:schemeClr val="accent1"/>
+            </a:fillRef>
+            <a:effectRef idx="0">
+              <a:schemeClr val="accent1"/>
+            </a:effectRef>
+            <a:fontRef idx="minor">
+              <a:schemeClr val="lt1"/>
+            </a:fontRef>
+          </p:style>
+          <p:txBody>
+            <a:bodyPr rtlCol="0" anchor="ctr"/>
+            <a:lstStyle>
+              <a:defPPr>
+                <a:defRPr lang="en-US"/>
+              </a:defPPr>
+              <a:lvl1pPr marL="0" algn="l" defTabSz="914400" rtl="0" eaLnBrk="1" latinLnBrk="0" hangingPunct="1">
+                <a:defRPr sz="1800" kern="1200">
+                  <a:solidFill>
+                    <a:schemeClr val="lt1"/>
+                  </a:solidFill>
+                  <a:latin typeface="+mn-lt"/>
+                  <a:ea typeface="+mn-ea"/>
+                  <a:cs typeface="+mn-cs"/>
+                </a:defRPr>
+              </a:lvl1pPr>
+              <a:lvl2pPr marL="457200" algn="l" defTabSz="914400" rtl="0" eaLnBrk="1" latinLnBrk="0" hangingPunct="1">
+                <a:defRPr sz="1800" kern="1200">
+                  <a:solidFill>
+                    <a:schemeClr val="lt1"/>
+                  </a:solidFill>
+                  <a:latin typeface="+mn-lt"/>
+                  <a:ea typeface="+mn-ea"/>
+                  <a:cs typeface="+mn-cs"/>
+                </a:defRPr>
+              </a:lvl2pPr>
+              <a:lvl3pPr marL="914400" algn="l" defTabSz="914400" rtl="0" eaLnBrk="1" latinLnBrk="0" hangingPunct="1">
+                <a:defRPr sz="1800" kern="1200">
+                  <a:solidFill>
+                    <a:schemeClr val="lt1"/>
+                  </a:solidFill>
+                  <a:latin typeface="+mn-lt"/>
+                  <a:ea typeface="+mn-ea"/>
+                  <a:cs typeface="+mn-cs"/>
+                </a:defRPr>
+              </a:lvl3pPr>
+              <a:lvl4pPr marL="1371600" algn="l" defTabSz="914400" rtl="0" eaLnBrk="1" latinLnBrk="0" hangingPunct="1">
+                <a:defRPr sz="1800" kern="1200">
+                  <a:solidFill>
+                    <a:schemeClr val="lt1"/>
+                  </a:solidFill>
+                  <a:latin typeface="+mn-lt"/>
+                  <a:ea typeface="+mn-ea"/>
+                  <a:cs typeface="+mn-cs"/>
+                </a:defRPr>
+              </a:lvl4pPr>
+              <a:lvl5pPr marL="1828800" algn="l" defTabSz="914400" rtl="0" eaLnBrk="1" latinLnBrk="0" hangingPunct="1">
+                <a:defRPr sz="1800" kern="1200">
+                  <a:solidFill>
+                    <a:schemeClr val="lt1"/>
+                  </a:solidFill>
+                  <a:latin typeface="+mn-lt"/>
+                  <a:ea typeface="+mn-ea"/>
+                  <a:cs typeface="+mn-cs"/>
+                </a:defRPr>
+              </a:lvl5pPr>
+              <a:lvl6pPr marL="2286000" algn="l" defTabSz="914400" rtl="0" eaLnBrk="1" latinLnBrk="0" hangingPunct="1">
+                <a:defRPr sz="1800" kern="1200">
+                  <a:solidFill>
+                    <a:schemeClr val="lt1"/>
+                  </a:solidFill>
+                  <a:latin typeface="+mn-lt"/>
+                  <a:ea typeface="+mn-ea"/>
+                  <a:cs typeface="+mn-cs"/>
+                </a:defRPr>
+              </a:lvl6pPr>
+              <a:lvl7pPr marL="2743200" algn="l" defTabSz="914400" rtl="0" eaLnBrk="1" latinLnBrk="0" hangingPunct="1">
+                <a:defRPr sz="1800" kern="1200">
+                  <a:solidFill>
+                    <a:schemeClr val="lt1"/>
+                  </a:solidFill>
+                  <a:latin typeface="+mn-lt"/>
+                  <a:ea typeface="+mn-ea"/>
+                  <a:cs typeface="+mn-cs"/>
+                </a:defRPr>
+              </a:lvl7pPr>
+              <a:lvl8pPr marL="3200400" algn="l" defTabSz="914400" rtl="0" eaLnBrk="1" latinLnBrk="0" hangingPunct="1">
+                <a:defRPr sz="1800" kern="1200">
+                  <a:solidFill>
+                    <a:schemeClr val="lt1"/>
+                  </a:solidFill>
+                  <a:latin typeface="+mn-lt"/>
+                  <a:ea typeface="+mn-ea"/>
+                  <a:cs typeface="+mn-cs"/>
+                </a:defRPr>
+              </a:lvl8pPr>
+              <a:lvl9pPr marL="3657600" algn="l" defTabSz="914400" rtl="0" eaLnBrk="1" latinLnBrk="0" hangingPunct="1">
+                <a:defRPr sz="1800" kern="1200">
+                  <a:solidFill>
+                    <a:schemeClr val="lt1"/>
+                  </a:solidFill>
+                  <a:latin typeface="+mn-lt"/>
+                  <a:ea typeface="+mn-ea"/>
+                  <a:cs typeface="+mn-cs"/>
+                </a:defRPr>
+              </a:lvl9pPr>
+            </a:lstStyle>
+            <a:p>
+              <a:pPr algn="ctr"/>
+              <a:endParaRPr lang="en-US"/>
+            </a:p>
+          </p:txBody>
+        </p:sp>
+        <p:sp>
+          <p:nvSpPr>
+            <p:cNvPr id="38" name="Oval 37"/>
+            <p:cNvSpPr/>
+            <p:nvPr/>
+          </p:nvSpPr>
+          <p:spPr>
+            <a:xfrm>
+              <a:off x="5724570" y="2065991"/>
+              <a:ext cx="263148" cy="263148"/>
+            </a:xfrm>
+            <a:prstGeom prst="ellipse">
+              <a:avLst/>
+            </a:prstGeom>
+            <a:solidFill>
+              <a:schemeClr val="bg1"/>
+            </a:solidFill>
+            <a:ln>
+              <a:noFill/>
+            </a:ln>
+          </p:spPr>
+          <p:style>
+            <a:lnRef idx="2">
+              <a:schemeClr val="accent1">
+                <a:shade val="50000"/>
+              </a:schemeClr>
+            </a:lnRef>
+            <a:fillRef idx="1">
+              <a:schemeClr val="accent1"/>
+            </a:fillRef>
+            <a:effectRef idx="0">
+              <a:schemeClr val="accent1"/>
+            </a:effectRef>
+            <a:fontRef idx="minor">
+              <a:schemeClr val="lt1"/>
+            </a:fontRef>
+          </p:style>
+          <p:txBody>
+            <a:bodyPr rtlCol="0" anchor="ctr"/>
+            <a:lstStyle>
+              <a:defPPr>
+                <a:defRPr lang="en-US"/>
+              </a:defPPr>
+              <a:lvl1pPr marL="0" algn="l" defTabSz="914400" rtl="0" eaLnBrk="1" latinLnBrk="0" hangingPunct="1">
+                <a:defRPr sz="1800" kern="1200">
+                  <a:solidFill>
+                    <a:schemeClr val="lt1"/>
+                  </a:solidFill>
+                  <a:latin typeface="+mn-lt"/>
+                  <a:ea typeface="+mn-ea"/>
+                  <a:cs typeface="+mn-cs"/>
+                </a:defRPr>
+              </a:lvl1pPr>
+              <a:lvl2pPr marL="457200" algn="l" defTabSz="914400" rtl="0" eaLnBrk="1" latinLnBrk="0" hangingPunct="1">
+                <a:defRPr sz="1800" kern="1200">
+                  <a:solidFill>
+                    <a:schemeClr val="lt1"/>
+                  </a:solidFill>
+                  <a:latin typeface="+mn-lt"/>
+                  <a:ea typeface="+mn-ea"/>
+                  <a:cs typeface="+mn-cs"/>
+                </a:defRPr>
+              </a:lvl2pPr>
+              <a:lvl3pPr marL="914400" algn="l" defTabSz="914400" rtl="0" eaLnBrk="1" latinLnBrk="0" hangingPunct="1">
+                <a:defRPr sz="1800" kern="1200">
+                  <a:solidFill>
+                    <a:schemeClr val="lt1"/>
+                  </a:solidFill>
+                  <a:latin typeface="+mn-lt"/>
+                  <a:ea typeface="+mn-ea"/>
+                  <a:cs typeface="+mn-cs"/>
+                </a:defRPr>
+              </a:lvl3pPr>
+              <a:lvl4pPr marL="1371600" algn="l" defTabSz="914400" rtl="0" eaLnBrk="1" latinLnBrk="0" hangingPunct="1">
+                <a:defRPr sz="1800" kern="1200">
+                  <a:solidFill>
+                    <a:schemeClr val="lt1"/>
+                  </a:solidFill>
+                  <a:latin typeface="+mn-lt"/>
+                  <a:ea typeface="+mn-ea"/>
+                  <a:cs typeface="+mn-cs"/>
+                </a:defRPr>
+              </a:lvl4pPr>
+              <a:lvl5pPr marL="1828800" algn="l" defTabSz="914400" rtl="0" eaLnBrk="1" latinLnBrk="0" hangingPunct="1">
+                <a:defRPr sz="1800" kern="1200">
+                  <a:solidFill>
+                    <a:schemeClr val="lt1"/>
+                  </a:solidFill>
+                  <a:latin typeface="+mn-lt"/>
+                  <a:ea typeface="+mn-ea"/>
+                  <a:cs typeface="+mn-cs"/>
+                </a:defRPr>
+              </a:lvl5pPr>
+              <a:lvl6pPr marL="2286000" algn="l" defTabSz="914400" rtl="0" eaLnBrk="1" latinLnBrk="0" hangingPunct="1">
+                <a:defRPr sz="1800" kern="1200">
+                  <a:solidFill>
+                    <a:schemeClr val="lt1"/>
+                  </a:solidFill>
+                  <a:latin typeface="+mn-lt"/>
+                  <a:ea typeface="+mn-ea"/>
+                  <a:cs typeface="+mn-cs"/>
+                </a:defRPr>
+              </a:lvl6pPr>
+              <a:lvl7pPr marL="2743200" algn="l" defTabSz="914400" rtl="0" eaLnBrk="1" latinLnBrk="0" hangingPunct="1">
+                <a:defRPr sz="1800" kern="1200">
+                  <a:solidFill>
+                    <a:schemeClr val="lt1"/>
+                  </a:solidFill>
+                  <a:latin typeface="+mn-lt"/>
+                  <a:ea typeface="+mn-ea"/>
+                  <a:cs typeface="+mn-cs"/>
+                </a:defRPr>
+              </a:lvl7pPr>
+              <a:lvl8pPr marL="3200400" algn="l" defTabSz="914400" rtl="0" eaLnBrk="1" latinLnBrk="0" hangingPunct="1">
+                <a:defRPr sz="1800" kern="1200">
+                  <a:solidFill>
+                    <a:schemeClr val="lt1"/>
+                  </a:solidFill>
+                  <a:latin typeface="+mn-lt"/>
+                  <a:ea typeface="+mn-ea"/>
+                  <a:cs typeface="+mn-cs"/>
+                </a:defRPr>
+              </a:lvl8pPr>
+              <a:lvl9pPr marL="3657600" algn="l" defTabSz="914400" rtl="0" eaLnBrk="1" latinLnBrk="0" hangingPunct="1">
+                <a:defRPr sz="1800" kern="1200">
+                  <a:solidFill>
+                    <a:schemeClr val="lt1"/>
+                  </a:solidFill>
+                  <a:latin typeface="+mn-lt"/>
+                  <a:ea typeface="+mn-ea"/>
+                  <a:cs typeface="+mn-cs"/>
+                </a:defRPr>
+              </a:lvl9pPr>
+            </a:lstStyle>
+            <a:p>
+              <a:pPr algn="ctr"/>
+              <a:endParaRPr lang="en-US"/>
+            </a:p>
+          </p:txBody>
+        </p:sp>
+        <p:sp>
+          <p:nvSpPr>
+            <p:cNvPr id="39" name="Rectangle 38"/>
+            <p:cNvSpPr/>
+            <p:nvPr/>
+          </p:nvSpPr>
+          <p:spPr>
+            <a:xfrm>
+              <a:off x="6243354" y="2450396"/>
+              <a:ext cx="238125" cy="592008"/>
+            </a:xfrm>
+            <a:prstGeom prst="rect">
+              <a:avLst/>
+            </a:prstGeom>
+            <a:solidFill>
+              <a:srgbClr val="FFFFFF">
+                <a:alpha val="43137"/>
+              </a:srgbClr>
+            </a:solidFill>
+            <a:ln>
+              <a:noFill/>
+            </a:ln>
+          </p:spPr>
+          <p:style>
+            <a:lnRef idx="2">
+              <a:schemeClr val="accent1">
+                <a:shade val="50000"/>
+              </a:schemeClr>
+            </a:lnRef>
+            <a:fillRef idx="1">
+              <a:schemeClr val="accent1"/>
+            </a:fillRef>
+            <a:effectRef idx="0">
+              <a:schemeClr val="accent1"/>
+            </a:effectRef>
+            <a:fontRef idx="minor">
+              <a:schemeClr val="lt1"/>
+            </a:fontRef>
+          </p:style>
+          <p:txBody>
+            <a:bodyPr rtlCol="0" anchor="ctr"/>
+            <a:lstStyle>
+              <a:defPPr>
+                <a:defRPr lang="en-US"/>
+              </a:defPPr>
+              <a:lvl1pPr marL="0" algn="l" defTabSz="914400" rtl="0" eaLnBrk="1" latinLnBrk="0" hangingPunct="1">
+                <a:defRPr sz="1800" kern="1200">
+                  <a:solidFill>
+                    <a:schemeClr val="lt1"/>
+                  </a:solidFill>
+                  <a:latin typeface="+mn-lt"/>
+                  <a:ea typeface="+mn-ea"/>
+                  <a:cs typeface="+mn-cs"/>
+                </a:defRPr>
+              </a:lvl1pPr>
+              <a:lvl2pPr marL="457200" algn="l" defTabSz="914400" rtl="0" eaLnBrk="1" latinLnBrk="0" hangingPunct="1">
+                <a:defRPr sz="1800" kern="1200">
+                  <a:solidFill>
+                    <a:schemeClr val="lt1"/>
+                  </a:solidFill>
+                  <a:latin typeface="+mn-lt"/>
+                  <a:ea typeface="+mn-ea"/>
+                  <a:cs typeface="+mn-cs"/>
+                </a:defRPr>
+              </a:lvl2pPr>
+              <a:lvl3pPr marL="914400" algn="l" defTabSz="914400" rtl="0" eaLnBrk="1" latinLnBrk="0" hangingPunct="1">
+                <a:defRPr sz="1800" kern="1200">
+                  <a:solidFill>
+                    <a:schemeClr val="lt1"/>
+                  </a:solidFill>
+                  <a:latin typeface="+mn-lt"/>
+                  <a:ea typeface="+mn-ea"/>
+                  <a:cs typeface="+mn-cs"/>
+                </a:defRPr>
+              </a:lvl3pPr>
+              <a:lvl4pPr marL="1371600" algn="l" defTabSz="914400" rtl="0" eaLnBrk="1" latinLnBrk="0" hangingPunct="1">
+                <a:defRPr sz="1800" kern="1200">
+                  <a:solidFill>
+                    <a:schemeClr val="lt1"/>
+                  </a:solidFill>
+                  <a:latin typeface="+mn-lt"/>
+                  <a:ea typeface="+mn-ea"/>
+                  <a:cs typeface="+mn-cs"/>
+                </a:defRPr>
+              </a:lvl4pPr>
+              <a:lvl5pPr marL="1828800" algn="l" defTabSz="914400" rtl="0" eaLnBrk="1" latinLnBrk="0" hangingPunct="1">
+                <a:defRPr sz="1800" kern="1200">
+                  <a:solidFill>
+                    <a:schemeClr val="lt1"/>
+                  </a:solidFill>
+                  <a:latin typeface="+mn-lt"/>
+                  <a:ea typeface="+mn-ea"/>
+                  <a:cs typeface="+mn-cs"/>
+                </a:defRPr>
+              </a:lvl5pPr>
+              <a:lvl6pPr marL="2286000" algn="l" defTabSz="914400" rtl="0" eaLnBrk="1" latinLnBrk="0" hangingPunct="1">
+                <a:defRPr sz="1800" kern="1200">
+                  <a:solidFill>
+                    <a:schemeClr val="lt1"/>
+                  </a:solidFill>
+                  <a:latin typeface="+mn-lt"/>
+                  <a:ea typeface="+mn-ea"/>
+                  <a:cs typeface="+mn-cs"/>
+                </a:defRPr>
+              </a:lvl6pPr>
+              <a:lvl7pPr marL="2743200" algn="l" defTabSz="914400" rtl="0" eaLnBrk="1" latinLnBrk="0" hangingPunct="1">
+                <a:defRPr sz="1800" kern="1200">
+                  <a:solidFill>
+                    <a:schemeClr val="lt1"/>
+                  </a:solidFill>
+                  <a:latin typeface="+mn-lt"/>
+                  <a:ea typeface="+mn-ea"/>
+                  <a:cs typeface="+mn-cs"/>
+                </a:defRPr>
+              </a:lvl7pPr>
+              <a:lvl8pPr marL="3200400" algn="l" defTabSz="914400" rtl="0" eaLnBrk="1" latinLnBrk="0" hangingPunct="1">
+                <a:defRPr sz="1800" kern="1200">
+                  <a:solidFill>
+                    <a:schemeClr val="lt1"/>
+                  </a:solidFill>
+                  <a:latin typeface="+mn-lt"/>
+                  <a:ea typeface="+mn-ea"/>
+                  <a:cs typeface="+mn-cs"/>
+                </a:defRPr>
+              </a:lvl8pPr>
+              <a:lvl9pPr marL="3657600" algn="l" defTabSz="914400" rtl="0" eaLnBrk="1" latinLnBrk="0" hangingPunct="1">
+                <a:defRPr sz="1800" kern="1200">
+                  <a:solidFill>
+                    <a:schemeClr val="lt1"/>
+                  </a:solidFill>
+                  <a:latin typeface="+mn-lt"/>
+                  <a:ea typeface="+mn-ea"/>
+                  <a:cs typeface="+mn-cs"/>
+                </a:defRPr>
+              </a:lvl9pPr>
+            </a:lstStyle>
+            <a:p>
+              <a:pPr algn="ctr"/>
+              <a:endParaRPr lang="en-US"/>
+            </a:p>
+          </p:txBody>
+        </p:sp>
+        <p:sp>
+          <p:nvSpPr>
+            <p:cNvPr id="40" name="Oval 39"/>
+            <p:cNvSpPr/>
+            <p:nvPr/>
+          </p:nvSpPr>
+          <p:spPr>
+            <a:xfrm>
+              <a:off x="5795007" y="2325763"/>
+              <a:ext cx="122275" cy="122275"/>
+            </a:xfrm>
+            <a:prstGeom prst="ellipse">
+              <a:avLst/>
+            </a:prstGeom>
+            <a:solidFill>
+              <a:schemeClr val="bg1"/>
+            </a:solidFill>
+            <a:ln>
+              <a:noFill/>
+            </a:ln>
+          </p:spPr>
+          <p:style>
+            <a:lnRef idx="2">
+              <a:schemeClr val="accent1">
+                <a:shade val="50000"/>
+              </a:schemeClr>
+            </a:lnRef>
+            <a:fillRef idx="1">
+              <a:schemeClr val="accent1"/>
+            </a:fillRef>
+            <a:effectRef idx="0">
+              <a:schemeClr val="accent1"/>
+            </a:effectRef>
+            <a:fontRef idx="minor">
+              <a:schemeClr val="lt1"/>
+            </a:fontRef>
+          </p:style>
+          <p:txBody>
+            <a:bodyPr rtlCol="0" anchor="ctr"/>
+            <a:lstStyle>
+              <a:defPPr>
+                <a:defRPr lang="en-US"/>
+              </a:defPPr>
+              <a:lvl1pPr marL="0" algn="l" defTabSz="914400" rtl="0" eaLnBrk="1" latinLnBrk="0" hangingPunct="1">
+                <a:defRPr sz="1800" kern="1200">
+                  <a:solidFill>
+                    <a:schemeClr val="lt1"/>
+                  </a:solidFill>
+                  <a:latin typeface="+mn-lt"/>
+                  <a:ea typeface="+mn-ea"/>
+                  <a:cs typeface="+mn-cs"/>
+                </a:defRPr>
+              </a:lvl1pPr>
+              <a:lvl2pPr marL="457200" algn="l" defTabSz="914400" rtl="0" eaLnBrk="1" latinLnBrk="0" hangingPunct="1">
+                <a:defRPr sz="1800" kern="1200">
+                  <a:solidFill>
+                    <a:schemeClr val="lt1"/>
+                  </a:solidFill>
+                  <a:latin typeface="+mn-lt"/>
+                  <a:ea typeface="+mn-ea"/>
+                  <a:cs typeface="+mn-cs"/>
+                </a:defRPr>
+              </a:lvl2pPr>
+              <a:lvl3pPr marL="914400" algn="l" defTabSz="914400" rtl="0" eaLnBrk="1" latinLnBrk="0" hangingPunct="1">
+                <a:defRPr sz="1800" kern="1200">
+                  <a:solidFill>
+                    <a:schemeClr val="lt1"/>
+                  </a:solidFill>
+                  <a:latin typeface="+mn-lt"/>
+                  <a:ea typeface="+mn-ea"/>
+                  <a:cs typeface="+mn-cs"/>
+                </a:defRPr>
+              </a:lvl3pPr>
+              <a:lvl4pPr marL="1371600" algn="l" defTabSz="914400" rtl="0" eaLnBrk="1" latinLnBrk="0" hangingPunct="1">
+                <a:defRPr sz="1800" kern="1200">
+                  <a:solidFill>
+                    <a:schemeClr val="lt1"/>
+                  </a:solidFill>
+                  <a:latin typeface="+mn-lt"/>
+                  <a:ea typeface="+mn-ea"/>
+                  <a:cs typeface="+mn-cs"/>
+                </a:defRPr>
+              </a:lvl4pPr>
+              <a:lvl5pPr marL="1828800" algn="l" defTabSz="914400" rtl="0" eaLnBrk="1" latinLnBrk="0" hangingPunct="1">
+                <a:defRPr sz="1800" kern="1200">
+                  <a:solidFill>
+                    <a:schemeClr val="lt1"/>
+                  </a:solidFill>
+                  <a:latin typeface="+mn-lt"/>
+                  <a:ea typeface="+mn-ea"/>
+                  <a:cs typeface="+mn-cs"/>
+                </a:defRPr>
+              </a:lvl5pPr>
+              <a:lvl6pPr marL="2286000" algn="l" defTabSz="914400" rtl="0" eaLnBrk="1" latinLnBrk="0" hangingPunct="1">
+                <a:defRPr sz="1800" kern="1200">
+                  <a:solidFill>
+                    <a:schemeClr val="lt1"/>
+                  </a:solidFill>
+                  <a:latin typeface="+mn-lt"/>
+                  <a:ea typeface="+mn-ea"/>
+                  <a:cs typeface="+mn-cs"/>
+                </a:defRPr>
+              </a:lvl6pPr>
+              <a:lvl7pPr marL="2743200" algn="l" defTabSz="914400" rtl="0" eaLnBrk="1" latinLnBrk="0" hangingPunct="1">
+                <a:defRPr sz="1800" kern="1200">
+                  <a:solidFill>
+                    <a:schemeClr val="lt1"/>
+                  </a:solidFill>
+                  <a:latin typeface="+mn-lt"/>
+                  <a:ea typeface="+mn-ea"/>
+                  <a:cs typeface="+mn-cs"/>
+                </a:defRPr>
+              </a:lvl7pPr>
+              <a:lvl8pPr marL="3200400" algn="l" defTabSz="914400" rtl="0" eaLnBrk="1" latinLnBrk="0" hangingPunct="1">
+                <a:defRPr sz="1800" kern="1200">
+                  <a:solidFill>
+                    <a:schemeClr val="lt1"/>
+                  </a:solidFill>
+                  <a:latin typeface="+mn-lt"/>
+                  <a:ea typeface="+mn-ea"/>
+                  <a:cs typeface="+mn-cs"/>
+                </a:defRPr>
+              </a:lvl8pPr>
+              <a:lvl9pPr marL="3657600" algn="l" defTabSz="914400" rtl="0" eaLnBrk="1" latinLnBrk="0" hangingPunct="1">
+                <a:defRPr sz="1800" kern="1200">
+                  <a:solidFill>
+                    <a:schemeClr val="lt1"/>
+                  </a:solidFill>
+                  <a:latin typeface="+mn-lt"/>
+                  <a:ea typeface="+mn-ea"/>
+                  <a:cs typeface="+mn-cs"/>
+                </a:defRPr>
+              </a:lvl9pPr>
+            </a:lstStyle>
+            <a:p>
+              <a:pPr algn="ctr"/>
+              <a:endParaRPr lang="en-US"/>
+            </a:p>
+          </p:txBody>
+        </p:sp>
+      </p:grpSp>
+    </p:spTree>
+    <p:extLst>
+      <p:ext uri="{BB962C8B-B14F-4D97-AF65-F5344CB8AC3E}">
+        <p14:creationId xmlns:p14="http://schemas.microsoft.com/office/powerpoint/2010/main" val="3226100156"/>
       </p:ext>
     </p:extLst>
   </p:cSld>
